--- a/Centrale_2019/images/Figures.pptx
+++ b/Centrale_2019/images/Figures.pptx
@@ -7,6 +7,8 @@
   <p:sldIdLst>
     <p:sldId id="256" r:id="rId2"/>
     <p:sldId id="257" r:id="rId3"/>
+    <p:sldId id="258" r:id="rId4"/>
+    <p:sldId id="259" r:id="rId5"/>
   </p:sldIdLst>
   <p:sldSz cx="12192000" cy="6858000"/>
   <p:notesSz cx="6858000" cy="9144000"/>
@@ -260,7 +262,7 @@
           <a:p>
             <a:fld id="{A246378E-A54B-4198-9326-A950FFA5F27A}" type="datetimeFigureOut">
               <a:rPr lang="fr-FR" smtClean="0"/>
-              <a:t>12/05/2019</a:t>
+              <a:t>01/06/2019</a:t>
             </a:fld>
             <a:endParaRPr lang="fr-FR"/>
           </a:p>
@@ -458,7 +460,7 @@
           <a:p>
             <a:fld id="{A246378E-A54B-4198-9326-A950FFA5F27A}" type="datetimeFigureOut">
               <a:rPr lang="fr-FR" smtClean="0"/>
-              <a:t>12/05/2019</a:t>
+              <a:t>01/06/2019</a:t>
             </a:fld>
             <a:endParaRPr lang="fr-FR"/>
           </a:p>
@@ -666,7 +668,7 @@
           <a:p>
             <a:fld id="{A246378E-A54B-4198-9326-A950FFA5F27A}" type="datetimeFigureOut">
               <a:rPr lang="fr-FR" smtClean="0"/>
-              <a:t>12/05/2019</a:t>
+              <a:t>01/06/2019</a:t>
             </a:fld>
             <a:endParaRPr lang="fr-FR"/>
           </a:p>
@@ -864,7 +866,7 @@
           <a:p>
             <a:fld id="{A246378E-A54B-4198-9326-A950FFA5F27A}" type="datetimeFigureOut">
               <a:rPr lang="fr-FR" smtClean="0"/>
-              <a:t>12/05/2019</a:t>
+              <a:t>01/06/2019</a:t>
             </a:fld>
             <a:endParaRPr lang="fr-FR"/>
           </a:p>
@@ -1139,7 +1141,7 @@
           <a:p>
             <a:fld id="{A246378E-A54B-4198-9326-A950FFA5F27A}" type="datetimeFigureOut">
               <a:rPr lang="fr-FR" smtClean="0"/>
-              <a:t>12/05/2019</a:t>
+              <a:t>01/06/2019</a:t>
             </a:fld>
             <a:endParaRPr lang="fr-FR"/>
           </a:p>
@@ -1404,7 +1406,7 @@
           <a:p>
             <a:fld id="{A246378E-A54B-4198-9326-A950FFA5F27A}" type="datetimeFigureOut">
               <a:rPr lang="fr-FR" smtClean="0"/>
-              <a:t>12/05/2019</a:t>
+              <a:t>01/06/2019</a:t>
             </a:fld>
             <a:endParaRPr lang="fr-FR"/>
           </a:p>
@@ -1816,7 +1818,7 @@
           <a:p>
             <a:fld id="{A246378E-A54B-4198-9326-A950FFA5F27A}" type="datetimeFigureOut">
               <a:rPr lang="fr-FR" smtClean="0"/>
-              <a:t>12/05/2019</a:t>
+              <a:t>01/06/2019</a:t>
             </a:fld>
             <a:endParaRPr lang="fr-FR"/>
           </a:p>
@@ -1957,7 +1959,7 @@
           <a:p>
             <a:fld id="{A246378E-A54B-4198-9326-A950FFA5F27A}" type="datetimeFigureOut">
               <a:rPr lang="fr-FR" smtClean="0"/>
-              <a:t>12/05/2019</a:t>
+              <a:t>01/06/2019</a:t>
             </a:fld>
             <a:endParaRPr lang="fr-FR"/>
           </a:p>
@@ -2070,7 +2072,7 @@
           <a:p>
             <a:fld id="{A246378E-A54B-4198-9326-A950FFA5F27A}" type="datetimeFigureOut">
               <a:rPr lang="fr-FR" smtClean="0"/>
-              <a:t>12/05/2019</a:t>
+              <a:t>01/06/2019</a:t>
             </a:fld>
             <a:endParaRPr lang="fr-FR"/>
           </a:p>
@@ -2381,7 +2383,7 @@
           <a:p>
             <a:fld id="{A246378E-A54B-4198-9326-A950FFA5F27A}" type="datetimeFigureOut">
               <a:rPr lang="fr-FR" smtClean="0"/>
-              <a:t>12/05/2019</a:t>
+              <a:t>01/06/2019</a:t>
             </a:fld>
             <a:endParaRPr lang="fr-FR"/>
           </a:p>
@@ -2669,7 +2671,7 @@
           <a:p>
             <a:fld id="{A246378E-A54B-4198-9326-A950FFA5F27A}" type="datetimeFigureOut">
               <a:rPr lang="fr-FR" smtClean="0"/>
-              <a:t>12/05/2019</a:t>
+              <a:t>01/06/2019</a:t>
             </a:fld>
             <a:endParaRPr lang="fr-FR"/>
           </a:p>
@@ -2910,7 +2912,7 @@
           <a:p>
             <a:fld id="{A246378E-A54B-4198-9326-A950FFA5F27A}" type="datetimeFigureOut">
               <a:rPr lang="fr-FR" smtClean="0"/>
-              <a:t>12/05/2019</a:t>
+              <a:t>01/06/2019</a:t>
             </a:fld>
             <a:endParaRPr lang="fr-FR"/>
           </a:p>
@@ -4527,8 +4529,8 @@
         </p:nvSpPr>
         <p:spPr>
           <a:xfrm rot="18818568">
-            <a:off x="3101399" y="5810697"/>
-            <a:ext cx="827919" cy="276999"/>
+            <a:off x="3131479" y="5779324"/>
+            <a:ext cx="930319" cy="461665"/>
           </a:xfrm>
           <a:prstGeom prst="rect">
             <a:avLst/>
@@ -4541,9 +4543,17 @@
           </a:bodyPr>
           <a:lstStyle/>
           <a:p>
+            <a:pPr algn="ctr"/>
             <a:r>
               <a:rPr lang="fr-FR" sz="1200" dirty="0"/>
               <a:t>Réducteur</a:t>
+            </a:r>
+          </a:p>
+          <a:p>
+            <a:pPr algn="ctr"/>
+            <a:r>
+              <a:rPr lang="fr-FR" sz="1200" dirty="0"/>
+              <a:t>frottements</a:t>
             </a:r>
           </a:p>
         </p:txBody>
@@ -4591,8 +4601,8 @@
           </a:fontRef>
         </p:style>
       </p:cxnSp>
-      <mc:AlternateContent xmlns:mc="http://schemas.openxmlformats.org/markup-compatibility/2006">
-        <mc:Choice xmlns:a14="http://schemas.microsoft.com/office/drawing/2010/main" Requires="a14">
+      <mc:AlternateContent xmlns:mc="http://schemas.openxmlformats.org/markup-compatibility/2006" xmlns:a14="http://schemas.microsoft.com/office/drawing/2010/main">
+        <mc:Choice Requires="a14">
           <p:sp>
             <p:nvSpPr>
               <p:cNvPr id="16" name="ZoneTexte 15">
@@ -4627,6 +4637,7 @@
                 </a:r>
               </a:p>
               <a:p>
+                <a:pPr/>
                 <a14:m>
                   <m:oMathPara xmlns:m="http://schemas.openxmlformats.org/officeDocument/2006/math">
                     <m:oMathParaPr>
@@ -4701,7 +4712,7 @@
             </p:txBody>
           </p:sp>
         </mc:Choice>
-        <mc:Fallback>
+        <mc:Fallback xmlns="">
           <p:sp>
             <p:nvSpPr>
               <p:cNvPr id="16" name="ZoneTexte 15">
@@ -4835,8 +4846,8 @@
           </a:fontRef>
         </p:style>
       </p:cxnSp>
-      <mc:AlternateContent xmlns:mc="http://schemas.openxmlformats.org/markup-compatibility/2006">
-        <mc:Choice xmlns:a14="http://schemas.microsoft.com/office/drawing/2010/main" Requires="a14">
+      <mc:AlternateContent xmlns:mc="http://schemas.openxmlformats.org/markup-compatibility/2006" xmlns:a14="http://schemas.microsoft.com/office/drawing/2010/main">
+        <mc:Choice Requires="a14">
           <p:sp>
             <p:nvSpPr>
               <p:cNvPr id="21" name="ZoneTexte 20">
@@ -4953,7 +4964,7 @@
             </p:txBody>
           </p:sp>
         </mc:Choice>
-        <mc:Fallback>
+        <mc:Fallback xmlns="">
           <p:sp>
             <p:nvSpPr>
               <p:cNvPr id="21" name="ZoneTexte 20">
@@ -5042,8 +5053,8 @@
           </a:fontRef>
         </p:style>
       </p:cxnSp>
-      <mc:AlternateContent xmlns:mc="http://schemas.openxmlformats.org/markup-compatibility/2006">
-        <mc:Choice xmlns:a14="http://schemas.microsoft.com/office/drawing/2010/main" Requires="a14">
+      <mc:AlternateContent xmlns:mc="http://schemas.openxmlformats.org/markup-compatibility/2006" xmlns:a14="http://schemas.microsoft.com/office/drawing/2010/main">
+        <mc:Choice Requires="a14">
           <p:sp>
             <p:nvSpPr>
               <p:cNvPr id="26" name="ZoneTexte 25">
@@ -5123,7 +5134,7 @@
             </p:txBody>
           </p:sp>
         </mc:Choice>
-        <mc:Fallback>
+        <mc:Fallback xmlns="">
           <p:sp>
             <p:nvSpPr>
               <p:cNvPr id="26" name="ZoneTexte 25">
@@ -5229,8 +5240,8 @@
             </p:nvSpPr>
             <p:spPr>
               <a:xfrm>
-                <a:off x="5618082" y="5371139"/>
-                <a:ext cx="1004185" cy="461665"/>
+                <a:off x="5404273" y="5371139"/>
+                <a:ext cx="1431803" cy="646331"/>
               </a:xfrm>
               <a:prstGeom prst="rect">
                 <a:avLst/>
@@ -5246,7 +5257,7 @@
                 <a:pPr algn="ctr"/>
                 <a:r>
                   <a:rPr lang="fr-FR" sz="1200" dirty="0"/>
-                  <a:t>Pivot glissant</a:t>
+                  <a:t>Pivot</a:t>
                 </a:r>
               </a:p>
               <a:p>
@@ -5321,6 +5332,13 @@
                 </a14:m>
                 <a:endParaRPr lang="fr-FR" sz="1200" dirty="0"/>
               </a:p>
+              <a:p>
+                <a:pPr algn="ctr"/>
+                <a:r>
+                  <a:rPr lang="fr-FR" sz="1200" b="1" i="1" dirty="0"/>
+                  <a:t>Supposée immobile</a:t>
+                </a:r>
+              </a:p>
             </p:txBody>
           </p:sp>
         </mc:Choice>
@@ -5341,8 +5359,8 @@
             </p:nvSpPr>
             <p:spPr>
               <a:xfrm>
-                <a:off x="5618082" y="5371139"/>
-                <a:ext cx="1004185" cy="461665"/>
+                <a:off x="5404273" y="5371139"/>
+                <a:ext cx="1431803" cy="646331"/>
               </a:xfrm>
               <a:prstGeom prst="rect">
                 <a:avLst/>
@@ -5350,7 +5368,7 @@
               <a:blipFill>
                 <a:blip r:embed="rId6"/>
                 <a:stretch>
-                  <a:fillRect l="-610" b="-9211"/>
+                  <a:fillRect b="-6604"/>
                 </a:stretch>
               </a:blipFill>
             </p:spPr>
@@ -5662,8 +5680,8 @@
           </a:p>
         </p:txBody>
       </p:sp>
-      <mc:AlternateContent xmlns:mc="http://schemas.openxmlformats.org/markup-compatibility/2006">
-        <mc:Choice xmlns:a14="http://schemas.microsoft.com/office/drawing/2010/main" Requires="a14">
+      <mc:AlternateContent xmlns:mc="http://schemas.openxmlformats.org/markup-compatibility/2006" xmlns:a14="http://schemas.microsoft.com/office/drawing/2010/main">
+        <mc:Choice Requires="a14">
           <p:sp>
             <p:nvSpPr>
               <p:cNvPr id="34" name="ZoneTexte 33">
@@ -5698,6 +5716,7 @@
                 </a:r>
               </a:p>
               <a:p>
+                <a:pPr/>
                 <a14:m>
                   <m:oMathPara xmlns:m="http://schemas.openxmlformats.org/officeDocument/2006/math">
                     <m:oMathParaPr>
@@ -5772,7 +5791,7 @@
             </p:txBody>
           </p:sp>
         </mc:Choice>
-        <mc:Fallback>
+        <mc:Fallback xmlns="">
           <p:sp>
             <p:nvSpPr>
               <p:cNvPr id="34" name="ZoneTexte 33">
@@ -5938,8 +5957,8 @@
           </a:fontRef>
         </p:style>
       </p:cxnSp>
-      <mc:AlternateContent xmlns:mc="http://schemas.openxmlformats.org/markup-compatibility/2006">
-        <mc:Choice xmlns:a14="http://schemas.microsoft.com/office/drawing/2010/main" Requires="a14">
+      <mc:AlternateContent xmlns:mc="http://schemas.openxmlformats.org/markup-compatibility/2006" xmlns:a14="http://schemas.microsoft.com/office/drawing/2010/main">
+        <mc:Choice Requires="a14">
           <p:sp>
             <p:nvSpPr>
               <p:cNvPr id="42" name="ZoneTexte 41">
@@ -5974,6 +5993,7 @@
                 </a:r>
               </a:p>
               <a:p>
+                <a:pPr/>
                 <a14:m>
                   <m:oMathPara xmlns:m="http://schemas.openxmlformats.org/officeDocument/2006/math">
                     <m:oMathParaPr>
@@ -6054,7 +6074,7 @@
             </p:txBody>
           </p:sp>
         </mc:Choice>
-        <mc:Fallback>
+        <mc:Fallback xmlns="">
           <p:sp>
             <p:nvSpPr>
               <p:cNvPr id="42" name="ZoneTexte 41">
@@ -6304,7 +6324,7 @@
             </p:nvSpPr>
             <p:spPr>
               <a:xfrm>
-                <a:off x="3596298" y="5990130"/>
+                <a:off x="3626778" y="5990130"/>
                 <a:ext cx="855875" cy="461665"/>
               </a:xfrm>
               <a:prstGeom prst="rect">
@@ -6324,6 +6344,7 @@
                 </a:r>
               </a:p>
               <a:p>
+                <a:pPr/>
                 <a14:m>
                   <m:oMathPara xmlns:m="http://schemas.openxmlformats.org/officeDocument/2006/math">
                     <m:oMathParaPr>
@@ -6415,7 +6436,7 @@
             </p:nvSpPr>
             <p:spPr>
               <a:xfrm>
-                <a:off x="3596298" y="5990130"/>
+                <a:off x="3626778" y="5990130"/>
                 <a:ext cx="855875" cy="461665"/>
               </a:xfrm>
               <a:prstGeom prst="rect">
@@ -6504,8 +6525,8 @@
           </a:p>
         </p:txBody>
       </p:sp>
-      <mc:AlternateContent xmlns:mc="http://schemas.openxmlformats.org/markup-compatibility/2006">
-        <mc:Choice xmlns:a14="http://schemas.microsoft.com/office/drawing/2010/main" Requires="a14">
+      <mc:AlternateContent xmlns:mc="http://schemas.openxmlformats.org/markup-compatibility/2006" xmlns:a14="http://schemas.microsoft.com/office/drawing/2010/main">
+        <mc:Choice Requires="a14">
           <p:sp>
             <p:nvSpPr>
               <p:cNvPr id="53" name="ZoneTexte 52">
@@ -6616,7 +6637,7 @@
             </p:txBody>
           </p:sp>
         </mc:Choice>
-        <mc:Fallback>
+        <mc:Fallback xmlns="">
           <p:sp>
             <p:nvSpPr>
               <p:cNvPr id="53" name="ZoneTexte 52">
@@ -6661,10 +6682,4884 @@
           </p:sp>
         </mc:Fallback>
       </mc:AlternateContent>
+      <p:sp>
+        <p:nvSpPr>
+          <p:cNvPr id="2" name="Éclair 1">
+            <a:extLst>
+              <a:ext uri="{FF2B5EF4-FFF2-40B4-BE49-F238E27FC236}">
+                <a16:creationId xmlns:a16="http://schemas.microsoft.com/office/drawing/2014/main" id="{FC868525-B9E2-48B1-ACCC-636EEA1266DB}"/>
+              </a:ext>
+            </a:extLst>
+          </p:cNvPr>
+          <p:cNvSpPr/>
+          <p:nvPr/>
+        </p:nvSpPr>
+        <p:spPr>
+          <a:xfrm rot="16200000">
+            <a:off x="1116358" y="6563360"/>
+            <a:ext cx="471692" cy="589280"/>
+          </a:xfrm>
+          <a:prstGeom prst="lightningBolt">
+            <a:avLst/>
+          </a:prstGeom>
+          <a:solidFill>
+            <a:schemeClr val="accent2">
+              <a:lumMod val="20000"/>
+              <a:lumOff val="80000"/>
+            </a:schemeClr>
+          </a:solidFill>
+          <a:ln>
+            <a:solidFill>
+              <a:srgbClr val="FF0000"/>
+            </a:solidFill>
+          </a:ln>
+        </p:spPr>
+        <p:style>
+          <a:lnRef idx="2">
+            <a:schemeClr val="accent1">
+              <a:shade val="50000"/>
+            </a:schemeClr>
+          </a:lnRef>
+          <a:fillRef idx="1">
+            <a:schemeClr val="accent1"/>
+          </a:fillRef>
+          <a:effectRef idx="0">
+            <a:schemeClr val="accent1"/>
+          </a:effectRef>
+          <a:fontRef idx="minor">
+            <a:schemeClr val="lt1"/>
+          </a:fontRef>
+        </p:style>
+        <p:txBody>
+          <a:bodyPr rtlCol="0" anchor="ctr"/>
+          <a:lstStyle/>
+          <a:p>
+            <a:pPr algn="ctr"/>
+            <a:endParaRPr lang="fr-FR"/>
+          </a:p>
+        </p:txBody>
+      </p:sp>
+      <mc:AlternateContent xmlns:mc="http://schemas.openxmlformats.org/markup-compatibility/2006">
+        <mc:Choice xmlns:a14="http://schemas.microsoft.com/office/drawing/2010/main" Requires="a14">
+          <p:sp>
+            <p:nvSpPr>
+              <p:cNvPr id="32" name="ZoneTexte 31">
+                <a:extLst>
+                  <a:ext uri="{FF2B5EF4-FFF2-40B4-BE49-F238E27FC236}">
+                    <a16:creationId xmlns:a16="http://schemas.microsoft.com/office/drawing/2014/main" id="{550CB7A5-7748-4231-ACFF-CB60D10958D6}"/>
+                  </a:ext>
+                </a:extLst>
+              </p:cNvPr>
+              <p:cNvSpPr txBox="1"/>
+              <p:nvPr/>
+            </p:nvSpPr>
+            <p:spPr>
+              <a:xfrm>
+                <a:off x="514293" y="6916678"/>
+                <a:ext cx="618696" cy="276999"/>
+              </a:xfrm>
+              <a:prstGeom prst="rect">
+                <a:avLst/>
+              </a:prstGeom>
+              <a:noFill/>
+            </p:spPr>
+            <p:txBody>
+              <a:bodyPr wrap="none" rtlCol="0">
+                <a:spAutoFit/>
+              </a:bodyPr>
+              <a:lstStyle/>
+              <a:p>
+                <a:pPr/>
+                <a14:m>
+                  <m:oMathPara xmlns:m="http://schemas.openxmlformats.org/officeDocument/2006/math">
+                    <m:oMathParaPr>
+                      <m:jc m:val="centerGroup"/>
+                    </m:oMathParaPr>
+                    <m:oMath xmlns:m="http://schemas.openxmlformats.org/officeDocument/2006/math">
+                      <m:sSub>
+                        <m:sSubPr>
+                          <m:ctrlPr>
+                            <a:rPr lang="fr-FR" sz="1200" b="0" i="1" smtClean="0">
+                              <a:latin typeface="Cambria Math" panose="02040503050406030204" pitchFamily="18" charset="0"/>
+                            </a:rPr>
+                          </m:ctrlPr>
+                        </m:sSubPr>
+                        <m:e>
+                          <m:r>
+                            <a:rPr lang="fr-FR" sz="1200" b="0" i="1" smtClean="0">
+                              <a:latin typeface="Cambria Math" panose="02040503050406030204" pitchFamily="18" charset="0"/>
+                            </a:rPr>
+                            <m:t>𝐶</m:t>
+                          </m:r>
+                        </m:e>
+                        <m:sub>
+                          <m:r>
+                            <a:rPr lang="fr-FR" sz="1200" b="0" i="1" smtClean="0">
+                              <a:latin typeface="Cambria Math" panose="02040503050406030204" pitchFamily="18" charset="0"/>
+                            </a:rPr>
+                            <m:t>𝑚</m:t>
+                          </m:r>
+                          <m:r>
+                            <a:rPr lang="fr-FR" sz="1200" b="0" i="1" smtClean="0">
+                              <a:latin typeface="Cambria Math" panose="02040503050406030204" pitchFamily="18" charset="0"/>
+                            </a:rPr>
+                            <m:t>1</m:t>
+                          </m:r>
+                        </m:sub>
+                      </m:sSub>
+                      <m:acc>
+                        <m:accPr>
+                          <m:chr m:val="⃗"/>
+                          <m:ctrlPr>
+                            <a:rPr lang="fr-FR" sz="1200" i="1">
+                              <a:latin typeface="Cambria Math" panose="02040503050406030204" pitchFamily="18" charset="0"/>
+                            </a:rPr>
+                          </m:ctrlPr>
+                        </m:accPr>
+                        <m:e>
+                          <m:sSub>
+                            <m:sSubPr>
+                              <m:ctrlPr>
+                                <a:rPr lang="fr-FR" sz="1200" i="1">
+                                  <a:latin typeface="Cambria Math" panose="02040503050406030204" pitchFamily="18" charset="0"/>
+                                </a:rPr>
+                              </m:ctrlPr>
+                            </m:sSubPr>
+                            <m:e>
+                              <m:r>
+                                <a:rPr lang="fr-FR" sz="1200" i="1">
+                                  <a:latin typeface="Cambria Math" panose="02040503050406030204" pitchFamily="18" charset="0"/>
+                                </a:rPr>
+                                <m:t>𝑧</m:t>
+                              </m:r>
+                            </m:e>
+                            <m:sub>
+                              <m:r>
+                                <a:rPr lang="fr-FR" sz="1200" i="1">
+                                  <a:latin typeface="Cambria Math" panose="02040503050406030204" pitchFamily="18" charset="0"/>
+                                </a:rPr>
+                                <m:t>1</m:t>
+                              </m:r>
+                            </m:sub>
+                          </m:sSub>
+                        </m:e>
+                      </m:acc>
+                    </m:oMath>
+                  </m:oMathPara>
+                </a14:m>
+                <a:endParaRPr lang="fr-FR" sz="1200" dirty="0"/>
+              </a:p>
+            </p:txBody>
+          </p:sp>
+        </mc:Choice>
+        <mc:Fallback>
+          <p:sp>
+            <p:nvSpPr>
+              <p:cNvPr id="32" name="ZoneTexte 31">
+                <a:extLst>
+                  <a:ext uri="{FF2B5EF4-FFF2-40B4-BE49-F238E27FC236}">
+                    <a16:creationId xmlns:a16="http://schemas.microsoft.com/office/drawing/2014/main" id="{550CB7A5-7748-4231-ACFF-CB60D10958D6}"/>
+                  </a:ext>
+                </a:extLst>
+              </p:cNvPr>
+              <p:cNvSpPr txBox="1">
+                <a:spLocks noRot="1" noChangeAspect="1" noMove="1" noResize="1" noEditPoints="1" noAdjustHandles="1" noChangeArrowheads="1" noChangeShapeType="1" noTextEdit="1"/>
+              </p:cNvSpPr>
+              <p:nvPr/>
+            </p:nvSpPr>
+            <p:spPr>
+              <a:xfrm>
+                <a:off x="514293" y="6916678"/>
+                <a:ext cx="618696" cy="276999"/>
+              </a:xfrm>
+              <a:prstGeom prst="rect">
+                <a:avLst/>
+              </a:prstGeom>
+              <a:blipFill>
+                <a:blip r:embed="rId11"/>
+                <a:stretch>
+                  <a:fillRect/>
+                </a:stretch>
+              </a:blipFill>
+            </p:spPr>
+            <p:txBody>
+              <a:bodyPr/>
+              <a:lstStyle/>
+              <a:p>
+                <a:r>
+                  <a:rPr lang="fr-FR">
+                    <a:noFill/>
+                  </a:rPr>
+                  <a:t> </a:t>
+                </a:r>
+              </a:p>
+            </p:txBody>
+          </p:sp>
+        </mc:Fallback>
+      </mc:AlternateContent>
+      <p:sp>
+        <p:nvSpPr>
+          <p:cNvPr id="33" name="Éclair 32">
+            <a:extLst>
+              <a:ext uri="{FF2B5EF4-FFF2-40B4-BE49-F238E27FC236}">
+                <a16:creationId xmlns:a16="http://schemas.microsoft.com/office/drawing/2014/main" id="{B5CF7BAC-2907-4DDB-AE10-3F37637FD44C}"/>
+              </a:ext>
+            </a:extLst>
+          </p:cNvPr>
+          <p:cNvSpPr/>
+          <p:nvPr/>
+        </p:nvSpPr>
+        <p:spPr>
+          <a:xfrm rot="16200000">
+            <a:off x="2557009" y="6507513"/>
+            <a:ext cx="471692" cy="589280"/>
+          </a:xfrm>
+          <a:prstGeom prst="lightningBolt">
+            <a:avLst/>
+          </a:prstGeom>
+          <a:solidFill>
+            <a:schemeClr val="accent2">
+              <a:lumMod val="20000"/>
+              <a:lumOff val="80000"/>
+            </a:schemeClr>
+          </a:solidFill>
+          <a:ln>
+            <a:solidFill>
+              <a:srgbClr val="FF0000"/>
+            </a:solidFill>
+          </a:ln>
+        </p:spPr>
+        <p:style>
+          <a:lnRef idx="2">
+            <a:schemeClr val="accent1">
+              <a:shade val="50000"/>
+            </a:schemeClr>
+          </a:lnRef>
+          <a:fillRef idx="1">
+            <a:schemeClr val="accent1"/>
+          </a:fillRef>
+          <a:effectRef idx="0">
+            <a:schemeClr val="accent1"/>
+          </a:effectRef>
+          <a:fontRef idx="minor">
+            <a:schemeClr val="lt1"/>
+          </a:fontRef>
+        </p:style>
+        <p:txBody>
+          <a:bodyPr rtlCol="0" anchor="ctr"/>
+          <a:lstStyle/>
+          <a:p>
+            <a:pPr algn="ctr"/>
+            <a:endParaRPr lang="fr-FR"/>
+          </a:p>
+        </p:txBody>
+      </p:sp>
+      <mc:AlternateContent xmlns:mc="http://schemas.openxmlformats.org/markup-compatibility/2006">
+        <mc:Choice xmlns:a14="http://schemas.microsoft.com/office/drawing/2010/main" Requires="a14">
+          <p:sp>
+            <p:nvSpPr>
+              <p:cNvPr id="36" name="ZoneTexte 35">
+                <a:extLst>
+                  <a:ext uri="{FF2B5EF4-FFF2-40B4-BE49-F238E27FC236}">
+                    <a16:creationId xmlns:a16="http://schemas.microsoft.com/office/drawing/2014/main" id="{C7BF12CE-50FF-4C3E-851F-FF6B46BFD036}"/>
+                  </a:ext>
+                </a:extLst>
+              </p:cNvPr>
+              <p:cNvSpPr txBox="1"/>
+              <p:nvPr/>
+            </p:nvSpPr>
+            <p:spPr>
+              <a:xfrm>
+                <a:off x="1942061" y="6872205"/>
+                <a:ext cx="662361" cy="314702"/>
+              </a:xfrm>
+              <a:prstGeom prst="rect">
+                <a:avLst/>
+              </a:prstGeom>
+              <a:noFill/>
+            </p:spPr>
+            <p:txBody>
+              <a:bodyPr wrap="none" rtlCol="0">
+                <a:spAutoFit/>
+              </a:bodyPr>
+              <a:lstStyle/>
+              <a:p>
+                <a:pPr/>
+                <a14:m>
+                  <m:oMathPara xmlns:m="http://schemas.openxmlformats.org/officeDocument/2006/math">
+                    <m:oMathParaPr>
+                      <m:jc m:val="centerGroup"/>
+                    </m:oMathParaPr>
+                    <m:oMath xmlns:m="http://schemas.openxmlformats.org/officeDocument/2006/math">
+                      <m:sSub>
+                        <m:sSubPr>
+                          <m:ctrlPr>
+                            <a:rPr lang="fr-FR" sz="1200" b="0" i="1" smtClean="0">
+                              <a:latin typeface="Cambria Math" panose="02040503050406030204" pitchFamily="18" charset="0"/>
+                            </a:rPr>
+                          </m:ctrlPr>
+                        </m:sSubPr>
+                        <m:e>
+                          <m:r>
+                            <a:rPr lang="fr-FR" sz="1200" b="0" i="1" smtClean="0">
+                              <a:latin typeface="Cambria Math" panose="02040503050406030204" pitchFamily="18" charset="0"/>
+                            </a:rPr>
+                            <m:t>𝐶</m:t>
+                          </m:r>
+                        </m:e>
+                        <m:sub>
+                          <m:r>
+                            <a:rPr lang="fr-FR" sz="1200" b="0" i="1" smtClean="0">
+                              <a:latin typeface="Cambria Math" panose="02040503050406030204" pitchFamily="18" charset="0"/>
+                            </a:rPr>
+                            <m:t>𝑚</m:t>
+                          </m:r>
+                          <m:r>
+                            <a:rPr lang="fr-FR" sz="1200" b="0" i="1" smtClean="0">
+                              <a:latin typeface="Cambria Math" panose="02040503050406030204" pitchFamily="18" charset="0"/>
+                            </a:rPr>
+                            <m:t>2</m:t>
+                          </m:r>
+                        </m:sub>
+                      </m:sSub>
+                      <m:acc>
+                        <m:accPr>
+                          <m:chr m:val="⃗"/>
+                          <m:ctrlPr>
+                            <a:rPr lang="fr-FR" sz="1200" i="1">
+                              <a:latin typeface="Cambria Math" panose="02040503050406030204" pitchFamily="18" charset="0"/>
+                            </a:rPr>
+                          </m:ctrlPr>
+                        </m:accPr>
+                        <m:e>
+                          <m:sSub>
+                            <m:sSubPr>
+                              <m:ctrlPr>
+                                <a:rPr lang="fr-FR" sz="1200" i="1">
+                                  <a:latin typeface="Cambria Math" panose="02040503050406030204" pitchFamily="18" charset="0"/>
+                                </a:rPr>
+                              </m:ctrlPr>
+                            </m:sSubPr>
+                            <m:e>
+                              <m:r>
+                                <a:rPr lang="fr-FR" sz="1200" i="1">
+                                  <a:latin typeface="Cambria Math" panose="02040503050406030204" pitchFamily="18" charset="0"/>
+                                </a:rPr>
+                                <m:t>𝑧</m:t>
+                              </m:r>
+                            </m:e>
+                            <m:sub>
+                              <m:r>
+                                <a:rPr lang="fr-FR" sz="1200" b="0" i="1" smtClean="0">
+                                  <a:latin typeface="Cambria Math" panose="02040503050406030204" pitchFamily="18" charset="0"/>
+                                </a:rPr>
+                                <m:t>2</m:t>
+                              </m:r>
+                            </m:sub>
+                          </m:sSub>
+                          <m:r>
+                            <a:rPr lang="fr-FR" sz="1200" b="0" i="1" smtClean="0">
+                              <a:latin typeface="Cambria Math" panose="02040503050406030204" pitchFamily="18" charset="0"/>
+                            </a:rPr>
+                            <m:t>′</m:t>
+                          </m:r>
+                        </m:e>
+                      </m:acc>
+                    </m:oMath>
+                  </m:oMathPara>
+                </a14:m>
+                <a:endParaRPr lang="fr-FR" sz="1200" dirty="0"/>
+              </a:p>
+            </p:txBody>
+          </p:sp>
+        </mc:Choice>
+        <mc:Fallback>
+          <p:sp>
+            <p:nvSpPr>
+              <p:cNvPr id="36" name="ZoneTexte 35">
+                <a:extLst>
+                  <a:ext uri="{FF2B5EF4-FFF2-40B4-BE49-F238E27FC236}">
+                    <a16:creationId xmlns:a16="http://schemas.microsoft.com/office/drawing/2014/main" id="{C7BF12CE-50FF-4C3E-851F-FF6B46BFD036}"/>
+                  </a:ext>
+                </a:extLst>
+              </p:cNvPr>
+              <p:cNvSpPr txBox="1">
+                <a:spLocks noRot="1" noChangeAspect="1" noMove="1" noResize="1" noEditPoints="1" noAdjustHandles="1" noChangeArrowheads="1" noChangeShapeType="1" noTextEdit="1"/>
+              </p:cNvSpPr>
+              <p:nvPr/>
+            </p:nvSpPr>
+            <p:spPr>
+              <a:xfrm>
+                <a:off x="1942061" y="6872205"/>
+                <a:ext cx="662361" cy="314702"/>
+              </a:xfrm>
+              <a:prstGeom prst="rect">
+                <a:avLst/>
+              </a:prstGeom>
+              <a:blipFill>
+                <a:blip r:embed="rId12"/>
+                <a:stretch>
+                  <a:fillRect/>
+                </a:stretch>
+              </a:blipFill>
+            </p:spPr>
+            <p:txBody>
+              <a:bodyPr/>
+              <a:lstStyle/>
+              <a:p>
+                <a:r>
+                  <a:rPr lang="fr-FR">
+                    <a:noFill/>
+                  </a:rPr>
+                  <a:t> </a:t>
+                </a:r>
+              </a:p>
+            </p:txBody>
+          </p:sp>
+        </mc:Fallback>
+      </mc:AlternateContent>
+      <p:sp>
+        <p:nvSpPr>
+          <p:cNvPr id="37" name="Éclair 36">
+            <a:extLst>
+              <a:ext uri="{FF2B5EF4-FFF2-40B4-BE49-F238E27FC236}">
+                <a16:creationId xmlns:a16="http://schemas.microsoft.com/office/drawing/2014/main" id="{34954ABA-E82E-48C1-A39F-06B817E3812D}"/>
+              </a:ext>
+            </a:extLst>
+          </p:cNvPr>
+          <p:cNvSpPr/>
+          <p:nvPr/>
+        </p:nvSpPr>
+        <p:spPr>
+          <a:xfrm rot="16200000">
+            <a:off x="4019442" y="6515286"/>
+            <a:ext cx="471692" cy="589280"/>
+          </a:xfrm>
+          <a:prstGeom prst="lightningBolt">
+            <a:avLst/>
+          </a:prstGeom>
+          <a:solidFill>
+            <a:schemeClr val="accent2">
+              <a:lumMod val="20000"/>
+              <a:lumOff val="80000"/>
+            </a:schemeClr>
+          </a:solidFill>
+          <a:ln>
+            <a:solidFill>
+              <a:srgbClr val="FF0000"/>
+            </a:solidFill>
+          </a:ln>
+        </p:spPr>
+        <p:style>
+          <a:lnRef idx="2">
+            <a:schemeClr val="accent1">
+              <a:shade val="50000"/>
+            </a:schemeClr>
+          </a:lnRef>
+          <a:fillRef idx="1">
+            <a:schemeClr val="accent1"/>
+          </a:fillRef>
+          <a:effectRef idx="0">
+            <a:schemeClr val="accent1"/>
+          </a:effectRef>
+          <a:fontRef idx="minor">
+            <a:schemeClr val="lt1"/>
+          </a:fontRef>
+        </p:style>
+        <p:txBody>
+          <a:bodyPr rtlCol="0" anchor="ctr"/>
+          <a:lstStyle/>
+          <a:p>
+            <a:pPr algn="ctr"/>
+            <a:endParaRPr lang="fr-FR" dirty="0"/>
+          </a:p>
+        </p:txBody>
+      </p:sp>
+      <mc:AlternateContent xmlns:mc="http://schemas.openxmlformats.org/markup-compatibility/2006">
+        <mc:Choice xmlns:a14="http://schemas.microsoft.com/office/drawing/2010/main" Requires="a14">
+          <p:sp>
+            <p:nvSpPr>
+              <p:cNvPr id="41" name="ZoneTexte 40">
+                <a:extLst>
+                  <a:ext uri="{FF2B5EF4-FFF2-40B4-BE49-F238E27FC236}">
+                    <a16:creationId xmlns:a16="http://schemas.microsoft.com/office/drawing/2014/main" id="{D8A54E04-7A75-4B36-A82E-743A89572E12}"/>
+                  </a:ext>
+                </a:extLst>
+              </p:cNvPr>
+              <p:cNvSpPr txBox="1"/>
+              <p:nvPr/>
+            </p:nvSpPr>
+            <p:spPr>
+              <a:xfrm>
+                <a:off x="3409777" y="6891057"/>
+                <a:ext cx="622286" cy="276999"/>
+              </a:xfrm>
+              <a:prstGeom prst="rect">
+                <a:avLst/>
+              </a:prstGeom>
+              <a:noFill/>
+            </p:spPr>
+            <p:txBody>
+              <a:bodyPr wrap="none" rtlCol="0">
+                <a:spAutoFit/>
+              </a:bodyPr>
+              <a:lstStyle/>
+              <a:p>
+                <a:pPr/>
+                <a14:m>
+                  <m:oMathPara xmlns:m="http://schemas.openxmlformats.org/officeDocument/2006/math">
+                    <m:oMathParaPr>
+                      <m:jc m:val="centerGroup"/>
+                    </m:oMathParaPr>
+                    <m:oMath xmlns:m="http://schemas.openxmlformats.org/officeDocument/2006/math">
+                      <m:sSub>
+                        <m:sSubPr>
+                          <m:ctrlPr>
+                            <a:rPr lang="fr-FR" sz="1200" b="0" i="1" smtClean="0">
+                              <a:latin typeface="Cambria Math" panose="02040503050406030204" pitchFamily="18" charset="0"/>
+                            </a:rPr>
+                          </m:ctrlPr>
+                        </m:sSubPr>
+                        <m:e>
+                          <m:r>
+                            <a:rPr lang="fr-FR" sz="1200" b="0" i="1" smtClean="0">
+                              <a:latin typeface="Cambria Math" panose="02040503050406030204" pitchFamily="18" charset="0"/>
+                            </a:rPr>
+                            <m:t>𝐶</m:t>
+                          </m:r>
+                        </m:e>
+                        <m:sub>
+                          <m:r>
+                            <a:rPr lang="fr-FR" sz="1200" b="0" i="1" smtClean="0">
+                              <a:latin typeface="Cambria Math" panose="02040503050406030204" pitchFamily="18" charset="0"/>
+                            </a:rPr>
+                            <m:t>𝑚</m:t>
+                          </m:r>
+                          <m:r>
+                            <a:rPr lang="fr-FR" sz="1200" b="0" i="1" smtClean="0">
+                              <a:latin typeface="Cambria Math" panose="02040503050406030204" pitchFamily="18" charset="0"/>
+                            </a:rPr>
+                            <m:t>3</m:t>
+                          </m:r>
+                        </m:sub>
+                      </m:sSub>
+                      <m:acc>
+                        <m:accPr>
+                          <m:chr m:val="⃗"/>
+                          <m:ctrlPr>
+                            <a:rPr lang="fr-FR" sz="1200" i="1">
+                              <a:latin typeface="Cambria Math" panose="02040503050406030204" pitchFamily="18" charset="0"/>
+                            </a:rPr>
+                          </m:ctrlPr>
+                        </m:accPr>
+                        <m:e>
+                          <m:sSub>
+                            <m:sSubPr>
+                              <m:ctrlPr>
+                                <a:rPr lang="fr-FR" sz="1200" i="1">
+                                  <a:latin typeface="Cambria Math" panose="02040503050406030204" pitchFamily="18" charset="0"/>
+                                </a:rPr>
+                              </m:ctrlPr>
+                            </m:sSubPr>
+                            <m:e>
+                              <m:r>
+                                <a:rPr lang="fr-FR" sz="1200" i="1">
+                                  <a:latin typeface="Cambria Math" panose="02040503050406030204" pitchFamily="18" charset="0"/>
+                                </a:rPr>
+                                <m:t>𝑧</m:t>
+                              </m:r>
+                            </m:e>
+                            <m:sub>
+                              <m:r>
+                                <a:rPr lang="fr-FR" sz="1200" b="0" i="1" smtClean="0">
+                                  <a:latin typeface="Cambria Math" panose="02040503050406030204" pitchFamily="18" charset="0"/>
+                                </a:rPr>
+                                <m:t>3</m:t>
+                              </m:r>
+                            </m:sub>
+                          </m:sSub>
+                        </m:e>
+                      </m:acc>
+                    </m:oMath>
+                  </m:oMathPara>
+                </a14:m>
+                <a:endParaRPr lang="fr-FR" sz="1200" dirty="0"/>
+              </a:p>
+            </p:txBody>
+          </p:sp>
+        </mc:Choice>
+        <mc:Fallback>
+          <p:sp>
+            <p:nvSpPr>
+              <p:cNvPr id="41" name="ZoneTexte 40">
+                <a:extLst>
+                  <a:ext uri="{FF2B5EF4-FFF2-40B4-BE49-F238E27FC236}">
+                    <a16:creationId xmlns:a16="http://schemas.microsoft.com/office/drawing/2014/main" id="{D8A54E04-7A75-4B36-A82E-743A89572E12}"/>
+                  </a:ext>
+                </a:extLst>
+              </p:cNvPr>
+              <p:cNvSpPr txBox="1">
+                <a:spLocks noRot="1" noChangeAspect="1" noMove="1" noResize="1" noEditPoints="1" noAdjustHandles="1" noChangeArrowheads="1" noChangeShapeType="1" noTextEdit="1"/>
+              </p:cNvSpPr>
+              <p:nvPr/>
+            </p:nvSpPr>
+            <p:spPr>
+              <a:xfrm>
+                <a:off x="3409777" y="6891057"/>
+                <a:ext cx="622286" cy="276999"/>
+              </a:xfrm>
+              <a:prstGeom prst="rect">
+                <a:avLst/>
+              </a:prstGeom>
+              <a:blipFill>
+                <a:blip r:embed="rId13"/>
+                <a:stretch>
+                  <a:fillRect/>
+                </a:stretch>
+              </a:blipFill>
+            </p:spPr>
+            <p:txBody>
+              <a:bodyPr/>
+              <a:lstStyle/>
+              <a:p>
+                <a:r>
+                  <a:rPr lang="fr-FR">
+                    <a:noFill/>
+                  </a:rPr>
+                  <a:t> </a:t>
+                </a:r>
+              </a:p>
+            </p:txBody>
+          </p:sp>
+        </mc:Fallback>
+      </mc:AlternateContent>
+      <p:sp>
+        <p:nvSpPr>
+          <p:cNvPr id="43" name="Éclair 42">
+            <a:extLst>
+              <a:ext uri="{FF2B5EF4-FFF2-40B4-BE49-F238E27FC236}">
+                <a16:creationId xmlns:a16="http://schemas.microsoft.com/office/drawing/2014/main" id="{A5CAE75C-25E2-4B56-A928-F08E662188F9}"/>
+              </a:ext>
+            </a:extLst>
+          </p:cNvPr>
+          <p:cNvSpPr/>
+          <p:nvPr/>
+        </p:nvSpPr>
+        <p:spPr>
+          <a:xfrm rot="21178283">
+            <a:off x="3407872" y="4951082"/>
+            <a:ext cx="345533" cy="515011"/>
+          </a:xfrm>
+          <a:prstGeom prst="lightningBolt">
+            <a:avLst/>
+          </a:prstGeom>
+          <a:solidFill>
+            <a:schemeClr val="accent2">
+              <a:lumMod val="20000"/>
+              <a:lumOff val="80000"/>
+            </a:schemeClr>
+          </a:solidFill>
+          <a:ln>
+            <a:solidFill>
+              <a:srgbClr val="FF0000"/>
+            </a:solidFill>
+          </a:ln>
+        </p:spPr>
+        <p:style>
+          <a:lnRef idx="2">
+            <a:schemeClr val="accent1">
+              <a:shade val="50000"/>
+            </a:schemeClr>
+          </a:lnRef>
+          <a:fillRef idx="1">
+            <a:schemeClr val="accent1"/>
+          </a:fillRef>
+          <a:effectRef idx="0">
+            <a:schemeClr val="accent1"/>
+          </a:effectRef>
+          <a:fontRef idx="minor">
+            <a:schemeClr val="lt1"/>
+          </a:fontRef>
+        </p:style>
+        <p:txBody>
+          <a:bodyPr rtlCol="0" anchor="ctr"/>
+          <a:lstStyle/>
+          <a:p>
+            <a:pPr algn="ctr"/>
+            <a:endParaRPr lang="fr-FR"/>
+          </a:p>
+        </p:txBody>
+      </p:sp>
+      <p:sp>
+        <p:nvSpPr>
+          <p:cNvPr id="44" name="ZoneTexte 43">
+            <a:extLst>
+              <a:ext uri="{FF2B5EF4-FFF2-40B4-BE49-F238E27FC236}">
+                <a16:creationId xmlns:a16="http://schemas.microsoft.com/office/drawing/2014/main" id="{2F683036-660A-4030-8664-51E938444C2D}"/>
+              </a:ext>
+            </a:extLst>
+          </p:cNvPr>
+          <p:cNvSpPr txBox="1"/>
+          <p:nvPr/>
+        </p:nvSpPr>
+        <p:spPr>
+          <a:xfrm>
+            <a:off x="2656271" y="4761527"/>
+            <a:ext cx="811697" cy="276999"/>
+          </a:xfrm>
+          <a:prstGeom prst="rect">
+            <a:avLst/>
+          </a:prstGeom>
+          <a:noFill/>
+        </p:spPr>
+        <p:txBody>
+          <a:bodyPr wrap="none" rtlCol="0">
+            <a:spAutoFit/>
+          </a:bodyPr>
+          <a:lstStyle/>
+          <a:p>
+            <a:pPr/>
+            <a:r>
+              <a:rPr lang="fr-FR" sz="1200" dirty="0"/>
+              <a:t>Pesanteur</a:t>
+            </a:r>
+          </a:p>
+        </p:txBody>
+      </p:sp>
+      <p:sp>
+        <p:nvSpPr>
+          <p:cNvPr id="45" name="Éclair 44">
+            <a:extLst>
+              <a:ext uri="{FF2B5EF4-FFF2-40B4-BE49-F238E27FC236}">
+                <a16:creationId xmlns:a16="http://schemas.microsoft.com/office/drawing/2014/main" id="{4E2C0E2A-4A59-40FE-BD1F-FC2E7B75875C}"/>
+              </a:ext>
+            </a:extLst>
+          </p:cNvPr>
+          <p:cNvSpPr/>
+          <p:nvPr/>
+        </p:nvSpPr>
+        <p:spPr>
+          <a:xfrm rot="21178283">
+            <a:off x="4824857" y="4909316"/>
+            <a:ext cx="345533" cy="515011"/>
+          </a:xfrm>
+          <a:prstGeom prst="lightningBolt">
+            <a:avLst/>
+          </a:prstGeom>
+          <a:solidFill>
+            <a:schemeClr val="accent2">
+              <a:lumMod val="20000"/>
+              <a:lumOff val="80000"/>
+            </a:schemeClr>
+          </a:solidFill>
+          <a:ln>
+            <a:solidFill>
+              <a:srgbClr val="FF0000"/>
+            </a:solidFill>
+          </a:ln>
+        </p:spPr>
+        <p:style>
+          <a:lnRef idx="2">
+            <a:schemeClr val="accent1">
+              <a:shade val="50000"/>
+            </a:schemeClr>
+          </a:lnRef>
+          <a:fillRef idx="1">
+            <a:schemeClr val="accent1"/>
+          </a:fillRef>
+          <a:effectRef idx="0">
+            <a:schemeClr val="accent1"/>
+          </a:effectRef>
+          <a:fontRef idx="minor">
+            <a:schemeClr val="lt1"/>
+          </a:fontRef>
+        </p:style>
+        <p:txBody>
+          <a:bodyPr rtlCol="0" anchor="ctr"/>
+          <a:lstStyle/>
+          <a:p>
+            <a:pPr algn="ctr"/>
+            <a:endParaRPr lang="fr-FR"/>
+          </a:p>
+        </p:txBody>
+      </p:sp>
+      <p:sp>
+        <p:nvSpPr>
+          <p:cNvPr id="46" name="ZoneTexte 45">
+            <a:extLst>
+              <a:ext uri="{FF2B5EF4-FFF2-40B4-BE49-F238E27FC236}">
+                <a16:creationId xmlns:a16="http://schemas.microsoft.com/office/drawing/2014/main" id="{9B0EFDF0-CCAC-488E-AE55-848DD79818D3}"/>
+              </a:ext>
+            </a:extLst>
+          </p:cNvPr>
+          <p:cNvSpPr txBox="1"/>
+          <p:nvPr/>
+        </p:nvSpPr>
+        <p:spPr>
+          <a:xfrm>
+            <a:off x="4073256" y="4719761"/>
+            <a:ext cx="811697" cy="276999"/>
+          </a:xfrm>
+          <a:prstGeom prst="rect">
+            <a:avLst/>
+          </a:prstGeom>
+          <a:noFill/>
+        </p:spPr>
+        <p:txBody>
+          <a:bodyPr wrap="none" rtlCol="0">
+            <a:spAutoFit/>
+          </a:bodyPr>
+          <a:lstStyle/>
+          <a:p>
+            <a:pPr/>
+            <a:r>
+              <a:rPr lang="fr-FR" sz="1200" dirty="0"/>
+              <a:t>Pesanteur</a:t>
+            </a:r>
+          </a:p>
+        </p:txBody>
+      </p:sp>
     </p:spTree>
     <p:extLst>
       <p:ext uri="{BB962C8B-B14F-4D97-AF65-F5344CB8AC3E}">
         <p14:creationId xmlns:p14="http://schemas.microsoft.com/office/powerpoint/2010/main" val="3360035637"/>
+      </p:ext>
+    </p:extLst>
+  </p:cSld>
+  <p:clrMapOvr>
+    <a:masterClrMapping/>
+  </p:clrMapOvr>
+</p:sld>
+</file>
+
+<file path=ppt/slides/slide3.xml><?xml version="1.0" encoding="utf-8"?>
+<p:sld xmlns:a="http://schemas.openxmlformats.org/drawingml/2006/main" xmlns:r="http://schemas.openxmlformats.org/officeDocument/2006/relationships" xmlns:p="http://schemas.openxmlformats.org/presentationml/2006/main">
+  <p:cSld>
+    <p:spTree>
+      <p:nvGrpSpPr>
+        <p:cNvPr id="1" name=""/>
+        <p:cNvGrpSpPr/>
+        <p:nvPr/>
+      </p:nvGrpSpPr>
+      <p:grpSpPr>
+        <a:xfrm>
+          <a:off x="0" y="0"/>
+          <a:ext cx="0" cy="0"/>
+          <a:chOff x="0" y="0"/>
+          <a:chExt cx="0" cy="0"/>
+        </a:xfrm>
+      </p:grpSpPr>
+      <p:pic>
+        <p:nvPicPr>
+          <p:cNvPr id="4" name="Image 3">
+            <a:extLst>
+              <a:ext uri="{FF2B5EF4-FFF2-40B4-BE49-F238E27FC236}">
+                <a16:creationId xmlns:a16="http://schemas.microsoft.com/office/drawing/2014/main" id="{39E2E7A4-D272-4CF5-9E8E-ADE244140777}"/>
+              </a:ext>
+            </a:extLst>
+          </p:cNvPr>
+          <p:cNvPicPr>
+            <a:picLocks noChangeAspect="1"/>
+          </p:cNvPicPr>
+          <p:nvPr/>
+        </p:nvPicPr>
+        <p:blipFill>
+          <a:blip r:embed="rId2"/>
+          <a:stretch>
+            <a:fillRect/>
+          </a:stretch>
+        </p:blipFill>
+        <p:spPr>
+          <a:xfrm>
+            <a:off x="2341908" y="1219226"/>
+            <a:ext cx="7045201" cy="4616801"/>
+          </a:xfrm>
+          <a:prstGeom prst="rect">
+            <a:avLst/>
+          </a:prstGeom>
+        </p:spPr>
+      </p:pic>
+      <p:cxnSp>
+        <p:nvCxnSpPr>
+          <p:cNvPr id="54" name="Connecteur droit 53">
+            <a:extLst>
+              <a:ext uri="{FF2B5EF4-FFF2-40B4-BE49-F238E27FC236}">
+                <a16:creationId xmlns:a16="http://schemas.microsoft.com/office/drawing/2014/main" id="{8F42B9B6-1A27-49A4-AFF9-88834B570CFD}"/>
+              </a:ext>
+            </a:extLst>
+          </p:cNvPr>
+          <p:cNvCxnSpPr>
+            <a:cxnSpLocks/>
+          </p:cNvCxnSpPr>
+          <p:nvPr/>
+        </p:nvCxnSpPr>
+        <p:spPr>
+          <a:xfrm flipH="1">
+            <a:off x="4675450" y="5613709"/>
+            <a:ext cx="721610" cy="769839"/>
+          </a:xfrm>
+          <a:prstGeom prst="line">
+            <a:avLst/>
+          </a:prstGeom>
+          <a:ln w="12700">
+            <a:solidFill>
+              <a:schemeClr val="tx1"/>
+            </a:solidFill>
+          </a:ln>
+        </p:spPr>
+        <p:style>
+          <a:lnRef idx="1">
+            <a:schemeClr val="accent1"/>
+          </a:lnRef>
+          <a:fillRef idx="0">
+            <a:schemeClr val="accent1"/>
+          </a:fillRef>
+          <a:effectRef idx="0">
+            <a:schemeClr val="accent1"/>
+          </a:effectRef>
+          <a:fontRef idx="minor">
+            <a:schemeClr val="tx1"/>
+          </a:fontRef>
+        </p:style>
+      </p:cxnSp>
+      <p:cxnSp>
+        <p:nvCxnSpPr>
+          <p:cNvPr id="50" name="Connecteur droit 49">
+            <a:extLst>
+              <a:ext uri="{FF2B5EF4-FFF2-40B4-BE49-F238E27FC236}">
+                <a16:creationId xmlns:a16="http://schemas.microsoft.com/office/drawing/2014/main" id="{B8102938-A5E7-4FD6-8DCE-54FCCA4DF1A9}"/>
+              </a:ext>
+            </a:extLst>
+          </p:cNvPr>
+          <p:cNvCxnSpPr>
+            <a:cxnSpLocks/>
+          </p:cNvCxnSpPr>
+          <p:nvPr/>
+        </p:nvCxnSpPr>
+        <p:spPr>
+          <a:xfrm>
+            <a:off x="3950484" y="5630505"/>
+            <a:ext cx="736303" cy="762524"/>
+          </a:xfrm>
+          <a:prstGeom prst="line">
+            <a:avLst/>
+          </a:prstGeom>
+          <a:ln w="12700">
+            <a:solidFill>
+              <a:schemeClr val="tx1"/>
+            </a:solidFill>
+          </a:ln>
+        </p:spPr>
+        <p:style>
+          <a:lnRef idx="1">
+            <a:schemeClr val="accent1"/>
+          </a:lnRef>
+          <a:fillRef idx="0">
+            <a:schemeClr val="accent1"/>
+          </a:fillRef>
+          <a:effectRef idx="0">
+            <a:schemeClr val="accent1"/>
+          </a:effectRef>
+          <a:fontRef idx="minor">
+            <a:schemeClr val="tx1"/>
+          </a:fontRef>
+        </p:style>
+      </p:cxnSp>
+      <p:sp>
+        <p:nvSpPr>
+          <p:cNvPr id="49" name="ZoneTexte 48">
+            <a:extLst>
+              <a:ext uri="{FF2B5EF4-FFF2-40B4-BE49-F238E27FC236}">
+                <a16:creationId xmlns:a16="http://schemas.microsoft.com/office/drawing/2014/main" id="{BC8F7D6F-7980-48AB-8F64-13D949CA5CCC}"/>
+              </a:ext>
+            </a:extLst>
+          </p:cNvPr>
+          <p:cNvSpPr txBox="1"/>
+          <p:nvPr/>
+        </p:nvSpPr>
+        <p:spPr>
+          <a:xfrm rot="18818568">
+            <a:off x="3131479" y="5779324"/>
+            <a:ext cx="930319" cy="461665"/>
+          </a:xfrm>
+          <a:prstGeom prst="rect">
+            <a:avLst/>
+          </a:prstGeom>
+          <a:noFill/>
+        </p:spPr>
+        <p:txBody>
+          <a:bodyPr wrap="none" rtlCol="0">
+            <a:spAutoFit/>
+          </a:bodyPr>
+          <a:lstStyle/>
+          <a:p>
+            <a:pPr algn="ctr"/>
+            <a:r>
+              <a:rPr lang="fr-FR" sz="1200" dirty="0"/>
+              <a:t>Réducteur</a:t>
+            </a:r>
+          </a:p>
+          <a:p>
+            <a:pPr algn="ctr"/>
+            <a:r>
+              <a:rPr lang="fr-FR" sz="1200" dirty="0"/>
+              <a:t>frottements</a:t>
+            </a:r>
+          </a:p>
+        </p:txBody>
+      </p:sp>
+      <p:cxnSp>
+        <p:nvCxnSpPr>
+          <p:cNvPr id="35" name="Connecteur droit 34">
+            <a:extLst>
+              <a:ext uri="{FF2B5EF4-FFF2-40B4-BE49-F238E27FC236}">
+                <a16:creationId xmlns:a16="http://schemas.microsoft.com/office/drawing/2014/main" id="{BE637E73-1396-466C-A184-E21681971506}"/>
+              </a:ext>
+            </a:extLst>
+          </p:cNvPr>
+          <p:cNvCxnSpPr>
+            <a:cxnSpLocks/>
+          </p:cNvCxnSpPr>
+          <p:nvPr/>
+        </p:nvCxnSpPr>
+        <p:spPr>
+          <a:xfrm flipH="1">
+            <a:off x="1761024" y="5599023"/>
+            <a:ext cx="737191" cy="784913"/>
+          </a:xfrm>
+          <a:prstGeom prst="line">
+            <a:avLst/>
+          </a:prstGeom>
+          <a:ln w="12700">
+            <a:solidFill>
+              <a:schemeClr val="tx1"/>
+            </a:solidFill>
+          </a:ln>
+        </p:spPr>
+        <p:style>
+          <a:lnRef idx="1">
+            <a:schemeClr val="accent1"/>
+          </a:lnRef>
+          <a:fillRef idx="0">
+            <a:schemeClr val="accent1"/>
+          </a:fillRef>
+          <a:effectRef idx="0">
+            <a:schemeClr val="accent1"/>
+          </a:effectRef>
+          <a:fontRef idx="minor">
+            <a:schemeClr val="tx1"/>
+          </a:fontRef>
+        </p:style>
+      </p:cxnSp>
+      <mc:AlternateContent xmlns:mc="http://schemas.openxmlformats.org/markup-compatibility/2006" xmlns:a14="http://schemas.microsoft.com/office/drawing/2010/main">
+        <mc:Choice Requires="a14">
+          <p:sp>
+            <p:nvSpPr>
+              <p:cNvPr id="16" name="ZoneTexte 15">
+                <a:extLst>
+                  <a:ext uri="{FF2B5EF4-FFF2-40B4-BE49-F238E27FC236}">
+                    <a16:creationId xmlns:a16="http://schemas.microsoft.com/office/drawing/2014/main" id="{21456B8D-6F7E-4C22-ACEC-A0365EDAB279}"/>
+                  </a:ext>
+                </a:extLst>
+              </p:cNvPr>
+              <p:cNvSpPr txBox="1"/>
+              <p:nvPr/>
+            </p:nvSpPr>
+            <p:spPr>
+              <a:xfrm>
+                <a:off x="1278963" y="5371140"/>
+                <a:ext cx="1002197" cy="461665"/>
+              </a:xfrm>
+              <a:prstGeom prst="rect">
+                <a:avLst/>
+              </a:prstGeom>
+              <a:noFill/>
+            </p:spPr>
+            <p:txBody>
+              <a:bodyPr wrap="none" rtlCol="0">
+                <a:spAutoFit/>
+              </a:bodyPr>
+              <a:lstStyle/>
+              <a:p>
+                <a:r>
+                  <a:rPr lang="fr-FR" sz="1200" dirty="0"/>
+                  <a:t>Pivot d’axe</a:t>
+                </a:r>
+              </a:p>
+              <a:p>
+                <a:pPr/>
+                <a14:m>
+                  <m:oMathPara xmlns:m="http://schemas.openxmlformats.org/officeDocument/2006/math">
+                    <m:oMathParaPr>
+                      <m:jc m:val="centerGroup"/>
+                    </m:oMathParaPr>
+                    <m:oMath xmlns:m="http://schemas.openxmlformats.org/officeDocument/2006/math">
+                      <m:d>
+                        <m:dPr>
+                          <m:ctrlPr>
+                            <a:rPr lang="fr-FR" sz="1200" i="1" smtClean="0">
+                              <a:latin typeface="Cambria Math" panose="02040503050406030204" pitchFamily="18" charset="0"/>
+                            </a:rPr>
+                          </m:ctrlPr>
+                        </m:dPr>
+                        <m:e>
+                          <m:r>
+                            <a:rPr lang="fr-FR" sz="1200" b="0" i="1" smtClean="0">
+                              <a:latin typeface="Cambria Math" panose="02040503050406030204" pitchFamily="18" charset="0"/>
+                            </a:rPr>
+                            <m:t>𝐴</m:t>
+                          </m:r>
+                          <m:r>
+                            <a:rPr lang="fr-FR" sz="1200" b="0" i="1" smtClean="0">
+                              <a:latin typeface="Cambria Math" panose="02040503050406030204" pitchFamily="18" charset="0"/>
+                            </a:rPr>
+                            <m:t>,</m:t>
+                          </m:r>
+                          <m:acc>
+                            <m:accPr>
+                              <m:chr m:val="⃗"/>
+                              <m:ctrlPr>
+                                <a:rPr lang="fr-FR" sz="1200" b="0" i="1" smtClean="0">
+                                  <a:latin typeface="Cambria Math" panose="02040503050406030204" pitchFamily="18" charset="0"/>
+                                </a:rPr>
+                              </m:ctrlPr>
+                            </m:accPr>
+                            <m:e>
+                              <m:sSub>
+                                <m:sSubPr>
+                                  <m:ctrlPr>
+                                    <a:rPr lang="fr-FR" sz="1200" b="0" i="1" smtClean="0">
+                                      <a:latin typeface="Cambria Math" panose="02040503050406030204" pitchFamily="18" charset="0"/>
+                                    </a:rPr>
+                                  </m:ctrlPr>
+                                </m:sSubPr>
+                                <m:e>
+                                  <m:r>
+                                    <a:rPr lang="fr-FR" sz="1200" b="0" i="1" smtClean="0">
+                                      <a:latin typeface="Cambria Math" panose="02040503050406030204" pitchFamily="18" charset="0"/>
+                                    </a:rPr>
+                                    <m:t>𝑧</m:t>
+                                  </m:r>
+                                </m:e>
+                                <m:sub>
+                                  <m:r>
+                                    <a:rPr lang="fr-FR" sz="1200" b="0" i="1" smtClean="0">
+                                      <a:latin typeface="Cambria Math" panose="02040503050406030204" pitchFamily="18" charset="0"/>
+                                    </a:rPr>
+                                    <m:t>1</m:t>
+                                  </m:r>
+                                </m:sub>
+                              </m:sSub>
+                            </m:e>
+                          </m:acc>
+                        </m:e>
+                      </m:d>
+                    </m:oMath>
+                  </m:oMathPara>
+                </a14:m>
+                <a:endParaRPr lang="fr-FR" sz="1200" dirty="0"/>
+              </a:p>
+            </p:txBody>
+          </p:sp>
+        </mc:Choice>
+        <mc:Fallback xmlns="">
+          <p:sp>
+            <p:nvSpPr>
+              <p:cNvPr id="16" name="ZoneTexte 15">
+                <a:extLst>
+                  <a:ext uri="{FF2B5EF4-FFF2-40B4-BE49-F238E27FC236}">
+                    <a16:creationId xmlns:a16="http://schemas.microsoft.com/office/drawing/2014/main" id="{21456B8D-6F7E-4C22-ACEC-A0365EDAB279}"/>
+                  </a:ext>
+                </a:extLst>
+              </p:cNvPr>
+              <p:cNvSpPr txBox="1">
+                <a:spLocks noRot="1" noChangeAspect="1" noMove="1" noResize="1" noEditPoints="1" noAdjustHandles="1" noChangeArrowheads="1" noChangeShapeType="1" noTextEdit="1"/>
+              </p:cNvSpPr>
+              <p:nvPr/>
+            </p:nvSpPr>
+            <p:spPr>
+              <a:xfrm>
+                <a:off x="1278963" y="5371140"/>
+                <a:ext cx="1002197" cy="461665"/>
+              </a:xfrm>
+              <a:prstGeom prst="rect">
+                <a:avLst/>
+              </a:prstGeom>
+              <a:blipFill>
+                <a:blip r:embed="rId3"/>
+                <a:stretch>
+                  <a:fillRect l="-610"/>
+                </a:stretch>
+              </a:blipFill>
+            </p:spPr>
+            <p:txBody>
+              <a:bodyPr/>
+              <a:lstStyle/>
+              <a:p>
+                <a:r>
+                  <a:rPr lang="fr-FR">
+                    <a:noFill/>
+                  </a:rPr>
+                  <a:t> </a:t>
+                </a:r>
+              </a:p>
+            </p:txBody>
+          </p:sp>
+        </mc:Fallback>
+      </mc:AlternateContent>
+      <p:cxnSp>
+        <p:nvCxnSpPr>
+          <p:cNvPr id="15" name="Connecteur droit 14">
+            <a:extLst>
+              <a:ext uri="{FF2B5EF4-FFF2-40B4-BE49-F238E27FC236}">
+                <a16:creationId xmlns:a16="http://schemas.microsoft.com/office/drawing/2014/main" id="{0C066E31-462A-49D7-96AF-39E2388CFF76}"/>
+              </a:ext>
+            </a:extLst>
+          </p:cNvPr>
+          <p:cNvCxnSpPr>
+            <a:stCxn id="5" idx="6"/>
+            <a:endCxn id="6" idx="2"/>
+          </p:cNvCxnSpPr>
+          <p:nvPr/>
+        </p:nvCxnSpPr>
+        <p:spPr>
+          <a:xfrm>
+            <a:off x="1218215" y="5601973"/>
+            <a:ext cx="1123694" cy="0"/>
+          </a:xfrm>
+          <a:prstGeom prst="line">
+            <a:avLst/>
+          </a:prstGeom>
+          <a:ln w="12700">
+            <a:solidFill>
+              <a:schemeClr val="tx1"/>
+            </a:solidFill>
+          </a:ln>
+        </p:spPr>
+        <p:style>
+          <a:lnRef idx="1">
+            <a:schemeClr val="accent1"/>
+          </a:lnRef>
+          <a:fillRef idx="0">
+            <a:schemeClr val="accent1"/>
+          </a:fillRef>
+          <a:effectRef idx="0">
+            <a:schemeClr val="accent1"/>
+          </a:effectRef>
+          <a:fontRef idx="minor">
+            <a:schemeClr val="tx1"/>
+          </a:fontRef>
+        </p:style>
+      </p:cxnSp>
+      <p:cxnSp>
+        <p:nvCxnSpPr>
+          <p:cNvPr id="18" name="Connecteur droit 17">
+            <a:extLst>
+              <a:ext uri="{FF2B5EF4-FFF2-40B4-BE49-F238E27FC236}">
+                <a16:creationId xmlns:a16="http://schemas.microsoft.com/office/drawing/2014/main" id="{837BE77B-8F45-4F4A-91C0-2D03ACBC12C0}"/>
+              </a:ext>
+            </a:extLst>
+          </p:cNvPr>
+          <p:cNvCxnSpPr>
+            <a:cxnSpLocks/>
+            <a:stCxn id="7" idx="2"/>
+            <a:endCxn id="6" idx="6"/>
+          </p:cNvCxnSpPr>
+          <p:nvPr/>
+        </p:nvCxnSpPr>
+        <p:spPr>
+          <a:xfrm flipH="1">
+            <a:off x="2665909" y="5601973"/>
+            <a:ext cx="1123694" cy="0"/>
+          </a:xfrm>
+          <a:prstGeom prst="line">
+            <a:avLst/>
+          </a:prstGeom>
+          <a:ln w="12700">
+            <a:solidFill>
+              <a:schemeClr val="tx1"/>
+            </a:solidFill>
+          </a:ln>
+        </p:spPr>
+        <p:style>
+          <a:lnRef idx="1">
+            <a:schemeClr val="accent1"/>
+          </a:lnRef>
+          <a:fillRef idx="0">
+            <a:schemeClr val="accent1"/>
+          </a:fillRef>
+          <a:effectRef idx="0">
+            <a:schemeClr val="accent1"/>
+          </a:effectRef>
+          <a:fontRef idx="minor">
+            <a:schemeClr val="tx1"/>
+          </a:fontRef>
+        </p:style>
+      </p:cxnSp>
+      <mc:AlternateContent xmlns:mc="http://schemas.openxmlformats.org/markup-compatibility/2006" xmlns:a14="http://schemas.microsoft.com/office/drawing/2010/main">
+        <mc:Choice Requires="a14">
+          <p:sp>
+            <p:nvSpPr>
+              <p:cNvPr id="21" name="ZoneTexte 20">
+                <a:extLst>
+                  <a:ext uri="{FF2B5EF4-FFF2-40B4-BE49-F238E27FC236}">
+                    <a16:creationId xmlns:a16="http://schemas.microsoft.com/office/drawing/2014/main" id="{60E536E7-6A01-4F51-8B5B-1BF1564F33B2}"/>
+                  </a:ext>
+                </a:extLst>
+              </p:cNvPr>
+              <p:cNvSpPr txBox="1"/>
+              <p:nvPr/>
+            </p:nvSpPr>
+            <p:spPr>
+              <a:xfrm>
+                <a:off x="2804682" y="5371139"/>
+                <a:ext cx="855875" cy="553421"/>
+              </a:xfrm>
+              <a:prstGeom prst="rect">
+                <a:avLst/>
+              </a:prstGeom>
+              <a:noFill/>
+            </p:spPr>
+            <p:txBody>
+              <a:bodyPr wrap="none" rtlCol="0">
+                <a:spAutoFit/>
+              </a:bodyPr>
+              <a:lstStyle/>
+              <a:p>
+                <a:pPr algn="ctr"/>
+                <a:r>
+                  <a:rPr lang="fr-FR" sz="1200" dirty="0"/>
+                  <a:t>Pivot d’axe</a:t>
+                </a:r>
+              </a:p>
+              <a:p>
+                <a:pPr algn="ctr"/>
+                <a14:m>
+                  <m:oMathPara xmlns:m="http://schemas.openxmlformats.org/officeDocument/2006/math">
+                    <m:oMathParaPr>
+                      <m:jc m:val="centerGroup"/>
+                    </m:oMathParaPr>
+                    <m:oMath xmlns:m="http://schemas.openxmlformats.org/officeDocument/2006/math">
+                      <m:d>
+                        <m:dPr>
+                          <m:ctrlPr>
+                            <a:rPr lang="fr-FR" sz="1200" i="1" smtClean="0">
+                              <a:latin typeface="Cambria Math" panose="02040503050406030204" pitchFamily="18" charset="0"/>
+                            </a:rPr>
+                          </m:ctrlPr>
+                        </m:dPr>
+                        <m:e>
+                          <m:r>
+                            <a:rPr lang="fr-FR" sz="1200" b="0" i="1" smtClean="0">
+                              <a:latin typeface="Cambria Math" panose="02040503050406030204" pitchFamily="18" charset="0"/>
+                            </a:rPr>
+                            <m:t>𝐵</m:t>
+                          </m:r>
+                          <m:r>
+                            <a:rPr lang="fr-FR" sz="1200" b="0" i="1" smtClean="0">
+                              <a:latin typeface="Cambria Math" panose="02040503050406030204" pitchFamily="18" charset="0"/>
+                            </a:rPr>
+                            <m:t>,</m:t>
+                          </m:r>
+                          <m:acc>
+                            <m:accPr>
+                              <m:chr m:val="⃗"/>
+                              <m:ctrlPr>
+                                <a:rPr lang="fr-FR" sz="1200" b="0" i="1" smtClean="0">
+                                  <a:latin typeface="Cambria Math" panose="02040503050406030204" pitchFamily="18" charset="0"/>
+                                </a:rPr>
+                              </m:ctrlPr>
+                            </m:accPr>
+                            <m:e>
+                              <m:sSub>
+                                <m:sSubPr>
+                                  <m:ctrlPr>
+                                    <a:rPr lang="fr-FR" sz="1200" b="0" i="1" smtClean="0">
+                                      <a:latin typeface="Cambria Math" panose="02040503050406030204" pitchFamily="18" charset="0"/>
+                                    </a:rPr>
+                                  </m:ctrlPr>
+                                </m:sSubPr>
+                                <m:e>
+                                  <m:r>
+                                    <a:rPr lang="fr-FR" sz="1200" b="0" i="1" smtClean="0">
+                                      <a:latin typeface="Cambria Math" panose="02040503050406030204" pitchFamily="18" charset="0"/>
+                                    </a:rPr>
+                                    <m:t>𝑧</m:t>
+                                  </m:r>
+                                  <m:r>
+                                    <a:rPr lang="fr-FR" sz="1200" b="0" i="1" smtClean="0">
+                                      <a:latin typeface="Cambria Math" panose="02040503050406030204" pitchFamily="18" charset="0"/>
+                                    </a:rPr>
+                                    <m:t>′</m:t>
+                                  </m:r>
+                                </m:e>
+                                <m:sub>
+                                  <m:r>
+                                    <a:rPr lang="fr-FR" sz="1200" b="0" i="1" smtClean="0">
+                                      <a:latin typeface="Cambria Math" panose="02040503050406030204" pitchFamily="18" charset="0"/>
+                                    </a:rPr>
+                                    <m:t>2</m:t>
+                                  </m:r>
+                                </m:sub>
+                              </m:sSub>
+                            </m:e>
+                          </m:acc>
+                        </m:e>
+                      </m:d>
+                    </m:oMath>
+                  </m:oMathPara>
+                </a14:m>
+                <a:endParaRPr lang="fr-FR" sz="1200" dirty="0"/>
+              </a:p>
+            </p:txBody>
+          </p:sp>
+        </mc:Choice>
+        <mc:Fallback xmlns="">
+          <p:sp>
+            <p:nvSpPr>
+              <p:cNvPr id="21" name="ZoneTexte 20">
+                <a:extLst>
+                  <a:ext uri="{FF2B5EF4-FFF2-40B4-BE49-F238E27FC236}">
+                    <a16:creationId xmlns:a16="http://schemas.microsoft.com/office/drawing/2014/main" id="{60E536E7-6A01-4F51-8B5B-1BF1564F33B2}"/>
+                  </a:ext>
+                </a:extLst>
+              </p:cNvPr>
+              <p:cNvSpPr txBox="1">
+                <a:spLocks noRot="1" noChangeAspect="1" noMove="1" noResize="1" noEditPoints="1" noAdjustHandles="1" noChangeArrowheads="1" noChangeShapeType="1" noTextEdit="1"/>
+              </p:cNvSpPr>
+              <p:nvPr/>
+            </p:nvSpPr>
+            <p:spPr>
+              <a:xfrm>
+                <a:off x="2804682" y="5371139"/>
+                <a:ext cx="855875" cy="553421"/>
+              </a:xfrm>
+              <a:prstGeom prst="rect">
+                <a:avLst/>
+              </a:prstGeom>
+              <a:blipFill>
+                <a:blip r:embed="rId4"/>
+                <a:stretch>
+                  <a:fillRect/>
+                </a:stretch>
+              </a:blipFill>
+            </p:spPr>
+            <p:txBody>
+              <a:bodyPr/>
+              <a:lstStyle/>
+              <a:p>
+                <a:r>
+                  <a:rPr lang="fr-FR">
+                    <a:noFill/>
+                  </a:rPr>
+                  <a:t> </a:t>
+                </a:r>
+              </a:p>
+            </p:txBody>
+          </p:sp>
+        </mc:Fallback>
+      </mc:AlternateContent>
+      <p:cxnSp>
+        <p:nvCxnSpPr>
+          <p:cNvPr id="22" name="Connecteur droit 21">
+            <a:extLst>
+              <a:ext uri="{FF2B5EF4-FFF2-40B4-BE49-F238E27FC236}">
+                <a16:creationId xmlns:a16="http://schemas.microsoft.com/office/drawing/2014/main" id="{F4829A6C-3F01-41F5-A853-9074B6CA6678}"/>
+              </a:ext>
+            </a:extLst>
+          </p:cNvPr>
+          <p:cNvCxnSpPr>
+            <a:cxnSpLocks/>
+            <a:endCxn id="9" idx="2"/>
+          </p:cNvCxnSpPr>
+          <p:nvPr/>
+        </p:nvCxnSpPr>
+        <p:spPr>
+          <a:xfrm>
+            <a:off x="4113603" y="5601973"/>
+            <a:ext cx="1123694" cy="0"/>
+          </a:xfrm>
+          <a:prstGeom prst="line">
+            <a:avLst/>
+          </a:prstGeom>
+          <a:ln w="12700">
+            <a:solidFill>
+              <a:schemeClr val="tx1"/>
+            </a:solidFill>
+          </a:ln>
+        </p:spPr>
+        <p:style>
+          <a:lnRef idx="1">
+            <a:schemeClr val="accent1"/>
+          </a:lnRef>
+          <a:fillRef idx="0">
+            <a:schemeClr val="accent1"/>
+          </a:fillRef>
+          <a:effectRef idx="0">
+            <a:schemeClr val="accent1"/>
+          </a:effectRef>
+          <a:fontRef idx="minor">
+            <a:schemeClr val="tx1"/>
+          </a:fontRef>
+        </p:style>
+      </p:cxnSp>
+      <mc:AlternateContent xmlns:mc="http://schemas.openxmlformats.org/markup-compatibility/2006" xmlns:a14="http://schemas.microsoft.com/office/drawing/2010/main">
+        <mc:Choice Requires="a14">
+          <p:sp>
+            <p:nvSpPr>
+              <p:cNvPr id="26" name="ZoneTexte 25">
+                <a:extLst>
+                  <a:ext uri="{FF2B5EF4-FFF2-40B4-BE49-F238E27FC236}">
+                    <a16:creationId xmlns:a16="http://schemas.microsoft.com/office/drawing/2014/main" id="{41C8C79F-8AD6-490A-A9A3-6BD406A7C2AE}"/>
+                  </a:ext>
+                </a:extLst>
+              </p:cNvPr>
+              <p:cNvSpPr txBox="1"/>
+              <p:nvPr/>
+            </p:nvSpPr>
+            <p:spPr>
+              <a:xfrm>
+                <a:off x="4226310" y="5371139"/>
+                <a:ext cx="961786" cy="461665"/>
+              </a:xfrm>
+              <a:prstGeom prst="rect">
+                <a:avLst/>
+              </a:prstGeom>
+              <a:noFill/>
+            </p:spPr>
+            <p:txBody>
+              <a:bodyPr wrap="square" rtlCol="0">
+                <a:spAutoFit/>
+              </a:bodyPr>
+              <a:lstStyle/>
+              <a:p>
+                <a:pPr algn="ctr"/>
+                <a:r>
+                  <a:rPr lang="fr-FR" sz="1200" dirty="0"/>
+                  <a:t>Glissière direction </a:t>
+                </a:r>
+                <a14:m>
+                  <m:oMath xmlns:m="http://schemas.openxmlformats.org/officeDocument/2006/math">
+                    <m:acc>
+                      <m:accPr>
+                        <m:chr m:val="⃗"/>
+                        <m:ctrlPr>
+                          <a:rPr lang="fr-FR" sz="1200" i="1">
+                            <a:latin typeface="Cambria Math" panose="02040503050406030204" pitchFamily="18" charset="0"/>
+                          </a:rPr>
+                        </m:ctrlPr>
+                      </m:accPr>
+                      <m:e>
+                        <m:sSub>
+                          <m:sSubPr>
+                            <m:ctrlPr>
+                              <a:rPr lang="fr-FR" sz="1200" b="0" i="1" smtClean="0">
+                                <a:latin typeface="Cambria Math" panose="02040503050406030204" pitchFamily="18" charset="0"/>
+                              </a:rPr>
+                            </m:ctrlPr>
+                          </m:sSubPr>
+                          <m:e>
+                            <m:r>
+                              <a:rPr lang="fr-FR" sz="1200" b="0" i="1" smtClean="0">
+                                <a:latin typeface="Cambria Math" panose="02040503050406030204" pitchFamily="18" charset="0"/>
+                              </a:rPr>
+                              <m:t>𝑧</m:t>
+                            </m:r>
+                          </m:e>
+                          <m:sub>
+                            <m:r>
+                              <a:rPr lang="fr-FR" sz="1200" b="0" i="1" smtClean="0">
+                                <a:latin typeface="Cambria Math" panose="02040503050406030204" pitchFamily="18" charset="0"/>
+                              </a:rPr>
+                              <m:t>4</m:t>
+                            </m:r>
+                          </m:sub>
+                        </m:sSub>
+                      </m:e>
+                    </m:acc>
+                  </m:oMath>
+                </a14:m>
+                <a:endParaRPr lang="fr-FR" sz="1200" dirty="0"/>
+              </a:p>
+            </p:txBody>
+          </p:sp>
+        </mc:Choice>
+        <mc:Fallback xmlns="">
+          <p:sp>
+            <p:nvSpPr>
+              <p:cNvPr id="26" name="ZoneTexte 25">
+                <a:extLst>
+                  <a:ext uri="{FF2B5EF4-FFF2-40B4-BE49-F238E27FC236}">
+                    <a16:creationId xmlns:a16="http://schemas.microsoft.com/office/drawing/2014/main" id="{41C8C79F-8AD6-490A-A9A3-6BD406A7C2AE}"/>
+                  </a:ext>
+                </a:extLst>
+              </p:cNvPr>
+              <p:cNvSpPr txBox="1">
+                <a:spLocks noRot="1" noChangeAspect="1" noMove="1" noResize="1" noEditPoints="1" noAdjustHandles="1" noChangeArrowheads="1" noChangeShapeType="1" noTextEdit="1"/>
+              </p:cNvSpPr>
+              <p:nvPr/>
+            </p:nvSpPr>
+            <p:spPr>
+              <a:xfrm>
+                <a:off x="4226310" y="5371139"/>
+                <a:ext cx="961786" cy="461665"/>
+              </a:xfrm>
+              <a:prstGeom prst="rect">
+                <a:avLst/>
+              </a:prstGeom>
+              <a:blipFill>
+                <a:blip r:embed="rId5"/>
+                <a:stretch>
+                  <a:fillRect b="-9211"/>
+                </a:stretch>
+              </a:blipFill>
+            </p:spPr>
+            <p:txBody>
+              <a:bodyPr/>
+              <a:lstStyle/>
+              <a:p>
+                <a:r>
+                  <a:rPr lang="fr-FR">
+                    <a:noFill/>
+                  </a:rPr>
+                  <a:t> </a:t>
+                </a:r>
+              </a:p>
+            </p:txBody>
+          </p:sp>
+        </mc:Fallback>
+      </mc:AlternateContent>
+      <p:cxnSp>
+        <p:nvCxnSpPr>
+          <p:cNvPr id="27" name="Connecteur droit 26">
+            <a:extLst>
+              <a:ext uri="{FF2B5EF4-FFF2-40B4-BE49-F238E27FC236}">
+                <a16:creationId xmlns:a16="http://schemas.microsoft.com/office/drawing/2014/main" id="{76B15993-5F29-4C84-A670-2438D425A777}"/>
+              </a:ext>
+            </a:extLst>
+          </p:cNvPr>
+          <p:cNvCxnSpPr>
+            <a:cxnSpLocks/>
+            <a:stCxn id="10" idx="2"/>
+            <a:endCxn id="9" idx="6"/>
+          </p:cNvCxnSpPr>
+          <p:nvPr/>
+        </p:nvCxnSpPr>
+        <p:spPr>
+          <a:xfrm flipH="1">
+            <a:off x="5561297" y="5601971"/>
+            <a:ext cx="1117756" cy="2"/>
+          </a:xfrm>
+          <a:prstGeom prst="line">
+            <a:avLst/>
+          </a:prstGeom>
+          <a:ln w="12700">
+            <a:solidFill>
+              <a:schemeClr val="tx1"/>
+            </a:solidFill>
+          </a:ln>
+        </p:spPr>
+        <p:style>
+          <a:lnRef idx="1">
+            <a:schemeClr val="accent1"/>
+          </a:lnRef>
+          <a:fillRef idx="0">
+            <a:schemeClr val="accent1"/>
+          </a:fillRef>
+          <a:effectRef idx="0">
+            <a:schemeClr val="accent1"/>
+          </a:effectRef>
+          <a:fontRef idx="minor">
+            <a:schemeClr val="tx1"/>
+          </a:fontRef>
+        </p:style>
+      </p:cxnSp>
+      <mc:AlternateContent xmlns:mc="http://schemas.openxmlformats.org/markup-compatibility/2006">
+        <mc:Choice xmlns:a14="http://schemas.microsoft.com/office/drawing/2010/main" Requires="a14">
+          <p:sp>
+            <p:nvSpPr>
+              <p:cNvPr id="28" name="ZoneTexte 27">
+                <a:extLst>
+                  <a:ext uri="{FF2B5EF4-FFF2-40B4-BE49-F238E27FC236}">
+                    <a16:creationId xmlns:a16="http://schemas.microsoft.com/office/drawing/2014/main" id="{CDDE52B0-A1E2-4C16-A0F2-BEBDB9794F74}"/>
+                  </a:ext>
+                </a:extLst>
+              </p:cNvPr>
+              <p:cNvSpPr txBox="1"/>
+              <p:nvPr/>
+            </p:nvSpPr>
+            <p:spPr>
+              <a:xfrm>
+                <a:off x="5404273" y="5371139"/>
+                <a:ext cx="1431803" cy="646331"/>
+              </a:xfrm>
+              <a:prstGeom prst="rect">
+                <a:avLst/>
+              </a:prstGeom>
+              <a:noFill/>
+            </p:spPr>
+            <p:txBody>
+              <a:bodyPr wrap="none" rtlCol="0">
+                <a:spAutoFit/>
+              </a:bodyPr>
+              <a:lstStyle/>
+              <a:p>
+                <a:pPr algn="ctr"/>
+                <a:r>
+                  <a:rPr lang="fr-FR" sz="1200" dirty="0"/>
+                  <a:t>Pivot</a:t>
+                </a:r>
+              </a:p>
+              <a:p>
+                <a:pPr algn="ctr"/>
+                <a:r>
+                  <a:rPr lang="fr-FR" sz="1200" dirty="0"/>
+                  <a:t>d’axe </a:t>
+                </a:r>
+                <a14:m>
+                  <m:oMath xmlns:m="http://schemas.openxmlformats.org/officeDocument/2006/math">
+                    <m:d>
+                      <m:dPr>
+                        <m:ctrlPr>
+                          <a:rPr lang="fr-FR" sz="1200" i="1" smtClean="0">
+                            <a:latin typeface="Cambria Math" panose="02040503050406030204" pitchFamily="18" charset="0"/>
+                          </a:rPr>
+                        </m:ctrlPr>
+                      </m:dPr>
+                      <m:e>
+                        <m:r>
+                          <a:rPr lang="fr-FR" sz="1200" b="0" i="1" smtClean="0">
+                            <a:latin typeface="Cambria Math" panose="02040503050406030204" pitchFamily="18" charset="0"/>
+                          </a:rPr>
+                          <m:t>𝐶</m:t>
+                        </m:r>
+                        <m:r>
+                          <a:rPr lang="fr-FR" sz="1200" b="0" i="1" smtClean="0">
+                            <a:latin typeface="Cambria Math" panose="02040503050406030204" pitchFamily="18" charset="0"/>
+                          </a:rPr>
+                          <m:t>,</m:t>
+                        </m:r>
+                        <m:acc>
+                          <m:accPr>
+                            <m:chr m:val="⃗"/>
+                            <m:ctrlPr>
+                              <a:rPr lang="fr-FR" sz="1200" b="0" i="1" smtClean="0">
+                                <a:latin typeface="Cambria Math" panose="02040503050406030204" pitchFamily="18" charset="0"/>
+                              </a:rPr>
+                            </m:ctrlPr>
+                          </m:accPr>
+                          <m:e>
+                            <m:sSub>
+                              <m:sSubPr>
+                                <m:ctrlPr>
+                                  <a:rPr lang="fr-FR" sz="1200" b="0" i="1" smtClean="0">
+                                    <a:latin typeface="Cambria Math" panose="02040503050406030204" pitchFamily="18" charset="0"/>
+                                  </a:rPr>
+                                </m:ctrlPr>
+                              </m:sSubPr>
+                              <m:e>
+                                <m:r>
+                                  <a:rPr lang="fr-FR" sz="1200" b="0" i="1" smtClean="0">
+                                    <a:latin typeface="Cambria Math" panose="02040503050406030204" pitchFamily="18" charset="0"/>
+                                  </a:rPr>
+                                  <m:t>𝑧</m:t>
+                                </m:r>
+                              </m:e>
+                              <m:sub>
+                                <m:r>
+                                  <a:rPr lang="fr-FR" sz="1200" b="0" i="1" smtClean="0">
+                                    <a:latin typeface="Cambria Math" panose="02040503050406030204" pitchFamily="18" charset="0"/>
+                                  </a:rPr>
+                                  <m:t>4</m:t>
+                                </m:r>
+                              </m:sub>
+                            </m:sSub>
+                          </m:e>
+                        </m:acc>
+                      </m:e>
+                    </m:d>
+                  </m:oMath>
+                </a14:m>
+                <a:endParaRPr lang="fr-FR" sz="1200" dirty="0"/>
+              </a:p>
+              <a:p>
+                <a:pPr algn="ctr"/>
+                <a:r>
+                  <a:rPr lang="fr-FR" sz="1200" b="1" i="1" dirty="0"/>
+                  <a:t>Supposée immobile</a:t>
+                </a:r>
+              </a:p>
+            </p:txBody>
+          </p:sp>
+        </mc:Choice>
+        <mc:Fallback>
+          <p:sp>
+            <p:nvSpPr>
+              <p:cNvPr id="28" name="ZoneTexte 27">
+                <a:extLst>
+                  <a:ext uri="{FF2B5EF4-FFF2-40B4-BE49-F238E27FC236}">
+                    <a16:creationId xmlns:a16="http://schemas.microsoft.com/office/drawing/2014/main" id="{CDDE52B0-A1E2-4C16-A0F2-BEBDB9794F74}"/>
+                  </a:ext>
+                </a:extLst>
+              </p:cNvPr>
+              <p:cNvSpPr txBox="1">
+                <a:spLocks noRot="1" noChangeAspect="1" noMove="1" noResize="1" noEditPoints="1" noAdjustHandles="1" noChangeArrowheads="1" noChangeShapeType="1" noTextEdit="1"/>
+              </p:cNvSpPr>
+              <p:nvPr/>
+            </p:nvSpPr>
+            <p:spPr>
+              <a:xfrm>
+                <a:off x="5404273" y="5371139"/>
+                <a:ext cx="1431803" cy="646331"/>
+              </a:xfrm>
+              <a:prstGeom prst="rect">
+                <a:avLst/>
+              </a:prstGeom>
+              <a:blipFill>
+                <a:blip r:embed="rId6"/>
+                <a:stretch>
+                  <a:fillRect b="-6604"/>
+                </a:stretch>
+              </a:blipFill>
+            </p:spPr>
+            <p:txBody>
+              <a:bodyPr/>
+              <a:lstStyle/>
+              <a:p>
+                <a:r>
+                  <a:rPr lang="fr-FR">
+                    <a:noFill/>
+                  </a:rPr>
+                  <a:t> </a:t>
+                </a:r>
+              </a:p>
+            </p:txBody>
+          </p:sp>
+        </mc:Fallback>
+      </mc:AlternateContent>
+      <p:cxnSp>
+        <p:nvCxnSpPr>
+          <p:cNvPr id="31" name="Connecteur droit 30">
+            <a:extLst>
+              <a:ext uri="{FF2B5EF4-FFF2-40B4-BE49-F238E27FC236}">
+                <a16:creationId xmlns:a16="http://schemas.microsoft.com/office/drawing/2014/main" id="{83FBDDD9-A59F-4FF7-B1B3-A9518FD14DA6}"/>
+              </a:ext>
+            </a:extLst>
+          </p:cNvPr>
+          <p:cNvCxnSpPr>
+            <a:cxnSpLocks/>
+          </p:cNvCxnSpPr>
+          <p:nvPr/>
+        </p:nvCxnSpPr>
+        <p:spPr>
+          <a:xfrm>
+            <a:off x="1052308" y="5599023"/>
+            <a:ext cx="727753" cy="784913"/>
+          </a:xfrm>
+          <a:prstGeom prst="line">
+            <a:avLst/>
+          </a:prstGeom>
+          <a:ln w="12700">
+            <a:solidFill>
+              <a:schemeClr val="tx1"/>
+            </a:solidFill>
+          </a:ln>
+        </p:spPr>
+        <p:style>
+          <a:lnRef idx="1">
+            <a:schemeClr val="accent1"/>
+          </a:lnRef>
+          <a:fillRef idx="0">
+            <a:schemeClr val="accent1"/>
+          </a:fillRef>
+          <a:effectRef idx="0">
+            <a:schemeClr val="accent1"/>
+          </a:effectRef>
+          <a:fontRef idx="minor">
+            <a:schemeClr val="tx1"/>
+          </a:fontRef>
+        </p:style>
+      </p:cxnSp>
+      <p:sp>
+        <p:nvSpPr>
+          <p:cNvPr id="5" name="Ellipse 4">
+            <a:extLst>
+              <a:ext uri="{FF2B5EF4-FFF2-40B4-BE49-F238E27FC236}">
+                <a16:creationId xmlns:a16="http://schemas.microsoft.com/office/drawing/2014/main" id="{2F7BE2A7-3940-4B77-8761-8AD9C7BD3779}"/>
+              </a:ext>
+            </a:extLst>
+          </p:cNvPr>
+          <p:cNvSpPr/>
+          <p:nvPr/>
+        </p:nvSpPr>
+        <p:spPr>
+          <a:xfrm>
+            <a:off x="894215" y="5439973"/>
+            <a:ext cx="324000" cy="324000"/>
+          </a:xfrm>
+          <a:prstGeom prst="ellipse">
+            <a:avLst/>
+          </a:prstGeom>
+          <a:solidFill>
+            <a:schemeClr val="bg1"/>
+          </a:solidFill>
+          <a:ln w="19050">
+            <a:solidFill>
+              <a:schemeClr val="tx1"/>
+            </a:solidFill>
+          </a:ln>
+        </p:spPr>
+        <p:style>
+          <a:lnRef idx="2">
+            <a:schemeClr val="accent1">
+              <a:shade val="50000"/>
+            </a:schemeClr>
+          </a:lnRef>
+          <a:fillRef idx="1">
+            <a:schemeClr val="accent1"/>
+          </a:fillRef>
+          <a:effectRef idx="0">
+            <a:schemeClr val="accent1"/>
+          </a:effectRef>
+          <a:fontRef idx="minor">
+            <a:schemeClr val="lt1"/>
+          </a:fontRef>
+        </p:style>
+        <p:txBody>
+          <a:bodyPr lIns="36000" tIns="36000" rIns="36000" bIns="36000" rtlCol="0" anchor="ctr"/>
+          <a:lstStyle/>
+          <a:p>
+            <a:pPr algn="ctr"/>
+            <a:r>
+              <a:rPr lang="fr-FR" sz="1400" b="1" dirty="0">
+                <a:solidFill>
+                  <a:sysClr val="windowText" lastClr="000000"/>
+                </a:solidFill>
+              </a:rPr>
+              <a:t>1</a:t>
+            </a:r>
+          </a:p>
+        </p:txBody>
+      </p:sp>
+      <p:sp>
+        <p:nvSpPr>
+          <p:cNvPr id="9" name="Ellipse 8">
+            <a:extLst>
+              <a:ext uri="{FF2B5EF4-FFF2-40B4-BE49-F238E27FC236}">
+                <a16:creationId xmlns:a16="http://schemas.microsoft.com/office/drawing/2014/main" id="{453D084C-33F0-47EF-A359-2C5E57686052}"/>
+              </a:ext>
+            </a:extLst>
+          </p:cNvPr>
+          <p:cNvSpPr/>
+          <p:nvPr/>
+        </p:nvSpPr>
+        <p:spPr>
+          <a:xfrm>
+            <a:off x="5237297" y="5439973"/>
+            <a:ext cx="324000" cy="324000"/>
+          </a:xfrm>
+          <a:prstGeom prst="ellipse">
+            <a:avLst/>
+          </a:prstGeom>
+          <a:solidFill>
+            <a:schemeClr val="bg1"/>
+          </a:solidFill>
+          <a:ln w="19050">
+            <a:solidFill>
+              <a:schemeClr val="accent2"/>
+            </a:solidFill>
+          </a:ln>
+        </p:spPr>
+        <p:style>
+          <a:lnRef idx="2">
+            <a:schemeClr val="accent1">
+              <a:shade val="50000"/>
+            </a:schemeClr>
+          </a:lnRef>
+          <a:fillRef idx="1">
+            <a:schemeClr val="accent1"/>
+          </a:fillRef>
+          <a:effectRef idx="0">
+            <a:schemeClr val="accent1"/>
+          </a:effectRef>
+          <a:fontRef idx="minor">
+            <a:schemeClr val="lt1"/>
+          </a:fontRef>
+        </p:style>
+        <p:txBody>
+          <a:bodyPr lIns="36000" tIns="36000" rIns="36000" bIns="36000" rtlCol="0" anchor="ctr"/>
+          <a:lstStyle/>
+          <a:p>
+            <a:pPr algn="ctr"/>
+            <a:r>
+              <a:rPr lang="fr-FR" sz="1400" b="1" dirty="0">
+                <a:solidFill>
+                  <a:schemeClr val="accent2"/>
+                </a:solidFill>
+              </a:rPr>
+              <a:t>4</a:t>
+            </a:r>
+          </a:p>
+        </p:txBody>
+      </p:sp>
+      <p:sp>
+        <p:nvSpPr>
+          <p:cNvPr id="10" name="Ellipse 9">
+            <a:extLst>
+              <a:ext uri="{FF2B5EF4-FFF2-40B4-BE49-F238E27FC236}">
+                <a16:creationId xmlns:a16="http://schemas.microsoft.com/office/drawing/2014/main" id="{2B945868-AB9C-46DD-84ED-6BBEABB39CDD}"/>
+              </a:ext>
+            </a:extLst>
+          </p:cNvPr>
+          <p:cNvSpPr/>
+          <p:nvPr/>
+        </p:nvSpPr>
+        <p:spPr>
+          <a:xfrm>
+            <a:off x="6679053" y="5439971"/>
+            <a:ext cx="324000" cy="324000"/>
+          </a:xfrm>
+          <a:prstGeom prst="ellipse">
+            <a:avLst/>
+          </a:prstGeom>
+          <a:solidFill>
+            <a:schemeClr val="bg1"/>
+          </a:solidFill>
+          <a:ln w="19050">
+            <a:solidFill>
+              <a:schemeClr val="tx1">
+                <a:lumMod val="50000"/>
+                <a:lumOff val="50000"/>
+              </a:schemeClr>
+            </a:solidFill>
+          </a:ln>
+        </p:spPr>
+        <p:style>
+          <a:lnRef idx="2">
+            <a:schemeClr val="accent1">
+              <a:shade val="50000"/>
+            </a:schemeClr>
+          </a:lnRef>
+          <a:fillRef idx="1">
+            <a:schemeClr val="accent1"/>
+          </a:fillRef>
+          <a:effectRef idx="0">
+            <a:schemeClr val="accent1"/>
+          </a:effectRef>
+          <a:fontRef idx="minor">
+            <a:schemeClr val="lt1"/>
+          </a:fontRef>
+        </p:style>
+        <p:txBody>
+          <a:bodyPr lIns="36000" tIns="36000" rIns="36000" bIns="36000" rtlCol="0" anchor="ctr"/>
+          <a:lstStyle/>
+          <a:p>
+            <a:pPr algn="ctr"/>
+            <a:r>
+              <a:rPr lang="fr-FR" sz="1400" b="1" dirty="0">
+                <a:solidFill>
+                  <a:schemeClr val="tx1">
+                    <a:lumMod val="50000"/>
+                    <a:lumOff val="50000"/>
+                  </a:schemeClr>
+                </a:solidFill>
+              </a:rPr>
+              <a:t>5</a:t>
+            </a:r>
+          </a:p>
+        </p:txBody>
+      </p:sp>
+      <p:sp>
+        <p:nvSpPr>
+          <p:cNvPr id="11" name="Ellipse 10">
+            <a:extLst>
+              <a:ext uri="{FF2B5EF4-FFF2-40B4-BE49-F238E27FC236}">
+                <a16:creationId xmlns:a16="http://schemas.microsoft.com/office/drawing/2014/main" id="{7FF8CB64-EC6A-4DEC-8F08-158B1F24F8F0}"/>
+              </a:ext>
+            </a:extLst>
+          </p:cNvPr>
+          <p:cNvSpPr/>
+          <p:nvPr/>
+        </p:nvSpPr>
+        <p:spPr>
+          <a:xfrm>
+            <a:off x="1618061" y="6221936"/>
+            <a:ext cx="324000" cy="324000"/>
+          </a:xfrm>
+          <a:prstGeom prst="ellipse">
+            <a:avLst/>
+          </a:prstGeom>
+          <a:solidFill>
+            <a:schemeClr val="bg1"/>
+          </a:solidFill>
+          <a:ln w="19050">
+            <a:solidFill>
+              <a:schemeClr val="accent1"/>
+            </a:solidFill>
+          </a:ln>
+        </p:spPr>
+        <p:style>
+          <a:lnRef idx="2">
+            <a:schemeClr val="accent1">
+              <a:shade val="50000"/>
+            </a:schemeClr>
+          </a:lnRef>
+          <a:fillRef idx="1">
+            <a:schemeClr val="accent1"/>
+          </a:fillRef>
+          <a:effectRef idx="0">
+            <a:schemeClr val="accent1"/>
+          </a:effectRef>
+          <a:fontRef idx="minor">
+            <a:schemeClr val="lt1"/>
+          </a:fontRef>
+        </p:style>
+        <p:txBody>
+          <a:bodyPr lIns="36000" tIns="36000" rIns="36000" bIns="36000" rtlCol="0" anchor="ctr"/>
+          <a:lstStyle/>
+          <a:p>
+            <a:pPr algn="ctr"/>
+            <a:r>
+              <a:rPr lang="fr-FR" sz="1400" b="1" dirty="0">
+                <a:solidFill>
+                  <a:schemeClr val="accent1"/>
+                </a:solidFill>
+              </a:rPr>
+              <a:t>6</a:t>
+            </a:r>
+          </a:p>
+        </p:txBody>
+      </p:sp>
+      <mc:AlternateContent xmlns:mc="http://schemas.openxmlformats.org/markup-compatibility/2006" xmlns:a14="http://schemas.microsoft.com/office/drawing/2010/main">
+        <mc:Choice Requires="a14">
+          <p:sp>
+            <p:nvSpPr>
+              <p:cNvPr id="34" name="ZoneTexte 33">
+                <a:extLst>
+                  <a:ext uri="{FF2B5EF4-FFF2-40B4-BE49-F238E27FC236}">
+                    <a16:creationId xmlns:a16="http://schemas.microsoft.com/office/drawing/2014/main" id="{AF979EB5-83C0-434C-935D-5AED3DC82455}"/>
+                  </a:ext>
+                </a:extLst>
+              </p:cNvPr>
+              <p:cNvSpPr txBox="1"/>
+              <p:nvPr/>
+            </p:nvSpPr>
+            <p:spPr>
+              <a:xfrm>
+                <a:off x="590749" y="5903019"/>
+                <a:ext cx="855875" cy="461665"/>
+              </a:xfrm>
+              <a:prstGeom prst="rect">
+                <a:avLst/>
+              </a:prstGeom>
+              <a:noFill/>
+            </p:spPr>
+            <p:txBody>
+              <a:bodyPr wrap="none" rtlCol="0">
+                <a:spAutoFit/>
+              </a:bodyPr>
+              <a:lstStyle/>
+              <a:p>
+                <a:r>
+                  <a:rPr lang="fr-FR" sz="1200" dirty="0"/>
+                  <a:t>Pivot d’axe</a:t>
+                </a:r>
+              </a:p>
+              <a:p>
+                <a:pPr/>
+                <a14:m>
+                  <m:oMathPara xmlns:m="http://schemas.openxmlformats.org/officeDocument/2006/math">
+                    <m:oMathParaPr>
+                      <m:jc m:val="centerGroup"/>
+                    </m:oMathParaPr>
+                    <m:oMath xmlns:m="http://schemas.openxmlformats.org/officeDocument/2006/math">
+                      <m:d>
+                        <m:dPr>
+                          <m:ctrlPr>
+                            <a:rPr lang="fr-FR" sz="1200" i="1" smtClean="0">
+                              <a:latin typeface="Cambria Math" panose="02040503050406030204" pitchFamily="18" charset="0"/>
+                            </a:rPr>
+                          </m:ctrlPr>
+                        </m:dPr>
+                        <m:e>
+                          <m:r>
+                            <a:rPr lang="fr-FR" sz="1200" b="0" i="1" smtClean="0">
+                              <a:latin typeface="Cambria Math" panose="02040503050406030204" pitchFamily="18" charset="0"/>
+                            </a:rPr>
+                            <m:t>𝑀</m:t>
+                          </m:r>
+                          <m:r>
+                            <a:rPr lang="fr-FR" sz="1200" b="0" i="1" smtClean="0">
+                              <a:latin typeface="Cambria Math" panose="02040503050406030204" pitchFamily="18" charset="0"/>
+                            </a:rPr>
+                            <m:t>,</m:t>
+                          </m:r>
+                          <m:acc>
+                            <m:accPr>
+                              <m:chr m:val="⃗"/>
+                              <m:ctrlPr>
+                                <a:rPr lang="fr-FR" sz="1200" b="0" i="1" smtClean="0">
+                                  <a:latin typeface="Cambria Math" panose="02040503050406030204" pitchFamily="18" charset="0"/>
+                                </a:rPr>
+                              </m:ctrlPr>
+                            </m:accPr>
+                            <m:e>
+                              <m:sSub>
+                                <m:sSubPr>
+                                  <m:ctrlPr>
+                                    <a:rPr lang="fr-FR" sz="1200" b="0" i="1" smtClean="0">
+                                      <a:latin typeface="Cambria Math" panose="02040503050406030204" pitchFamily="18" charset="0"/>
+                                    </a:rPr>
+                                  </m:ctrlPr>
+                                </m:sSubPr>
+                                <m:e>
+                                  <m:r>
+                                    <a:rPr lang="fr-FR" sz="1200" b="0" i="1" smtClean="0">
+                                      <a:latin typeface="Cambria Math" panose="02040503050406030204" pitchFamily="18" charset="0"/>
+                                    </a:rPr>
+                                    <m:t>𝑧</m:t>
+                                  </m:r>
+                                </m:e>
+                                <m:sub>
+                                  <m:r>
+                                    <a:rPr lang="fr-FR" sz="1200" b="0" i="1" smtClean="0">
+                                      <a:latin typeface="Cambria Math" panose="02040503050406030204" pitchFamily="18" charset="0"/>
+                                    </a:rPr>
+                                    <m:t>1</m:t>
+                                  </m:r>
+                                </m:sub>
+                              </m:sSub>
+                            </m:e>
+                          </m:acc>
+                        </m:e>
+                      </m:d>
+                    </m:oMath>
+                  </m:oMathPara>
+                </a14:m>
+                <a:endParaRPr lang="fr-FR" sz="1200" dirty="0"/>
+              </a:p>
+            </p:txBody>
+          </p:sp>
+        </mc:Choice>
+        <mc:Fallback xmlns="">
+          <p:sp>
+            <p:nvSpPr>
+              <p:cNvPr id="34" name="ZoneTexte 33">
+                <a:extLst>
+                  <a:ext uri="{FF2B5EF4-FFF2-40B4-BE49-F238E27FC236}">
+                    <a16:creationId xmlns:a16="http://schemas.microsoft.com/office/drawing/2014/main" id="{AF979EB5-83C0-434C-935D-5AED3DC82455}"/>
+                  </a:ext>
+                </a:extLst>
+              </p:cNvPr>
+              <p:cNvSpPr txBox="1">
+                <a:spLocks noRot="1" noChangeAspect="1" noMove="1" noResize="1" noEditPoints="1" noAdjustHandles="1" noChangeArrowheads="1" noChangeShapeType="1" noTextEdit="1"/>
+              </p:cNvSpPr>
+              <p:nvPr/>
+            </p:nvSpPr>
+            <p:spPr>
+              <a:xfrm>
+                <a:off x="590749" y="5903019"/>
+                <a:ext cx="855875" cy="461665"/>
+              </a:xfrm>
+              <a:prstGeom prst="rect">
+                <a:avLst/>
+              </a:prstGeom>
+              <a:blipFill>
+                <a:blip r:embed="rId7"/>
+                <a:stretch>
+                  <a:fillRect l="-714"/>
+                </a:stretch>
+              </a:blipFill>
+            </p:spPr>
+            <p:txBody>
+              <a:bodyPr/>
+              <a:lstStyle/>
+              <a:p>
+                <a:r>
+                  <a:rPr lang="fr-FR">
+                    <a:noFill/>
+                  </a:rPr>
+                  <a:t> </a:t>
+                </a:r>
+              </a:p>
+            </p:txBody>
+          </p:sp>
+        </mc:Fallback>
+      </mc:AlternateContent>
+      <p:sp>
+        <p:nvSpPr>
+          <p:cNvPr id="38" name="ZoneTexte 37">
+            <a:extLst>
+              <a:ext uri="{FF2B5EF4-FFF2-40B4-BE49-F238E27FC236}">
+                <a16:creationId xmlns:a16="http://schemas.microsoft.com/office/drawing/2014/main" id="{66D64C47-628B-48A1-8F53-76CAEDC2894F}"/>
+              </a:ext>
+            </a:extLst>
+          </p:cNvPr>
+          <p:cNvSpPr txBox="1"/>
+          <p:nvPr/>
+        </p:nvSpPr>
+        <p:spPr>
+          <a:xfrm rot="18818568">
+            <a:off x="1616664" y="5784524"/>
+            <a:ext cx="841769" cy="276999"/>
+          </a:xfrm>
+          <a:prstGeom prst="rect">
+            <a:avLst/>
+          </a:prstGeom>
+          <a:noFill/>
+        </p:spPr>
+        <p:txBody>
+          <a:bodyPr wrap="none" rtlCol="0">
+            <a:spAutoFit/>
+          </a:bodyPr>
+          <a:lstStyle/>
+          <a:p>
+            <a:r>
+              <a:rPr lang="fr-FR" sz="1200" dirty="0"/>
+              <a:t>Engrenage</a:t>
+            </a:r>
+          </a:p>
+        </p:txBody>
+      </p:sp>
+      <p:cxnSp>
+        <p:nvCxnSpPr>
+          <p:cNvPr id="39" name="Connecteur droit 38">
+            <a:extLst>
+              <a:ext uri="{FF2B5EF4-FFF2-40B4-BE49-F238E27FC236}">
+                <a16:creationId xmlns:a16="http://schemas.microsoft.com/office/drawing/2014/main" id="{FDD2240C-3E3D-40D5-A07A-59DAAFA64054}"/>
+              </a:ext>
+            </a:extLst>
+          </p:cNvPr>
+          <p:cNvCxnSpPr>
+            <a:cxnSpLocks/>
+          </p:cNvCxnSpPr>
+          <p:nvPr/>
+        </p:nvCxnSpPr>
+        <p:spPr>
+          <a:xfrm flipH="1">
+            <a:off x="3245906" y="5613709"/>
+            <a:ext cx="714742" cy="769839"/>
+          </a:xfrm>
+          <a:prstGeom prst="line">
+            <a:avLst/>
+          </a:prstGeom>
+          <a:ln w="12700">
+            <a:solidFill>
+              <a:schemeClr val="tx1"/>
+            </a:solidFill>
+          </a:ln>
+        </p:spPr>
+        <p:style>
+          <a:lnRef idx="1">
+            <a:schemeClr val="accent1"/>
+          </a:lnRef>
+          <a:fillRef idx="0">
+            <a:schemeClr val="accent1"/>
+          </a:fillRef>
+          <a:effectRef idx="0">
+            <a:schemeClr val="accent1"/>
+          </a:effectRef>
+          <a:fontRef idx="minor">
+            <a:schemeClr val="tx1"/>
+          </a:fontRef>
+        </p:style>
+      </p:cxnSp>
+      <p:cxnSp>
+        <p:nvCxnSpPr>
+          <p:cNvPr id="40" name="Connecteur droit 39">
+            <a:extLst>
+              <a:ext uri="{FF2B5EF4-FFF2-40B4-BE49-F238E27FC236}">
+                <a16:creationId xmlns:a16="http://schemas.microsoft.com/office/drawing/2014/main" id="{45B72000-601F-4EB0-83B1-C49DE0495B48}"/>
+              </a:ext>
+            </a:extLst>
+          </p:cNvPr>
+          <p:cNvCxnSpPr>
+            <a:cxnSpLocks/>
+          </p:cNvCxnSpPr>
+          <p:nvPr/>
+        </p:nvCxnSpPr>
+        <p:spPr>
+          <a:xfrm>
+            <a:off x="2503909" y="5621412"/>
+            <a:ext cx="736303" cy="762524"/>
+          </a:xfrm>
+          <a:prstGeom prst="line">
+            <a:avLst/>
+          </a:prstGeom>
+          <a:ln w="12700">
+            <a:solidFill>
+              <a:schemeClr val="tx1"/>
+            </a:solidFill>
+          </a:ln>
+        </p:spPr>
+        <p:style>
+          <a:lnRef idx="1">
+            <a:schemeClr val="accent1"/>
+          </a:lnRef>
+          <a:fillRef idx="0">
+            <a:schemeClr val="accent1"/>
+          </a:fillRef>
+          <a:effectRef idx="0">
+            <a:schemeClr val="accent1"/>
+          </a:effectRef>
+          <a:fontRef idx="minor">
+            <a:schemeClr val="tx1"/>
+          </a:fontRef>
+        </p:style>
+      </p:cxnSp>
+      <mc:AlternateContent xmlns:mc="http://schemas.openxmlformats.org/markup-compatibility/2006" xmlns:a14="http://schemas.microsoft.com/office/drawing/2010/main">
+        <mc:Choice Requires="a14">
+          <p:sp>
+            <p:nvSpPr>
+              <p:cNvPr id="42" name="ZoneTexte 41">
+                <a:extLst>
+                  <a:ext uri="{FF2B5EF4-FFF2-40B4-BE49-F238E27FC236}">
+                    <a16:creationId xmlns:a16="http://schemas.microsoft.com/office/drawing/2014/main" id="{EDDE6DEF-CCB2-4273-976B-AECFF7318457}"/>
+                  </a:ext>
+                </a:extLst>
+              </p:cNvPr>
+              <p:cNvSpPr txBox="1"/>
+              <p:nvPr/>
+            </p:nvSpPr>
+            <p:spPr>
+              <a:xfrm>
+                <a:off x="2149723" y="5981037"/>
+                <a:ext cx="855875" cy="553421"/>
+              </a:xfrm>
+              <a:prstGeom prst="rect">
+                <a:avLst/>
+              </a:prstGeom>
+              <a:noFill/>
+            </p:spPr>
+            <p:txBody>
+              <a:bodyPr wrap="none" rtlCol="0">
+                <a:spAutoFit/>
+              </a:bodyPr>
+              <a:lstStyle/>
+              <a:p>
+                <a:r>
+                  <a:rPr lang="fr-FR" sz="1200" dirty="0"/>
+                  <a:t>Pivot d’axe</a:t>
+                </a:r>
+              </a:p>
+              <a:p>
+                <a:pPr/>
+                <a14:m>
+                  <m:oMathPara xmlns:m="http://schemas.openxmlformats.org/officeDocument/2006/math">
+                    <m:oMathParaPr>
+                      <m:jc m:val="centerGroup"/>
+                    </m:oMathParaPr>
+                    <m:oMath xmlns:m="http://schemas.openxmlformats.org/officeDocument/2006/math">
+                      <m:d>
+                        <m:dPr>
+                          <m:ctrlPr>
+                            <a:rPr lang="fr-FR" sz="1200" i="1" smtClean="0">
+                              <a:latin typeface="Cambria Math" panose="02040503050406030204" pitchFamily="18" charset="0"/>
+                            </a:rPr>
+                          </m:ctrlPr>
+                        </m:dPr>
+                        <m:e>
+                          <m:r>
+                            <a:rPr lang="fr-FR" sz="1200" b="0" i="1" smtClean="0">
+                              <a:latin typeface="Cambria Math" panose="02040503050406030204" pitchFamily="18" charset="0"/>
+                            </a:rPr>
+                            <m:t>𝑁</m:t>
+                          </m:r>
+                          <m:r>
+                            <a:rPr lang="fr-FR" sz="1200" b="0" i="1" smtClean="0">
+                              <a:latin typeface="Cambria Math" panose="02040503050406030204" pitchFamily="18" charset="0"/>
+                            </a:rPr>
+                            <m:t>,</m:t>
+                          </m:r>
+                          <m:acc>
+                            <m:accPr>
+                              <m:chr m:val="⃗"/>
+                              <m:ctrlPr>
+                                <a:rPr lang="fr-FR" sz="1200" b="0" i="1" smtClean="0">
+                                  <a:latin typeface="Cambria Math" panose="02040503050406030204" pitchFamily="18" charset="0"/>
+                                </a:rPr>
+                              </m:ctrlPr>
+                            </m:accPr>
+                            <m:e>
+                              <m:sSub>
+                                <m:sSubPr>
+                                  <m:ctrlPr>
+                                    <a:rPr lang="fr-FR" sz="1200" b="0" i="1" smtClean="0">
+                                      <a:latin typeface="Cambria Math" panose="02040503050406030204" pitchFamily="18" charset="0"/>
+                                    </a:rPr>
+                                  </m:ctrlPr>
+                                </m:sSubPr>
+                                <m:e>
+                                  <m:r>
+                                    <a:rPr lang="fr-FR" sz="1200" b="0" i="1" smtClean="0">
+                                      <a:latin typeface="Cambria Math" panose="02040503050406030204" pitchFamily="18" charset="0"/>
+                                    </a:rPr>
+                                    <m:t>𝑧</m:t>
+                                  </m:r>
+                                  <m:r>
+                                    <a:rPr lang="fr-FR" sz="1200" b="0" i="1" smtClean="0">
+                                      <a:latin typeface="Cambria Math" panose="02040503050406030204" pitchFamily="18" charset="0"/>
+                                    </a:rPr>
+                                    <m:t>′</m:t>
+                                  </m:r>
+                                </m:e>
+                                <m:sub>
+                                  <m:r>
+                                    <a:rPr lang="fr-FR" sz="1200" b="0" i="1" smtClean="0">
+                                      <a:latin typeface="Cambria Math" panose="02040503050406030204" pitchFamily="18" charset="0"/>
+                                    </a:rPr>
+                                    <m:t>2</m:t>
+                                  </m:r>
+                                </m:sub>
+                              </m:sSub>
+                            </m:e>
+                          </m:acc>
+                        </m:e>
+                      </m:d>
+                    </m:oMath>
+                  </m:oMathPara>
+                </a14:m>
+                <a:endParaRPr lang="fr-FR" sz="1200" dirty="0"/>
+              </a:p>
+            </p:txBody>
+          </p:sp>
+        </mc:Choice>
+        <mc:Fallback xmlns="">
+          <p:sp>
+            <p:nvSpPr>
+              <p:cNvPr id="42" name="ZoneTexte 41">
+                <a:extLst>
+                  <a:ext uri="{FF2B5EF4-FFF2-40B4-BE49-F238E27FC236}">
+                    <a16:creationId xmlns:a16="http://schemas.microsoft.com/office/drawing/2014/main" id="{EDDE6DEF-CCB2-4273-976B-AECFF7318457}"/>
+                  </a:ext>
+                </a:extLst>
+              </p:cNvPr>
+              <p:cNvSpPr txBox="1">
+                <a:spLocks noRot="1" noChangeAspect="1" noMove="1" noResize="1" noEditPoints="1" noAdjustHandles="1" noChangeArrowheads="1" noChangeShapeType="1" noTextEdit="1"/>
+              </p:cNvSpPr>
+              <p:nvPr/>
+            </p:nvSpPr>
+            <p:spPr>
+              <a:xfrm>
+                <a:off x="2149723" y="5981037"/>
+                <a:ext cx="855875" cy="553421"/>
+              </a:xfrm>
+              <a:prstGeom prst="rect">
+                <a:avLst/>
+              </a:prstGeom>
+              <a:blipFill>
+                <a:blip r:embed="rId8"/>
+                <a:stretch>
+                  <a:fillRect l="-714"/>
+                </a:stretch>
+              </a:blipFill>
+            </p:spPr>
+            <p:txBody>
+              <a:bodyPr/>
+              <a:lstStyle/>
+              <a:p>
+                <a:r>
+                  <a:rPr lang="fr-FR">
+                    <a:noFill/>
+                  </a:rPr>
+                  <a:t> </a:t>
+                </a:r>
+              </a:p>
+            </p:txBody>
+          </p:sp>
+        </mc:Fallback>
+      </mc:AlternateContent>
+      <p:sp>
+        <p:nvSpPr>
+          <p:cNvPr id="13" name="Ellipse 12">
+            <a:extLst>
+              <a:ext uri="{FF2B5EF4-FFF2-40B4-BE49-F238E27FC236}">
+                <a16:creationId xmlns:a16="http://schemas.microsoft.com/office/drawing/2014/main" id="{9A6337A2-BF4F-4660-93B6-A413E63B3D2D}"/>
+              </a:ext>
+            </a:extLst>
+          </p:cNvPr>
+          <p:cNvSpPr/>
+          <p:nvPr/>
+        </p:nvSpPr>
+        <p:spPr>
+          <a:xfrm>
+            <a:off x="3060529" y="6221936"/>
+            <a:ext cx="324000" cy="324000"/>
+          </a:xfrm>
+          <a:prstGeom prst="ellipse">
+            <a:avLst/>
+          </a:prstGeom>
+          <a:solidFill>
+            <a:schemeClr val="bg1"/>
+          </a:solidFill>
+          <a:ln w="19050">
+            <a:solidFill>
+              <a:srgbClr val="00B050"/>
+            </a:solidFill>
+          </a:ln>
+        </p:spPr>
+        <p:style>
+          <a:lnRef idx="2">
+            <a:schemeClr val="accent1">
+              <a:shade val="50000"/>
+            </a:schemeClr>
+          </a:lnRef>
+          <a:fillRef idx="1">
+            <a:schemeClr val="accent1"/>
+          </a:fillRef>
+          <a:effectRef idx="0">
+            <a:schemeClr val="accent1"/>
+          </a:effectRef>
+          <a:fontRef idx="minor">
+            <a:schemeClr val="lt1"/>
+          </a:fontRef>
+        </p:style>
+        <p:txBody>
+          <a:bodyPr lIns="36000" tIns="36000" rIns="36000" bIns="36000" rtlCol="0" anchor="ctr"/>
+          <a:lstStyle/>
+          <a:p>
+            <a:pPr algn="ctr"/>
+            <a:r>
+              <a:rPr lang="fr-FR" sz="1400" b="1" dirty="0">
+                <a:solidFill>
+                  <a:srgbClr val="00B050"/>
+                </a:solidFill>
+              </a:rPr>
+              <a:t>7</a:t>
+            </a:r>
+          </a:p>
+        </p:txBody>
+      </p:sp>
+      <p:sp>
+        <p:nvSpPr>
+          <p:cNvPr id="6" name="Ellipse 5">
+            <a:extLst>
+              <a:ext uri="{FF2B5EF4-FFF2-40B4-BE49-F238E27FC236}">
+                <a16:creationId xmlns:a16="http://schemas.microsoft.com/office/drawing/2014/main" id="{F4F35169-6966-4D9B-ACE7-F58961E903F6}"/>
+              </a:ext>
+            </a:extLst>
+          </p:cNvPr>
+          <p:cNvSpPr/>
+          <p:nvPr/>
+        </p:nvSpPr>
+        <p:spPr>
+          <a:xfrm>
+            <a:off x="2341909" y="5439973"/>
+            <a:ext cx="324000" cy="324000"/>
+          </a:xfrm>
+          <a:prstGeom prst="ellipse">
+            <a:avLst/>
+          </a:prstGeom>
+          <a:solidFill>
+            <a:schemeClr val="bg1"/>
+          </a:solidFill>
+          <a:ln w="19050">
+            <a:solidFill>
+              <a:srgbClr val="FF0000"/>
+            </a:solidFill>
+          </a:ln>
+        </p:spPr>
+        <p:style>
+          <a:lnRef idx="2">
+            <a:schemeClr val="accent1">
+              <a:shade val="50000"/>
+            </a:schemeClr>
+          </a:lnRef>
+          <a:fillRef idx="1">
+            <a:schemeClr val="accent1"/>
+          </a:fillRef>
+          <a:effectRef idx="0">
+            <a:schemeClr val="accent1"/>
+          </a:effectRef>
+          <a:fontRef idx="minor">
+            <a:schemeClr val="lt1"/>
+          </a:fontRef>
+        </p:style>
+        <p:txBody>
+          <a:bodyPr lIns="36000" tIns="36000" rIns="36000" bIns="36000" rtlCol="0" anchor="ctr"/>
+          <a:lstStyle/>
+          <a:p>
+            <a:pPr algn="ctr"/>
+            <a:r>
+              <a:rPr lang="fr-FR" sz="1400" b="1" dirty="0">
+                <a:solidFill>
+                  <a:srgbClr val="FF0000"/>
+                </a:solidFill>
+              </a:rPr>
+              <a:t>2</a:t>
+            </a:r>
+          </a:p>
+        </p:txBody>
+      </p:sp>
+      <p:sp>
+        <p:nvSpPr>
+          <p:cNvPr id="7" name="Ellipse 6">
+            <a:extLst>
+              <a:ext uri="{FF2B5EF4-FFF2-40B4-BE49-F238E27FC236}">
+                <a16:creationId xmlns:a16="http://schemas.microsoft.com/office/drawing/2014/main" id="{A33536F4-BE68-4A06-91A0-365B33E46FDF}"/>
+              </a:ext>
+            </a:extLst>
+          </p:cNvPr>
+          <p:cNvSpPr/>
+          <p:nvPr/>
+        </p:nvSpPr>
+        <p:spPr>
+          <a:xfrm>
+            <a:off x="3789603" y="5439973"/>
+            <a:ext cx="324000" cy="324000"/>
+          </a:xfrm>
+          <a:prstGeom prst="ellipse">
+            <a:avLst/>
+          </a:prstGeom>
+          <a:solidFill>
+            <a:schemeClr val="bg1"/>
+          </a:solidFill>
+          <a:ln w="19050">
+            <a:solidFill>
+              <a:schemeClr val="tx1">
+                <a:lumMod val="50000"/>
+                <a:lumOff val="50000"/>
+              </a:schemeClr>
+            </a:solidFill>
+          </a:ln>
+        </p:spPr>
+        <p:style>
+          <a:lnRef idx="2">
+            <a:schemeClr val="accent1">
+              <a:shade val="50000"/>
+            </a:schemeClr>
+          </a:lnRef>
+          <a:fillRef idx="1">
+            <a:schemeClr val="accent1"/>
+          </a:fillRef>
+          <a:effectRef idx="0">
+            <a:schemeClr val="accent1"/>
+          </a:effectRef>
+          <a:fontRef idx="minor">
+            <a:schemeClr val="lt1"/>
+          </a:fontRef>
+        </p:style>
+        <p:txBody>
+          <a:bodyPr lIns="36000" tIns="36000" rIns="36000" bIns="36000" rtlCol="0" anchor="ctr"/>
+          <a:lstStyle/>
+          <a:p>
+            <a:pPr algn="ctr"/>
+            <a:r>
+              <a:rPr lang="fr-FR" sz="1400" b="1" dirty="0">
+                <a:solidFill>
+                  <a:schemeClr val="tx1">
+                    <a:lumMod val="50000"/>
+                    <a:lumOff val="50000"/>
+                  </a:schemeClr>
+                </a:solidFill>
+              </a:rPr>
+              <a:t>3</a:t>
+            </a:r>
+          </a:p>
+        </p:txBody>
+      </p:sp>
+      <mc:AlternateContent xmlns:mc="http://schemas.openxmlformats.org/markup-compatibility/2006">
+        <mc:Choice xmlns:a14="http://schemas.microsoft.com/office/drawing/2010/main" Requires="a14">
+          <p:sp>
+            <p:nvSpPr>
+              <p:cNvPr id="51" name="ZoneTexte 50">
+                <a:extLst>
+                  <a:ext uri="{FF2B5EF4-FFF2-40B4-BE49-F238E27FC236}">
+                    <a16:creationId xmlns:a16="http://schemas.microsoft.com/office/drawing/2014/main" id="{B6B61A66-8781-4E19-8E9F-B7C0A4EC629D}"/>
+                  </a:ext>
+                </a:extLst>
+              </p:cNvPr>
+              <p:cNvSpPr txBox="1"/>
+              <p:nvPr/>
+            </p:nvSpPr>
+            <p:spPr>
+              <a:xfrm>
+                <a:off x="3626778" y="5990130"/>
+                <a:ext cx="855875" cy="461665"/>
+              </a:xfrm>
+              <a:prstGeom prst="rect">
+                <a:avLst/>
+              </a:prstGeom>
+              <a:noFill/>
+            </p:spPr>
+            <p:txBody>
+              <a:bodyPr wrap="none" rtlCol="0">
+                <a:spAutoFit/>
+              </a:bodyPr>
+              <a:lstStyle/>
+              <a:p>
+                <a:r>
+                  <a:rPr lang="fr-FR" sz="1200" dirty="0"/>
+                  <a:t>Pivot d’axe</a:t>
+                </a:r>
+              </a:p>
+              <a:p>
+                <a:pPr/>
+                <a14:m>
+                  <m:oMathPara xmlns:m="http://schemas.openxmlformats.org/officeDocument/2006/math">
+                    <m:oMathParaPr>
+                      <m:jc m:val="centerGroup"/>
+                    </m:oMathParaPr>
+                    <m:oMath xmlns:m="http://schemas.openxmlformats.org/officeDocument/2006/math">
+                      <m:d>
+                        <m:dPr>
+                          <m:ctrlPr>
+                            <a:rPr lang="fr-FR" sz="1200" i="1" smtClean="0">
+                              <a:latin typeface="Cambria Math" panose="02040503050406030204" pitchFamily="18" charset="0"/>
+                            </a:rPr>
+                          </m:ctrlPr>
+                        </m:dPr>
+                        <m:e>
+                          <m:r>
+                            <a:rPr lang="fr-FR" sz="1200" b="0" i="1" smtClean="0">
+                              <a:latin typeface="Cambria Math" panose="02040503050406030204" pitchFamily="18" charset="0"/>
+                            </a:rPr>
+                            <m:t>𝑃</m:t>
+                          </m:r>
+                          <m:r>
+                            <a:rPr lang="fr-FR" sz="1200" b="0" i="1" smtClean="0">
+                              <a:latin typeface="Cambria Math" panose="02040503050406030204" pitchFamily="18" charset="0"/>
+                            </a:rPr>
+                            <m:t>,</m:t>
+                          </m:r>
+                          <m:acc>
+                            <m:accPr>
+                              <m:chr m:val="⃗"/>
+                              <m:ctrlPr>
+                                <a:rPr lang="fr-FR" sz="1200" b="0" i="1" smtClean="0">
+                                  <a:latin typeface="Cambria Math" panose="02040503050406030204" pitchFamily="18" charset="0"/>
+                                </a:rPr>
+                              </m:ctrlPr>
+                            </m:accPr>
+                            <m:e>
+                              <m:sSub>
+                                <m:sSubPr>
+                                  <m:ctrlPr>
+                                    <a:rPr lang="fr-FR" sz="1200" b="0" i="1" smtClean="0">
+                                      <a:latin typeface="Cambria Math" panose="02040503050406030204" pitchFamily="18" charset="0"/>
+                                    </a:rPr>
+                                  </m:ctrlPr>
+                                </m:sSubPr>
+                                <m:e>
+                                  <m:r>
+                                    <a:rPr lang="fr-FR" sz="1200" b="0" i="1" smtClean="0">
+                                      <a:latin typeface="Cambria Math" panose="02040503050406030204" pitchFamily="18" charset="0"/>
+                                    </a:rPr>
+                                    <m:t>𝑧</m:t>
+                                  </m:r>
+                                </m:e>
+                                <m:sub>
+                                  <m:r>
+                                    <a:rPr lang="fr-FR" sz="1200" b="0" i="1" smtClean="0">
+                                      <a:latin typeface="Cambria Math" panose="02040503050406030204" pitchFamily="18" charset="0"/>
+                                    </a:rPr>
+                                    <m:t>4</m:t>
+                                  </m:r>
+                                </m:sub>
+                              </m:sSub>
+                            </m:e>
+                          </m:acc>
+                        </m:e>
+                      </m:d>
+                    </m:oMath>
+                  </m:oMathPara>
+                </a14:m>
+                <a:endParaRPr lang="fr-FR" sz="1200" dirty="0"/>
+              </a:p>
+            </p:txBody>
+          </p:sp>
+        </mc:Choice>
+        <mc:Fallback>
+          <p:sp>
+            <p:nvSpPr>
+              <p:cNvPr id="51" name="ZoneTexte 50">
+                <a:extLst>
+                  <a:ext uri="{FF2B5EF4-FFF2-40B4-BE49-F238E27FC236}">
+                    <a16:creationId xmlns:a16="http://schemas.microsoft.com/office/drawing/2014/main" id="{B6B61A66-8781-4E19-8E9F-B7C0A4EC629D}"/>
+                  </a:ext>
+                </a:extLst>
+              </p:cNvPr>
+              <p:cNvSpPr txBox="1">
+                <a:spLocks noRot="1" noChangeAspect="1" noMove="1" noResize="1" noEditPoints="1" noAdjustHandles="1" noChangeArrowheads="1" noChangeShapeType="1" noTextEdit="1"/>
+              </p:cNvSpPr>
+              <p:nvPr/>
+            </p:nvSpPr>
+            <p:spPr>
+              <a:xfrm>
+                <a:off x="3626778" y="5990130"/>
+                <a:ext cx="855875" cy="461665"/>
+              </a:xfrm>
+              <a:prstGeom prst="rect">
+                <a:avLst/>
+              </a:prstGeom>
+              <a:blipFill>
+                <a:blip r:embed="rId9"/>
+                <a:stretch>
+                  <a:fillRect l="-714" t="-1333"/>
+                </a:stretch>
+              </a:blipFill>
+            </p:spPr>
+            <p:txBody>
+              <a:bodyPr/>
+              <a:lstStyle/>
+              <a:p>
+                <a:r>
+                  <a:rPr lang="fr-FR">
+                    <a:noFill/>
+                  </a:rPr>
+                  <a:t> </a:t>
+                </a:r>
+              </a:p>
+            </p:txBody>
+          </p:sp>
+        </mc:Fallback>
+      </mc:AlternateContent>
+      <p:sp>
+        <p:nvSpPr>
+          <p:cNvPr id="52" name="Ellipse 51">
+            <a:extLst>
+              <a:ext uri="{FF2B5EF4-FFF2-40B4-BE49-F238E27FC236}">
+                <a16:creationId xmlns:a16="http://schemas.microsoft.com/office/drawing/2014/main" id="{0833B226-2C1A-4922-9B9C-7B70DBEC4092}"/>
+              </a:ext>
+            </a:extLst>
+          </p:cNvPr>
+          <p:cNvSpPr/>
+          <p:nvPr/>
+        </p:nvSpPr>
+        <p:spPr>
+          <a:xfrm>
+            <a:off x="4507104" y="6231029"/>
+            <a:ext cx="324000" cy="324000"/>
+          </a:xfrm>
+          <a:prstGeom prst="ellipse">
+            <a:avLst/>
+          </a:prstGeom>
+          <a:solidFill>
+            <a:schemeClr val="bg1"/>
+          </a:solidFill>
+          <a:ln w="19050">
+            <a:solidFill>
+              <a:srgbClr val="7030A0"/>
+            </a:solidFill>
+          </a:ln>
+        </p:spPr>
+        <p:style>
+          <a:lnRef idx="2">
+            <a:schemeClr val="accent1">
+              <a:shade val="50000"/>
+            </a:schemeClr>
+          </a:lnRef>
+          <a:fillRef idx="1">
+            <a:schemeClr val="accent1"/>
+          </a:fillRef>
+          <a:effectRef idx="0">
+            <a:schemeClr val="accent1"/>
+          </a:effectRef>
+          <a:fontRef idx="minor">
+            <a:schemeClr val="lt1"/>
+          </a:fontRef>
+        </p:style>
+        <p:txBody>
+          <a:bodyPr lIns="36000" tIns="36000" rIns="36000" bIns="36000" rtlCol="0" anchor="ctr"/>
+          <a:lstStyle/>
+          <a:p>
+            <a:pPr algn="ctr"/>
+            <a:r>
+              <a:rPr lang="fr-FR" sz="1400" b="1" dirty="0">
+                <a:solidFill>
+                  <a:srgbClr val="7030A0"/>
+                </a:solidFill>
+              </a:rPr>
+              <a:t>8</a:t>
+            </a:r>
+          </a:p>
+        </p:txBody>
+      </p:sp>
+      <mc:AlternateContent xmlns:mc="http://schemas.openxmlformats.org/markup-compatibility/2006" xmlns:a14="http://schemas.microsoft.com/office/drawing/2010/main">
+        <mc:Choice Requires="a14">
+          <p:sp>
+            <p:nvSpPr>
+              <p:cNvPr id="53" name="ZoneTexte 52">
+                <a:extLst>
+                  <a:ext uri="{FF2B5EF4-FFF2-40B4-BE49-F238E27FC236}">
+                    <a16:creationId xmlns:a16="http://schemas.microsoft.com/office/drawing/2014/main" id="{C7BB189B-8D3C-463C-9F00-0FCD41C825C3}"/>
+                  </a:ext>
+                </a:extLst>
+              </p:cNvPr>
+              <p:cNvSpPr txBox="1"/>
+              <p:nvPr/>
+            </p:nvSpPr>
+            <p:spPr>
+              <a:xfrm rot="18818568">
+                <a:off x="4601483" y="5781700"/>
+                <a:ext cx="875881" cy="461665"/>
+              </a:xfrm>
+              <a:prstGeom prst="rect">
+                <a:avLst/>
+              </a:prstGeom>
+              <a:noFill/>
+            </p:spPr>
+            <p:txBody>
+              <a:bodyPr wrap="none" rtlCol="0">
+                <a:spAutoFit/>
+              </a:bodyPr>
+              <a:lstStyle/>
+              <a:p>
+                <a:pPr algn="ctr"/>
+                <a:r>
+                  <a:rPr lang="fr-FR" sz="1200" dirty="0"/>
+                  <a:t>Hélicoïdale</a:t>
+                </a:r>
+              </a:p>
+              <a:p>
+                <a:pPr algn="ctr"/>
+                <a14:m>
+                  <m:oMathPara xmlns:m="http://schemas.openxmlformats.org/officeDocument/2006/math">
+                    <m:oMathParaPr>
+                      <m:jc m:val="centerGroup"/>
+                    </m:oMathParaPr>
+                    <m:oMath xmlns:m="http://schemas.openxmlformats.org/officeDocument/2006/math">
+                      <m:d>
+                        <m:dPr>
+                          <m:ctrlPr>
+                            <a:rPr lang="fr-FR" sz="1200" i="1">
+                              <a:latin typeface="Cambria Math" panose="02040503050406030204" pitchFamily="18" charset="0"/>
+                            </a:rPr>
+                          </m:ctrlPr>
+                        </m:dPr>
+                        <m:e>
+                          <m:r>
+                            <a:rPr lang="fr-FR" sz="1200" i="1">
+                              <a:latin typeface="Cambria Math" panose="02040503050406030204" pitchFamily="18" charset="0"/>
+                            </a:rPr>
+                            <m:t>𝑃</m:t>
+                          </m:r>
+                          <m:r>
+                            <a:rPr lang="fr-FR" sz="1200" i="1">
+                              <a:latin typeface="Cambria Math" panose="02040503050406030204" pitchFamily="18" charset="0"/>
+                            </a:rPr>
+                            <m:t>,</m:t>
+                          </m:r>
+                          <m:acc>
+                            <m:accPr>
+                              <m:chr m:val="⃗"/>
+                              <m:ctrlPr>
+                                <a:rPr lang="fr-FR" sz="1200" i="1">
+                                  <a:latin typeface="Cambria Math" panose="02040503050406030204" pitchFamily="18" charset="0"/>
+                                </a:rPr>
+                              </m:ctrlPr>
+                            </m:accPr>
+                            <m:e>
+                              <m:sSub>
+                                <m:sSubPr>
+                                  <m:ctrlPr>
+                                    <a:rPr lang="fr-FR" sz="1200" i="1">
+                                      <a:latin typeface="Cambria Math" panose="02040503050406030204" pitchFamily="18" charset="0"/>
+                                    </a:rPr>
+                                  </m:ctrlPr>
+                                </m:sSubPr>
+                                <m:e>
+                                  <m:r>
+                                    <a:rPr lang="fr-FR" sz="1200" i="1">
+                                      <a:latin typeface="Cambria Math" panose="02040503050406030204" pitchFamily="18" charset="0"/>
+                                    </a:rPr>
+                                    <m:t>𝑧</m:t>
+                                  </m:r>
+                                </m:e>
+                                <m:sub>
+                                  <m:r>
+                                    <a:rPr lang="fr-FR" sz="1200" i="1">
+                                      <a:latin typeface="Cambria Math" panose="02040503050406030204" pitchFamily="18" charset="0"/>
+                                    </a:rPr>
+                                    <m:t>4</m:t>
+                                  </m:r>
+                                </m:sub>
+                              </m:sSub>
+                            </m:e>
+                          </m:acc>
+                        </m:e>
+                      </m:d>
+                    </m:oMath>
+                  </m:oMathPara>
+                </a14:m>
+                <a:endParaRPr lang="fr-FR" sz="1200" dirty="0"/>
+              </a:p>
+            </p:txBody>
+          </p:sp>
+        </mc:Choice>
+        <mc:Fallback xmlns="">
+          <p:sp>
+            <p:nvSpPr>
+              <p:cNvPr id="53" name="ZoneTexte 52">
+                <a:extLst>
+                  <a:ext uri="{FF2B5EF4-FFF2-40B4-BE49-F238E27FC236}">
+                    <a16:creationId xmlns:a16="http://schemas.microsoft.com/office/drawing/2014/main" id="{C7BB189B-8D3C-463C-9F00-0FCD41C825C3}"/>
+                  </a:ext>
+                </a:extLst>
+              </p:cNvPr>
+              <p:cNvSpPr txBox="1">
+                <a:spLocks noRot="1" noChangeAspect="1" noMove="1" noResize="1" noEditPoints="1" noAdjustHandles="1" noChangeArrowheads="1" noChangeShapeType="1" noTextEdit="1"/>
+              </p:cNvSpPr>
+              <p:nvPr/>
+            </p:nvSpPr>
+            <p:spPr>
+              <a:xfrm rot="18818568">
+                <a:off x="4601483" y="5781700"/>
+                <a:ext cx="875881" cy="461665"/>
+              </a:xfrm>
+              <a:prstGeom prst="rect">
+                <a:avLst/>
+              </a:prstGeom>
+              <a:blipFill>
+                <a:blip r:embed="rId10"/>
+                <a:stretch>
+                  <a:fillRect/>
+                </a:stretch>
+              </a:blipFill>
+            </p:spPr>
+            <p:txBody>
+              <a:bodyPr/>
+              <a:lstStyle/>
+              <a:p>
+                <a:r>
+                  <a:rPr lang="fr-FR">
+                    <a:noFill/>
+                  </a:rPr>
+                  <a:t> </a:t>
+                </a:r>
+              </a:p>
+            </p:txBody>
+          </p:sp>
+        </mc:Fallback>
+      </mc:AlternateContent>
+      <p:sp>
+        <p:nvSpPr>
+          <p:cNvPr id="2" name="Éclair 1">
+            <a:extLst>
+              <a:ext uri="{FF2B5EF4-FFF2-40B4-BE49-F238E27FC236}">
+                <a16:creationId xmlns:a16="http://schemas.microsoft.com/office/drawing/2014/main" id="{FC868525-B9E2-48B1-ACCC-636EEA1266DB}"/>
+              </a:ext>
+            </a:extLst>
+          </p:cNvPr>
+          <p:cNvSpPr/>
+          <p:nvPr/>
+        </p:nvSpPr>
+        <p:spPr>
+          <a:xfrm rot="16200000">
+            <a:off x="1116358" y="6563360"/>
+            <a:ext cx="471692" cy="589280"/>
+          </a:xfrm>
+          <a:prstGeom prst="lightningBolt">
+            <a:avLst/>
+          </a:prstGeom>
+          <a:solidFill>
+            <a:schemeClr val="accent2">
+              <a:lumMod val="20000"/>
+              <a:lumOff val="80000"/>
+            </a:schemeClr>
+          </a:solidFill>
+          <a:ln>
+            <a:solidFill>
+              <a:srgbClr val="FF0000"/>
+            </a:solidFill>
+          </a:ln>
+        </p:spPr>
+        <p:style>
+          <a:lnRef idx="2">
+            <a:schemeClr val="accent1">
+              <a:shade val="50000"/>
+            </a:schemeClr>
+          </a:lnRef>
+          <a:fillRef idx="1">
+            <a:schemeClr val="accent1"/>
+          </a:fillRef>
+          <a:effectRef idx="0">
+            <a:schemeClr val="accent1"/>
+          </a:effectRef>
+          <a:fontRef idx="minor">
+            <a:schemeClr val="lt1"/>
+          </a:fontRef>
+        </p:style>
+        <p:txBody>
+          <a:bodyPr rtlCol="0" anchor="ctr"/>
+          <a:lstStyle/>
+          <a:p>
+            <a:pPr algn="ctr"/>
+            <a:endParaRPr lang="fr-FR"/>
+          </a:p>
+        </p:txBody>
+      </p:sp>
+      <mc:AlternateContent xmlns:mc="http://schemas.openxmlformats.org/markup-compatibility/2006">
+        <mc:Choice xmlns:a14="http://schemas.microsoft.com/office/drawing/2010/main" Requires="a14">
+          <p:sp>
+            <p:nvSpPr>
+              <p:cNvPr id="32" name="ZoneTexte 31">
+                <a:extLst>
+                  <a:ext uri="{FF2B5EF4-FFF2-40B4-BE49-F238E27FC236}">
+                    <a16:creationId xmlns:a16="http://schemas.microsoft.com/office/drawing/2014/main" id="{550CB7A5-7748-4231-ACFF-CB60D10958D6}"/>
+                  </a:ext>
+                </a:extLst>
+              </p:cNvPr>
+              <p:cNvSpPr txBox="1"/>
+              <p:nvPr/>
+            </p:nvSpPr>
+            <p:spPr>
+              <a:xfrm>
+                <a:off x="514293" y="6916678"/>
+                <a:ext cx="618696" cy="276999"/>
+              </a:xfrm>
+              <a:prstGeom prst="rect">
+                <a:avLst/>
+              </a:prstGeom>
+              <a:noFill/>
+            </p:spPr>
+            <p:txBody>
+              <a:bodyPr wrap="none" rtlCol="0">
+                <a:spAutoFit/>
+              </a:bodyPr>
+              <a:lstStyle/>
+              <a:p>
+                <a:pPr/>
+                <a14:m>
+                  <m:oMathPara xmlns:m="http://schemas.openxmlformats.org/officeDocument/2006/math">
+                    <m:oMathParaPr>
+                      <m:jc m:val="centerGroup"/>
+                    </m:oMathParaPr>
+                    <m:oMath xmlns:m="http://schemas.openxmlformats.org/officeDocument/2006/math">
+                      <m:sSub>
+                        <m:sSubPr>
+                          <m:ctrlPr>
+                            <a:rPr lang="fr-FR" sz="1200" b="0" i="1" smtClean="0">
+                              <a:latin typeface="Cambria Math" panose="02040503050406030204" pitchFamily="18" charset="0"/>
+                            </a:rPr>
+                          </m:ctrlPr>
+                        </m:sSubPr>
+                        <m:e>
+                          <m:r>
+                            <a:rPr lang="fr-FR" sz="1200" b="0" i="1" smtClean="0">
+                              <a:latin typeface="Cambria Math" panose="02040503050406030204" pitchFamily="18" charset="0"/>
+                            </a:rPr>
+                            <m:t>𝐶</m:t>
+                          </m:r>
+                        </m:e>
+                        <m:sub>
+                          <m:r>
+                            <a:rPr lang="fr-FR" sz="1200" b="0" i="1" smtClean="0">
+                              <a:latin typeface="Cambria Math" panose="02040503050406030204" pitchFamily="18" charset="0"/>
+                            </a:rPr>
+                            <m:t>𝑚</m:t>
+                          </m:r>
+                          <m:r>
+                            <a:rPr lang="fr-FR" sz="1200" b="0" i="1" smtClean="0">
+                              <a:latin typeface="Cambria Math" panose="02040503050406030204" pitchFamily="18" charset="0"/>
+                            </a:rPr>
+                            <m:t>1</m:t>
+                          </m:r>
+                        </m:sub>
+                      </m:sSub>
+                      <m:acc>
+                        <m:accPr>
+                          <m:chr m:val="⃗"/>
+                          <m:ctrlPr>
+                            <a:rPr lang="fr-FR" sz="1200" i="1">
+                              <a:latin typeface="Cambria Math" panose="02040503050406030204" pitchFamily="18" charset="0"/>
+                            </a:rPr>
+                          </m:ctrlPr>
+                        </m:accPr>
+                        <m:e>
+                          <m:sSub>
+                            <m:sSubPr>
+                              <m:ctrlPr>
+                                <a:rPr lang="fr-FR" sz="1200" i="1">
+                                  <a:latin typeface="Cambria Math" panose="02040503050406030204" pitchFamily="18" charset="0"/>
+                                </a:rPr>
+                              </m:ctrlPr>
+                            </m:sSubPr>
+                            <m:e>
+                              <m:r>
+                                <a:rPr lang="fr-FR" sz="1200" i="1">
+                                  <a:latin typeface="Cambria Math" panose="02040503050406030204" pitchFamily="18" charset="0"/>
+                                </a:rPr>
+                                <m:t>𝑧</m:t>
+                              </m:r>
+                            </m:e>
+                            <m:sub>
+                              <m:r>
+                                <a:rPr lang="fr-FR" sz="1200" i="1">
+                                  <a:latin typeface="Cambria Math" panose="02040503050406030204" pitchFamily="18" charset="0"/>
+                                </a:rPr>
+                                <m:t>1</m:t>
+                              </m:r>
+                            </m:sub>
+                          </m:sSub>
+                        </m:e>
+                      </m:acc>
+                    </m:oMath>
+                  </m:oMathPara>
+                </a14:m>
+                <a:endParaRPr lang="fr-FR" sz="1200" dirty="0"/>
+              </a:p>
+            </p:txBody>
+          </p:sp>
+        </mc:Choice>
+        <mc:Fallback>
+          <p:sp>
+            <p:nvSpPr>
+              <p:cNvPr id="32" name="ZoneTexte 31">
+                <a:extLst>
+                  <a:ext uri="{FF2B5EF4-FFF2-40B4-BE49-F238E27FC236}">
+                    <a16:creationId xmlns:a16="http://schemas.microsoft.com/office/drawing/2014/main" id="{550CB7A5-7748-4231-ACFF-CB60D10958D6}"/>
+                  </a:ext>
+                </a:extLst>
+              </p:cNvPr>
+              <p:cNvSpPr txBox="1">
+                <a:spLocks noRot="1" noChangeAspect="1" noMove="1" noResize="1" noEditPoints="1" noAdjustHandles="1" noChangeArrowheads="1" noChangeShapeType="1" noTextEdit="1"/>
+              </p:cNvSpPr>
+              <p:nvPr/>
+            </p:nvSpPr>
+            <p:spPr>
+              <a:xfrm>
+                <a:off x="514293" y="6916678"/>
+                <a:ext cx="618696" cy="276999"/>
+              </a:xfrm>
+              <a:prstGeom prst="rect">
+                <a:avLst/>
+              </a:prstGeom>
+              <a:blipFill>
+                <a:blip r:embed="rId11"/>
+                <a:stretch>
+                  <a:fillRect/>
+                </a:stretch>
+              </a:blipFill>
+            </p:spPr>
+            <p:txBody>
+              <a:bodyPr/>
+              <a:lstStyle/>
+              <a:p>
+                <a:r>
+                  <a:rPr lang="fr-FR">
+                    <a:noFill/>
+                  </a:rPr>
+                  <a:t> </a:t>
+                </a:r>
+              </a:p>
+            </p:txBody>
+          </p:sp>
+        </mc:Fallback>
+      </mc:AlternateContent>
+      <p:sp>
+        <p:nvSpPr>
+          <p:cNvPr id="33" name="Éclair 32">
+            <a:extLst>
+              <a:ext uri="{FF2B5EF4-FFF2-40B4-BE49-F238E27FC236}">
+                <a16:creationId xmlns:a16="http://schemas.microsoft.com/office/drawing/2014/main" id="{B5CF7BAC-2907-4DDB-AE10-3F37637FD44C}"/>
+              </a:ext>
+            </a:extLst>
+          </p:cNvPr>
+          <p:cNvSpPr/>
+          <p:nvPr/>
+        </p:nvSpPr>
+        <p:spPr>
+          <a:xfrm rot="16200000">
+            <a:off x="2557009" y="6507513"/>
+            <a:ext cx="471692" cy="589280"/>
+          </a:xfrm>
+          <a:prstGeom prst="lightningBolt">
+            <a:avLst/>
+          </a:prstGeom>
+          <a:solidFill>
+            <a:schemeClr val="accent2">
+              <a:lumMod val="20000"/>
+              <a:lumOff val="80000"/>
+            </a:schemeClr>
+          </a:solidFill>
+          <a:ln>
+            <a:solidFill>
+              <a:srgbClr val="FF0000"/>
+            </a:solidFill>
+          </a:ln>
+        </p:spPr>
+        <p:style>
+          <a:lnRef idx="2">
+            <a:schemeClr val="accent1">
+              <a:shade val="50000"/>
+            </a:schemeClr>
+          </a:lnRef>
+          <a:fillRef idx="1">
+            <a:schemeClr val="accent1"/>
+          </a:fillRef>
+          <a:effectRef idx="0">
+            <a:schemeClr val="accent1"/>
+          </a:effectRef>
+          <a:fontRef idx="minor">
+            <a:schemeClr val="lt1"/>
+          </a:fontRef>
+        </p:style>
+        <p:txBody>
+          <a:bodyPr rtlCol="0" anchor="ctr"/>
+          <a:lstStyle/>
+          <a:p>
+            <a:pPr algn="ctr"/>
+            <a:endParaRPr lang="fr-FR"/>
+          </a:p>
+        </p:txBody>
+      </p:sp>
+      <mc:AlternateContent xmlns:mc="http://schemas.openxmlformats.org/markup-compatibility/2006">
+        <mc:Choice xmlns:a14="http://schemas.microsoft.com/office/drawing/2010/main" Requires="a14">
+          <p:sp>
+            <p:nvSpPr>
+              <p:cNvPr id="36" name="ZoneTexte 35">
+                <a:extLst>
+                  <a:ext uri="{FF2B5EF4-FFF2-40B4-BE49-F238E27FC236}">
+                    <a16:creationId xmlns:a16="http://schemas.microsoft.com/office/drawing/2014/main" id="{C7BF12CE-50FF-4C3E-851F-FF6B46BFD036}"/>
+                  </a:ext>
+                </a:extLst>
+              </p:cNvPr>
+              <p:cNvSpPr txBox="1"/>
+              <p:nvPr/>
+            </p:nvSpPr>
+            <p:spPr>
+              <a:xfrm>
+                <a:off x="1942061" y="6872205"/>
+                <a:ext cx="662361" cy="314702"/>
+              </a:xfrm>
+              <a:prstGeom prst="rect">
+                <a:avLst/>
+              </a:prstGeom>
+              <a:noFill/>
+            </p:spPr>
+            <p:txBody>
+              <a:bodyPr wrap="none" rtlCol="0">
+                <a:spAutoFit/>
+              </a:bodyPr>
+              <a:lstStyle/>
+              <a:p>
+                <a:pPr/>
+                <a14:m>
+                  <m:oMathPara xmlns:m="http://schemas.openxmlformats.org/officeDocument/2006/math">
+                    <m:oMathParaPr>
+                      <m:jc m:val="centerGroup"/>
+                    </m:oMathParaPr>
+                    <m:oMath xmlns:m="http://schemas.openxmlformats.org/officeDocument/2006/math">
+                      <m:sSub>
+                        <m:sSubPr>
+                          <m:ctrlPr>
+                            <a:rPr lang="fr-FR" sz="1200" b="0" i="1" smtClean="0">
+                              <a:latin typeface="Cambria Math" panose="02040503050406030204" pitchFamily="18" charset="0"/>
+                            </a:rPr>
+                          </m:ctrlPr>
+                        </m:sSubPr>
+                        <m:e>
+                          <m:r>
+                            <a:rPr lang="fr-FR" sz="1200" b="0" i="1" smtClean="0">
+                              <a:latin typeface="Cambria Math" panose="02040503050406030204" pitchFamily="18" charset="0"/>
+                            </a:rPr>
+                            <m:t>𝐶</m:t>
+                          </m:r>
+                        </m:e>
+                        <m:sub>
+                          <m:r>
+                            <a:rPr lang="fr-FR" sz="1200" b="0" i="1" smtClean="0">
+                              <a:latin typeface="Cambria Math" panose="02040503050406030204" pitchFamily="18" charset="0"/>
+                            </a:rPr>
+                            <m:t>𝑚</m:t>
+                          </m:r>
+                          <m:r>
+                            <a:rPr lang="fr-FR" sz="1200" b="0" i="1" smtClean="0">
+                              <a:latin typeface="Cambria Math" panose="02040503050406030204" pitchFamily="18" charset="0"/>
+                            </a:rPr>
+                            <m:t>2</m:t>
+                          </m:r>
+                        </m:sub>
+                      </m:sSub>
+                      <m:acc>
+                        <m:accPr>
+                          <m:chr m:val="⃗"/>
+                          <m:ctrlPr>
+                            <a:rPr lang="fr-FR" sz="1200" i="1">
+                              <a:latin typeface="Cambria Math" panose="02040503050406030204" pitchFamily="18" charset="0"/>
+                            </a:rPr>
+                          </m:ctrlPr>
+                        </m:accPr>
+                        <m:e>
+                          <m:sSub>
+                            <m:sSubPr>
+                              <m:ctrlPr>
+                                <a:rPr lang="fr-FR" sz="1200" i="1">
+                                  <a:latin typeface="Cambria Math" panose="02040503050406030204" pitchFamily="18" charset="0"/>
+                                </a:rPr>
+                              </m:ctrlPr>
+                            </m:sSubPr>
+                            <m:e>
+                              <m:r>
+                                <a:rPr lang="fr-FR" sz="1200" i="1">
+                                  <a:latin typeface="Cambria Math" panose="02040503050406030204" pitchFamily="18" charset="0"/>
+                                </a:rPr>
+                                <m:t>𝑧</m:t>
+                              </m:r>
+                            </m:e>
+                            <m:sub>
+                              <m:r>
+                                <a:rPr lang="fr-FR" sz="1200" b="0" i="1" smtClean="0">
+                                  <a:latin typeface="Cambria Math" panose="02040503050406030204" pitchFamily="18" charset="0"/>
+                                </a:rPr>
+                                <m:t>2</m:t>
+                              </m:r>
+                            </m:sub>
+                          </m:sSub>
+                          <m:r>
+                            <a:rPr lang="fr-FR" sz="1200" b="0" i="1" smtClean="0">
+                              <a:latin typeface="Cambria Math" panose="02040503050406030204" pitchFamily="18" charset="0"/>
+                            </a:rPr>
+                            <m:t>′</m:t>
+                          </m:r>
+                        </m:e>
+                      </m:acc>
+                    </m:oMath>
+                  </m:oMathPara>
+                </a14:m>
+                <a:endParaRPr lang="fr-FR" sz="1200" dirty="0"/>
+              </a:p>
+            </p:txBody>
+          </p:sp>
+        </mc:Choice>
+        <mc:Fallback>
+          <p:sp>
+            <p:nvSpPr>
+              <p:cNvPr id="36" name="ZoneTexte 35">
+                <a:extLst>
+                  <a:ext uri="{FF2B5EF4-FFF2-40B4-BE49-F238E27FC236}">
+                    <a16:creationId xmlns:a16="http://schemas.microsoft.com/office/drawing/2014/main" id="{C7BF12CE-50FF-4C3E-851F-FF6B46BFD036}"/>
+                  </a:ext>
+                </a:extLst>
+              </p:cNvPr>
+              <p:cNvSpPr txBox="1">
+                <a:spLocks noRot="1" noChangeAspect="1" noMove="1" noResize="1" noEditPoints="1" noAdjustHandles="1" noChangeArrowheads="1" noChangeShapeType="1" noTextEdit="1"/>
+              </p:cNvSpPr>
+              <p:nvPr/>
+            </p:nvSpPr>
+            <p:spPr>
+              <a:xfrm>
+                <a:off x="1942061" y="6872205"/>
+                <a:ext cx="662361" cy="314702"/>
+              </a:xfrm>
+              <a:prstGeom prst="rect">
+                <a:avLst/>
+              </a:prstGeom>
+              <a:blipFill>
+                <a:blip r:embed="rId12"/>
+                <a:stretch>
+                  <a:fillRect/>
+                </a:stretch>
+              </a:blipFill>
+            </p:spPr>
+            <p:txBody>
+              <a:bodyPr/>
+              <a:lstStyle/>
+              <a:p>
+                <a:r>
+                  <a:rPr lang="fr-FR">
+                    <a:noFill/>
+                  </a:rPr>
+                  <a:t> </a:t>
+                </a:r>
+              </a:p>
+            </p:txBody>
+          </p:sp>
+        </mc:Fallback>
+      </mc:AlternateContent>
+      <p:sp>
+        <p:nvSpPr>
+          <p:cNvPr id="37" name="Éclair 36">
+            <a:extLst>
+              <a:ext uri="{FF2B5EF4-FFF2-40B4-BE49-F238E27FC236}">
+                <a16:creationId xmlns:a16="http://schemas.microsoft.com/office/drawing/2014/main" id="{34954ABA-E82E-48C1-A39F-06B817E3812D}"/>
+              </a:ext>
+            </a:extLst>
+          </p:cNvPr>
+          <p:cNvSpPr/>
+          <p:nvPr/>
+        </p:nvSpPr>
+        <p:spPr>
+          <a:xfrm rot="16200000">
+            <a:off x="4019442" y="6515286"/>
+            <a:ext cx="471692" cy="589280"/>
+          </a:xfrm>
+          <a:prstGeom prst="lightningBolt">
+            <a:avLst/>
+          </a:prstGeom>
+          <a:solidFill>
+            <a:schemeClr val="accent2">
+              <a:lumMod val="20000"/>
+              <a:lumOff val="80000"/>
+            </a:schemeClr>
+          </a:solidFill>
+          <a:ln>
+            <a:solidFill>
+              <a:srgbClr val="FF0000"/>
+            </a:solidFill>
+          </a:ln>
+        </p:spPr>
+        <p:style>
+          <a:lnRef idx="2">
+            <a:schemeClr val="accent1">
+              <a:shade val="50000"/>
+            </a:schemeClr>
+          </a:lnRef>
+          <a:fillRef idx="1">
+            <a:schemeClr val="accent1"/>
+          </a:fillRef>
+          <a:effectRef idx="0">
+            <a:schemeClr val="accent1"/>
+          </a:effectRef>
+          <a:fontRef idx="minor">
+            <a:schemeClr val="lt1"/>
+          </a:fontRef>
+        </p:style>
+        <p:txBody>
+          <a:bodyPr rtlCol="0" anchor="ctr"/>
+          <a:lstStyle/>
+          <a:p>
+            <a:pPr algn="ctr"/>
+            <a:endParaRPr lang="fr-FR" dirty="0"/>
+          </a:p>
+        </p:txBody>
+      </p:sp>
+      <mc:AlternateContent xmlns:mc="http://schemas.openxmlformats.org/markup-compatibility/2006">
+        <mc:Choice xmlns:a14="http://schemas.microsoft.com/office/drawing/2010/main" Requires="a14">
+          <p:sp>
+            <p:nvSpPr>
+              <p:cNvPr id="41" name="ZoneTexte 40">
+                <a:extLst>
+                  <a:ext uri="{FF2B5EF4-FFF2-40B4-BE49-F238E27FC236}">
+                    <a16:creationId xmlns:a16="http://schemas.microsoft.com/office/drawing/2014/main" id="{D8A54E04-7A75-4B36-A82E-743A89572E12}"/>
+                  </a:ext>
+                </a:extLst>
+              </p:cNvPr>
+              <p:cNvSpPr txBox="1"/>
+              <p:nvPr/>
+            </p:nvSpPr>
+            <p:spPr>
+              <a:xfrm>
+                <a:off x="3409777" y="6891057"/>
+                <a:ext cx="622286" cy="276999"/>
+              </a:xfrm>
+              <a:prstGeom prst="rect">
+                <a:avLst/>
+              </a:prstGeom>
+              <a:noFill/>
+            </p:spPr>
+            <p:txBody>
+              <a:bodyPr wrap="none" rtlCol="0">
+                <a:spAutoFit/>
+              </a:bodyPr>
+              <a:lstStyle/>
+              <a:p>
+                <a:pPr/>
+                <a14:m>
+                  <m:oMathPara xmlns:m="http://schemas.openxmlformats.org/officeDocument/2006/math">
+                    <m:oMathParaPr>
+                      <m:jc m:val="centerGroup"/>
+                    </m:oMathParaPr>
+                    <m:oMath xmlns:m="http://schemas.openxmlformats.org/officeDocument/2006/math">
+                      <m:sSub>
+                        <m:sSubPr>
+                          <m:ctrlPr>
+                            <a:rPr lang="fr-FR" sz="1200" b="0" i="1" smtClean="0">
+                              <a:latin typeface="Cambria Math" panose="02040503050406030204" pitchFamily="18" charset="0"/>
+                            </a:rPr>
+                          </m:ctrlPr>
+                        </m:sSubPr>
+                        <m:e>
+                          <m:r>
+                            <a:rPr lang="fr-FR" sz="1200" b="0" i="1" smtClean="0">
+                              <a:latin typeface="Cambria Math" panose="02040503050406030204" pitchFamily="18" charset="0"/>
+                            </a:rPr>
+                            <m:t>𝐶</m:t>
+                          </m:r>
+                        </m:e>
+                        <m:sub>
+                          <m:r>
+                            <a:rPr lang="fr-FR" sz="1200" b="0" i="1" smtClean="0">
+                              <a:latin typeface="Cambria Math" panose="02040503050406030204" pitchFamily="18" charset="0"/>
+                            </a:rPr>
+                            <m:t>𝑚</m:t>
+                          </m:r>
+                          <m:r>
+                            <a:rPr lang="fr-FR" sz="1200" b="0" i="1" smtClean="0">
+                              <a:latin typeface="Cambria Math" panose="02040503050406030204" pitchFamily="18" charset="0"/>
+                            </a:rPr>
+                            <m:t>3</m:t>
+                          </m:r>
+                        </m:sub>
+                      </m:sSub>
+                      <m:acc>
+                        <m:accPr>
+                          <m:chr m:val="⃗"/>
+                          <m:ctrlPr>
+                            <a:rPr lang="fr-FR" sz="1200" i="1">
+                              <a:latin typeface="Cambria Math" panose="02040503050406030204" pitchFamily="18" charset="0"/>
+                            </a:rPr>
+                          </m:ctrlPr>
+                        </m:accPr>
+                        <m:e>
+                          <m:sSub>
+                            <m:sSubPr>
+                              <m:ctrlPr>
+                                <a:rPr lang="fr-FR" sz="1200" i="1">
+                                  <a:latin typeface="Cambria Math" panose="02040503050406030204" pitchFamily="18" charset="0"/>
+                                </a:rPr>
+                              </m:ctrlPr>
+                            </m:sSubPr>
+                            <m:e>
+                              <m:r>
+                                <a:rPr lang="fr-FR" sz="1200" i="1">
+                                  <a:latin typeface="Cambria Math" panose="02040503050406030204" pitchFamily="18" charset="0"/>
+                                </a:rPr>
+                                <m:t>𝑧</m:t>
+                              </m:r>
+                            </m:e>
+                            <m:sub>
+                              <m:r>
+                                <a:rPr lang="fr-FR" sz="1200" b="0" i="1" smtClean="0">
+                                  <a:latin typeface="Cambria Math" panose="02040503050406030204" pitchFamily="18" charset="0"/>
+                                </a:rPr>
+                                <m:t>3</m:t>
+                              </m:r>
+                            </m:sub>
+                          </m:sSub>
+                        </m:e>
+                      </m:acc>
+                    </m:oMath>
+                  </m:oMathPara>
+                </a14:m>
+                <a:endParaRPr lang="fr-FR" sz="1200" dirty="0"/>
+              </a:p>
+            </p:txBody>
+          </p:sp>
+        </mc:Choice>
+        <mc:Fallback>
+          <p:sp>
+            <p:nvSpPr>
+              <p:cNvPr id="41" name="ZoneTexte 40">
+                <a:extLst>
+                  <a:ext uri="{FF2B5EF4-FFF2-40B4-BE49-F238E27FC236}">
+                    <a16:creationId xmlns:a16="http://schemas.microsoft.com/office/drawing/2014/main" id="{D8A54E04-7A75-4B36-A82E-743A89572E12}"/>
+                  </a:ext>
+                </a:extLst>
+              </p:cNvPr>
+              <p:cNvSpPr txBox="1">
+                <a:spLocks noRot="1" noChangeAspect="1" noMove="1" noResize="1" noEditPoints="1" noAdjustHandles="1" noChangeArrowheads="1" noChangeShapeType="1" noTextEdit="1"/>
+              </p:cNvSpPr>
+              <p:nvPr/>
+            </p:nvSpPr>
+            <p:spPr>
+              <a:xfrm>
+                <a:off x="3409777" y="6891057"/>
+                <a:ext cx="622286" cy="276999"/>
+              </a:xfrm>
+              <a:prstGeom prst="rect">
+                <a:avLst/>
+              </a:prstGeom>
+              <a:blipFill>
+                <a:blip r:embed="rId13"/>
+                <a:stretch>
+                  <a:fillRect/>
+                </a:stretch>
+              </a:blipFill>
+            </p:spPr>
+            <p:txBody>
+              <a:bodyPr/>
+              <a:lstStyle/>
+              <a:p>
+                <a:r>
+                  <a:rPr lang="fr-FR">
+                    <a:noFill/>
+                  </a:rPr>
+                  <a:t> </a:t>
+                </a:r>
+              </a:p>
+            </p:txBody>
+          </p:sp>
+        </mc:Fallback>
+      </mc:AlternateContent>
+      <p:sp>
+        <p:nvSpPr>
+          <p:cNvPr id="43" name="Éclair 42">
+            <a:extLst>
+              <a:ext uri="{FF2B5EF4-FFF2-40B4-BE49-F238E27FC236}">
+                <a16:creationId xmlns:a16="http://schemas.microsoft.com/office/drawing/2014/main" id="{A5CAE75C-25E2-4B56-A928-F08E662188F9}"/>
+              </a:ext>
+            </a:extLst>
+          </p:cNvPr>
+          <p:cNvSpPr/>
+          <p:nvPr/>
+        </p:nvSpPr>
+        <p:spPr>
+          <a:xfrm rot="21178283">
+            <a:off x="3407872" y="4951082"/>
+            <a:ext cx="345533" cy="515011"/>
+          </a:xfrm>
+          <a:prstGeom prst="lightningBolt">
+            <a:avLst/>
+          </a:prstGeom>
+          <a:solidFill>
+            <a:schemeClr val="accent2">
+              <a:lumMod val="20000"/>
+              <a:lumOff val="80000"/>
+            </a:schemeClr>
+          </a:solidFill>
+          <a:ln>
+            <a:solidFill>
+              <a:srgbClr val="FF0000"/>
+            </a:solidFill>
+          </a:ln>
+        </p:spPr>
+        <p:style>
+          <a:lnRef idx="2">
+            <a:schemeClr val="accent1">
+              <a:shade val="50000"/>
+            </a:schemeClr>
+          </a:lnRef>
+          <a:fillRef idx="1">
+            <a:schemeClr val="accent1"/>
+          </a:fillRef>
+          <a:effectRef idx="0">
+            <a:schemeClr val="accent1"/>
+          </a:effectRef>
+          <a:fontRef idx="minor">
+            <a:schemeClr val="lt1"/>
+          </a:fontRef>
+        </p:style>
+        <p:txBody>
+          <a:bodyPr rtlCol="0" anchor="ctr"/>
+          <a:lstStyle/>
+          <a:p>
+            <a:pPr algn="ctr"/>
+            <a:endParaRPr lang="fr-FR"/>
+          </a:p>
+        </p:txBody>
+      </p:sp>
+      <p:sp>
+        <p:nvSpPr>
+          <p:cNvPr id="44" name="ZoneTexte 43">
+            <a:extLst>
+              <a:ext uri="{FF2B5EF4-FFF2-40B4-BE49-F238E27FC236}">
+                <a16:creationId xmlns:a16="http://schemas.microsoft.com/office/drawing/2014/main" id="{2F683036-660A-4030-8664-51E938444C2D}"/>
+              </a:ext>
+            </a:extLst>
+          </p:cNvPr>
+          <p:cNvSpPr txBox="1"/>
+          <p:nvPr/>
+        </p:nvSpPr>
+        <p:spPr>
+          <a:xfrm>
+            <a:off x="2656271" y="4761527"/>
+            <a:ext cx="811697" cy="276999"/>
+          </a:xfrm>
+          <a:prstGeom prst="rect">
+            <a:avLst/>
+          </a:prstGeom>
+          <a:noFill/>
+        </p:spPr>
+        <p:txBody>
+          <a:bodyPr wrap="none" rtlCol="0">
+            <a:spAutoFit/>
+          </a:bodyPr>
+          <a:lstStyle/>
+          <a:p>
+            <a:pPr/>
+            <a:r>
+              <a:rPr lang="fr-FR" sz="1200" dirty="0"/>
+              <a:t>Pesanteur</a:t>
+            </a:r>
+          </a:p>
+        </p:txBody>
+      </p:sp>
+      <p:sp>
+        <p:nvSpPr>
+          <p:cNvPr id="45" name="Éclair 44">
+            <a:extLst>
+              <a:ext uri="{FF2B5EF4-FFF2-40B4-BE49-F238E27FC236}">
+                <a16:creationId xmlns:a16="http://schemas.microsoft.com/office/drawing/2014/main" id="{4E2C0E2A-4A59-40FE-BD1F-FC2E7B75875C}"/>
+              </a:ext>
+            </a:extLst>
+          </p:cNvPr>
+          <p:cNvSpPr/>
+          <p:nvPr/>
+        </p:nvSpPr>
+        <p:spPr>
+          <a:xfrm rot="21178283">
+            <a:off x="4824857" y="4909316"/>
+            <a:ext cx="345533" cy="515011"/>
+          </a:xfrm>
+          <a:prstGeom prst="lightningBolt">
+            <a:avLst/>
+          </a:prstGeom>
+          <a:solidFill>
+            <a:schemeClr val="accent2">
+              <a:lumMod val="20000"/>
+              <a:lumOff val="80000"/>
+            </a:schemeClr>
+          </a:solidFill>
+          <a:ln>
+            <a:solidFill>
+              <a:srgbClr val="FF0000"/>
+            </a:solidFill>
+          </a:ln>
+        </p:spPr>
+        <p:style>
+          <a:lnRef idx="2">
+            <a:schemeClr val="accent1">
+              <a:shade val="50000"/>
+            </a:schemeClr>
+          </a:lnRef>
+          <a:fillRef idx="1">
+            <a:schemeClr val="accent1"/>
+          </a:fillRef>
+          <a:effectRef idx="0">
+            <a:schemeClr val="accent1"/>
+          </a:effectRef>
+          <a:fontRef idx="minor">
+            <a:schemeClr val="lt1"/>
+          </a:fontRef>
+        </p:style>
+        <p:txBody>
+          <a:bodyPr rtlCol="0" anchor="ctr"/>
+          <a:lstStyle/>
+          <a:p>
+            <a:pPr algn="ctr"/>
+            <a:endParaRPr lang="fr-FR"/>
+          </a:p>
+        </p:txBody>
+      </p:sp>
+      <p:sp>
+        <p:nvSpPr>
+          <p:cNvPr id="46" name="ZoneTexte 45">
+            <a:extLst>
+              <a:ext uri="{FF2B5EF4-FFF2-40B4-BE49-F238E27FC236}">
+                <a16:creationId xmlns:a16="http://schemas.microsoft.com/office/drawing/2014/main" id="{9B0EFDF0-CCAC-488E-AE55-848DD79818D3}"/>
+              </a:ext>
+            </a:extLst>
+          </p:cNvPr>
+          <p:cNvSpPr txBox="1"/>
+          <p:nvPr/>
+        </p:nvSpPr>
+        <p:spPr>
+          <a:xfrm>
+            <a:off x="4073256" y="4719761"/>
+            <a:ext cx="811697" cy="276999"/>
+          </a:xfrm>
+          <a:prstGeom prst="rect">
+            <a:avLst/>
+          </a:prstGeom>
+          <a:noFill/>
+        </p:spPr>
+        <p:txBody>
+          <a:bodyPr wrap="none" rtlCol="0">
+            <a:spAutoFit/>
+          </a:bodyPr>
+          <a:lstStyle/>
+          <a:p>
+            <a:pPr/>
+            <a:r>
+              <a:rPr lang="fr-FR" sz="1200" dirty="0"/>
+              <a:t>Pesanteur</a:t>
+            </a:r>
+          </a:p>
+        </p:txBody>
+      </p:sp>
+    </p:spTree>
+    <p:extLst>
+      <p:ext uri="{BB962C8B-B14F-4D97-AF65-F5344CB8AC3E}">
+        <p14:creationId xmlns:p14="http://schemas.microsoft.com/office/powerpoint/2010/main" val="2569053816"/>
+      </p:ext>
+    </p:extLst>
+  </p:cSld>
+  <p:clrMapOvr>
+    <a:masterClrMapping/>
+  </p:clrMapOvr>
+</p:sld>
+</file>
+
+<file path=ppt/slides/slide4.xml><?xml version="1.0" encoding="utf-8"?>
+<p:sld xmlns:a="http://schemas.openxmlformats.org/drawingml/2006/main" xmlns:r="http://schemas.openxmlformats.org/officeDocument/2006/relationships" xmlns:p="http://schemas.openxmlformats.org/presentationml/2006/main">
+  <p:cSld>
+    <p:spTree>
+      <p:nvGrpSpPr>
+        <p:cNvPr id="1" name=""/>
+        <p:cNvGrpSpPr/>
+        <p:nvPr/>
+      </p:nvGrpSpPr>
+      <p:grpSpPr>
+        <a:xfrm>
+          <a:off x="0" y="0"/>
+          <a:ext cx="0" cy="0"/>
+          <a:chOff x="0" y="0"/>
+          <a:chExt cx="0" cy="0"/>
+        </a:xfrm>
+      </p:grpSpPr>
+      <mc:AlternateContent xmlns:mc="http://schemas.openxmlformats.org/markup-compatibility/2006">
+        <mc:Choice xmlns:a14="http://schemas.microsoft.com/office/drawing/2010/main" Requires="a14">
+          <p:sp>
+            <p:nvSpPr>
+              <p:cNvPr id="4" name="Rectangle 3">
+                <a:extLst>
+                  <a:ext uri="{FF2B5EF4-FFF2-40B4-BE49-F238E27FC236}">
+                    <a16:creationId xmlns:a16="http://schemas.microsoft.com/office/drawing/2014/main" id="{648B6C0E-1EBC-411E-BB62-ECF3228E0C8D}"/>
+                  </a:ext>
+                </a:extLst>
+              </p:cNvPr>
+              <p:cNvSpPr/>
+              <p:nvPr/>
+            </p:nvSpPr>
+            <p:spPr>
+              <a:xfrm>
+                <a:off x="2489200" y="806348"/>
+                <a:ext cx="2174240" cy="967944"/>
+              </a:xfrm>
+              <a:prstGeom prst="rect">
+                <a:avLst/>
+              </a:prstGeom>
+              <a:noFill/>
+              <a:ln w="19050">
+                <a:solidFill>
+                  <a:schemeClr val="tx1"/>
+                </a:solidFill>
+              </a:ln>
+            </p:spPr>
+            <p:style>
+              <a:lnRef idx="2">
+                <a:schemeClr val="accent1">
+                  <a:shade val="50000"/>
+                </a:schemeClr>
+              </a:lnRef>
+              <a:fillRef idx="1">
+                <a:schemeClr val="accent1"/>
+              </a:fillRef>
+              <a:effectRef idx="0">
+                <a:schemeClr val="accent1"/>
+              </a:effectRef>
+              <a:fontRef idx="minor">
+                <a:schemeClr val="lt1"/>
+              </a:fontRef>
+            </p:style>
+            <p:txBody>
+              <a:bodyPr rtlCol="0" anchor="ctr"/>
+              <a:lstStyle/>
+              <a:p>
+                <a:pPr algn="ctr"/>
+                <a:r>
+                  <a:rPr lang="fr-FR" sz="1600" dirty="0">
+                    <a:solidFill>
+                      <a:sysClr val="windowText" lastClr="000000"/>
+                    </a:solidFill>
+                  </a:rPr>
+                  <a:t>Réducteur 9</a:t>
+                </a:r>
+              </a:p>
+              <a:p>
+                <a:pPr algn="ctr"/>
+                <a14:m>
+                  <m:oMathPara xmlns:m="http://schemas.openxmlformats.org/officeDocument/2006/math">
+                    <m:oMathParaPr>
+                      <m:jc m:val="centerGroup"/>
+                    </m:oMathParaPr>
+                    <m:oMath xmlns:m="http://schemas.openxmlformats.org/officeDocument/2006/math">
+                      <m:sSub>
+                        <m:sSubPr>
+                          <m:ctrlPr>
+                            <a:rPr lang="fr-FR" sz="1200" b="0" i="1" smtClean="0">
+                              <a:solidFill>
+                                <a:sysClr val="windowText" lastClr="000000"/>
+                              </a:solidFill>
+                              <a:latin typeface="Cambria Math" panose="02040503050406030204" pitchFamily="18" charset="0"/>
+                            </a:rPr>
+                          </m:ctrlPr>
+                        </m:sSubPr>
+                        <m:e>
+                          <m:r>
+                            <a:rPr lang="fr-FR" sz="1200" b="0" i="1" smtClean="0">
+                              <a:solidFill>
+                                <a:sysClr val="windowText" lastClr="000000"/>
+                              </a:solidFill>
+                              <a:latin typeface="Cambria Math" panose="02040503050406030204" pitchFamily="18" charset="0"/>
+                            </a:rPr>
+                            <m:t>𝑟</m:t>
+                          </m:r>
+                        </m:e>
+                        <m:sub>
+                          <m:r>
+                            <a:rPr lang="fr-FR" sz="1200" b="0" i="1" smtClean="0">
+                              <a:solidFill>
+                                <a:sysClr val="windowText" lastClr="000000"/>
+                              </a:solidFill>
+                              <a:latin typeface="Cambria Math" panose="02040503050406030204" pitchFamily="18" charset="0"/>
+                            </a:rPr>
+                            <m:t>9</m:t>
+                          </m:r>
+                        </m:sub>
+                      </m:sSub>
+                      <m:r>
+                        <a:rPr lang="fr-FR" sz="1200" b="0" i="1" smtClean="0">
+                          <a:solidFill>
+                            <a:sysClr val="windowText" lastClr="000000"/>
+                          </a:solidFill>
+                          <a:latin typeface="Cambria Math" panose="02040503050406030204" pitchFamily="18" charset="0"/>
+                        </a:rPr>
+                        <m:t>=</m:t>
+                      </m:r>
+                      <m:f>
+                        <m:fPr>
+                          <m:ctrlPr>
+                            <a:rPr lang="fr-FR" sz="1200" b="0" i="1" smtClean="0">
+                              <a:solidFill>
+                                <a:sysClr val="windowText" lastClr="000000"/>
+                              </a:solidFill>
+                              <a:latin typeface="Cambria Math" panose="02040503050406030204" pitchFamily="18" charset="0"/>
+                            </a:rPr>
+                          </m:ctrlPr>
+                        </m:fPr>
+                        <m:num>
+                          <m:sSub>
+                            <m:sSubPr>
+                              <m:ctrlPr>
+                                <a:rPr lang="fr-FR" sz="1200" b="0" i="1" smtClean="0">
+                                  <a:solidFill>
+                                    <a:sysClr val="windowText" lastClr="000000"/>
+                                  </a:solidFill>
+                                  <a:latin typeface="Cambria Math" panose="02040503050406030204" pitchFamily="18" charset="0"/>
+                                </a:rPr>
+                              </m:ctrlPr>
+                            </m:sSubPr>
+                            <m:e>
+                              <m:acc>
+                                <m:accPr>
+                                  <m:chr m:val="̇"/>
+                                  <m:ctrlPr>
+                                    <a:rPr lang="fr-FR" sz="1200" b="0" i="1" smtClean="0">
+                                      <a:solidFill>
+                                        <a:sysClr val="windowText" lastClr="000000"/>
+                                      </a:solidFill>
+                                      <a:latin typeface="Cambria Math" panose="02040503050406030204" pitchFamily="18" charset="0"/>
+                                    </a:rPr>
+                                  </m:ctrlPr>
+                                </m:accPr>
+                                <m:e>
+                                  <m:r>
+                                    <a:rPr lang="fr-FR" sz="1200" i="1">
+                                      <a:solidFill>
+                                        <a:sysClr val="windowText" lastClr="000000"/>
+                                      </a:solidFill>
+                                      <a:latin typeface="Cambria Math" panose="02040503050406030204" pitchFamily="18" charset="0"/>
+                                    </a:rPr>
+                                    <m:t>𝜃</m:t>
+                                  </m:r>
+                                </m:e>
+                              </m:acc>
+                            </m:e>
+                            <m:sub>
+                              <m:r>
+                                <a:rPr lang="fr-FR" sz="1200" b="0" i="1" smtClean="0">
+                                  <a:solidFill>
+                                    <a:sysClr val="windowText" lastClr="000000"/>
+                                  </a:solidFill>
+                                  <a:latin typeface="Cambria Math" panose="02040503050406030204" pitchFamily="18" charset="0"/>
+                                </a:rPr>
+                                <m:t>32</m:t>
+                              </m:r>
+                            </m:sub>
+                          </m:sSub>
+                        </m:num>
+                        <m:den>
+                          <m:sSub>
+                            <m:sSubPr>
+                              <m:ctrlPr>
+                                <a:rPr lang="fr-FR" sz="1200" b="0" i="1" smtClean="0">
+                                  <a:solidFill>
+                                    <a:sysClr val="windowText" lastClr="000000"/>
+                                  </a:solidFill>
+                                  <a:latin typeface="Cambria Math" panose="02040503050406030204" pitchFamily="18" charset="0"/>
+                                </a:rPr>
+                              </m:ctrlPr>
+                            </m:sSubPr>
+                            <m:e>
+                              <m:acc>
+                                <m:accPr>
+                                  <m:chr m:val="̇"/>
+                                  <m:ctrlPr>
+                                    <a:rPr lang="fr-FR" sz="1200" b="0" i="1" smtClean="0">
+                                      <a:solidFill>
+                                        <a:sysClr val="windowText" lastClr="000000"/>
+                                      </a:solidFill>
+                                      <a:latin typeface="Cambria Math" panose="02040503050406030204" pitchFamily="18" charset="0"/>
+                                    </a:rPr>
+                                  </m:ctrlPr>
+                                </m:accPr>
+                                <m:e>
+                                  <m:r>
+                                    <a:rPr lang="fr-FR" sz="1200" i="1">
+                                      <a:solidFill>
+                                        <a:sysClr val="windowText" lastClr="000000"/>
+                                      </a:solidFill>
+                                      <a:latin typeface="Cambria Math" panose="02040503050406030204" pitchFamily="18" charset="0"/>
+                                    </a:rPr>
+                                    <m:t>𝜃</m:t>
+                                  </m:r>
+                                </m:e>
+                              </m:acc>
+                            </m:e>
+                            <m:sub>
+                              <m:r>
+                                <a:rPr lang="fr-FR" sz="1200" b="0" i="1" smtClean="0">
+                                  <a:solidFill>
+                                    <a:sysClr val="windowText" lastClr="000000"/>
+                                  </a:solidFill>
+                                  <a:latin typeface="Cambria Math" panose="02040503050406030204" pitchFamily="18" charset="0"/>
+                                </a:rPr>
+                                <m:t>72</m:t>
+                              </m:r>
+                            </m:sub>
+                          </m:sSub>
+                        </m:den>
+                      </m:f>
+                      <m:r>
+                        <a:rPr lang="fr-FR" sz="1200" b="0" i="1" smtClean="0">
+                          <a:solidFill>
+                            <a:sysClr val="windowText" lastClr="000000"/>
+                          </a:solidFill>
+                          <a:latin typeface="Cambria Math" panose="02040503050406030204" pitchFamily="18" charset="0"/>
+                        </a:rPr>
+                        <m:t>=0,25</m:t>
+                      </m:r>
+                    </m:oMath>
+                  </m:oMathPara>
+                </a14:m>
+                <a:endParaRPr lang="fr-FR" sz="1200" dirty="0">
+                  <a:solidFill>
+                    <a:sysClr val="windowText" lastClr="000000"/>
+                  </a:solidFill>
+                </a:endParaRPr>
+              </a:p>
+              <a:p>
+                <a:pPr algn="ctr"/>
+                <a14:m>
+                  <m:oMathPara xmlns:m="http://schemas.openxmlformats.org/officeDocument/2006/math">
+                    <m:oMathParaPr>
+                      <m:jc m:val="centerGroup"/>
+                    </m:oMathParaPr>
+                    <m:oMath xmlns:m="http://schemas.openxmlformats.org/officeDocument/2006/math">
+                      <m:sSub>
+                        <m:sSubPr>
+                          <m:ctrlPr>
+                            <a:rPr lang="fr-FR" sz="1200" b="0" i="1" smtClean="0">
+                              <a:solidFill>
+                                <a:sysClr val="windowText" lastClr="000000"/>
+                              </a:solidFill>
+                              <a:latin typeface="Cambria Math" panose="02040503050406030204" pitchFamily="18" charset="0"/>
+                            </a:rPr>
+                          </m:ctrlPr>
+                        </m:sSubPr>
+                        <m:e>
+                          <m:r>
+                            <a:rPr lang="fr-FR" sz="1200" b="0" i="1" smtClean="0">
+                              <a:solidFill>
+                                <a:sysClr val="windowText" lastClr="000000"/>
+                              </a:solidFill>
+                              <a:latin typeface="Cambria Math" panose="02040503050406030204" pitchFamily="18" charset="0"/>
+                            </a:rPr>
+                            <m:t>𝜂</m:t>
+                          </m:r>
+                        </m:e>
+                        <m:sub>
+                          <m:r>
+                            <a:rPr lang="fr-FR" sz="1200" b="0" i="1" smtClean="0">
+                              <a:solidFill>
+                                <a:sysClr val="windowText" lastClr="000000"/>
+                              </a:solidFill>
+                              <a:latin typeface="Cambria Math" panose="02040503050406030204" pitchFamily="18" charset="0"/>
+                            </a:rPr>
+                            <m:t>9</m:t>
+                          </m:r>
+                        </m:sub>
+                      </m:sSub>
+                      <m:r>
+                        <a:rPr lang="fr-FR" sz="1200" b="0" i="1" smtClean="0">
+                          <a:solidFill>
+                            <a:sysClr val="windowText" lastClr="000000"/>
+                          </a:solidFill>
+                          <a:latin typeface="Cambria Math" panose="02040503050406030204" pitchFamily="18" charset="0"/>
+                        </a:rPr>
+                        <m:t>=0,78</m:t>
+                      </m:r>
+                    </m:oMath>
+                  </m:oMathPara>
+                </a14:m>
+                <a:endParaRPr lang="fr-FR" sz="1200" dirty="0">
+                  <a:solidFill>
+                    <a:sysClr val="windowText" lastClr="000000"/>
+                  </a:solidFill>
+                </a:endParaRPr>
+              </a:p>
+            </p:txBody>
+          </p:sp>
+        </mc:Choice>
+        <mc:Fallback>
+          <p:sp>
+            <p:nvSpPr>
+              <p:cNvPr id="4" name="Rectangle 3">
+                <a:extLst>
+                  <a:ext uri="{FF2B5EF4-FFF2-40B4-BE49-F238E27FC236}">
+                    <a16:creationId xmlns:a16="http://schemas.microsoft.com/office/drawing/2014/main" id="{648B6C0E-1EBC-411E-BB62-ECF3228E0C8D}"/>
+                  </a:ext>
+                </a:extLst>
+              </p:cNvPr>
+              <p:cNvSpPr>
+                <a:spLocks noRot="1" noChangeAspect="1" noMove="1" noResize="1" noEditPoints="1" noAdjustHandles="1" noChangeArrowheads="1" noChangeShapeType="1" noTextEdit="1"/>
+              </p:cNvSpPr>
+              <p:nvPr/>
+            </p:nvSpPr>
+            <p:spPr>
+              <a:xfrm>
+                <a:off x="2489200" y="806348"/>
+                <a:ext cx="2174240" cy="967944"/>
+              </a:xfrm>
+              <a:prstGeom prst="rect">
+                <a:avLst/>
+              </a:prstGeom>
+              <a:blipFill>
+                <a:blip r:embed="rId2"/>
+                <a:stretch>
+                  <a:fillRect/>
+                </a:stretch>
+              </a:blipFill>
+              <a:ln w="19050">
+                <a:solidFill>
+                  <a:schemeClr val="tx1"/>
+                </a:solidFill>
+              </a:ln>
+            </p:spPr>
+            <p:txBody>
+              <a:bodyPr/>
+              <a:lstStyle/>
+              <a:p>
+                <a:r>
+                  <a:rPr lang="fr-FR">
+                    <a:noFill/>
+                  </a:rPr>
+                  <a:t> </a:t>
+                </a:r>
+              </a:p>
+            </p:txBody>
+          </p:sp>
+        </mc:Fallback>
+      </mc:AlternateContent>
+      <p:cxnSp>
+        <p:nvCxnSpPr>
+          <p:cNvPr id="6" name="Connecteur droit avec flèche 5">
+            <a:extLst>
+              <a:ext uri="{FF2B5EF4-FFF2-40B4-BE49-F238E27FC236}">
+                <a16:creationId xmlns:a16="http://schemas.microsoft.com/office/drawing/2014/main" id="{A65B1C88-8AA0-4244-B88D-424232422234}"/>
+              </a:ext>
+            </a:extLst>
+          </p:cNvPr>
+          <p:cNvCxnSpPr>
+            <a:cxnSpLocks/>
+          </p:cNvCxnSpPr>
+          <p:nvPr/>
+        </p:nvCxnSpPr>
+        <p:spPr>
+          <a:xfrm>
+            <a:off x="1981200" y="1290320"/>
+            <a:ext cx="508000" cy="0"/>
+          </a:xfrm>
+          <a:prstGeom prst="straightConnector1">
+            <a:avLst/>
+          </a:prstGeom>
+          <a:ln w="19050">
+            <a:solidFill>
+              <a:schemeClr val="tx1"/>
+            </a:solidFill>
+            <a:tailEnd type="stealth" w="med" len="lg"/>
+          </a:ln>
+        </p:spPr>
+        <p:style>
+          <a:lnRef idx="1">
+            <a:schemeClr val="accent1"/>
+          </a:lnRef>
+          <a:fillRef idx="0">
+            <a:schemeClr val="accent1"/>
+          </a:fillRef>
+          <a:effectRef idx="0">
+            <a:schemeClr val="accent1"/>
+          </a:effectRef>
+          <a:fontRef idx="minor">
+            <a:schemeClr val="tx1"/>
+          </a:fontRef>
+        </p:style>
+      </p:cxnSp>
+      <p:cxnSp>
+        <p:nvCxnSpPr>
+          <p:cNvPr id="7" name="Connecteur droit avec flèche 6">
+            <a:extLst>
+              <a:ext uri="{FF2B5EF4-FFF2-40B4-BE49-F238E27FC236}">
+                <a16:creationId xmlns:a16="http://schemas.microsoft.com/office/drawing/2014/main" id="{76D16511-6330-4156-A576-E5597711E4C5}"/>
+              </a:ext>
+            </a:extLst>
+          </p:cNvPr>
+          <p:cNvCxnSpPr>
+            <a:cxnSpLocks/>
+          </p:cNvCxnSpPr>
+          <p:nvPr/>
+        </p:nvCxnSpPr>
+        <p:spPr>
+          <a:xfrm>
+            <a:off x="4663440" y="1290320"/>
+            <a:ext cx="670560" cy="0"/>
+          </a:xfrm>
+          <a:prstGeom prst="straightConnector1">
+            <a:avLst/>
+          </a:prstGeom>
+          <a:ln w="19050">
+            <a:solidFill>
+              <a:schemeClr val="tx1"/>
+            </a:solidFill>
+            <a:tailEnd type="stealth" w="med" len="lg"/>
+          </a:ln>
+        </p:spPr>
+        <p:style>
+          <a:lnRef idx="1">
+            <a:schemeClr val="accent1"/>
+          </a:lnRef>
+          <a:fillRef idx="0">
+            <a:schemeClr val="accent1"/>
+          </a:fillRef>
+          <a:effectRef idx="0">
+            <a:schemeClr val="accent1"/>
+          </a:effectRef>
+          <a:fontRef idx="minor">
+            <a:schemeClr val="tx1"/>
+          </a:fontRef>
+        </p:style>
+      </p:cxnSp>
+      <mc:AlternateContent xmlns:mc="http://schemas.openxmlformats.org/markup-compatibility/2006">
+        <mc:Choice xmlns:a14="http://schemas.microsoft.com/office/drawing/2010/main" Requires="a14">
+          <p:sp>
+            <p:nvSpPr>
+              <p:cNvPr id="8" name="ZoneTexte 7">
+                <a:extLst>
+                  <a:ext uri="{FF2B5EF4-FFF2-40B4-BE49-F238E27FC236}">
+                    <a16:creationId xmlns:a16="http://schemas.microsoft.com/office/drawing/2014/main" id="{F9C1F2FD-9676-4AF5-9DC4-01688A1F951D}"/>
+                  </a:ext>
+                </a:extLst>
+              </p:cNvPr>
+              <p:cNvSpPr txBox="1"/>
+              <p:nvPr/>
+            </p:nvSpPr>
+            <p:spPr>
+              <a:xfrm>
+                <a:off x="4663440" y="820216"/>
+                <a:ext cx="1324401" cy="388824"/>
+              </a:xfrm>
+              <a:prstGeom prst="rect">
+                <a:avLst/>
+              </a:prstGeom>
+              <a:noFill/>
+            </p:spPr>
+            <p:txBody>
+              <a:bodyPr wrap="none" rtlCol="0">
+                <a:spAutoFit/>
+              </a:bodyPr>
+              <a:lstStyle/>
+              <a:p>
+                <a:pPr/>
+                <a14:m>
+                  <m:oMathPara xmlns:m="http://schemas.openxmlformats.org/officeDocument/2006/math">
+                    <m:oMathParaPr>
+                      <m:jc m:val="centerGroup"/>
+                    </m:oMathParaPr>
+                    <m:oMath xmlns:m="http://schemas.openxmlformats.org/officeDocument/2006/math">
+                      <m:acc>
+                        <m:accPr>
+                          <m:chr m:val="⃗"/>
+                          <m:ctrlPr>
+                            <a:rPr lang="fr-FR" sz="1600" i="1" smtClean="0">
+                              <a:latin typeface="Cambria Math" panose="02040503050406030204" pitchFamily="18" charset="0"/>
+                            </a:rPr>
+                          </m:ctrlPr>
+                        </m:accPr>
+                        <m:e>
+                          <m:sSub>
+                            <m:sSubPr>
+                              <m:ctrlPr>
+                                <a:rPr lang="fr-FR" sz="1600" b="0" i="1" smtClean="0">
+                                  <a:latin typeface="Cambria Math" panose="02040503050406030204" pitchFamily="18" charset="0"/>
+                                </a:rPr>
+                              </m:ctrlPr>
+                            </m:sSubPr>
+                            <m:e>
+                              <m:r>
+                                <a:rPr lang="fr-FR" sz="1600" b="0" i="1" smtClean="0">
+                                  <a:latin typeface="Cambria Math" panose="02040503050406030204" pitchFamily="18" charset="0"/>
+                                </a:rPr>
+                                <m:t>𝐶</m:t>
+                              </m:r>
+                            </m:e>
+                            <m:sub>
+                              <m:r>
+                                <a:rPr lang="fr-FR" sz="1600" b="0" i="1" smtClean="0">
+                                  <a:latin typeface="Cambria Math" panose="02040503050406030204" pitchFamily="18" charset="0"/>
+                                </a:rPr>
+                                <m:t>73</m:t>
+                              </m:r>
+                            </m:sub>
+                          </m:sSub>
+                        </m:e>
+                      </m:acc>
+                      <m:r>
+                        <a:rPr lang="fr-FR" sz="1600" b="0" i="1" smtClean="0">
+                          <a:latin typeface="Cambria Math" panose="02040503050406030204" pitchFamily="18" charset="0"/>
+                        </a:rPr>
+                        <m:t>=</m:t>
+                      </m:r>
+                      <m:sSub>
+                        <m:sSubPr>
+                          <m:ctrlPr>
+                            <a:rPr lang="fr-FR" sz="1600" b="0" i="1" smtClean="0">
+                              <a:latin typeface="Cambria Math" panose="02040503050406030204" pitchFamily="18" charset="0"/>
+                            </a:rPr>
+                          </m:ctrlPr>
+                        </m:sSubPr>
+                        <m:e>
+                          <m:r>
+                            <a:rPr lang="fr-FR" sz="1600" b="0" i="1" smtClean="0">
+                              <a:latin typeface="Cambria Math" panose="02040503050406030204" pitchFamily="18" charset="0"/>
+                            </a:rPr>
+                            <m:t>𝐶</m:t>
+                          </m:r>
+                        </m:e>
+                        <m:sub>
+                          <m:r>
+                            <a:rPr lang="fr-FR" sz="1600" b="0" i="1" smtClean="0">
+                              <a:latin typeface="Cambria Math" panose="02040503050406030204" pitchFamily="18" charset="0"/>
+                            </a:rPr>
+                            <m:t>73</m:t>
+                          </m:r>
+                        </m:sub>
+                      </m:sSub>
+                      <m:acc>
+                        <m:accPr>
+                          <m:chr m:val="⃗"/>
+                          <m:ctrlPr>
+                            <a:rPr lang="fr-FR" sz="1600" i="1">
+                              <a:latin typeface="Cambria Math" panose="02040503050406030204" pitchFamily="18" charset="0"/>
+                            </a:rPr>
+                          </m:ctrlPr>
+                        </m:accPr>
+                        <m:e>
+                          <m:sSub>
+                            <m:sSubPr>
+                              <m:ctrlPr>
+                                <a:rPr lang="fr-FR" sz="1600" i="1">
+                                  <a:latin typeface="Cambria Math" panose="02040503050406030204" pitchFamily="18" charset="0"/>
+                                </a:rPr>
+                              </m:ctrlPr>
+                            </m:sSubPr>
+                            <m:e>
+                              <m:r>
+                                <a:rPr lang="fr-FR" sz="1600" i="1">
+                                  <a:latin typeface="Cambria Math" panose="02040503050406030204" pitchFamily="18" charset="0"/>
+                                </a:rPr>
+                                <m:t>𝑧</m:t>
+                              </m:r>
+                            </m:e>
+                            <m:sub>
+                              <m:r>
+                                <a:rPr lang="fr-FR" sz="1600" b="0" i="1" smtClean="0">
+                                  <a:latin typeface="Cambria Math" panose="02040503050406030204" pitchFamily="18" charset="0"/>
+                                </a:rPr>
+                                <m:t>2</m:t>
+                              </m:r>
+                            </m:sub>
+                          </m:sSub>
+                          <m:r>
+                            <a:rPr lang="fr-FR" sz="1600" b="0" i="1" smtClean="0">
+                              <a:latin typeface="Cambria Math" panose="02040503050406030204" pitchFamily="18" charset="0"/>
+                            </a:rPr>
+                            <m:t>′</m:t>
+                          </m:r>
+                        </m:e>
+                      </m:acc>
+                    </m:oMath>
+                  </m:oMathPara>
+                </a14:m>
+                <a:endParaRPr lang="fr-FR" sz="1600" dirty="0"/>
+              </a:p>
+            </p:txBody>
+          </p:sp>
+        </mc:Choice>
+        <mc:Fallback>
+          <p:sp>
+            <p:nvSpPr>
+              <p:cNvPr id="8" name="ZoneTexte 7">
+                <a:extLst>
+                  <a:ext uri="{FF2B5EF4-FFF2-40B4-BE49-F238E27FC236}">
+                    <a16:creationId xmlns:a16="http://schemas.microsoft.com/office/drawing/2014/main" id="{F9C1F2FD-9676-4AF5-9DC4-01688A1F951D}"/>
+                  </a:ext>
+                </a:extLst>
+              </p:cNvPr>
+              <p:cNvSpPr txBox="1">
+                <a:spLocks noRot="1" noChangeAspect="1" noMove="1" noResize="1" noEditPoints="1" noAdjustHandles="1" noChangeArrowheads="1" noChangeShapeType="1" noTextEdit="1"/>
+              </p:cNvSpPr>
+              <p:nvPr/>
+            </p:nvSpPr>
+            <p:spPr>
+              <a:xfrm>
+                <a:off x="4663440" y="820216"/>
+                <a:ext cx="1324401" cy="388824"/>
+              </a:xfrm>
+              <a:prstGeom prst="rect">
+                <a:avLst/>
+              </a:prstGeom>
+              <a:blipFill>
+                <a:blip r:embed="rId3"/>
+                <a:stretch>
+                  <a:fillRect/>
+                </a:stretch>
+              </a:blipFill>
+            </p:spPr>
+            <p:txBody>
+              <a:bodyPr/>
+              <a:lstStyle/>
+              <a:p>
+                <a:r>
+                  <a:rPr lang="fr-FR">
+                    <a:noFill/>
+                  </a:rPr>
+                  <a:t> </a:t>
+                </a:r>
+              </a:p>
+            </p:txBody>
+          </p:sp>
+        </mc:Fallback>
+      </mc:AlternateContent>
+      <mc:AlternateContent xmlns:mc="http://schemas.openxmlformats.org/markup-compatibility/2006">
+        <mc:Choice xmlns:a14="http://schemas.microsoft.com/office/drawing/2010/main" Requires="a14">
+          <p:sp>
+            <p:nvSpPr>
+              <p:cNvPr id="9" name="ZoneTexte 8">
+                <a:extLst>
+                  <a:ext uri="{FF2B5EF4-FFF2-40B4-BE49-F238E27FC236}">
+                    <a16:creationId xmlns:a16="http://schemas.microsoft.com/office/drawing/2014/main" id="{0D05D3B2-49E6-4922-81D1-AF51030C1074}"/>
+                  </a:ext>
+                </a:extLst>
+              </p:cNvPr>
+              <p:cNvSpPr txBox="1"/>
+              <p:nvPr/>
+            </p:nvSpPr>
+            <p:spPr>
+              <a:xfrm>
+                <a:off x="1059001" y="806348"/>
+                <a:ext cx="1430199" cy="388824"/>
+              </a:xfrm>
+              <a:prstGeom prst="rect">
+                <a:avLst/>
+              </a:prstGeom>
+              <a:noFill/>
+            </p:spPr>
+            <p:txBody>
+              <a:bodyPr wrap="none" rtlCol="0">
+                <a:spAutoFit/>
+              </a:bodyPr>
+              <a:lstStyle/>
+              <a:p>
+                <a:pPr/>
+                <a14:m>
+                  <m:oMathPara xmlns:m="http://schemas.openxmlformats.org/officeDocument/2006/math">
+                    <m:oMathParaPr>
+                      <m:jc m:val="centerGroup"/>
+                    </m:oMathParaPr>
+                    <m:oMath xmlns:m="http://schemas.openxmlformats.org/officeDocument/2006/math">
+                      <m:acc>
+                        <m:accPr>
+                          <m:chr m:val="⃗"/>
+                          <m:ctrlPr>
+                            <a:rPr lang="fr-FR" sz="1600" i="1" smtClean="0">
+                              <a:latin typeface="Cambria Math" panose="02040503050406030204" pitchFamily="18" charset="0"/>
+                            </a:rPr>
+                          </m:ctrlPr>
+                        </m:accPr>
+                        <m:e>
+                          <m:sSub>
+                            <m:sSubPr>
+                              <m:ctrlPr>
+                                <a:rPr lang="fr-FR" sz="1600" b="0" i="1" smtClean="0">
+                                  <a:latin typeface="Cambria Math" panose="02040503050406030204" pitchFamily="18" charset="0"/>
+                                </a:rPr>
+                              </m:ctrlPr>
+                            </m:sSubPr>
+                            <m:e>
+                              <m:r>
+                                <a:rPr lang="fr-FR" sz="1600" b="0" i="1" smtClean="0">
+                                  <a:latin typeface="Cambria Math" panose="02040503050406030204" pitchFamily="18" charset="0"/>
+                                </a:rPr>
+                                <m:t>𝐶</m:t>
+                              </m:r>
+                            </m:e>
+                            <m:sub>
+                              <m:r>
+                                <a:rPr lang="fr-FR" sz="1600" b="0" i="1" smtClean="0">
+                                  <a:latin typeface="Cambria Math" panose="02040503050406030204" pitchFamily="18" charset="0"/>
+                                </a:rPr>
+                                <m:t>𝑚</m:t>
+                              </m:r>
+                              <m:r>
+                                <a:rPr lang="fr-FR" sz="1600" b="0" i="1" smtClean="0">
+                                  <a:latin typeface="Cambria Math" panose="02040503050406030204" pitchFamily="18" charset="0"/>
+                                </a:rPr>
+                                <m:t>2</m:t>
+                              </m:r>
+                            </m:sub>
+                          </m:sSub>
+                        </m:e>
+                      </m:acc>
+                      <m:r>
+                        <a:rPr lang="fr-FR" sz="1600" b="0" i="1" smtClean="0">
+                          <a:latin typeface="Cambria Math" panose="02040503050406030204" pitchFamily="18" charset="0"/>
+                        </a:rPr>
+                        <m:t>=</m:t>
+                      </m:r>
+                      <m:sSub>
+                        <m:sSubPr>
+                          <m:ctrlPr>
+                            <a:rPr lang="fr-FR" sz="1600" b="0" i="1" smtClean="0">
+                              <a:latin typeface="Cambria Math" panose="02040503050406030204" pitchFamily="18" charset="0"/>
+                            </a:rPr>
+                          </m:ctrlPr>
+                        </m:sSubPr>
+                        <m:e>
+                          <m:r>
+                            <a:rPr lang="fr-FR" sz="1600" b="0" i="1" smtClean="0">
+                              <a:latin typeface="Cambria Math" panose="02040503050406030204" pitchFamily="18" charset="0"/>
+                            </a:rPr>
+                            <m:t>𝐶</m:t>
+                          </m:r>
+                        </m:e>
+                        <m:sub>
+                          <m:r>
+                            <a:rPr lang="fr-FR" sz="1600" b="0" i="1" smtClean="0">
+                              <a:latin typeface="Cambria Math" panose="02040503050406030204" pitchFamily="18" charset="0"/>
+                            </a:rPr>
+                            <m:t>𝑚</m:t>
+                          </m:r>
+                          <m:r>
+                            <a:rPr lang="fr-FR" sz="1600" b="0" i="1" smtClean="0">
+                              <a:latin typeface="Cambria Math" panose="02040503050406030204" pitchFamily="18" charset="0"/>
+                            </a:rPr>
+                            <m:t>2</m:t>
+                          </m:r>
+                        </m:sub>
+                      </m:sSub>
+                      <m:acc>
+                        <m:accPr>
+                          <m:chr m:val="⃗"/>
+                          <m:ctrlPr>
+                            <a:rPr lang="fr-FR" sz="1600" i="1">
+                              <a:latin typeface="Cambria Math" panose="02040503050406030204" pitchFamily="18" charset="0"/>
+                            </a:rPr>
+                          </m:ctrlPr>
+                        </m:accPr>
+                        <m:e>
+                          <m:sSub>
+                            <m:sSubPr>
+                              <m:ctrlPr>
+                                <a:rPr lang="fr-FR" sz="1600" i="1">
+                                  <a:latin typeface="Cambria Math" panose="02040503050406030204" pitchFamily="18" charset="0"/>
+                                </a:rPr>
+                              </m:ctrlPr>
+                            </m:sSubPr>
+                            <m:e>
+                              <m:r>
+                                <a:rPr lang="fr-FR" sz="1600" i="1">
+                                  <a:latin typeface="Cambria Math" panose="02040503050406030204" pitchFamily="18" charset="0"/>
+                                </a:rPr>
+                                <m:t>𝑧</m:t>
+                              </m:r>
+                            </m:e>
+                            <m:sub>
+                              <m:r>
+                                <a:rPr lang="fr-FR" sz="1600" b="0" i="1" smtClean="0">
+                                  <a:latin typeface="Cambria Math" panose="02040503050406030204" pitchFamily="18" charset="0"/>
+                                </a:rPr>
+                                <m:t>2</m:t>
+                              </m:r>
+                            </m:sub>
+                          </m:sSub>
+                          <m:r>
+                            <a:rPr lang="fr-FR" sz="1600" b="0" i="1" smtClean="0">
+                              <a:latin typeface="Cambria Math" panose="02040503050406030204" pitchFamily="18" charset="0"/>
+                            </a:rPr>
+                            <m:t>′</m:t>
+                          </m:r>
+                        </m:e>
+                      </m:acc>
+                    </m:oMath>
+                  </m:oMathPara>
+                </a14:m>
+                <a:endParaRPr lang="fr-FR" sz="1600" dirty="0"/>
+              </a:p>
+            </p:txBody>
+          </p:sp>
+        </mc:Choice>
+        <mc:Fallback>
+          <p:sp>
+            <p:nvSpPr>
+              <p:cNvPr id="9" name="ZoneTexte 8">
+                <a:extLst>
+                  <a:ext uri="{FF2B5EF4-FFF2-40B4-BE49-F238E27FC236}">
+                    <a16:creationId xmlns:a16="http://schemas.microsoft.com/office/drawing/2014/main" id="{0D05D3B2-49E6-4922-81D1-AF51030C1074}"/>
+                  </a:ext>
+                </a:extLst>
+              </p:cNvPr>
+              <p:cNvSpPr txBox="1">
+                <a:spLocks noRot="1" noChangeAspect="1" noMove="1" noResize="1" noEditPoints="1" noAdjustHandles="1" noChangeArrowheads="1" noChangeShapeType="1" noTextEdit="1"/>
+              </p:cNvSpPr>
+              <p:nvPr/>
+            </p:nvSpPr>
+            <p:spPr>
+              <a:xfrm>
+                <a:off x="1059001" y="806348"/>
+                <a:ext cx="1430199" cy="388824"/>
+              </a:xfrm>
+              <a:prstGeom prst="rect">
+                <a:avLst/>
+              </a:prstGeom>
+              <a:blipFill>
+                <a:blip r:embed="rId4"/>
+                <a:stretch>
+                  <a:fillRect/>
+                </a:stretch>
+              </a:blipFill>
+            </p:spPr>
+            <p:txBody>
+              <a:bodyPr/>
+              <a:lstStyle/>
+              <a:p>
+                <a:r>
+                  <a:rPr lang="fr-FR">
+                    <a:noFill/>
+                  </a:rPr>
+                  <a:t> </a:t>
+                </a:r>
+              </a:p>
+            </p:txBody>
+          </p:sp>
+        </mc:Fallback>
+      </mc:AlternateContent>
+    </p:spTree>
+    <p:extLst>
+      <p:ext uri="{BB962C8B-B14F-4D97-AF65-F5344CB8AC3E}">
+        <p14:creationId xmlns:p14="http://schemas.microsoft.com/office/powerpoint/2010/main" val="3726477413"/>
       </p:ext>
     </p:extLst>
   </p:cSld>

--- a/Centrale_2019/images/Figures.pptx
+++ b/Centrale_2019/images/Figures.pptx
@@ -262,7 +262,7 @@
           <a:p>
             <a:fld id="{A246378E-A54B-4198-9326-A950FFA5F27A}" type="datetimeFigureOut">
               <a:rPr lang="fr-FR" smtClean="0"/>
-              <a:t>01/06/2019</a:t>
+              <a:t>02/06/2019</a:t>
             </a:fld>
             <a:endParaRPr lang="fr-FR"/>
           </a:p>
@@ -460,7 +460,7 @@
           <a:p>
             <a:fld id="{A246378E-A54B-4198-9326-A950FFA5F27A}" type="datetimeFigureOut">
               <a:rPr lang="fr-FR" smtClean="0"/>
-              <a:t>01/06/2019</a:t>
+              <a:t>02/06/2019</a:t>
             </a:fld>
             <a:endParaRPr lang="fr-FR"/>
           </a:p>
@@ -668,7 +668,7 @@
           <a:p>
             <a:fld id="{A246378E-A54B-4198-9326-A950FFA5F27A}" type="datetimeFigureOut">
               <a:rPr lang="fr-FR" smtClean="0"/>
-              <a:t>01/06/2019</a:t>
+              <a:t>02/06/2019</a:t>
             </a:fld>
             <a:endParaRPr lang="fr-FR"/>
           </a:p>
@@ -866,7 +866,7 @@
           <a:p>
             <a:fld id="{A246378E-A54B-4198-9326-A950FFA5F27A}" type="datetimeFigureOut">
               <a:rPr lang="fr-FR" smtClean="0"/>
-              <a:t>01/06/2019</a:t>
+              <a:t>02/06/2019</a:t>
             </a:fld>
             <a:endParaRPr lang="fr-FR"/>
           </a:p>
@@ -1141,7 +1141,7 @@
           <a:p>
             <a:fld id="{A246378E-A54B-4198-9326-A950FFA5F27A}" type="datetimeFigureOut">
               <a:rPr lang="fr-FR" smtClean="0"/>
-              <a:t>01/06/2019</a:t>
+              <a:t>02/06/2019</a:t>
             </a:fld>
             <a:endParaRPr lang="fr-FR"/>
           </a:p>
@@ -1406,7 +1406,7 @@
           <a:p>
             <a:fld id="{A246378E-A54B-4198-9326-A950FFA5F27A}" type="datetimeFigureOut">
               <a:rPr lang="fr-FR" smtClean="0"/>
-              <a:t>01/06/2019</a:t>
+              <a:t>02/06/2019</a:t>
             </a:fld>
             <a:endParaRPr lang="fr-FR"/>
           </a:p>
@@ -1818,7 +1818,7 @@
           <a:p>
             <a:fld id="{A246378E-A54B-4198-9326-A950FFA5F27A}" type="datetimeFigureOut">
               <a:rPr lang="fr-FR" smtClean="0"/>
-              <a:t>01/06/2019</a:t>
+              <a:t>02/06/2019</a:t>
             </a:fld>
             <a:endParaRPr lang="fr-FR"/>
           </a:p>
@@ -1959,7 +1959,7 @@
           <a:p>
             <a:fld id="{A246378E-A54B-4198-9326-A950FFA5F27A}" type="datetimeFigureOut">
               <a:rPr lang="fr-FR" smtClean="0"/>
-              <a:t>01/06/2019</a:t>
+              <a:t>02/06/2019</a:t>
             </a:fld>
             <a:endParaRPr lang="fr-FR"/>
           </a:p>
@@ -2072,7 +2072,7 @@
           <a:p>
             <a:fld id="{A246378E-A54B-4198-9326-A950FFA5F27A}" type="datetimeFigureOut">
               <a:rPr lang="fr-FR" smtClean="0"/>
-              <a:t>01/06/2019</a:t>
+              <a:t>02/06/2019</a:t>
             </a:fld>
             <a:endParaRPr lang="fr-FR"/>
           </a:p>
@@ -2383,7 +2383,7 @@
           <a:p>
             <a:fld id="{A246378E-A54B-4198-9326-A950FFA5F27A}" type="datetimeFigureOut">
               <a:rPr lang="fr-FR" smtClean="0"/>
-              <a:t>01/06/2019</a:t>
+              <a:t>02/06/2019</a:t>
             </a:fld>
             <a:endParaRPr lang="fr-FR"/>
           </a:p>
@@ -2671,7 +2671,7 @@
           <a:p>
             <a:fld id="{A246378E-A54B-4198-9326-A950FFA5F27A}" type="datetimeFigureOut">
               <a:rPr lang="fr-FR" smtClean="0"/>
-              <a:t>01/06/2019</a:t>
+              <a:t>02/06/2019</a:t>
             </a:fld>
             <a:endParaRPr lang="fr-FR"/>
           </a:p>
@@ -2912,7 +2912,7 @@
           <a:p>
             <a:fld id="{A246378E-A54B-4198-9326-A950FFA5F27A}" type="datetimeFigureOut">
               <a:rPr lang="fr-FR" smtClean="0"/>
-              <a:t>01/06/2019</a:t>
+              <a:t>02/06/2019</a:t>
             </a:fld>
             <a:endParaRPr lang="fr-FR"/>
           </a:p>
@@ -4421,7 +4421,7 @@
         </p:blipFill>
         <p:spPr>
           <a:xfrm>
-            <a:off x="2341908" y="1219226"/>
+            <a:off x="1840809" y="1766747"/>
             <a:ext cx="7045201" cy="4616801"/>
           </a:xfrm>
           <a:prstGeom prst="rect">
@@ -5224,8 +5224,8 @@
           </a:fontRef>
         </p:style>
       </p:cxnSp>
-      <mc:AlternateContent xmlns:mc="http://schemas.openxmlformats.org/markup-compatibility/2006">
-        <mc:Choice xmlns:a14="http://schemas.microsoft.com/office/drawing/2010/main" Requires="a14">
+      <mc:AlternateContent xmlns:mc="http://schemas.openxmlformats.org/markup-compatibility/2006" xmlns:a14="http://schemas.microsoft.com/office/drawing/2010/main">
+        <mc:Choice Requires="a14">
           <p:sp>
             <p:nvSpPr>
               <p:cNvPr id="28" name="ZoneTexte 27">
@@ -5342,7 +5342,7 @@
             </p:txBody>
           </p:sp>
         </mc:Choice>
-        <mc:Fallback>
+        <mc:Fallback xmlns="">
           <p:sp>
             <p:nvSpPr>
               <p:cNvPr id="28" name="ZoneTexte 27">
@@ -6308,8 +6308,8 @@
           </a:p>
         </p:txBody>
       </p:sp>
-      <mc:AlternateContent xmlns:mc="http://schemas.openxmlformats.org/markup-compatibility/2006">
-        <mc:Choice xmlns:a14="http://schemas.microsoft.com/office/drawing/2010/main" Requires="a14">
+      <mc:AlternateContent xmlns:mc="http://schemas.openxmlformats.org/markup-compatibility/2006" xmlns:a14="http://schemas.microsoft.com/office/drawing/2010/main">
+        <mc:Choice Requires="a14">
           <p:sp>
             <p:nvSpPr>
               <p:cNvPr id="51" name="ZoneTexte 50">
@@ -6419,7 +6419,7 @@
             </p:txBody>
           </p:sp>
         </mc:Choice>
-        <mc:Fallback>
+        <mc:Fallback xmlns="">
           <p:sp>
             <p:nvSpPr>
               <p:cNvPr id="51" name="ZoneTexte 50">
@@ -6739,8 +6739,8 @@
           </a:p>
         </p:txBody>
       </p:sp>
-      <mc:AlternateContent xmlns:mc="http://schemas.openxmlformats.org/markup-compatibility/2006">
-        <mc:Choice xmlns:a14="http://schemas.microsoft.com/office/drawing/2010/main" Requires="a14">
+      <mc:AlternateContent xmlns:mc="http://schemas.openxmlformats.org/markup-compatibility/2006" xmlns:a14="http://schemas.microsoft.com/office/drawing/2010/main">
+        <mc:Choice Requires="a14">
           <p:sp>
             <p:nvSpPr>
               <p:cNvPr id="32" name="ZoneTexte 31">
@@ -6852,7 +6852,7 @@
             </p:txBody>
           </p:sp>
         </mc:Choice>
-        <mc:Fallback>
+        <mc:Fallback xmlns="">
           <p:sp>
             <p:nvSpPr>
               <p:cNvPr id="32" name="ZoneTexte 31">
@@ -6954,8 +6954,8 @@
           </a:p>
         </p:txBody>
       </p:sp>
-      <mc:AlternateContent xmlns:mc="http://schemas.openxmlformats.org/markup-compatibility/2006">
-        <mc:Choice xmlns:a14="http://schemas.microsoft.com/office/drawing/2010/main" Requires="a14">
+      <mc:AlternateContent xmlns:mc="http://schemas.openxmlformats.org/markup-compatibility/2006" xmlns:a14="http://schemas.microsoft.com/office/drawing/2010/main">
+        <mc:Choice Requires="a14">
           <p:sp>
             <p:nvSpPr>
               <p:cNvPr id="36" name="ZoneTexte 35">
@@ -7073,7 +7073,7 @@
             </p:txBody>
           </p:sp>
         </mc:Choice>
-        <mc:Fallback>
+        <mc:Fallback xmlns="">
           <p:sp>
             <p:nvSpPr>
               <p:cNvPr id="36" name="ZoneTexte 35">
@@ -7175,8 +7175,8 @@
           </a:p>
         </p:txBody>
       </p:sp>
-      <mc:AlternateContent xmlns:mc="http://schemas.openxmlformats.org/markup-compatibility/2006">
-        <mc:Choice xmlns:a14="http://schemas.microsoft.com/office/drawing/2010/main" Requires="a14">
+      <mc:AlternateContent xmlns:mc="http://schemas.openxmlformats.org/markup-compatibility/2006" xmlns:a14="http://schemas.microsoft.com/office/drawing/2010/main">
+        <mc:Choice Requires="a14">
           <p:sp>
             <p:nvSpPr>
               <p:cNvPr id="41" name="ZoneTexte 40">
@@ -7288,7 +7288,7 @@
             </p:txBody>
           </p:sp>
         </mc:Choice>
-        <mc:Fallback>
+        <mc:Fallback xmlns="">
           <p:sp>
             <p:nvSpPr>
               <p:cNvPr id="41" name="ZoneTexte 40">
@@ -7418,7 +7418,6 @@
           </a:bodyPr>
           <a:lstStyle/>
           <a:p>
-            <a:pPr/>
             <a:r>
               <a:rPr lang="fr-FR" sz="1200" dirty="0"/>
               <a:t>Pesanteur</a:t>
@@ -7511,7 +7510,6 @@
           </a:bodyPr>
           <a:lstStyle/>
           <a:p>
-            <a:pPr/>
             <a:r>
               <a:rPr lang="fr-FR" sz="1200" dirty="0"/>
               <a:t>Pesanteur</a:t>
@@ -7549,250 +7547,233 @@
           <a:chExt cx="0" cy="0"/>
         </a:xfrm>
       </p:grpSpPr>
-      <p:pic>
-        <p:nvPicPr>
-          <p:cNvPr id="4" name="Image 3">
+      <p:grpSp>
+        <p:nvGrpSpPr>
+          <p:cNvPr id="3" name="Groupe 2">
             <a:extLst>
               <a:ext uri="{FF2B5EF4-FFF2-40B4-BE49-F238E27FC236}">
-                <a16:creationId xmlns:a16="http://schemas.microsoft.com/office/drawing/2014/main" id="{39E2E7A4-D272-4CF5-9E8E-ADE244140777}"/>
+                <a16:creationId xmlns:a16="http://schemas.microsoft.com/office/drawing/2014/main" id="{171F3FC1-3386-476F-8B42-28BDA84F3BE5}"/>
               </a:ext>
             </a:extLst>
           </p:cNvPr>
-          <p:cNvPicPr>
-            <a:picLocks noChangeAspect="1"/>
-          </p:cNvPicPr>
+          <p:cNvGrpSpPr/>
           <p:nvPr/>
-        </p:nvPicPr>
-        <p:blipFill>
-          <a:blip r:embed="rId2"/>
-          <a:stretch>
-            <a:fillRect/>
-          </a:stretch>
-        </p:blipFill>
-        <p:spPr>
+        </p:nvGrpSpPr>
+        <p:grpSpPr>
           <a:xfrm>
-            <a:off x="2341908" y="1219226"/>
-            <a:ext cx="7045201" cy="4616801"/>
+            <a:off x="259578" y="2568424"/>
+            <a:ext cx="8518661" cy="3040293"/>
+            <a:chOff x="338874" y="4815245"/>
+            <a:chExt cx="6664179" cy="2378432"/>
           </a:xfrm>
-          <a:prstGeom prst="rect">
-            <a:avLst/>
-          </a:prstGeom>
-        </p:spPr>
-      </p:pic>
-      <p:cxnSp>
-        <p:nvCxnSpPr>
-          <p:cNvPr id="54" name="Connecteur droit 53">
-            <a:extLst>
-              <a:ext uri="{FF2B5EF4-FFF2-40B4-BE49-F238E27FC236}">
-                <a16:creationId xmlns:a16="http://schemas.microsoft.com/office/drawing/2014/main" id="{8F42B9B6-1A27-49A4-AFF9-88834B570CFD}"/>
-              </a:ext>
-            </a:extLst>
-          </p:cNvPr>
-          <p:cNvCxnSpPr>
-            <a:cxnSpLocks/>
-          </p:cNvCxnSpPr>
-          <p:nvPr/>
-        </p:nvCxnSpPr>
-        <p:spPr>
-          <a:xfrm flipH="1">
-            <a:off x="4675450" y="5613709"/>
-            <a:ext cx="721610" cy="769839"/>
-          </a:xfrm>
-          <a:prstGeom prst="line">
-            <a:avLst/>
-          </a:prstGeom>
-          <a:ln w="12700">
-            <a:solidFill>
+        </p:grpSpPr>
+        <p:cxnSp>
+          <p:nvCxnSpPr>
+            <p:cNvPr id="54" name="Connecteur droit 53">
+              <a:extLst>
+                <a:ext uri="{FF2B5EF4-FFF2-40B4-BE49-F238E27FC236}">
+                  <a16:creationId xmlns:a16="http://schemas.microsoft.com/office/drawing/2014/main" id="{8F42B9B6-1A27-49A4-AFF9-88834B570CFD}"/>
+                </a:ext>
+              </a:extLst>
+            </p:cNvPr>
+            <p:cNvCxnSpPr>
+              <a:cxnSpLocks/>
+            </p:cNvCxnSpPr>
+            <p:nvPr/>
+          </p:nvCxnSpPr>
+          <p:spPr>
+            <a:xfrm flipH="1">
+              <a:off x="4675450" y="5613709"/>
+              <a:ext cx="721610" cy="769839"/>
+            </a:xfrm>
+            <a:prstGeom prst="line">
+              <a:avLst/>
+            </a:prstGeom>
+            <a:ln w="12700">
+              <a:solidFill>
+                <a:schemeClr val="tx1"/>
+              </a:solidFill>
+            </a:ln>
+          </p:spPr>
+          <p:style>
+            <a:lnRef idx="1">
+              <a:schemeClr val="accent1"/>
+            </a:lnRef>
+            <a:fillRef idx="0">
+              <a:schemeClr val="accent1"/>
+            </a:fillRef>
+            <a:effectRef idx="0">
+              <a:schemeClr val="accent1"/>
+            </a:effectRef>
+            <a:fontRef idx="minor">
               <a:schemeClr val="tx1"/>
-            </a:solidFill>
-          </a:ln>
-        </p:spPr>
-        <p:style>
-          <a:lnRef idx="1">
-            <a:schemeClr val="accent1"/>
-          </a:lnRef>
-          <a:fillRef idx="0">
-            <a:schemeClr val="accent1"/>
-          </a:fillRef>
-          <a:effectRef idx="0">
-            <a:schemeClr val="accent1"/>
-          </a:effectRef>
-          <a:fontRef idx="minor">
-            <a:schemeClr val="tx1"/>
-          </a:fontRef>
-        </p:style>
-      </p:cxnSp>
-      <p:cxnSp>
-        <p:nvCxnSpPr>
-          <p:cNvPr id="50" name="Connecteur droit 49">
-            <a:extLst>
-              <a:ext uri="{FF2B5EF4-FFF2-40B4-BE49-F238E27FC236}">
-                <a16:creationId xmlns:a16="http://schemas.microsoft.com/office/drawing/2014/main" id="{B8102938-A5E7-4FD6-8DCE-54FCCA4DF1A9}"/>
-              </a:ext>
-            </a:extLst>
-          </p:cNvPr>
-          <p:cNvCxnSpPr>
-            <a:cxnSpLocks/>
-          </p:cNvCxnSpPr>
-          <p:nvPr/>
-        </p:nvCxnSpPr>
-        <p:spPr>
-          <a:xfrm>
-            <a:off x="3950484" y="5630505"/>
-            <a:ext cx="736303" cy="762524"/>
-          </a:xfrm>
-          <a:prstGeom prst="line">
-            <a:avLst/>
-          </a:prstGeom>
-          <a:ln w="12700">
-            <a:solidFill>
+            </a:fontRef>
+          </p:style>
+        </p:cxnSp>
+        <p:cxnSp>
+          <p:nvCxnSpPr>
+            <p:cNvPr id="50" name="Connecteur droit 49">
+              <a:extLst>
+                <a:ext uri="{FF2B5EF4-FFF2-40B4-BE49-F238E27FC236}">
+                  <a16:creationId xmlns:a16="http://schemas.microsoft.com/office/drawing/2014/main" id="{B8102938-A5E7-4FD6-8DCE-54FCCA4DF1A9}"/>
+                </a:ext>
+              </a:extLst>
+            </p:cNvPr>
+            <p:cNvCxnSpPr>
+              <a:cxnSpLocks/>
+            </p:cNvCxnSpPr>
+            <p:nvPr/>
+          </p:nvCxnSpPr>
+          <p:spPr>
+            <a:xfrm>
+              <a:off x="3950484" y="5630505"/>
+              <a:ext cx="736303" cy="762524"/>
+            </a:xfrm>
+            <a:prstGeom prst="line">
+              <a:avLst/>
+            </a:prstGeom>
+            <a:ln w="12700">
+              <a:solidFill>
+                <a:schemeClr val="tx1"/>
+              </a:solidFill>
+            </a:ln>
+          </p:spPr>
+          <p:style>
+            <a:lnRef idx="1">
+              <a:schemeClr val="accent1"/>
+            </a:lnRef>
+            <a:fillRef idx="0">
+              <a:schemeClr val="accent1"/>
+            </a:fillRef>
+            <a:effectRef idx="0">
+              <a:schemeClr val="accent1"/>
+            </a:effectRef>
+            <a:fontRef idx="minor">
               <a:schemeClr val="tx1"/>
-            </a:solidFill>
-          </a:ln>
-        </p:spPr>
-        <p:style>
-          <a:lnRef idx="1">
-            <a:schemeClr val="accent1"/>
-          </a:lnRef>
-          <a:fillRef idx="0">
-            <a:schemeClr val="accent1"/>
-          </a:fillRef>
-          <a:effectRef idx="0">
-            <a:schemeClr val="accent1"/>
-          </a:effectRef>
-          <a:fontRef idx="minor">
-            <a:schemeClr val="tx1"/>
-          </a:fontRef>
-        </p:style>
-      </p:cxnSp>
-      <p:sp>
-        <p:nvSpPr>
-          <p:cNvPr id="49" name="ZoneTexte 48">
-            <a:extLst>
-              <a:ext uri="{FF2B5EF4-FFF2-40B4-BE49-F238E27FC236}">
-                <a16:creationId xmlns:a16="http://schemas.microsoft.com/office/drawing/2014/main" id="{BC8F7D6F-7980-48AB-8F64-13D949CA5CCC}"/>
-              </a:ext>
-            </a:extLst>
-          </p:cNvPr>
-          <p:cNvSpPr txBox="1"/>
-          <p:nvPr/>
-        </p:nvSpPr>
-        <p:spPr>
-          <a:xfrm rot="18818568">
-            <a:off x="3131479" y="5779324"/>
-            <a:ext cx="930319" cy="461665"/>
-          </a:xfrm>
-          <a:prstGeom prst="rect">
-            <a:avLst/>
-          </a:prstGeom>
-          <a:noFill/>
-        </p:spPr>
-        <p:txBody>
-          <a:bodyPr wrap="none" rtlCol="0">
-            <a:spAutoFit/>
-          </a:bodyPr>
-          <a:lstStyle/>
-          <a:p>
-            <a:pPr algn="ctr"/>
-            <a:r>
-              <a:rPr lang="fr-FR" sz="1200" dirty="0"/>
-              <a:t>Réducteur</a:t>
-            </a:r>
-          </a:p>
-          <a:p>
-            <a:pPr algn="ctr"/>
-            <a:r>
-              <a:rPr lang="fr-FR" sz="1200" dirty="0"/>
-              <a:t>frottements</a:t>
-            </a:r>
-          </a:p>
-        </p:txBody>
-      </p:sp>
-      <p:cxnSp>
-        <p:nvCxnSpPr>
-          <p:cNvPr id="35" name="Connecteur droit 34">
-            <a:extLst>
-              <a:ext uri="{FF2B5EF4-FFF2-40B4-BE49-F238E27FC236}">
-                <a16:creationId xmlns:a16="http://schemas.microsoft.com/office/drawing/2014/main" id="{BE637E73-1396-466C-A184-E21681971506}"/>
-              </a:ext>
-            </a:extLst>
-          </p:cNvPr>
-          <p:cNvCxnSpPr>
-            <a:cxnSpLocks/>
-          </p:cNvCxnSpPr>
-          <p:nvPr/>
-        </p:nvCxnSpPr>
-        <p:spPr>
-          <a:xfrm flipH="1">
-            <a:off x="1761024" y="5599023"/>
-            <a:ext cx="737191" cy="784913"/>
-          </a:xfrm>
-          <a:prstGeom prst="line">
-            <a:avLst/>
-          </a:prstGeom>
-          <a:ln w="12700">
-            <a:solidFill>
+            </a:fontRef>
+          </p:style>
+        </p:cxnSp>
+        <p:sp>
+          <p:nvSpPr>
+            <p:cNvPr id="49" name="ZoneTexte 48">
+              <a:extLst>
+                <a:ext uri="{FF2B5EF4-FFF2-40B4-BE49-F238E27FC236}">
+                  <a16:creationId xmlns:a16="http://schemas.microsoft.com/office/drawing/2014/main" id="{BC8F7D6F-7980-48AB-8F64-13D949CA5CCC}"/>
+                </a:ext>
+              </a:extLst>
+            </p:cNvPr>
+            <p:cNvSpPr txBox="1"/>
+            <p:nvPr/>
+          </p:nvSpPr>
+          <p:spPr>
+            <a:xfrm rot="18818568">
+              <a:off x="3155323" y="5819064"/>
+              <a:ext cx="930319" cy="461665"/>
+            </a:xfrm>
+            <a:prstGeom prst="rect">
+              <a:avLst/>
+            </a:prstGeom>
+            <a:noFill/>
+          </p:spPr>
+          <p:txBody>
+            <a:bodyPr wrap="none" rtlCol="0">
+              <a:spAutoFit/>
+            </a:bodyPr>
+            <a:lstStyle/>
+            <a:p>
+              <a:pPr algn="ctr"/>
+              <a:r>
+                <a:rPr lang="fr-FR" sz="1200" dirty="0"/>
+                <a:t>Réducteur</a:t>
+              </a:r>
+            </a:p>
+            <a:p>
+              <a:pPr algn="ctr"/>
+              <a:r>
+                <a:rPr lang="fr-FR" sz="1200" dirty="0"/>
+                <a:t>frottements</a:t>
+              </a:r>
+            </a:p>
+          </p:txBody>
+        </p:sp>
+        <p:cxnSp>
+          <p:nvCxnSpPr>
+            <p:cNvPr id="35" name="Connecteur droit 34">
+              <a:extLst>
+                <a:ext uri="{FF2B5EF4-FFF2-40B4-BE49-F238E27FC236}">
+                  <a16:creationId xmlns:a16="http://schemas.microsoft.com/office/drawing/2014/main" id="{BE637E73-1396-466C-A184-E21681971506}"/>
+                </a:ext>
+              </a:extLst>
+            </p:cNvPr>
+            <p:cNvCxnSpPr>
+              <a:cxnSpLocks/>
+            </p:cNvCxnSpPr>
+            <p:nvPr/>
+          </p:nvCxnSpPr>
+          <p:spPr>
+            <a:xfrm flipH="1">
+              <a:off x="1761024" y="5599023"/>
+              <a:ext cx="737191" cy="784913"/>
+            </a:xfrm>
+            <a:prstGeom prst="line">
+              <a:avLst/>
+            </a:prstGeom>
+            <a:ln w="12700">
+              <a:solidFill>
+                <a:schemeClr val="tx1"/>
+              </a:solidFill>
+            </a:ln>
+          </p:spPr>
+          <p:style>
+            <a:lnRef idx="1">
+              <a:schemeClr val="accent1"/>
+            </a:lnRef>
+            <a:fillRef idx="0">
+              <a:schemeClr val="accent1"/>
+            </a:fillRef>
+            <a:effectRef idx="0">
+              <a:schemeClr val="accent1"/>
+            </a:effectRef>
+            <a:fontRef idx="minor">
               <a:schemeClr val="tx1"/>
-            </a:solidFill>
-          </a:ln>
-        </p:spPr>
-        <p:style>
-          <a:lnRef idx="1">
-            <a:schemeClr val="accent1"/>
-          </a:lnRef>
-          <a:fillRef idx="0">
-            <a:schemeClr val="accent1"/>
-          </a:fillRef>
-          <a:effectRef idx="0">
-            <a:schemeClr val="accent1"/>
-          </a:effectRef>
-          <a:fontRef idx="minor">
-            <a:schemeClr val="tx1"/>
-          </a:fontRef>
-        </p:style>
-      </p:cxnSp>
-      <mc:AlternateContent xmlns:mc="http://schemas.openxmlformats.org/markup-compatibility/2006" xmlns:a14="http://schemas.microsoft.com/office/drawing/2010/main">
-        <mc:Choice Requires="a14">
-          <p:sp>
-            <p:nvSpPr>
-              <p:cNvPr id="16" name="ZoneTexte 15">
-                <a:extLst>
-                  <a:ext uri="{FF2B5EF4-FFF2-40B4-BE49-F238E27FC236}">
-                    <a16:creationId xmlns:a16="http://schemas.microsoft.com/office/drawing/2014/main" id="{21456B8D-6F7E-4C22-ACEC-A0365EDAB279}"/>
-                  </a:ext>
-                </a:extLst>
-              </p:cNvPr>
-              <p:cNvSpPr txBox="1"/>
-              <p:nvPr/>
-            </p:nvSpPr>
-            <p:spPr>
-              <a:xfrm>
-                <a:off x="1278963" y="5371140"/>
-                <a:ext cx="1002197" cy="461665"/>
-              </a:xfrm>
-              <a:prstGeom prst="rect">
-                <a:avLst/>
-              </a:prstGeom>
-              <a:noFill/>
-            </p:spPr>
-            <p:txBody>
-              <a:bodyPr wrap="none" rtlCol="0">
-                <a:spAutoFit/>
-              </a:bodyPr>
-              <a:lstStyle/>
-              <a:p>
-                <a:r>
-                  <a:rPr lang="fr-FR" sz="1200" dirty="0"/>
-                  <a:t>Pivot d’axe</a:t>
-                </a:r>
-              </a:p>
-              <a:p>
-                <a:pPr/>
-                <a14:m>
-                  <m:oMathPara xmlns:m="http://schemas.openxmlformats.org/officeDocument/2006/math">
-                    <m:oMathParaPr>
-                      <m:jc m:val="centerGroup"/>
-                    </m:oMathParaPr>
+            </a:fontRef>
+          </p:style>
+        </p:cxnSp>
+        <mc:AlternateContent xmlns:mc="http://schemas.openxmlformats.org/markup-compatibility/2006" xmlns:a14="http://schemas.microsoft.com/office/drawing/2010/main">
+          <mc:Choice Requires="a14">
+            <p:sp>
+              <p:nvSpPr>
+                <p:cNvPr id="16" name="ZoneTexte 15">
+                  <a:extLst>
+                    <a:ext uri="{FF2B5EF4-FFF2-40B4-BE49-F238E27FC236}">
+                      <a16:creationId xmlns:a16="http://schemas.microsoft.com/office/drawing/2014/main" id="{21456B8D-6F7E-4C22-ACEC-A0365EDAB279}"/>
+                    </a:ext>
+                  </a:extLst>
+                </p:cNvPr>
+                <p:cNvSpPr txBox="1"/>
+                <p:nvPr/>
+              </p:nvSpPr>
+              <p:spPr>
+                <a:xfrm>
+                  <a:off x="1278962" y="5371140"/>
+                  <a:ext cx="1050440" cy="216697"/>
+                </a:xfrm>
+                <a:prstGeom prst="rect">
+                  <a:avLst/>
+                </a:prstGeom>
+                <a:noFill/>
+              </p:spPr>
+              <p:txBody>
+                <a:bodyPr wrap="square" rtlCol="0">
+                  <a:spAutoFit/>
+                </a:bodyPr>
+                <a:lstStyle/>
+                <a:p>
+                  <a:r>
+                    <a:rPr lang="fr-FR" sz="1200" dirty="0"/>
+                    <a:t>Pivot d’axe </a:t>
+                  </a:r>
+                  <a14:m>
                     <m:oMath xmlns:m="http://schemas.openxmlformats.org/officeDocument/2006/math">
                       <m:d>
                         <m:dPr>
@@ -7855,190 +7836,182 @@
                         </m:e>
                       </m:d>
                     </m:oMath>
-                  </m:oMathPara>
-                </a14:m>
-                <a:endParaRPr lang="fr-FR" sz="1200" dirty="0"/>
-              </a:p>
-            </p:txBody>
-          </p:sp>
-        </mc:Choice>
-        <mc:Fallback xmlns="">
-          <p:sp>
-            <p:nvSpPr>
-              <p:cNvPr id="16" name="ZoneTexte 15">
-                <a:extLst>
-                  <a:ext uri="{FF2B5EF4-FFF2-40B4-BE49-F238E27FC236}">
-                    <a16:creationId xmlns:a16="http://schemas.microsoft.com/office/drawing/2014/main" id="{21456B8D-6F7E-4C22-ACEC-A0365EDAB279}"/>
-                  </a:ext>
-                </a:extLst>
-              </p:cNvPr>
-              <p:cNvSpPr txBox="1">
-                <a:spLocks noRot="1" noChangeAspect="1" noMove="1" noResize="1" noEditPoints="1" noAdjustHandles="1" noChangeArrowheads="1" noChangeShapeType="1" noTextEdit="1"/>
-              </p:cNvSpPr>
-              <p:nvPr/>
-            </p:nvSpPr>
-            <p:spPr>
-              <a:xfrm>
-                <a:off x="1278963" y="5371140"/>
-                <a:ext cx="1002197" cy="461665"/>
-              </a:xfrm>
-              <a:prstGeom prst="rect">
-                <a:avLst/>
-              </a:prstGeom>
-              <a:blipFill>
-                <a:blip r:embed="rId3"/>
-                <a:stretch>
-                  <a:fillRect l="-610"/>
-                </a:stretch>
-              </a:blipFill>
-            </p:spPr>
-            <p:txBody>
-              <a:bodyPr/>
-              <a:lstStyle/>
-              <a:p>
-                <a:r>
-                  <a:rPr lang="fr-FR">
-                    <a:noFill/>
-                  </a:rPr>
-                  <a:t> </a:t>
-                </a:r>
-              </a:p>
-            </p:txBody>
-          </p:sp>
-        </mc:Fallback>
-      </mc:AlternateContent>
-      <p:cxnSp>
-        <p:nvCxnSpPr>
-          <p:cNvPr id="15" name="Connecteur droit 14">
-            <a:extLst>
-              <a:ext uri="{FF2B5EF4-FFF2-40B4-BE49-F238E27FC236}">
-                <a16:creationId xmlns:a16="http://schemas.microsoft.com/office/drawing/2014/main" id="{0C066E31-462A-49D7-96AF-39E2388CFF76}"/>
-              </a:ext>
-            </a:extLst>
-          </p:cNvPr>
-          <p:cNvCxnSpPr>
-            <a:stCxn id="5" idx="6"/>
-            <a:endCxn id="6" idx="2"/>
-          </p:cNvCxnSpPr>
-          <p:nvPr/>
-        </p:nvCxnSpPr>
-        <p:spPr>
-          <a:xfrm>
-            <a:off x="1218215" y="5601973"/>
-            <a:ext cx="1123694" cy="0"/>
-          </a:xfrm>
-          <a:prstGeom prst="line">
-            <a:avLst/>
-          </a:prstGeom>
-          <a:ln w="12700">
-            <a:solidFill>
+                  </a14:m>
+                  <a:endParaRPr lang="fr-FR" sz="1200" dirty="0"/>
+                </a:p>
+              </p:txBody>
+            </p:sp>
+          </mc:Choice>
+          <mc:Fallback xmlns="">
+            <p:sp>
+              <p:nvSpPr>
+                <p:cNvPr id="16" name="ZoneTexte 15">
+                  <a:extLst>
+                    <a:ext uri="{FF2B5EF4-FFF2-40B4-BE49-F238E27FC236}">
+                      <a16:creationId xmlns:a16="http://schemas.microsoft.com/office/drawing/2014/main" id="{21456B8D-6F7E-4C22-ACEC-A0365EDAB279}"/>
+                    </a:ext>
+                  </a:extLst>
+                </p:cNvPr>
+                <p:cNvSpPr txBox="1">
+                  <a:spLocks noRot="1" noChangeAspect="1" noMove="1" noResize="1" noEditPoints="1" noAdjustHandles="1" noChangeArrowheads="1" noChangeShapeType="1" noTextEdit="1"/>
+                </p:cNvSpPr>
+                <p:nvPr/>
+              </p:nvSpPr>
+              <p:spPr>
+                <a:xfrm>
+                  <a:off x="1278962" y="5371140"/>
+                  <a:ext cx="1050440" cy="216697"/>
+                </a:xfrm>
+                <a:prstGeom prst="rect">
+                  <a:avLst/>
+                </a:prstGeom>
+                <a:blipFill>
+                  <a:blip r:embed="rId2"/>
+                  <a:stretch>
+                    <a:fillRect l="-455" t="-2222" b="-17778"/>
+                  </a:stretch>
+                </a:blipFill>
+              </p:spPr>
+              <p:txBody>
+                <a:bodyPr/>
+                <a:lstStyle/>
+                <a:p>
+                  <a:r>
+                    <a:rPr lang="fr-FR">
+                      <a:noFill/>
+                    </a:rPr>
+                    <a:t> </a:t>
+                  </a:r>
+                </a:p>
+              </p:txBody>
+            </p:sp>
+          </mc:Fallback>
+        </mc:AlternateContent>
+        <p:cxnSp>
+          <p:nvCxnSpPr>
+            <p:cNvPr id="15" name="Connecteur droit 14">
+              <a:extLst>
+                <a:ext uri="{FF2B5EF4-FFF2-40B4-BE49-F238E27FC236}">
+                  <a16:creationId xmlns:a16="http://schemas.microsoft.com/office/drawing/2014/main" id="{0C066E31-462A-49D7-96AF-39E2388CFF76}"/>
+                </a:ext>
+              </a:extLst>
+            </p:cNvPr>
+            <p:cNvCxnSpPr>
+              <a:stCxn id="5" idx="6"/>
+              <a:endCxn id="6" idx="2"/>
+            </p:cNvCxnSpPr>
+            <p:nvPr/>
+          </p:nvCxnSpPr>
+          <p:spPr>
+            <a:xfrm>
+              <a:off x="1218215" y="5601973"/>
+              <a:ext cx="1123694" cy="0"/>
+            </a:xfrm>
+            <a:prstGeom prst="line">
+              <a:avLst/>
+            </a:prstGeom>
+            <a:ln w="12700">
+              <a:solidFill>
+                <a:schemeClr val="tx1"/>
+              </a:solidFill>
+            </a:ln>
+          </p:spPr>
+          <p:style>
+            <a:lnRef idx="1">
+              <a:schemeClr val="accent1"/>
+            </a:lnRef>
+            <a:fillRef idx="0">
+              <a:schemeClr val="accent1"/>
+            </a:fillRef>
+            <a:effectRef idx="0">
+              <a:schemeClr val="accent1"/>
+            </a:effectRef>
+            <a:fontRef idx="minor">
               <a:schemeClr val="tx1"/>
-            </a:solidFill>
-          </a:ln>
-        </p:spPr>
-        <p:style>
-          <a:lnRef idx="1">
-            <a:schemeClr val="accent1"/>
-          </a:lnRef>
-          <a:fillRef idx="0">
-            <a:schemeClr val="accent1"/>
-          </a:fillRef>
-          <a:effectRef idx="0">
-            <a:schemeClr val="accent1"/>
-          </a:effectRef>
-          <a:fontRef idx="minor">
-            <a:schemeClr val="tx1"/>
-          </a:fontRef>
-        </p:style>
-      </p:cxnSp>
-      <p:cxnSp>
-        <p:nvCxnSpPr>
-          <p:cNvPr id="18" name="Connecteur droit 17">
-            <a:extLst>
-              <a:ext uri="{FF2B5EF4-FFF2-40B4-BE49-F238E27FC236}">
-                <a16:creationId xmlns:a16="http://schemas.microsoft.com/office/drawing/2014/main" id="{837BE77B-8F45-4F4A-91C0-2D03ACBC12C0}"/>
-              </a:ext>
-            </a:extLst>
-          </p:cNvPr>
-          <p:cNvCxnSpPr>
-            <a:cxnSpLocks/>
-            <a:stCxn id="7" idx="2"/>
-            <a:endCxn id="6" idx="6"/>
-          </p:cNvCxnSpPr>
-          <p:nvPr/>
-        </p:nvCxnSpPr>
-        <p:spPr>
-          <a:xfrm flipH="1">
-            <a:off x="2665909" y="5601973"/>
-            <a:ext cx="1123694" cy="0"/>
-          </a:xfrm>
-          <a:prstGeom prst="line">
-            <a:avLst/>
-          </a:prstGeom>
-          <a:ln w="12700">
-            <a:solidFill>
+            </a:fontRef>
+          </p:style>
+        </p:cxnSp>
+        <p:cxnSp>
+          <p:nvCxnSpPr>
+            <p:cNvPr id="18" name="Connecteur droit 17">
+              <a:extLst>
+                <a:ext uri="{FF2B5EF4-FFF2-40B4-BE49-F238E27FC236}">
+                  <a16:creationId xmlns:a16="http://schemas.microsoft.com/office/drawing/2014/main" id="{837BE77B-8F45-4F4A-91C0-2D03ACBC12C0}"/>
+                </a:ext>
+              </a:extLst>
+            </p:cNvPr>
+            <p:cNvCxnSpPr>
+              <a:cxnSpLocks/>
+              <a:stCxn id="7" idx="2"/>
+              <a:endCxn id="6" idx="6"/>
+            </p:cNvCxnSpPr>
+            <p:nvPr/>
+          </p:nvCxnSpPr>
+          <p:spPr>
+            <a:xfrm flipH="1">
+              <a:off x="2665909" y="5601973"/>
+              <a:ext cx="1123694" cy="0"/>
+            </a:xfrm>
+            <a:prstGeom prst="line">
+              <a:avLst/>
+            </a:prstGeom>
+            <a:ln w="12700">
+              <a:solidFill>
+                <a:schemeClr val="tx1"/>
+              </a:solidFill>
+            </a:ln>
+          </p:spPr>
+          <p:style>
+            <a:lnRef idx="1">
+              <a:schemeClr val="accent1"/>
+            </a:lnRef>
+            <a:fillRef idx="0">
+              <a:schemeClr val="accent1"/>
+            </a:fillRef>
+            <a:effectRef idx="0">
+              <a:schemeClr val="accent1"/>
+            </a:effectRef>
+            <a:fontRef idx="minor">
               <a:schemeClr val="tx1"/>
-            </a:solidFill>
-          </a:ln>
-        </p:spPr>
-        <p:style>
-          <a:lnRef idx="1">
-            <a:schemeClr val="accent1"/>
-          </a:lnRef>
-          <a:fillRef idx="0">
-            <a:schemeClr val="accent1"/>
-          </a:fillRef>
-          <a:effectRef idx="0">
-            <a:schemeClr val="accent1"/>
-          </a:effectRef>
-          <a:fontRef idx="minor">
-            <a:schemeClr val="tx1"/>
-          </a:fontRef>
-        </p:style>
-      </p:cxnSp>
-      <mc:AlternateContent xmlns:mc="http://schemas.openxmlformats.org/markup-compatibility/2006" xmlns:a14="http://schemas.microsoft.com/office/drawing/2010/main">
-        <mc:Choice Requires="a14">
-          <p:sp>
-            <p:nvSpPr>
-              <p:cNvPr id="21" name="ZoneTexte 20">
-                <a:extLst>
-                  <a:ext uri="{FF2B5EF4-FFF2-40B4-BE49-F238E27FC236}">
-                    <a16:creationId xmlns:a16="http://schemas.microsoft.com/office/drawing/2014/main" id="{60E536E7-6A01-4F51-8B5B-1BF1564F33B2}"/>
-                  </a:ext>
-                </a:extLst>
-              </p:cNvPr>
-              <p:cNvSpPr txBox="1"/>
-              <p:nvPr/>
-            </p:nvSpPr>
-            <p:spPr>
-              <a:xfrm>
-                <a:off x="2804682" y="5371139"/>
-                <a:ext cx="855875" cy="553421"/>
-              </a:xfrm>
-              <a:prstGeom prst="rect">
-                <a:avLst/>
-              </a:prstGeom>
-              <a:noFill/>
-            </p:spPr>
-            <p:txBody>
-              <a:bodyPr wrap="none" rtlCol="0">
-                <a:spAutoFit/>
-              </a:bodyPr>
-              <a:lstStyle/>
-              <a:p>
-                <a:pPr algn="ctr"/>
-                <a:r>
-                  <a:rPr lang="fr-FR" sz="1200" dirty="0"/>
-                  <a:t>Pivot d’axe</a:t>
-                </a:r>
-              </a:p>
-              <a:p>
-                <a:pPr algn="ctr"/>
-                <a14:m>
-                  <m:oMathPara xmlns:m="http://schemas.openxmlformats.org/officeDocument/2006/math">
-                    <m:oMathParaPr>
-                      <m:jc m:val="centerGroup"/>
-                    </m:oMathParaPr>
+            </a:fontRef>
+          </p:style>
+        </p:cxnSp>
+        <mc:AlternateContent xmlns:mc="http://schemas.openxmlformats.org/markup-compatibility/2006" xmlns:a14="http://schemas.microsoft.com/office/drawing/2010/main">
+          <mc:Choice Requires="a14">
+            <p:sp>
+              <p:nvSpPr>
+                <p:cNvPr id="21" name="ZoneTexte 20">
+                  <a:extLst>
+                    <a:ext uri="{FF2B5EF4-FFF2-40B4-BE49-F238E27FC236}">
+                      <a16:creationId xmlns:a16="http://schemas.microsoft.com/office/drawing/2014/main" id="{60E536E7-6A01-4F51-8B5B-1BF1564F33B2}"/>
+                    </a:ext>
+                  </a:extLst>
+                </p:cNvPr>
+                <p:cNvSpPr txBox="1"/>
+                <p:nvPr/>
+              </p:nvSpPr>
+              <p:spPr>
+                <a:xfrm>
+                  <a:off x="2665191" y="5371139"/>
+                  <a:ext cx="1107804" cy="288478"/>
+                </a:xfrm>
+                <a:prstGeom prst="rect">
+                  <a:avLst/>
+                </a:prstGeom>
+                <a:noFill/>
+              </p:spPr>
+              <p:txBody>
+                <a:bodyPr wrap="square" rtlCol="0">
+                  <a:spAutoFit/>
+                </a:bodyPr>
+                <a:lstStyle/>
+                <a:p>
+                  <a:pPr algn="ctr"/>
+                  <a:r>
+                    <a:rPr lang="fr-FR" sz="1200" dirty="0"/>
+                    <a:t>Pivot d’axe </a:t>
+                  </a:r>
+                  <a14:m>
                     <m:oMath xmlns:m="http://schemas.openxmlformats.org/officeDocument/2006/math">
                       <m:d>
                         <m:dPr>
@@ -8107,771 +8080,756 @@
                         </m:e>
                       </m:d>
                     </m:oMath>
-                  </m:oMathPara>
-                </a14:m>
-                <a:endParaRPr lang="fr-FR" sz="1200" dirty="0"/>
-              </a:p>
-            </p:txBody>
-          </p:sp>
-        </mc:Choice>
-        <mc:Fallback xmlns="">
-          <p:sp>
-            <p:nvSpPr>
-              <p:cNvPr id="21" name="ZoneTexte 20">
-                <a:extLst>
-                  <a:ext uri="{FF2B5EF4-FFF2-40B4-BE49-F238E27FC236}">
-                    <a16:creationId xmlns:a16="http://schemas.microsoft.com/office/drawing/2014/main" id="{60E536E7-6A01-4F51-8B5B-1BF1564F33B2}"/>
-                  </a:ext>
-                </a:extLst>
-              </p:cNvPr>
-              <p:cNvSpPr txBox="1">
-                <a:spLocks noRot="1" noChangeAspect="1" noMove="1" noResize="1" noEditPoints="1" noAdjustHandles="1" noChangeArrowheads="1" noChangeShapeType="1" noTextEdit="1"/>
-              </p:cNvSpPr>
-              <p:nvPr/>
-            </p:nvSpPr>
-            <p:spPr>
-              <a:xfrm>
-                <a:off x="2804682" y="5371139"/>
-                <a:ext cx="855875" cy="553421"/>
-              </a:xfrm>
-              <a:prstGeom prst="rect">
-                <a:avLst/>
-              </a:prstGeom>
-              <a:blipFill>
-                <a:blip r:embed="rId4"/>
-                <a:stretch>
-                  <a:fillRect/>
-                </a:stretch>
-              </a:blipFill>
-            </p:spPr>
-            <p:txBody>
-              <a:bodyPr/>
-              <a:lstStyle/>
-              <a:p>
-                <a:r>
-                  <a:rPr lang="fr-FR">
-                    <a:noFill/>
-                  </a:rPr>
-                  <a:t> </a:t>
-                </a:r>
-              </a:p>
-            </p:txBody>
-          </p:sp>
-        </mc:Fallback>
-      </mc:AlternateContent>
-      <p:cxnSp>
-        <p:nvCxnSpPr>
-          <p:cNvPr id="22" name="Connecteur droit 21">
-            <a:extLst>
-              <a:ext uri="{FF2B5EF4-FFF2-40B4-BE49-F238E27FC236}">
-                <a16:creationId xmlns:a16="http://schemas.microsoft.com/office/drawing/2014/main" id="{F4829A6C-3F01-41F5-A853-9074B6CA6678}"/>
-              </a:ext>
-            </a:extLst>
-          </p:cNvPr>
-          <p:cNvCxnSpPr>
-            <a:cxnSpLocks/>
-            <a:endCxn id="9" idx="2"/>
-          </p:cNvCxnSpPr>
-          <p:nvPr/>
-        </p:nvCxnSpPr>
-        <p:spPr>
-          <a:xfrm>
-            <a:off x="4113603" y="5601973"/>
-            <a:ext cx="1123694" cy="0"/>
-          </a:xfrm>
-          <a:prstGeom prst="line">
-            <a:avLst/>
-          </a:prstGeom>
-          <a:ln w="12700">
+                  </a14:m>
+                  <a:endParaRPr lang="fr-FR" sz="1200" dirty="0"/>
+                </a:p>
+              </p:txBody>
+            </p:sp>
+          </mc:Choice>
+          <mc:Fallback xmlns="">
+            <p:sp>
+              <p:nvSpPr>
+                <p:cNvPr id="21" name="ZoneTexte 20">
+                  <a:extLst>
+                    <a:ext uri="{FF2B5EF4-FFF2-40B4-BE49-F238E27FC236}">
+                      <a16:creationId xmlns:a16="http://schemas.microsoft.com/office/drawing/2014/main" id="{60E536E7-6A01-4F51-8B5B-1BF1564F33B2}"/>
+                    </a:ext>
+                  </a:extLst>
+                </p:cNvPr>
+                <p:cNvSpPr txBox="1">
+                  <a:spLocks noRot="1" noChangeAspect="1" noMove="1" noResize="1" noEditPoints="1" noAdjustHandles="1" noChangeArrowheads="1" noChangeShapeType="1" noTextEdit="1"/>
+                </p:cNvSpPr>
+                <p:nvPr/>
+              </p:nvSpPr>
+              <p:spPr>
+                <a:xfrm>
+                  <a:off x="2665191" y="5371139"/>
+                  <a:ext cx="1107804" cy="288478"/>
+                </a:xfrm>
+                <a:prstGeom prst="rect">
+                  <a:avLst/>
+                </a:prstGeom>
+                <a:blipFill>
+                  <a:blip r:embed="rId3"/>
+                  <a:stretch>
+                    <a:fillRect b="-1667"/>
+                  </a:stretch>
+                </a:blipFill>
+              </p:spPr>
+              <p:txBody>
+                <a:bodyPr/>
+                <a:lstStyle/>
+                <a:p>
+                  <a:r>
+                    <a:rPr lang="fr-FR">
+                      <a:noFill/>
+                    </a:rPr>
+                    <a:t> </a:t>
+                  </a:r>
+                </a:p>
+              </p:txBody>
+            </p:sp>
+          </mc:Fallback>
+        </mc:AlternateContent>
+        <p:cxnSp>
+          <p:nvCxnSpPr>
+            <p:cNvPr id="22" name="Connecteur droit 21">
+              <a:extLst>
+                <a:ext uri="{FF2B5EF4-FFF2-40B4-BE49-F238E27FC236}">
+                  <a16:creationId xmlns:a16="http://schemas.microsoft.com/office/drawing/2014/main" id="{F4829A6C-3F01-41F5-A853-9074B6CA6678}"/>
+                </a:ext>
+              </a:extLst>
+            </p:cNvPr>
+            <p:cNvCxnSpPr>
+              <a:cxnSpLocks/>
+              <a:endCxn id="9" idx="2"/>
+            </p:cNvCxnSpPr>
+            <p:nvPr/>
+          </p:nvCxnSpPr>
+          <p:spPr>
+            <a:xfrm>
+              <a:off x="4113603" y="5601973"/>
+              <a:ext cx="1123694" cy="0"/>
+            </a:xfrm>
+            <a:prstGeom prst="line">
+              <a:avLst/>
+            </a:prstGeom>
+            <a:ln w="12700">
+              <a:solidFill>
+                <a:schemeClr val="tx1"/>
+              </a:solidFill>
+            </a:ln>
+          </p:spPr>
+          <p:style>
+            <a:lnRef idx="1">
+              <a:schemeClr val="accent1"/>
+            </a:lnRef>
+            <a:fillRef idx="0">
+              <a:schemeClr val="accent1"/>
+            </a:fillRef>
+            <a:effectRef idx="0">
+              <a:schemeClr val="accent1"/>
+            </a:effectRef>
+            <a:fontRef idx="minor">
+              <a:schemeClr val="tx1"/>
+            </a:fontRef>
+          </p:style>
+        </p:cxnSp>
+        <mc:AlternateContent xmlns:mc="http://schemas.openxmlformats.org/markup-compatibility/2006" xmlns:a14="http://schemas.microsoft.com/office/drawing/2010/main">
+          <mc:Choice Requires="a14">
+            <p:sp>
+              <p:nvSpPr>
+                <p:cNvPr id="26" name="ZoneTexte 25">
+                  <a:extLst>
+                    <a:ext uri="{FF2B5EF4-FFF2-40B4-BE49-F238E27FC236}">
+                      <a16:creationId xmlns:a16="http://schemas.microsoft.com/office/drawing/2014/main" id="{41C8C79F-8AD6-490A-A9A3-6BD406A7C2AE}"/>
+                    </a:ext>
+                  </a:extLst>
+                </p:cNvPr>
+                <p:cNvSpPr txBox="1"/>
+                <p:nvPr/>
+              </p:nvSpPr>
+              <p:spPr>
+                <a:xfrm>
+                  <a:off x="4226310" y="5434724"/>
+                  <a:ext cx="961786" cy="461665"/>
+                </a:xfrm>
+                <a:prstGeom prst="rect">
+                  <a:avLst/>
+                </a:prstGeom>
+                <a:noFill/>
+              </p:spPr>
+              <p:txBody>
+                <a:bodyPr wrap="square" rtlCol="0">
+                  <a:spAutoFit/>
+                </a:bodyPr>
+                <a:lstStyle/>
+                <a:p>
+                  <a:pPr algn="ctr"/>
+                  <a:r>
+                    <a:rPr lang="fr-FR" sz="1200" dirty="0"/>
+                    <a:t>Glissière direction </a:t>
+                  </a:r>
+                  <a14:m>
+                    <m:oMath xmlns:m="http://schemas.openxmlformats.org/officeDocument/2006/math">
+                      <m:acc>
+                        <m:accPr>
+                          <m:chr m:val="⃗"/>
+                          <m:ctrlPr>
+                            <a:rPr lang="fr-FR" sz="1200" i="1">
+                              <a:latin typeface="Cambria Math" panose="02040503050406030204" pitchFamily="18" charset="0"/>
+                            </a:rPr>
+                          </m:ctrlPr>
+                        </m:accPr>
+                        <m:e>
+                          <m:sSub>
+                            <m:sSubPr>
+                              <m:ctrlPr>
+                                <a:rPr lang="fr-FR" sz="1200" b="0" i="1" smtClean="0">
+                                  <a:latin typeface="Cambria Math" panose="02040503050406030204" pitchFamily="18" charset="0"/>
+                                </a:rPr>
+                              </m:ctrlPr>
+                            </m:sSubPr>
+                            <m:e>
+                              <m:r>
+                                <a:rPr lang="fr-FR" sz="1200" b="0" i="1" smtClean="0">
+                                  <a:latin typeface="Cambria Math" panose="02040503050406030204" pitchFamily="18" charset="0"/>
+                                </a:rPr>
+                                <m:t>𝑧</m:t>
+                              </m:r>
+                            </m:e>
+                            <m:sub>
+                              <m:r>
+                                <a:rPr lang="fr-FR" sz="1200" b="0" i="1" smtClean="0">
+                                  <a:latin typeface="Cambria Math" panose="02040503050406030204" pitchFamily="18" charset="0"/>
+                                </a:rPr>
+                                <m:t>4</m:t>
+                              </m:r>
+                            </m:sub>
+                          </m:sSub>
+                        </m:e>
+                      </m:acc>
+                    </m:oMath>
+                  </a14:m>
+                  <a:endParaRPr lang="fr-FR" sz="1200" dirty="0"/>
+                </a:p>
+              </p:txBody>
+            </p:sp>
+          </mc:Choice>
+          <mc:Fallback xmlns="">
+            <p:sp>
+              <p:nvSpPr>
+                <p:cNvPr id="26" name="ZoneTexte 25">
+                  <a:extLst>
+                    <a:ext uri="{FF2B5EF4-FFF2-40B4-BE49-F238E27FC236}">
+                      <a16:creationId xmlns:a16="http://schemas.microsoft.com/office/drawing/2014/main" id="{41C8C79F-8AD6-490A-A9A3-6BD406A7C2AE}"/>
+                    </a:ext>
+                  </a:extLst>
+                </p:cNvPr>
+                <p:cNvSpPr txBox="1">
+                  <a:spLocks noRot="1" noChangeAspect="1" noMove="1" noResize="1" noEditPoints="1" noAdjustHandles="1" noChangeArrowheads="1" noChangeShapeType="1" noTextEdit="1"/>
+                </p:cNvSpPr>
+                <p:nvPr/>
+              </p:nvSpPr>
+              <p:spPr>
+                <a:xfrm>
+                  <a:off x="4226310" y="5434724"/>
+                  <a:ext cx="961786" cy="461665"/>
+                </a:xfrm>
+                <a:prstGeom prst="rect">
+                  <a:avLst/>
+                </a:prstGeom>
+                <a:blipFill>
+                  <a:blip r:embed="rId4"/>
+                  <a:stretch>
+                    <a:fillRect/>
+                  </a:stretch>
+                </a:blipFill>
+              </p:spPr>
+              <p:txBody>
+                <a:bodyPr/>
+                <a:lstStyle/>
+                <a:p>
+                  <a:r>
+                    <a:rPr lang="fr-FR">
+                      <a:noFill/>
+                    </a:rPr>
+                    <a:t> </a:t>
+                  </a:r>
+                </a:p>
+              </p:txBody>
+            </p:sp>
+          </mc:Fallback>
+        </mc:AlternateContent>
+        <p:cxnSp>
+          <p:nvCxnSpPr>
+            <p:cNvPr id="27" name="Connecteur droit 26">
+              <a:extLst>
+                <a:ext uri="{FF2B5EF4-FFF2-40B4-BE49-F238E27FC236}">
+                  <a16:creationId xmlns:a16="http://schemas.microsoft.com/office/drawing/2014/main" id="{76B15993-5F29-4C84-A670-2438D425A777}"/>
+                </a:ext>
+              </a:extLst>
+            </p:cNvPr>
+            <p:cNvCxnSpPr>
+              <a:cxnSpLocks/>
+              <a:stCxn id="10" idx="2"/>
+              <a:endCxn id="9" idx="6"/>
+            </p:cNvCxnSpPr>
+            <p:nvPr/>
+          </p:nvCxnSpPr>
+          <p:spPr>
+            <a:xfrm flipH="1">
+              <a:off x="5561297" y="5601971"/>
+              <a:ext cx="1117756" cy="2"/>
+            </a:xfrm>
+            <a:prstGeom prst="line">
+              <a:avLst/>
+            </a:prstGeom>
+            <a:ln w="12700">
+              <a:solidFill>
+                <a:schemeClr val="tx1"/>
+              </a:solidFill>
+            </a:ln>
+          </p:spPr>
+          <p:style>
+            <a:lnRef idx="1">
+              <a:schemeClr val="accent1"/>
+            </a:lnRef>
+            <a:fillRef idx="0">
+              <a:schemeClr val="accent1"/>
+            </a:fillRef>
+            <a:effectRef idx="0">
+              <a:schemeClr val="accent1"/>
+            </a:effectRef>
+            <a:fontRef idx="minor">
+              <a:schemeClr val="tx1"/>
+            </a:fontRef>
+          </p:style>
+        </p:cxnSp>
+        <mc:AlternateContent xmlns:mc="http://schemas.openxmlformats.org/markup-compatibility/2006" xmlns:a14="http://schemas.microsoft.com/office/drawing/2010/main">
+          <mc:Choice Requires="a14">
+            <p:sp>
+              <p:nvSpPr>
+                <p:cNvPr id="28" name="ZoneTexte 27">
+                  <a:extLst>
+                    <a:ext uri="{FF2B5EF4-FFF2-40B4-BE49-F238E27FC236}">
+                      <a16:creationId xmlns:a16="http://schemas.microsoft.com/office/drawing/2014/main" id="{CDDE52B0-A1E2-4C16-A0F2-BEBDB9794F74}"/>
+                    </a:ext>
+                  </a:extLst>
+                </p:cNvPr>
+                <p:cNvSpPr txBox="1"/>
+                <p:nvPr/>
+              </p:nvSpPr>
+              <p:spPr>
+                <a:xfrm>
+                  <a:off x="5568071" y="5426775"/>
+                  <a:ext cx="1120104" cy="361162"/>
+                </a:xfrm>
+                <a:prstGeom prst="rect">
+                  <a:avLst/>
+                </a:prstGeom>
+                <a:noFill/>
+              </p:spPr>
+              <p:txBody>
+                <a:bodyPr wrap="none" rtlCol="0">
+                  <a:spAutoFit/>
+                </a:bodyPr>
+                <a:lstStyle/>
+                <a:p>
+                  <a:pPr algn="ctr"/>
+                  <a:r>
+                    <a:rPr lang="fr-FR" sz="1200" dirty="0"/>
+                    <a:t>Pivot d’axe </a:t>
+                  </a:r>
+                  <a14:m>
+                    <m:oMath xmlns:m="http://schemas.openxmlformats.org/officeDocument/2006/math">
+                      <m:d>
+                        <m:dPr>
+                          <m:ctrlPr>
+                            <a:rPr lang="fr-FR" sz="1200" i="1" smtClean="0">
+                              <a:latin typeface="Cambria Math" panose="02040503050406030204" pitchFamily="18" charset="0"/>
+                            </a:rPr>
+                          </m:ctrlPr>
+                        </m:dPr>
+                        <m:e>
+                          <m:r>
+                            <a:rPr lang="fr-FR" sz="1200" b="0" i="1" smtClean="0">
+                              <a:latin typeface="Cambria Math" panose="02040503050406030204" pitchFamily="18" charset="0"/>
+                            </a:rPr>
+                            <m:t>𝐶</m:t>
+                          </m:r>
+                          <m:r>
+                            <a:rPr lang="fr-FR" sz="1200" b="0" i="1" smtClean="0">
+                              <a:latin typeface="Cambria Math" panose="02040503050406030204" pitchFamily="18" charset="0"/>
+                            </a:rPr>
+                            <m:t>,</m:t>
+                          </m:r>
+                          <m:acc>
+                            <m:accPr>
+                              <m:chr m:val="⃗"/>
+                              <m:ctrlPr>
+                                <a:rPr lang="fr-FR" sz="1200" b="0" i="1" smtClean="0">
+                                  <a:latin typeface="Cambria Math" panose="02040503050406030204" pitchFamily="18" charset="0"/>
+                                </a:rPr>
+                              </m:ctrlPr>
+                            </m:accPr>
+                            <m:e>
+                              <m:sSub>
+                                <m:sSubPr>
+                                  <m:ctrlPr>
+                                    <a:rPr lang="fr-FR" sz="1200" b="0" i="1" smtClean="0">
+                                      <a:latin typeface="Cambria Math" panose="02040503050406030204" pitchFamily="18" charset="0"/>
+                                    </a:rPr>
+                                  </m:ctrlPr>
+                                </m:sSubPr>
+                                <m:e>
+                                  <m:r>
+                                    <a:rPr lang="fr-FR" sz="1200" b="0" i="1" smtClean="0">
+                                      <a:latin typeface="Cambria Math" panose="02040503050406030204" pitchFamily="18" charset="0"/>
+                                    </a:rPr>
+                                    <m:t>𝑧</m:t>
+                                  </m:r>
+                                </m:e>
+                                <m:sub>
+                                  <m:r>
+                                    <a:rPr lang="fr-FR" sz="1200" b="0" i="1" smtClean="0">
+                                      <a:latin typeface="Cambria Math" panose="02040503050406030204" pitchFamily="18" charset="0"/>
+                                    </a:rPr>
+                                    <m:t>4</m:t>
+                                  </m:r>
+                                </m:sub>
+                              </m:sSub>
+                            </m:e>
+                          </m:acc>
+                        </m:e>
+                      </m:d>
+                    </m:oMath>
+                  </a14:m>
+                  <a:endParaRPr lang="fr-FR" sz="1200" dirty="0"/>
+                </a:p>
+                <a:p>
+                  <a:pPr algn="ctr"/>
+                  <a:r>
+                    <a:rPr lang="fr-FR" sz="1200" b="1" i="1" dirty="0"/>
+                    <a:t>Supposée immobile</a:t>
+                  </a:r>
+                </a:p>
+              </p:txBody>
+            </p:sp>
+          </mc:Choice>
+          <mc:Fallback xmlns="">
+            <p:sp>
+              <p:nvSpPr>
+                <p:cNvPr id="28" name="ZoneTexte 27">
+                  <a:extLst>
+                    <a:ext uri="{FF2B5EF4-FFF2-40B4-BE49-F238E27FC236}">
+                      <a16:creationId xmlns:a16="http://schemas.microsoft.com/office/drawing/2014/main" id="{CDDE52B0-A1E2-4C16-A0F2-BEBDB9794F74}"/>
+                    </a:ext>
+                  </a:extLst>
+                </p:cNvPr>
+                <p:cNvSpPr txBox="1">
+                  <a:spLocks noRot="1" noChangeAspect="1" noMove="1" noResize="1" noEditPoints="1" noAdjustHandles="1" noChangeArrowheads="1" noChangeShapeType="1" noTextEdit="1"/>
+                </p:cNvSpPr>
+                <p:nvPr/>
+              </p:nvSpPr>
+              <p:spPr>
+                <a:xfrm>
+                  <a:off x="5568071" y="5426775"/>
+                  <a:ext cx="1120104" cy="361162"/>
+                </a:xfrm>
+                <a:prstGeom prst="rect">
+                  <a:avLst/>
+                </a:prstGeom>
+                <a:blipFill>
+                  <a:blip r:embed="rId5"/>
+                  <a:stretch>
+                    <a:fillRect t="-1333" b="-10667"/>
+                  </a:stretch>
+                </a:blipFill>
+              </p:spPr>
+              <p:txBody>
+                <a:bodyPr/>
+                <a:lstStyle/>
+                <a:p>
+                  <a:r>
+                    <a:rPr lang="fr-FR">
+                      <a:noFill/>
+                    </a:rPr>
+                    <a:t> </a:t>
+                  </a:r>
+                </a:p>
+              </p:txBody>
+            </p:sp>
+          </mc:Fallback>
+        </mc:AlternateContent>
+        <p:cxnSp>
+          <p:nvCxnSpPr>
+            <p:cNvPr id="31" name="Connecteur droit 30">
+              <a:extLst>
+                <a:ext uri="{FF2B5EF4-FFF2-40B4-BE49-F238E27FC236}">
+                  <a16:creationId xmlns:a16="http://schemas.microsoft.com/office/drawing/2014/main" id="{83FBDDD9-A59F-4FF7-B1B3-A9518FD14DA6}"/>
+                </a:ext>
+              </a:extLst>
+            </p:cNvPr>
+            <p:cNvCxnSpPr>
+              <a:cxnSpLocks/>
+            </p:cNvCxnSpPr>
+            <p:nvPr/>
+          </p:nvCxnSpPr>
+          <p:spPr>
+            <a:xfrm>
+              <a:off x="1052308" y="5599023"/>
+              <a:ext cx="727753" cy="784913"/>
+            </a:xfrm>
+            <a:prstGeom prst="line">
+              <a:avLst/>
+            </a:prstGeom>
+            <a:ln w="12700">
+              <a:solidFill>
+                <a:schemeClr val="tx1"/>
+              </a:solidFill>
+            </a:ln>
+          </p:spPr>
+          <p:style>
+            <a:lnRef idx="1">
+              <a:schemeClr val="accent1"/>
+            </a:lnRef>
+            <a:fillRef idx="0">
+              <a:schemeClr val="accent1"/>
+            </a:fillRef>
+            <a:effectRef idx="0">
+              <a:schemeClr val="accent1"/>
+            </a:effectRef>
+            <a:fontRef idx="minor">
+              <a:schemeClr val="tx1"/>
+            </a:fontRef>
+          </p:style>
+        </p:cxnSp>
+        <p:sp>
+          <p:nvSpPr>
+            <p:cNvPr id="5" name="Ellipse 4">
+              <a:extLst>
+                <a:ext uri="{FF2B5EF4-FFF2-40B4-BE49-F238E27FC236}">
+                  <a16:creationId xmlns:a16="http://schemas.microsoft.com/office/drawing/2014/main" id="{2F7BE2A7-3940-4B77-8761-8AD9C7BD3779}"/>
+                </a:ext>
+              </a:extLst>
+            </p:cNvPr>
+            <p:cNvSpPr/>
+            <p:nvPr/>
+          </p:nvSpPr>
+          <p:spPr>
+            <a:xfrm>
+              <a:off x="894215" y="5439973"/>
+              <a:ext cx="324000" cy="324000"/>
+            </a:xfrm>
+            <a:prstGeom prst="ellipse">
+              <a:avLst/>
+            </a:prstGeom>
             <a:solidFill>
-              <a:schemeClr val="tx1"/>
+              <a:schemeClr val="bg1"/>
             </a:solidFill>
-          </a:ln>
-        </p:spPr>
-        <p:style>
-          <a:lnRef idx="1">
-            <a:schemeClr val="accent1"/>
-          </a:lnRef>
-          <a:fillRef idx="0">
-            <a:schemeClr val="accent1"/>
-          </a:fillRef>
-          <a:effectRef idx="0">
-            <a:schemeClr val="accent1"/>
-          </a:effectRef>
-          <a:fontRef idx="minor">
-            <a:schemeClr val="tx1"/>
-          </a:fontRef>
-        </p:style>
-      </p:cxnSp>
-      <mc:AlternateContent xmlns:mc="http://schemas.openxmlformats.org/markup-compatibility/2006" xmlns:a14="http://schemas.microsoft.com/office/drawing/2010/main">
-        <mc:Choice Requires="a14">
-          <p:sp>
-            <p:nvSpPr>
-              <p:cNvPr id="26" name="ZoneTexte 25">
-                <a:extLst>
-                  <a:ext uri="{FF2B5EF4-FFF2-40B4-BE49-F238E27FC236}">
-                    <a16:creationId xmlns:a16="http://schemas.microsoft.com/office/drawing/2014/main" id="{41C8C79F-8AD6-490A-A9A3-6BD406A7C2AE}"/>
-                  </a:ext>
-                </a:extLst>
-              </p:cNvPr>
-              <p:cNvSpPr txBox="1"/>
-              <p:nvPr/>
-            </p:nvSpPr>
-            <p:spPr>
-              <a:xfrm>
-                <a:off x="4226310" y="5371139"/>
-                <a:ext cx="961786" cy="461665"/>
-              </a:xfrm>
-              <a:prstGeom prst="rect">
-                <a:avLst/>
-              </a:prstGeom>
-              <a:noFill/>
-            </p:spPr>
-            <p:txBody>
-              <a:bodyPr wrap="square" rtlCol="0">
-                <a:spAutoFit/>
-              </a:bodyPr>
-              <a:lstStyle/>
-              <a:p>
-                <a:pPr algn="ctr"/>
-                <a:r>
-                  <a:rPr lang="fr-FR" sz="1200" dirty="0"/>
-                  <a:t>Glissière direction </a:t>
-                </a:r>
-                <a14:m>
-                  <m:oMath xmlns:m="http://schemas.openxmlformats.org/officeDocument/2006/math">
-                    <m:acc>
-                      <m:accPr>
-                        <m:chr m:val="⃗"/>
-                        <m:ctrlPr>
-                          <a:rPr lang="fr-FR" sz="1200" i="1">
-                            <a:latin typeface="Cambria Math" panose="02040503050406030204" pitchFamily="18" charset="0"/>
-                          </a:rPr>
-                        </m:ctrlPr>
-                      </m:accPr>
-                      <m:e>
-                        <m:sSub>
-                          <m:sSubPr>
-                            <m:ctrlPr>
-                              <a:rPr lang="fr-FR" sz="1200" b="0" i="1" smtClean="0">
-                                <a:latin typeface="Cambria Math" panose="02040503050406030204" pitchFamily="18" charset="0"/>
-                              </a:rPr>
-                            </m:ctrlPr>
-                          </m:sSubPr>
-                          <m:e>
-                            <m:r>
-                              <a:rPr lang="fr-FR" sz="1200" b="0" i="1" smtClean="0">
-                                <a:latin typeface="Cambria Math" panose="02040503050406030204" pitchFamily="18" charset="0"/>
-                              </a:rPr>
-                              <m:t>𝑧</m:t>
-                            </m:r>
-                          </m:e>
-                          <m:sub>
-                            <m:r>
-                              <a:rPr lang="fr-FR" sz="1200" b="0" i="1" smtClean="0">
-                                <a:latin typeface="Cambria Math" panose="02040503050406030204" pitchFamily="18" charset="0"/>
-                              </a:rPr>
-                              <m:t>4</m:t>
-                            </m:r>
-                          </m:sub>
-                        </m:sSub>
-                      </m:e>
-                    </m:acc>
-                  </m:oMath>
-                </a14:m>
-                <a:endParaRPr lang="fr-FR" sz="1200" dirty="0"/>
-              </a:p>
-            </p:txBody>
-          </p:sp>
-        </mc:Choice>
-        <mc:Fallback xmlns="">
-          <p:sp>
-            <p:nvSpPr>
-              <p:cNvPr id="26" name="ZoneTexte 25">
-                <a:extLst>
-                  <a:ext uri="{FF2B5EF4-FFF2-40B4-BE49-F238E27FC236}">
-                    <a16:creationId xmlns:a16="http://schemas.microsoft.com/office/drawing/2014/main" id="{41C8C79F-8AD6-490A-A9A3-6BD406A7C2AE}"/>
-                  </a:ext>
-                </a:extLst>
-              </p:cNvPr>
-              <p:cNvSpPr txBox="1">
-                <a:spLocks noRot="1" noChangeAspect="1" noMove="1" noResize="1" noEditPoints="1" noAdjustHandles="1" noChangeArrowheads="1" noChangeShapeType="1" noTextEdit="1"/>
-              </p:cNvSpPr>
-              <p:nvPr/>
-            </p:nvSpPr>
-            <p:spPr>
-              <a:xfrm>
-                <a:off x="4226310" y="5371139"/>
-                <a:ext cx="961786" cy="461665"/>
-              </a:xfrm>
-              <a:prstGeom prst="rect">
-                <a:avLst/>
-              </a:prstGeom>
-              <a:blipFill>
-                <a:blip r:embed="rId5"/>
-                <a:stretch>
-                  <a:fillRect b="-9211"/>
-                </a:stretch>
-              </a:blipFill>
-            </p:spPr>
-            <p:txBody>
-              <a:bodyPr/>
-              <a:lstStyle/>
-              <a:p>
-                <a:r>
-                  <a:rPr lang="fr-FR">
-                    <a:noFill/>
-                  </a:rPr>
-                  <a:t> </a:t>
-                </a:r>
-              </a:p>
-            </p:txBody>
-          </p:sp>
-        </mc:Fallback>
-      </mc:AlternateContent>
-      <p:cxnSp>
-        <p:nvCxnSpPr>
-          <p:cNvPr id="27" name="Connecteur droit 26">
-            <a:extLst>
-              <a:ext uri="{FF2B5EF4-FFF2-40B4-BE49-F238E27FC236}">
-                <a16:creationId xmlns:a16="http://schemas.microsoft.com/office/drawing/2014/main" id="{76B15993-5F29-4C84-A670-2438D425A777}"/>
-              </a:ext>
-            </a:extLst>
-          </p:cNvPr>
-          <p:cNvCxnSpPr>
-            <a:cxnSpLocks/>
-            <a:stCxn id="10" idx="2"/>
-            <a:endCxn id="9" idx="6"/>
-          </p:cNvCxnSpPr>
-          <p:nvPr/>
-        </p:nvCxnSpPr>
-        <p:spPr>
-          <a:xfrm flipH="1">
-            <a:off x="5561297" y="5601971"/>
-            <a:ext cx="1117756" cy="2"/>
-          </a:xfrm>
-          <a:prstGeom prst="line">
-            <a:avLst/>
-          </a:prstGeom>
-          <a:ln w="12700">
+            <a:ln w="19050">
+              <a:solidFill>
+                <a:schemeClr val="tx1"/>
+              </a:solidFill>
+            </a:ln>
+          </p:spPr>
+          <p:style>
+            <a:lnRef idx="2">
+              <a:schemeClr val="accent1">
+                <a:shade val="50000"/>
+              </a:schemeClr>
+            </a:lnRef>
+            <a:fillRef idx="1">
+              <a:schemeClr val="accent1"/>
+            </a:fillRef>
+            <a:effectRef idx="0">
+              <a:schemeClr val="accent1"/>
+            </a:effectRef>
+            <a:fontRef idx="minor">
+              <a:schemeClr val="lt1"/>
+            </a:fontRef>
+          </p:style>
+          <p:txBody>
+            <a:bodyPr lIns="36000" tIns="36000" rIns="36000" bIns="36000" rtlCol="0" anchor="ctr"/>
+            <a:lstStyle/>
+            <a:p>
+              <a:pPr algn="ctr"/>
+              <a:r>
+                <a:rPr lang="fr-FR" sz="1400" b="1" dirty="0">
+                  <a:solidFill>
+                    <a:sysClr val="windowText" lastClr="000000"/>
+                  </a:solidFill>
+                </a:rPr>
+                <a:t>1</a:t>
+              </a:r>
+            </a:p>
+          </p:txBody>
+        </p:sp>
+        <p:sp>
+          <p:nvSpPr>
+            <p:cNvPr id="9" name="Ellipse 8">
+              <a:extLst>
+                <a:ext uri="{FF2B5EF4-FFF2-40B4-BE49-F238E27FC236}">
+                  <a16:creationId xmlns:a16="http://schemas.microsoft.com/office/drawing/2014/main" id="{453D084C-33F0-47EF-A359-2C5E57686052}"/>
+                </a:ext>
+              </a:extLst>
+            </p:cNvPr>
+            <p:cNvSpPr/>
+            <p:nvPr/>
+          </p:nvSpPr>
+          <p:spPr>
+            <a:xfrm>
+              <a:off x="5237297" y="5439973"/>
+              <a:ext cx="324000" cy="324000"/>
+            </a:xfrm>
+            <a:prstGeom prst="ellipse">
+              <a:avLst/>
+            </a:prstGeom>
             <a:solidFill>
-              <a:schemeClr val="tx1"/>
+              <a:schemeClr val="bg1"/>
             </a:solidFill>
-          </a:ln>
-        </p:spPr>
-        <p:style>
-          <a:lnRef idx="1">
-            <a:schemeClr val="accent1"/>
-          </a:lnRef>
-          <a:fillRef idx="0">
-            <a:schemeClr val="accent1"/>
-          </a:fillRef>
-          <a:effectRef idx="0">
-            <a:schemeClr val="accent1"/>
-          </a:effectRef>
-          <a:fontRef idx="minor">
-            <a:schemeClr val="tx1"/>
-          </a:fontRef>
-        </p:style>
-      </p:cxnSp>
-      <mc:AlternateContent xmlns:mc="http://schemas.openxmlformats.org/markup-compatibility/2006">
-        <mc:Choice xmlns:a14="http://schemas.microsoft.com/office/drawing/2010/main" Requires="a14">
-          <p:sp>
-            <p:nvSpPr>
-              <p:cNvPr id="28" name="ZoneTexte 27">
-                <a:extLst>
-                  <a:ext uri="{FF2B5EF4-FFF2-40B4-BE49-F238E27FC236}">
-                    <a16:creationId xmlns:a16="http://schemas.microsoft.com/office/drawing/2014/main" id="{CDDE52B0-A1E2-4C16-A0F2-BEBDB9794F74}"/>
-                  </a:ext>
-                </a:extLst>
-              </p:cNvPr>
-              <p:cNvSpPr txBox="1"/>
-              <p:nvPr/>
-            </p:nvSpPr>
-            <p:spPr>
-              <a:xfrm>
-                <a:off x="5404273" y="5371139"/>
-                <a:ext cx="1431803" cy="646331"/>
-              </a:xfrm>
-              <a:prstGeom prst="rect">
-                <a:avLst/>
-              </a:prstGeom>
-              <a:noFill/>
-            </p:spPr>
-            <p:txBody>
-              <a:bodyPr wrap="none" rtlCol="0">
-                <a:spAutoFit/>
-              </a:bodyPr>
-              <a:lstStyle/>
-              <a:p>
-                <a:pPr algn="ctr"/>
-                <a:r>
-                  <a:rPr lang="fr-FR" sz="1200" dirty="0"/>
-                  <a:t>Pivot</a:t>
-                </a:r>
-              </a:p>
-              <a:p>
-                <a:pPr algn="ctr"/>
-                <a:r>
-                  <a:rPr lang="fr-FR" sz="1200" dirty="0"/>
-                  <a:t>d’axe </a:t>
-                </a:r>
-                <a14:m>
-                  <m:oMath xmlns:m="http://schemas.openxmlformats.org/officeDocument/2006/math">
-                    <m:d>
-                      <m:dPr>
-                        <m:ctrlPr>
-                          <a:rPr lang="fr-FR" sz="1200" i="1" smtClean="0">
-                            <a:latin typeface="Cambria Math" panose="02040503050406030204" pitchFamily="18" charset="0"/>
-                          </a:rPr>
-                        </m:ctrlPr>
-                      </m:dPr>
-                      <m:e>
-                        <m:r>
-                          <a:rPr lang="fr-FR" sz="1200" b="0" i="1" smtClean="0">
-                            <a:latin typeface="Cambria Math" panose="02040503050406030204" pitchFamily="18" charset="0"/>
-                          </a:rPr>
-                          <m:t>𝐶</m:t>
-                        </m:r>
-                        <m:r>
-                          <a:rPr lang="fr-FR" sz="1200" b="0" i="1" smtClean="0">
-                            <a:latin typeface="Cambria Math" panose="02040503050406030204" pitchFamily="18" charset="0"/>
-                          </a:rPr>
-                          <m:t>,</m:t>
-                        </m:r>
-                        <m:acc>
-                          <m:accPr>
-                            <m:chr m:val="⃗"/>
-                            <m:ctrlPr>
-                              <a:rPr lang="fr-FR" sz="1200" b="0" i="1" smtClean="0">
-                                <a:latin typeface="Cambria Math" panose="02040503050406030204" pitchFamily="18" charset="0"/>
-                              </a:rPr>
-                            </m:ctrlPr>
-                          </m:accPr>
-                          <m:e>
-                            <m:sSub>
-                              <m:sSubPr>
-                                <m:ctrlPr>
-                                  <a:rPr lang="fr-FR" sz="1200" b="0" i="1" smtClean="0">
-                                    <a:latin typeface="Cambria Math" panose="02040503050406030204" pitchFamily="18" charset="0"/>
-                                  </a:rPr>
-                                </m:ctrlPr>
-                              </m:sSubPr>
-                              <m:e>
-                                <m:r>
-                                  <a:rPr lang="fr-FR" sz="1200" b="0" i="1" smtClean="0">
-                                    <a:latin typeface="Cambria Math" panose="02040503050406030204" pitchFamily="18" charset="0"/>
-                                  </a:rPr>
-                                  <m:t>𝑧</m:t>
-                                </m:r>
-                              </m:e>
-                              <m:sub>
-                                <m:r>
-                                  <a:rPr lang="fr-FR" sz="1200" b="0" i="1" smtClean="0">
-                                    <a:latin typeface="Cambria Math" panose="02040503050406030204" pitchFamily="18" charset="0"/>
-                                  </a:rPr>
-                                  <m:t>4</m:t>
-                                </m:r>
-                              </m:sub>
-                            </m:sSub>
-                          </m:e>
-                        </m:acc>
-                      </m:e>
-                    </m:d>
-                  </m:oMath>
-                </a14:m>
-                <a:endParaRPr lang="fr-FR" sz="1200" dirty="0"/>
-              </a:p>
-              <a:p>
-                <a:pPr algn="ctr"/>
-                <a:r>
-                  <a:rPr lang="fr-FR" sz="1200" b="1" i="1" dirty="0"/>
-                  <a:t>Supposée immobile</a:t>
-                </a:r>
-              </a:p>
-            </p:txBody>
-          </p:sp>
-        </mc:Choice>
-        <mc:Fallback>
-          <p:sp>
-            <p:nvSpPr>
-              <p:cNvPr id="28" name="ZoneTexte 27">
-                <a:extLst>
-                  <a:ext uri="{FF2B5EF4-FFF2-40B4-BE49-F238E27FC236}">
-                    <a16:creationId xmlns:a16="http://schemas.microsoft.com/office/drawing/2014/main" id="{CDDE52B0-A1E2-4C16-A0F2-BEBDB9794F74}"/>
-                  </a:ext>
-                </a:extLst>
-              </p:cNvPr>
-              <p:cNvSpPr txBox="1">
-                <a:spLocks noRot="1" noChangeAspect="1" noMove="1" noResize="1" noEditPoints="1" noAdjustHandles="1" noChangeArrowheads="1" noChangeShapeType="1" noTextEdit="1"/>
-              </p:cNvSpPr>
-              <p:nvPr/>
-            </p:nvSpPr>
-            <p:spPr>
-              <a:xfrm>
-                <a:off x="5404273" y="5371139"/>
-                <a:ext cx="1431803" cy="646331"/>
-              </a:xfrm>
-              <a:prstGeom prst="rect">
-                <a:avLst/>
-              </a:prstGeom>
-              <a:blipFill>
-                <a:blip r:embed="rId6"/>
-                <a:stretch>
-                  <a:fillRect b="-6604"/>
-                </a:stretch>
-              </a:blipFill>
-            </p:spPr>
-            <p:txBody>
-              <a:bodyPr/>
-              <a:lstStyle/>
-              <a:p>
-                <a:r>
-                  <a:rPr lang="fr-FR">
-                    <a:noFill/>
-                  </a:rPr>
-                  <a:t> </a:t>
-                </a:r>
-              </a:p>
-            </p:txBody>
-          </p:sp>
-        </mc:Fallback>
-      </mc:AlternateContent>
-      <p:cxnSp>
-        <p:nvCxnSpPr>
-          <p:cNvPr id="31" name="Connecteur droit 30">
-            <a:extLst>
-              <a:ext uri="{FF2B5EF4-FFF2-40B4-BE49-F238E27FC236}">
-                <a16:creationId xmlns:a16="http://schemas.microsoft.com/office/drawing/2014/main" id="{83FBDDD9-A59F-4FF7-B1B3-A9518FD14DA6}"/>
-              </a:ext>
-            </a:extLst>
-          </p:cNvPr>
-          <p:cNvCxnSpPr>
-            <a:cxnSpLocks/>
-          </p:cNvCxnSpPr>
-          <p:nvPr/>
-        </p:nvCxnSpPr>
-        <p:spPr>
-          <a:xfrm>
-            <a:off x="1052308" y="5599023"/>
-            <a:ext cx="727753" cy="784913"/>
-          </a:xfrm>
-          <a:prstGeom prst="line">
-            <a:avLst/>
-          </a:prstGeom>
-          <a:ln w="12700">
+            <a:ln w="19050">
+              <a:solidFill>
+                <a:schemeClr val="accent2"/>
+              </a:solidFill>
+            </a:ln>
+          </p:spPr>
+          <p:style>
+            <a:lnRef idx="2">
+              <a:schemeClr val="accent1">
+                <a:shade val="50000"/>
+              </a:schemeClr>
+            </a:lnRef>
+            <a:fillRef idx="1">
+              <a:schemeClr val="accent1"/>
+            </a:fillRef>
+            <a:effectRef idx="0">
+              <a:schemeClr val="accent1"/>
+            </a:effectRef>
+            <a:fontRef idx="minor">
+              <a:schemeClr val="lt1"/>
+            </a:fontRef>
+          </p:style>
+          <p:txBody>
+            <a:bodyPr lIns="36000" tIns="36000" rIns="36000" bIns="36000" rtlCol="0" anchor="ctr"/>
+            <a:lstStyle/>
+            <a:p>
+              <a:pPr algn="ctr"/>
+              <a:r>
+                <a:rPr lang="fr-FR" sz="1400" b="1" dirty="0">
+                  <a:solidFill>
+                    <a:schemeClr val="accent2"/>
+                  </a:solidFill>
+                </a:rPr>
+                <a:t>4</a:t>
+              </a:r>
+            </a:p>
+          </p:txBody>
+        </p:sp>
+        <p:sp>
+          <p:nvSpPr>
+            <p:cNvPr id="10" name="Ellipse 9">
+              <a:extLst>
+                <a:ext uri="{FF2B5EF4-FFF2-40B4-BE49-F238E27FC236}">
+                  <a16:creationId xmlns:a16="http://schemas.microsoft.com/office/drawing/2014/main" id="{2B945868-AB9C-46DD-84ED-6BBEABB39CDD}"/>
+                </a:ext>
+              </a:extLst>
+            </p:cNvPr>
+            <p:cNvSpPr/>
+            <p:nvPr/>
+          </p:nvSpPr>
+          <p:spPr>
+            <a:xfrm>
+              <a:off x="6679053" y="5439971"/>
+              <a:ext cx="324000" cy="324000"/>
+            </a:xfrm>
+            <a:prstGeom prst="ellipse">
+              <a:avLst/>
+            </a:prstGeom>
             <a:solidFill>
-              <a:schemeClr val="tx1"/>
+              <a:schemeClr val="bg1"/>
             </a:solidFill>
-          </a:ln>
-        </p:spPr>
-        <p:style>
-          <a:lnRef idx="1">
-            <a:schemeClr val="accent1"/>
-          </a:lnRef>
-          <a:fillRef idx="0">
-            <a:schemeClr val="accent1"/>
-          </a:fillRef>
-          <a:effectRef idx="0">
-            <a:schemeClr val="accent1"/>
-          </a:effectRef>
-          <a:fontRef idx="minor">
-            <a:schemeClr val="tx1"/>
-          </a:fontRef>
-        </p:style>
-      </p:cxnSp>
-      <p:sp>
-        <p:nvSpPr>
-          <p:cNvPr id="5" name="Ellipse 4">
-            <a:extLst>
-              <a:ext uri="{FF2B5EF4-FFF2-40B4-BE49-F238E27FC236}">
-                <a16:creationId xmlns:a16="http://schemas.microsoft.com/office/drawing/2014/main" id="{2F7BE2A7-3940-4B77-8761-8AD9C7BD3779}"/>
-              </a:ext>
-            </a:extLst>
-          </p:cNvPr>
-          <p:cNvSpPr/>
-          <p:nvPr/>
-        </p:nvSpPr>
-        <p:spPr>
-          <a:xfrm>
-            <a:off x="894215" y="5439973"/>
-            <a:ext cx="324000" cy="324000"/>
-          </a:xfrm>
-          <a:prstGeom prst="ellipse">
-            <a:avLst/>
-          </a:prstGeom>
-          <a:solidFill>
-            <a:schemeClr val="bg1"/>
-          </a:solidFill>
-          <a:ln w="19050">
+            <a:ln w="19050">
+              <a:solidFill>
+                <a:schemeClr val="tx1">
+                  <a:lumMod val="50000"/>
+                  <a:lumOff val="50000"/>
+                </a:schemeClr>
+              </a:solidFill>
+            </a:ln>
+          </p:spPr>
+          <p:style>
+            <a:lnRef idx="2">
+              <a:schemeClr val="accent1">
+                <a:shade val="50000"/>
+              </a:schemeClr>
+            </a:lnRef>
+            <a:fillRef idx="1">
+              <a:schemeClr val="accent1"/>
+            </a:fillRef>
+            <a:effectRef idx="0">
+              <a:schemeClr val="accent1"/>
+            </a:effectRef>
+            <a:fontRef idx="minor">
+              <a:schemeClr val="lt1"/>
+            </a:fontRef>
+          </p:style>
+          <p:txBody>
+            <a:bodyPr lIns="36000" tIns="36000" rIns="36000" bIns="36000" rtlCol="0" anchor="ctr"/>
+            <a:lstStyle/>
+            <a:p>
+              <a:pPr algn="ctr"/>
+              <a:r>
+                <a:rPr lang="fr-FR" sz="1400" b="1" dirty="0">
+                  <a:solidFill>
+                    <a:schemeClr val="tx1">
+                      <a:lumMod val="50000"/>
+                      <a:lumOff val="50000"/>
+                    </a:schemeClr>
+                  </a:solidFill>
+                </a:rPr>
+                <a:t>5</a:t>
+              </a:r>
+            </a:p>
+          </p:txBody>
+        </p:sp>
+        <p:sp>
+          <p:nvSpPr>
+            <p:cNvPr id="11" name="Ellipse 10">
+              <a:extLst>
+                <a:ext uri="{FF2B5EF4-FFF2-40B4-BE49-F238E27FC236}">
+                  <a16:creationId xmlns:a16="http://schemas.microsoft.com/office/drawing/2014/main" id="{7FF8CB64-EC6A-4DEC-8F08-158B1F24F8F0}"/>
+                </a:ext>
+              </a:extLst>
+            </p:cNvPr>
+            <p:cNvSpPr/>
+            <p:nvPr/>
+          </p:nvSpPr>
+          <p:spPr>
+            <a:xfrm>
+              <a:off x="1618061" y="6221936"/>
+              <a:ext cx="324000" cy="324000"/>
+            </a:xfrm>
+            <a:prstGeom prst="ellipse">
+              <a:avLst/>
+            </a:prstGeom>
             <a:solidFill>
-              <a:schemeClr val="tx1"/>
+              <a:schemeClr val="bg1"/>
             </a:solidFill>
-          </a:ln>
-        </p:spPr>
-        <p:style>
-          <a:lnRef idx="2">
-            <a:schemeClr val="accent1">
-              <a:shade val="50000"/>
-            </a:schemeClr>
-          </a:lnRef>
-          <a:fillRef idx="1">
-            <a:schemeClr val="accent1"/>
-          </a:fillRef>
-          <a:effectRef idx="0">
-            <a:schemeClr val="accent1"/>
-          </a:effectRef>
-          <a:fontRef idx="minor">
-            <a:schemeClr val="lt1"/>
-          </a:fontRef>
-        </p:style>
-        <p:txBody>
-          <a:bodyPr lIns="36000" tIns="36000" rIns="36000" bIns="36000" rtlCol="0" anchor="ctr"/>
-          <a:lstStyle/>
-          <a:p>
-            <a:pPr algn="ctr"/>
-            <a:r>
-              <a:rPr lang="fr-FR" sz="1400" b="1" dirty="0">
-                <a:solidFill>
-                  <a:sysClr val="windowText" lastClr="000000"/>
-                </a:solidFill>
-              </a:rPr>
-              <a:t>1</a:t>
-            </a:r>
-          </a:p>
-        </p:txBody>
-      </p:sp>
-      <p:sp>
-        <p:nvSpPr>
-          <p:cNvPr id="9" name="Ellipse 8">
-            <a:extLst>
-              <a:ext uri="{FF2B5EF4-FFF2-40B4-BE49-F238E27FC236}">
-                <a16:creationId xmlns:a16="http://schemas.microsoft.com/office/drawing/2014/main" id="{453D084C-33F0-47EF-A359-2C5E57686052}"/>
-              </a:ext>
-            </a:extLst>
-          </p:cNvPr>
-          <p:cNvSpPr/>
-          <p:nvPr/>
-        </p:nvSpPr>
-        <p:spPr>
-          <a:xfrm>
-            <a:off x="5237297" y="5439973"/>
-            <a:ext cx="324000" cy="324000"/>
-          </a:xfrm>
-          <a:prstGeom prst="ellipse">
-            <a:avLst/>
-          </a:prstGeom>
-          <a:solidFill>
-            <a:schemeClr val="bg1"/>
-          </a:solidFill>
-          <a:ln w="19050">
-            <a:solidFill>
-              <a:schemeClr val="accent2"/>
-            </a:solidFill>
-          </a:ln>
-        </p:spPr>
-        <p:style>
-          <a:lnRef idx="2">
-            <a:schemeClr val="accent1">
-              <a:shade val="50000"/>
-            </a:schemeClr>
-          </a:lnRef>
-          <a:fillRef idx="1">
-            <a:schemeClr val="accent1"/>
-          </a:fillRef>
-          <a:effectRef idx="0">
-            <a:schemeClr val="accent1"/>
-          </a:effectRef>
-          <a:fontRef idx="minor">
-            <a:schemeClr val="lt1"/>
-          </a:fontRef>
-        </p:style>
-        <p:txBody>
-          <a:bodyPr lIns="36000" tIns="36000" rIns="36000" bIns="36000" rtlCol="0" anchor="ctr"/>
-          <a:lstStyle/>
-          <a:p>
-            <a:pPr algn="ctr"/>
-            <a:r>
-              <a:rPr lang="fr-FR" sz="1400" b="1" dirty="0">
-                <a:solidFill>
-                  <a:schemeClr val="accent2"/>
-                </a:solidFill>
-              </a:rPr>
-              <a:t>4</a:t>
-            </a:r>
-          </a:p>
-        </p:txBody>
-      </p:sp>
-      <p:sp>
-        <p:nvSpPr>
-          <p:cNvPr id="10" name="Ellipse 9">
-            <a:extLst>
-              <a:ext uri="{FF2B5EF4-FFF2-40B4-BE49-F238E27FC236}">
-                <a16:creationId xmlns:a16="http://schemas.microsoft.com/office/drawing/2014/main" id="{2B945868-AB9C-46DD-84ED-6BBEABB39CDD}"/>
-              </a:ext>
-            </a:extLst>
-          </p:cNvPr>
-          <p:cNvSpPr/>
-          <p:nvPr/>
-        </p:nvSpPr>
-        <p:spPr>
-          <a:xfrm>
-            <a:off x="6679053" y="5439971"/>
-            <a:ext cx="324000" cy="324000"/>
-          </a:xfrm>
-          <a:prstGeom prst="ellipse">
-            <a:avLst/>
-          </a:prstGeom>
-          <a:solidFill>
-            <a:schemeClr val="bg1"/>
-          </a:solidFill>
-          <a:ln w="19050">
-            <a:solidFill>
-              <a:schemeClr val="tx1">
-                <a:lumMod val="50000"/>
-                <a:lumOff val="50000"/>
+            <a:ln w="19050">
+              <a:solidFill>
+                <a:schemeClr val="accent1"/>
+              </a:solidFill>
+            </a:ln>
+          </p:spPr>
+          <p:style>
+            <a:lnRef idx="2">
+              <a:schemeClr val="accent1">
+                <a:shade val="50000"/>
               </a:schemeClr>
-            </a:solidFill>
-          </a:ln>
-        </p:spPr>
-        <p:style>
-          <a:lnRef idx="2">
-            <a:schemeClr val="accent1">
-              <a:shade val="50000"/>
-            </a:schemeClr>
-          </a:lnRef>
-          <a:fillRef idx="1">
-            <a:schemeClr val="accent1"/>
-          </a:fillRef>
-          <a:effectRef idx="0">
-            <a:schemeClr val="accent1"/>
-          </a:effectRef>
-          <a:fontRef idx="minor">
-            <a:schemeClr val="lt1"/>
-          </a:fontRef>
-        </p:style>
-        <p:txBody>
-          <a:bodyPr lIns="36000" tIns="36000" rIns="36000" bIns="36000" rtlCol="0" anchor="ctr"/>
-          <a:lstStyle/>
-          <a:p>
-            <a:pPr algn="ctr"/>
-            <a:r>
-              <a:rPr lang="fr-FR" sz="1400" b="1" dirty="0">
-                <a:solidFill>
-                  <a:schemeClr val="tx1">
-                    <a:lumMod val="50000"/>
-                    <a:lumOff val="50000"/>
-                  </a:schemeClr>
-                </a:solidFill>
-              </a:rPr>
-              <a:t>5</a:t>
-            </a:r>
-          </a:p>
-        </p:txBody>
-      </p:sp>
-      <p:sp>
-        <p:nvSpPr>
-          <p:cNvPr id="11" name="Ellipse 10">
-            <a:extLst>
-              <a:ext uri="{FF2B5EF4-FFF2-40B4-BE49-F238E27FC236}">
-                <a16:creationId xmlns:a16="http://schemas.microsoft.com/office/drawing/2014/main" id="{7FF8CB64-EC6A-4DEC-8F08-158B1F24F8F0}"/>
-              </a:ext>
-            </a:extLst>
-          </p:cNvPr>
-          <p:cNvSpPr/>
-          <p:nvPr/>
-        </p:nvSpPr>
-        <p:spPr>
-          <a:xfrm>
-            <a:off x="1618061" y="6221936"/>
-            <a:ext cx="324000" cy="324000"/>
-          </a:xfrm>
-          <a:prstGeom prst="ellipse">
-            <a:avLst/>
-          </a:prstGeom>
-          <a:solidFill>
-            <a:schemeClr val="bg1"/>
-          </a:solidFill>
-          <a:ln w="19050">
-            <a:solidFill>
+            </a:lnRef>
+            <a:fillRef idx="1">
               <a:schemeClr val="accent1"/>
-            </a:solidFill>
-          </a:ln>
-        </p:spPr>
-        <p:style>
-          <a:lnRef idx="2">
-            <a:schemeClr val="accent1">
-              <a:shade val="50000"/>
-            </a:schemeClr>
-          </a:lnRef>
-          <a:fillRef idx="1">
-            <a:schemeClr val="accent1"/>
-          </a:fillRef>
-          <a:effectRef idx="0">
-            <a:schemeClr val="accent1"/>
-          </a:effectRef>
-          <a:fontRef idx="minor">
-            <a:schemeClr val="lt1"/>
-          </a:fontRef>
-        </p:style>
-        <p:txBody>
-          <a:bodyPr lIns="36000" tIns="36000" rIns="36000" bIns="36000" rtlCol="0" anchor="ctr"/>
-          <a:lstStyle/>
-          <a:p>
-            <a:pPr algn="ctr"/>
-            <a:r>
-              <a:rPr lang="fr-FR" sz="1400" b="1" dirty="0">
-                <a:solidFill>
-                  <a:schemeClr val="accent1"/>
-                </a:solidFill>
-              </a:rPr>
-              <a:t>6</a:t>
-            </a:r>
-          </a:p>
-        </p:txBody>
-      </p:sp>
-      <mc:AlternateContent xmlns:mc="http://schemas.openxmlformats.org/markup-compatibility/2006" xmlns:a14="http://schemas.microsoft.com/office/drawing/2010/main">
-        <mc:Choice Requires="a14">
-          <p:sp>
-            <p:nvSpPr>
-              <p:cNvPr id="34" name="ZoneTexte 33">
-                <a:extLst>
-                  <a:ext uri="{FF2B5EF4-FFF2-40B4-BE49-F238E27FC236}">
-                    <a16:creationId xmlns:a16="http://schemas.microsoft.com/office/drawing/2014/main" id="{AF979EB5-83C0-434C-935D-5AED3DC82455}"/>
-                  </a:ext>
-                </a:extLst>
-              </p:cNvPr>
-              <p:cNvSpPr txBox="1"/>
-              <p:nvPr/>
-            </p:nvSpPr>
-            <p:spPr>
-              <a:xfrm>
-                <a:off x="590749" y="5903019"/>
-                <a:ext cx="855875" cy="461665"/>
-              </a:xfrm>
-              <a:prstGeom prst="rect">
-                <a:avLst/>
-              </a:prstGeom>
-              <a:noFill/>
-            </p:spPr>
-            <p:txBody>
-              <a:bodyPr wrap="none" rtlCol="0">
-                <a:spAutoFit/>
-              </a:bodyPr>
-              <a:lstStyle/>
-              <a:p>
-                <a:r>
-                  <a:rPr lang="fr-FR" sz="1200" dirty="0"/>
-                  <a:t>Pivot d’axe</a:t>
-                </a:r>
-              </a:p>
-              <a:p>
-                <a:pPr/>
-                <a14:m>
-                  <m:oMathPara xmlns:m="http://schemas.openxmlformats.org/officeDocument/2006/math">
-                    <m:oMathParaPr>
-                      <m:jc m:val="centerGroup"/>
-                    </m:oMathParaPr>
+            </a:fillRef>
+            <a:effectRef idx="0">
+              <a:schemeClr val="accent1"/>
+            </a:effectRef>
+            <a:fontRef idx="minor">
+              <a:schemeClr val="lt1"/>
+            </a:fontRef>
+          </p:style>
+          <p:txBody>
+            <a:bodyPr lIns="36000" tIns="36000" rIns="36000" bIns="36000" rtlCol="0" anchor="ctr"/>
+            <a:lstStyle/>
+            <a:p>
+              <a:pPr algn="ctr"/>
+              <a:r>
+                <a:rPr lang="fr-FR" sz="1400" b="1" dirty="0">
+                  <a:solidFill>
+                    <a:schemeClr val="accent1"/>
+                  </a:solidFill>
+                </a:rPr>
+                <a:t>6</a:t>
+              </a:r>
+            </a:p>
+          </p:txBody>
+        </p:sp>
+        <mc:AlternateContent xmlns:mc="http://schemas.openxmlformats.org/markup-compatibility/2006" xmlns:a14="http://schemas.microsoft.com/office/drawing/2010/main">
+          <mc:Choice Requires="a14">
+            <p:sp>
+              <p:nvSpPr>
+                <p:cNvPr id="34" name="ZoneTexte 33">
+                  <a:extLst>
+                    <a:ext uri="{FF2B5EF4-FFF2-40B4-BE49-F238E27FC236}">
+                      <a16:creationId xmlns:a16="http://schemas.microsoft.com/office/drawing/2014/main" id="{AF979EB5-83C0-434C-935D-5AED3DC82455}"/>
+                    </a:ext>
+                  </a:extLst>
+                </p:cNvPr>
+                <p:cNvSpPr txBox="1"/>
+                <p:nvPr/>
+              </p:nvSpPr>
+              <p:spPr>
+                <a:xfrm>
+                  <a:off x="338874" y="5866053"/>
+                  <a:ext cx="1056349" cy="216697"/>
+                </a:xfrm>
+                <a:prstGeom prst="rect">
+                  <a:avLst/>
+                </a:prstGeom>
+                <a:noFill/>
+              </p:spPr>
+              <p:txBody>
+                <a:bodyPr wrap="none" rtlCol="0">
+                  <a:spAutoFit/>
+                </a:bodyPr>
+                <a:lstStyle/>
+                <a:p>
+                  <a:r>
+                    <a:rPr lang="fr-FR" sz="1200" dirty="0"/>
+                    <a:t>Pivot d’axe </a:t>
+                  </a:r>
+                  <a14:m>
                     <m:oMath xmlns:m="http://schemas.openxmlformats.org/officeDocument/2006/math">
                       <m:d>
                         <m:dPr>
@@ -8934,64 +8892,1746 @@
                         </m:e>
                       </m:d>
                     </m:oMath>
-                  </m:oMathPara>
-                </a14:m>
-                <a:endParaRPr lang="fr-FR" sz="1200" dirty="0"/>
-              </a:p>
-            </p:txBody>
-          </p:sp>
-        </mc:Choice>
-        <mc:Fallback xmlns="">
-          <p:sp>
-            <p:nvSpPr>
-              <p:cNvPr id="34" name="ZoneTexte 33">
-                <a:extLst>
-                  <a:ext uri="{FF2B5EF4-FFF2-40B4-BE49-F238E27FC236}">
-                    <a16:creationId xmlns:a16="http://schemas.microsoft.com/office/drawing/2014/main" id="{AF979EB5-83C0-434C-935D-5AED3DC82455}"/>
-                  </a:ext>
-                </a:extLst>
-              </p:cNvPr>
-              <p:cNvSpPr txBox="1">
-                <a:spLocks noRot="1" noChangeAspect="1" noMove="1" noResize="1" noEditPoints="1" noAdjustHandles="1" noChangeArrowheads="1" noChangeShapeType="1" noTextEdit="1"/>
-              </p:cNvSpPr>
-              <p:nvPr/>
-            </p:nvSpPr>
-            <p:spPr>
-              <a:xfrm>
-                <a:off x="590749" y="5903019"/>
-                <a:ext cx="855875" cy="461665"/>
-              </a:xfrm>
-              <a:prstGeom prst="rect">
-                <a:avLst/>
-              </a:prstGeom>
-              <a:blipFill>
-                <a:blip r:embed="rId7"/>
-                <a:stretch>
-                  <a:fillRect l="-714"/>
-                </a:stretch>
-              </a:blipFill>
-            </p:spPr>
-            <p:txBody>
-              <a:bodyPr/>
-              <a:lstStyle/>
-              <a:p>
-                <a:r>
-                  <a:rPr lang="fr-FR">
-                    <a:noFill/>
-                  </a:rPr>
-                  <a:t> </a:t>
-                </a:r>
-              </a:p>
-            </p:txBody>
-          </p:sp>
-        </mc:Fallback>
-      </mc:AlternateContent>
+                  </a14:m>
+                  <a:endParaRPr lang="fr-FR" sz="1200" dirty="0"/>
+                </a:p>
+              </p:txBody>
+            </p:sp>
+          </mc:Choice>
+          <mc:Fallback xmlns="">
+            <p:sp>
+              <p:nvSpPr>
+                <p:cNvPr id="34" name="ZoneTexte 33">
+                  <a:extLst>
+                    <a:ext uri="{FF2B5EF4-FFF2-40B4-BE49-F238E27FC236}">
+                      <a16:creationId xmlns:a16="http://schemas.microsoft.com/office/drawing/2014/main" id="{AF979EB5-83C0-434C-935D-5AED3DC82455}"/>
+                    </a:ext>
+                  </a:extLst>
+                </p:cNvPr>
+                <p:cNvSpPr txBox="1">
+                  <a:spLocks noRot="1" noChangeAspect="1" noMove="1" noResize="1" noEditPoints="1" noAdjustHandles="1" noChangeArrowheads="1" noChangeShapeType="1" noTextEdit="1"/>
+                </p:cNvSpPr>
+                <p:nvPr/>
+              </p:nvSpPr>
+              <p:spPr>
+                <a:xfrm>
+                  <a:off x="338874" y="5866053"/>
+                  <a:ext cx="1056349" cy="216697"/>
+                </a:xfrm>
+                <a:prstGeom prst="rect">
+                  <a:avLst/>
+                </a:prstGeom>
+                <a:blipFill>
+                  <a:blip r:embed="rId6"/>
+                  <a:stretch>
+                    <a:fillRect l="-452" t="-2222" b="-17778"/>
+                  </a:stretch>
+                </a:blipFill>
+              </p:spPr>
+              <p:txBody>
+                <a:bodyPr/>
+                <a:lstStyle/>
+                <a:p>
+                  <a:r>
+                    <a:rPr lang="fr-FR">
+                      <a:noFill/>
+                    </a:rPr>
+                    <a:t> </a:t>
+                  </a:r>
+                </a:p>
+              </p:txBody>
+            </p:sp>
+          </mc:Fallback>
+        </mc:AlternateContent>
+        <p:sp>
+          <p:nvSpPr>
+            <p:cNvPr id="38" name="ZoneTexte 37">
+              <a:extLst>
+                <a:ext uri="{FF2B5EF4-FFF2-40B4-BE49-F238E27FC236}">
+                  <a16:creationId xmlns:a16="http://schemas.microsoft.com/office/drawing/2014/main" id="{66D64C47-628B-48A1-8F53-76CAEDC2894F}"/>
+                </a:ext>
+              </a:extLst>
+            </p:cNvPr>
+            <p:cNvSpPr txBox="1"/>
+            <p:nvPr/>
+          </p:nvSpPr>
+          <p:spPr>
+            <a:xfrm rot="18818568">
+              <a:off x="1616664" y="5784524"/>
+              <a:ext cx="841769" cy="276999"/>
+            </a:xfrm>
+            <a:prstGeom prst="rect">
+              <a:avLst/>
+            </a:prstGeom>
+            <a:noFill/>
+          </p:spPr>
+          <p:txBody>
+            <a:bodyPr wrap="none" rtlCol="0">
+              <a:spAutoFit/>
+            </a:bodyPr>
+            <a:lstStyle/>
+            <a:p>
+              <a:r>
+                <a:rPr lang="fr-FR" sz="1200" dirty="0"/>
+                <a:t>Engrenage</a:t>
+              </a:r>
+            </a:p>
+          </p:txBody>
+        </p:sp>
+        <p:cxnSp>
+          <p:nvCxnSpPr>
+            <p:cNvPr id="39" name="Connecteur droit 38">
+              <a:extLst>
+                <a:ext uri="{FF2B5EF4-FFF2-40B4-BE49-F238E27FC236}">
+                  <a16:creationId xmlns:a16="http://schemas.microsoft.com/office/drawing/2014/main" id="{FDD2240C-3E3D-40D5-A07A-59DAAFA64054}"/>
+                </a:ext>
+              </a:extLst>
+            </p:cNvPr>
+            <p:cNvCxnSpPr>
+              <a:cxnSpLocks/>
+            </p:cNvCxnSpPr>
+            <p:nvPr/>
+          </p:nvCxnSpPr>
+          <p:spPr>
+            <a:xfrm flipH="1">
+              <a:off x="3245906" y="5613709"/>
+              <a:ext cx="714742" cy="769839"/>
+            </a:xfrm>
+            <a:prstGeom prst="line">
+              <a:avLst/>
+            </a:prstGeom>
+            <a:ln w="12700">
+              <a:solidFill>
+                <a:schemeClr val="tx1"/>
+              </a:solidFill>
+            </a:ln>
+          </p:spPr>
+          <p:style>
+            <a:lnRef idx="1">
+              <a:schemeClr val="accent1"/>
+            </a:lnRef>
+            <a:fillRef idx="0">
+              <a:schemeClr val="accent1"/>
+            </a:fillRef>
+            <a:effectRef idx="0">
+              <a:schemeClr val="accent1"/>
+            </a:effectRef>
+            <a:fontRef idx="minor">
+              <a:schemeClr val="tx1"/>
+            </a:fontRef>
+          </p:style>
+        </p:cxnSp>
+        <p:cxnSp>
+          <p:nvCxnSpPr>
+            <p:cNvPr id="40" name="Connecteur droit 39">
+              <a:extLst>
+                <a:ext uri="{FF2B5EF4-FFF2-40B4-BE49-F238E27FC236}">
+                  <a16:creationId xmlns:a16="http://schemas.microsoft.com/office/drawing/2014/main" id="{45B72000-601F-4EB0-83B1-C49DE0495B48}"/>
+                </a:ext>
+              </a:extLst>
+            </p:cNvPr>
+            <p:cNvCxnSpPr>
+              <a:cxnSpLocks/>
+            </p:cNvCxnSpPr>
+            <p:nvPr/>
+          </p:nvCxnSpPr>
+          <p:spPr>
+            <a:xfrm>
+              <a:off x="2503909" y="5621412"/>
+              <a:ext cx="736303" cy="762524"/>
+            </a:xfrm>
+            <a:prstGeom prst="line">
+              <a:avLst/>
+            </a:prstGeom>
+            <a:ln w="12700">
+              <a:solidFill>
+                <a:schemeClr val="tx1"/>
+              </a:solidFill>
+            </a:ln>
+          </p:spPr>
+          <p:style>
+            <a:lnRef idx="1">
+              <a:schemeClr val="accent1"/>
+            </a:lnRef>
+            <a:fillRef idx="0">
+              <a:schemeClr val="accent1"/>
+            </a:fillRef>
+            <a:effectRef idx="0">
+              <a:schemeClr val="accent1"/>
+            </a:effectRef>
+            <a:fontRef idx="minor">
+              <a:schemeClr val="tx1"/>
+            </a:fontRef>
+          </p:style>
+        </p:cxnSp>
+        <mc:AlternateContent xmlns:mc="http://schemas.openxmlformats.org/markup-compatibility/2006" xmlns:a14="http://schemas.microsoft.com/office/drawing/2010/main">
+          <mc:Choice Requires="a14">
+            <p:sp>
+              <p:nvSpPr>
+                <p:cNvPr id="42" name="ZoneTexte 41">
+                  <a:extLst>
+                    <a:ext uri="{FF2B5EF4-FFF2-40B4-BE49-F238E27FC236}">
+                      <a16:creationId xmlns:a16="http://schemas.microsoft.com/office/drawing/2014/main" id="{EDDE6DEF-CCB2-4273-976B-AECFF7318457}"/>
+                    </a:ext>
+                  </a:extLst>
+                </p:cNvPr>
+                <p:cNvSpPr txBox="1"/>
+                <p:nvPr/>
+              </p:nvSpPr>
+              <p:spPr>
+                <a:xfrm>
+                  <a:off x="2235829" y="5878113"/>
+                  <a:ext cx="729798" cy="432943"/>
+                </a:xfrm>
+                <a:prstGeom prst="rect">
+                  <a:avLst/>
+                </a:prstGeom>
+                <a:noFill/>
+              </p:spPr>
+              <p:txBody>
+                <a:bodyPr wrap="none" rtlCol="0">
+                  <a:spAutoFit/>
+                </a:bodyPr>
+                <a:lstStyle/>
+                <a:p>
+                  <a:r>
+                    <a:rPr lang="fr-FR" sz="1200" dirty="0"/>
+                    <a:t>Pivot d’axe </a:t>
+                  </a:r>
+                </a:p>
+                <a:p>
+                  <a:pPr/>
+                  <a14:m>
+                    <m:oMathPara xmlns:m="http://schemas.openxmlformats.org/officeDocument/2006/math">
+                      <m:oMathParaPr>
+                        <m:jc m:val="center"/>
+                      </m:oMathParaPr>
+                      <m:oMath xmlns:m="http://schemas.openxmlformats.org/officeDocument/2006/math">
+                        <m:d>
+                          <m:dPr>
+                            <m:ctrlPr>
+                              <a:rPr lang="fr-FR" sz="1200" i="1" smtClean="0">
+                                <a:latin typeface="Cambria Math" panose="02040503050406030204" pitchFamily="18" charset="0"/>
+                              </a:rPr>
+                            </m:ctrlPr>
+                          </m:dPr>
+                          <m:e>
+                            <m:r>
+                              <a:rPr lang="fr-FR" sz="1200" b="0" i="1" smtClean="0">
+                                <a:latin typeface="Cambria Math" panose="02040503050406030204" pitchFamily="18" charset="0"/>
+                              </a:rPr>
+                              <m:t>𝑁</m:t>
+                            </m:r>
+                            <m:r>
+                              <a:rPr lang="fr-FR" sz="1200" b="0" i="1" smtClean="0">
+                                <a:latin typeface="Cambria Math" panose="02040503050406030204" pitchFamily="18" charset="0"/>
+                              </a:rPr>
+                              <m:t>,</m:t>
+                            </m:r>
+                            <m:acc>
+                              <m:accPr>
+                                <m:chr m:val="⃗"/>
+                                <m:ctrlPr>
+                                  <a:rPr lang="fr-FR" sz="1200" b="0" i="1" smtClean="0">
+                                    <a:latin typeface="Cambria Math" panose="02040503050406030204" pitchFamily="18" charset="0"/>
+                                  </a:rPr>
+                                </m:ctrlPr>
+                              </m:accPr>
+                              <m:e>
+                                <m:sSub>
+                                  <m:sSubPr>
+                                    <m:ctrlPr>
+                                      <a:rPr lang="fr-FR" sz="1200" b="0" i="1" smtClean="0">
+                                        <a:latin typeface="Cambria Math" panose="02040503050406030204" pitchFamily="18" charset="0"/>
+                                      </a:rPr>
+                                    </m:ctrlPr>
+                                  </m:sSubPr>
+                                  <m:e>
+                                    <m:r>
+                                      <a:rPr lang="fr-FR" sz="1200" b="0" i="1" smtClean="0">
+                                        <a:latin typeface="Cambria Math" panose="02040503050406030204" pitchFamily="18" charset="0"/>
+                                      </a:rPr>
+                                      <m:t>𝑧</m:t>
+                                    </m:r>
+                                    <m:r>
+                                      <a:rPr lang="fr-FR" sz="1200" b="0" i="1" smtClean="0">
+                                        <a:latin typeface="Cambria Math" panose="02040503050406030204" pitchFamily="18" charset="0"/>
+                                      </a:rPr>
+                                      <m:t>′</m:t>
+                                    </m:r>
+                                  </m:e>
+                                  <m:sub>
+                                    <m:r>
+                                      <a:rPr lang="fr-FR" sz="1200" b="0" i="1" smtClean="0">
+                                        <a:latin typeface="Cambria Math" panose="02040503050406030204" pitchFamily="18" charset="0"/>
+                                      </a:rPr>
+                                      <m:t>2</m:t>
+                                    </m:r>
+                                  </m:sub>
+                                </m:sSub>
+                              </m:e>
+                            </m:acc>
+                          </m:e>
+                        </m:d>
+                      </m:oMath>
+                    </m:oMathPara>
+                  </a14:m>
+                  <a:endParaRPr lang="fr-FR" sz="1200" dirty="0"/>
+                </a:p>
+              </p:txBody>
+            </p:sp>
+          </mc:Choice>
+          <mc:Fallback xmlns="">
+            <p:sp>
+              <p:nvSpPr>
+                <p:cNvPr id="42" name="ZoneTexte 41">
+                  <a:extLst>
+                    <a:ext uri="{FF2B5EF4-FFF2-40B4-BE49-F238E27FC236}">
+                      <a16:creationId xmlns:a16="http://schemas.microsoft.com/office/drawing/2014/main" id="{EDDE6DEF-CCB2-4273-976B-AECFF7318457}"/>
+                    </a:ext>
+                  </a:extLst>
+                </p:cNvPr>
+                <p:cNvSpPr txBox="1">
+                  <a:spLocks noRot="1" noChangeAspect="1" noMove="1" noResize="1" noEditPoints="1" noAdjustHandles="1" noChangeArrowheads="1" noChangeShapeType="1" noTextEdit="1"/>
+                </p:cNvSpPr>
+                <p:nvPr/>
+              </p:nvSpPr>
+              <p:spPr>
+                <a:xfrm>
+                  <a:off x="2235829" y="5878113"/>
+                  <a:ext cx="729798" cy="432943"/>
+                </a:xfrm>
+                <a:prstGeom prst="rect">
+                  <a:avLst/>
+                </a:prstGeom>
+                <a:blipFill>
+                  <a:blip r:embed="rId7"/>
+                  <a:stretch>
+                    <a:fillRect/>
+                  </a:stretch>
+                </a:blipFill>
+              </p:spPr>
+              <p:txBody>
+                <a:bodyPr/>
+                <a:lstStyle/>
+                <a:p>
+                  <a:r>
+                    <a:rPr lang="fr-FR">
+                      <a:noFill/>
+                    </a:rPr>
+                    <a:t> </a:t>
+                  </a:r>
+                </a:p>
+              </p:txBody>
+            </p:sp>
+          </mc:Fallback>
+        </mc:AlternateContent>
+        <p:sp>
+          <p:nvSpPr>
+            <p:cNvPr id="13" name="Ellipse 12">
+              <a:extLst>
+                <a:ext uri="{FF2B5EF4-FFF2-40B4-BE49-F238E27FC236}">
+                  <a16:creationId xmlns:a16="http://schemas.microsoft.com/office/drawing/2014/main" id="{9A6337A2-BF4F-4660-93B6-A413E63B3D2D}"/>
+                </a:ext>
+              </a:extLst>
+            </p:cNvPr>
+            <p:cNvSpPr/>
+            <p:nvPr/>
+          </p:nvSpPr>
+          <p:spPr>
+            <a:xfrm>
+              <a:off x="3060529" y="6221936"/>
+              <a:ext cx="324000" cy="324000"/>
+            </a:xfrm>
+            <a:prstGeom prst="ellipse">
+              <a:avLst/>
+            </a:prstGeom>
+            <a:solidFill>
+              <a:schemeClr val="bg1"/>
+            </a:solidFill>
+            <a:ln w="19050">
+              <a:solidFill>
+                <a:srgbClr val="00B050"/>
+              </a:solidFill>
+            </a:ln>
+          </p:spPr>
+          <p:style>
+            <a:lnRef idx="2">
+              <a:schemeClr val="accent1">
+                <a:shade val="50000"/>
+              </a:schemeClr>
+            </a:lnRef>
+            <a:fillRef idx="1">
+              <a:schemeClr val="accent1"/>
+            </a:fillRef>
+            <a:effectRef idx="0">
+              <a:schemeClr val="accent1"/>
+            </a:effectRef>
+            <a:fontRef idx="minor">
+              <a:schemeClr val="lt1"/>
+            </a:fontRef>
+          </p:style>
+          <p:txBody>
+            <a:bodyPr lIns="36000" tIns="36000" rIns="36000" bIns="36000" rtlCol="0" anchor="ctr"/>
+            <a:lstStyle/>
+            <a:p>
+              <a:pPr algn="ctr"/>
+              <a:r>
+                <a:rPr lang="fr-FR" sz="1400" b="1" dirty="0">
+                  <a:solidFill>
+                    <a:srgbClr val="00B050"/>
+                  </a:solidFill>
+                </a:rPr>
+                <a:t>7</a:t>
+              </a:r>
+            </a:p>
+          </p:txBody>
+        </p:sp>
+        <p:sp>
+          <p:nvSpPr>
+            <p:cNvPr id="6" name="Ellipse 5">
+              <a:extLst>
+                <a:ext uri="{FF2B5EF4-FFF2-40B4-BE49-F238E27FC236}">
+                  <a16:creationId xmlns:a16="http://schemas.microsoft.com/office/drawing/2014/main" id="{F4F35169-6966-4D9B-ACE7-F58961E903F6}"/>
+                </a:ext>
+              </a:extLst>
+            </p:cNvPr>
+            <p:cNvSpPr/>
+            <p:nvPr/>
+          </p:nvSpPr>
+          <p:spPr>
+            <a:xfrm>
+              <a:off x="2341909" y="5439973"/>
+              <a:ext cx="324000" cy="324000"/>
+            </a:xfrm>
+            <a:prstGeom prst="ellipse">
+              <a:avLst/>
+            </a:prstGeom>
+            <a:solidFill>
+              <a:schemeClr val="bg1"/>
+            </a:solidFill>
+            <a:ln w="19050">
+              <a:solidFill>
+                <a:srgbClr val="FF0000"/>
+              </a:solidFill>
+            </a:ln>
+          </p:spPr>
+          <p:style>
+            <a:lnRef idx="2">
+              <a:schemeClr val="accent1">
+                <a:shade val="50000"/>
+              </a:schemeClr>
+            </a:lnRef>
+            <a:fillRef idx="1">
+              <a:schemeClr val="accent1"/>
+            </a:fillRef>
+            <a:effectRef idx="0">
+              <a:schemeClr val="accent1"/>
+            </a:effectRef>
+            <a:fontRef idx="minor">
+              <a:schemeClr val="lt1"/>
+            </a:fontRef>
+          </p:style>
+          <p:txBody>
+            <a:bodyPr lIns="36000" tIns="36000" rIns="36000" bIns="36000" rtlCol="0" anchor="ctr"/>
+            <a:lstStyle/>
+            <a:p>
+              <a:pPr algn="ctr"/>
+              <a:r>
+                <a:rPr lang="fr-FR" sz="1400" b="1" dirty="0">
+                  <a:solidFill>
+                    <a:srgbClr val="FF0000"/>
+                  </a:solidFill>
+                </a:rPr>
+                <a:t>2</a:t>
+              </a:r>
+            </a:p>
+          </p:txBody>
+        </p:sp>
+        <p:sp>
+          <p:nvSpPr>
+            <p:cNvPr id="7" name="Ellipse 6">
+              <a:extLst>
+                <a:ext uri="{FF2B5EF4-FFF2-40B4-BE49-F238E27FC236}">
+                  <a16:creationId xmlns:a16="http://schemas.microsoft.com/office/drawing/2014/main" id="{A33536F4-BE68-4A06-91A0-365B33E46FDF}"/>
+                </a:ext>
+              </a:extLst>
+            </p:cNvPr>
+            <p:cNvSpPr/>
+            <p:nvPr/>
+          </p:nvSpPr>
+          <p:spPr>
+            <a:xfrm>
+              <a:off x="3789603" y="5439973"/>
+              <a:ext cx="324000" cy="324000"/>
+            </a:xfrm>
+            <a:prstGeom prst="ellipse">
+              <a:avLst/>
+            </a:prstGeom>
+            <a:solidFill>
+              <a:schemeClr val="bg1"/>
+            </a:solidFill>
+            <a:ln w="19050">
+              <a:solidFill>
+                <a:schemeClr val="tx1">
+                  <a:lumMod val="50000"/>
+                  <a:lumOff val="50000"/>
+                </a:schemeClr>
+              </a:solidFill>
+            </a:ln>
+          </p:spPr>
+          <p:style>
+            <a:lnRef idx="2">
+              <a:schemeClr val="accent1">
+                <a:shade val="50000"/>
+              </a:schemeClr>
+            </a:lnRef>
+            <a:fillRef idx="1">
+              <a:schemeClr val="accent1"/>
+            </a:fillRef>
+            <a:effectRef idx="0">
+              <a:schemeClr val="accent1"/>
+            </a:effectRef>
+            <a:fontRef idx="minor">
+              <a:schemeClr val="lt1"/>
+            </a:fontRef>
+          </p:style>
+          <p:txBody>
+            <a:bodyPr lIns="36000" tIns="36000" rIns="36000" bIns="36000" rtlCol="0" anchor="ctr"/>
+            <a:lstStyle/>
+            <a:p>
+              <a:pPr algn="ctr"/>
+              <a:r>
+                <a:rPr lang="fr-FR" sz="1400" b="1" dirty="0">
+                  <a:solidFill>
+                    <a:schemeClr val="tx1">
+                      <a:lumMod val="50000"/>
+                      <a:lumOff val="50000"/>
+                    </a:schemeClr>
+                  </a:solidFill>
+                </a:rPr>
+                <a:t>3</a:t>
+              </a:r>
+            </a:p>
+          </p:txBody>
+        </p:sp>
+        <mc:AlternateContent xmlns:mc="http://schemas.openxmlformats.org/markup-compatibility/2006" xmlns:a14="http://schemas.microsoft.com/office/drawing/2010/main">
+          <mc:Choice Requires="a14">
+            <p:sp>
+              <p:nvSpPr>
+                <p:cNvPr id="51" name="ZoneTexte 50">
+                  <a:extLst>
+                    <a:ext uri="{FF2B5EF4-FFF2-40B4-BE49-F238E27FC236}">
+                      <a16:creationId xmlns:a16="http://schemas.microsoft.com/office/drawing/2014/main" id="{B6B61A66-8781-4E19-8E9F-B7C0A4EC629D}"/>
+                    </a:ext>
+                  </a:extLst>
+                </p:cNvPr>
+                <p:cNvSpPr txBox="1"/>
+                <p:nvPr/>
+              </p:nvSpPr>
+              <p:spPr>
+                <a:xfrm>
+                  <a:off x="3710352" y="5910504"/>
+                  <a:ext cx="669554" cy="361162"/>
+                </a:xfrm>
+                <a:prstGeom prst="rect">
+                  <a:avLst/>
+                </a:prstGeom>
+                <a:noFill/>
+              </p:spPr>
+              <p:txBody>
+                <a:bodyPr wrap="none" rtlCol="0">
+                  <a:spAutoFit/>
+                </a:bodyPr>
+                <a:lstStyle/>
+                <a:p>
+                  <a:pPr algn="ctr"/>
+                  <a:r>
+                    <a:rPr lang="fr-FR" sz="1200" dirty="0"/>
+                    <a:t>Pivot d’axe</a:t>
+                  </a:r>
+                </a:p>
+                <a:p>
+                  <a:pPr algn="ctr"/>
+                  <a14:m>
+                    <m:oMathPara xmlns:m="http://schemas.openxmlformats.org/officeDocument/2006/math">
+                      <m:oMathParaPr>
+                        <m:jc m:val="centerGroup"/>
+                      </m:oMathParaPr>
+                      <m:oMath xmlns:m="http://schemas.openxmlformats.org/officeDocument/2006/math">
+                        <m:d>
+                          <m:dPr>
+                            <m:ctrlPr>
+                              <a:rPr lang="fr-FR" sz="1200" i="1" smtClean="0">
+                                <a:latin typeface="Cambria Math" panose="02040503050406030204" pitchFamily="18" charset="0"/>
+                              </a:rPr>
+                            </m:ctrlPr>
+                          </m:dPr>
+                          <m:e>
+                            <m:r>
+                              <a:rPr lang="fr-FR" sz="1200" b="0" i="1" smtClean="0">
+                                <a:latin typeface="Cambria Math" panose="02040503050406030204" pitchFamily="18" charset="0"/>
+                              </a:rPr>
+                              <m:t>𝑃</m:t>
+                            </m:r>
+                            <m:r>
+                              <a:rPr lang="fr-FR" sz="1200" b="0" i="1" smtClean="0">
+                                <a:latin typeface="Cambria Math" panose="02040503050406030204" pitchFamily="18" charset="0"/>
+                              </a:rPr>
+                              <m:t>,</m:t>
+                            </m:r>
+                            <m:acc>
+                              <m:accPr>
+                                <m:chr m:val="⃗"/>
+                                <m:ctrlPr>
+                                  <a:rPr lang="fr-FR" sz="1200" b="0" i="1" smtClean="0">
+                                    <a:latin typeface="Cambria Math" panose="02040503050406030204" pitchFamily="18" charset="0"/>
+                                  </a:rPr>
+                                </m:ctrlPr>
+                              </m:accPr>
+                              <m:e>
+                                <m:sSub>
+                                  <m:sSubPr>
+                                    <m:ctrlPr>
+                                      <a:rPr lang="fr-FR" sz="1200" b="0" i="1" smtClean="0">
+                                        <a:latin typeface="Cambria Math" panose="02040503050406030204" pitchFamily="18" charset="0"/>
+                                      </a:rPr>
+                                    </m:ctrlPr>
+                                  </m:sSubPr>
+                                  <m:e>
+                                    <m:r>
+                                      <a:rPr lang="fr-FR" sz="1200" b="0" i="1" smtClean="0">
+                                        <a:latin typeface="Cambria Math" panose="02040503050406030204" pitchFamily="18" charset="0"/>
+                                      </a:rPr>
+                                      <m:t>𝑧</m:t>
+                                    </m:r>
+                                  </m:e>
+                                  <m:sub>
+                                    <m:r>
+                                      <a:rPr lang="fr-FR" sz="1200" b="0" i="1" smtClean="0">
+                                        <a:latin typeface="Cambria Math" panose="02040503050406030204" pitchFamily="18" charset="0"/>
+                                      </a:rPr>
+                                      <m:t>4</m:t>
+                                    </m:r>
+                                  </m:sub>
+                                </m:sSub>
+                              </m:e>
+                            </m:acc>
+                          </m:e>
+                        </m:d>
+                      </m:oMath>
+                    </m:oMathPara>
+                  </a14:m>
+                  <a:endParaRPr lang="fr-FR" sz="1200" dirty="0"/>
+                </a:p>
+              </p:txBody>
+            </p:sp>
+          </mc:Choice>
+          <mc:Fallback xmlns="">
+            <p:sp>
+              <p:nvSpPr>
+                <p:cNvPr id="51" name="ZoneTexte 50">
+                  <a:extLst>
+                    <a:ext uri="{FF2B5EF4-FFF2-40B4-BE49-F238E27FC236}">
+                      <a16:creationId xmlns:a16="http://schemas.microsoft.com/office/drawing/2014/main" id="{B6B61A66-8781-4E19-8E9F-B7C0A4EC629D}"/>
+                    </a:ext>
+                  </a:extLst>
+                </p:cNvPr>
+                <p:cNvSpPr txBox="1">
+                  <a:spLocks noRot="1" noChangeAspect="1" noMove="1" noResize="1" noEditPoints="1" noAdjustHandles="1" noChangeArrowheads="1" noChangeShapeType="1" noTextEdit="1"/>
+                </p:cNvSpPr>
+                <p:nvPr/>
+              </p:nvSpPr>
+              <p:spPr>
+                <a:xfrm>
+                  <a:off x="3710352" y="5910504"/>
+                  <a:ext cx="669554" cy="361162"/>
+                </a:xfrm>
+                <a:prstGeom prst="rect">
+                  <a:avLst/>
+                </a:prstGeom>
+                <a:blipFill>
+                  <a:blip r:embed="rId8"/>
+                  <a:stretch>
+                    <a:fillRect t="-1316"/>
+                  </a:stretch>
+                </a:blipFill>
+              </p:spPr>
+              <p:txBody>
+                <a:bodyPr/>
+                <a:lstStyle/>
+                <a:p>
+                  <a:r>
+                    <a:rPr lang="fr-FR">
+                      <a:noFill/>
+                    </a:rPr>
+                    <a:t> </a:t>
+                  </a:r>
+                </a:p>
+              </p:txBody>
+            </p:sp>
+          </mc:Fallback>
+        </mc:AlternateContent>
+        <p:sp>
+          <p:nvSpPr>
+            <p:cNvPr id="52" name="Ellipse 51">
+              <a:extLst>
+                <a:ext uri="{FF2B5EF4-FFF2-40B4-BE49-F238E27FC236}">
+                  <a16:creationId xmlns:a16="http://schemas.microsoft.com/office/drawing/2014/main" id="{0833B226-2C1A-4922-9B9C-7B70DBEC4092}"/>
+                </a:ext>
+              </a:extLst>
+            </p:cNvPr>
+            <p:cNvSpPr/>
+            <p:nvPr/>
+          </p:nvSpPr>
+          <p:spPr>
+            <a:xfrm>
+              <a:off x="4507104" y="6231029"/>
+              <a:ext cx="324000" cy="324000"/>
+            </a:xfrm>
+            <a:prstGeom prst="ellipse">
+              <a:avLst/>
+            </a:prstGeom>
+            <a:solidFill>
+              <a:schemeClr val="bg1"/>
+            </a:solidFill>
+            <a:ln w="19050">
+              <a:solidFill>
+                <a:srgbClr val="7030A0"/>
+              </a:solidFill>
+            </a:ln>
+          </p:spPr>
+          <p:style>
+            <a:lnRef idx="2">
+              <a:schemeClr val="accent1">
+                <a:shade val="50000"/>
+              </a:schemeClr>
+            </a:lnRef>
+            <a:fillRef idx="1">
+              <a:schemeClr val="accent1"/>
+            </a:fillRef>
+            <a:effectRef idx="0">
+              <a:schemeClr val="accent1"/>
+            </a:effectRef>
+            <a:fontRef idx="minor">
+              <a:schemeClr val="lt1"/>
+            </a:fontRef>
+          </p:style>
+          <p:txBody>
+            <a:bodyPr lIns="36000" tIns="36000" rIns="36000" bIns="36000" rtlCol="0" anchor="ctr"/>
+            <a:lstStyle/>
+            <a:p>
+              <a:pPr algn="ctr"/>
+              <a:r>
+                <a:rPr lang="fr-FR" sz="1400" b="1" dirty="0">
+                  <a:solidFill>
+                    <a:srgbClr val="7030A0"/>
+                  </a:solidFill>
+                </a:rPr>
+                <a:t>8</a:t>
+              </a:r>
+            </a:p>
+          </p:txBody>
+        </p:sp>
+        <mc:AlternateContent xmlns:mc="http://schemas.openxmlformats.org/markup-compatibility/2006" xmlns:a14="http://schemas.microsoft.com/office/drawing/2010/main">
+          <mc:Choice Requires="a14">
+            <p:sp>
+              <p:nvSpPr>
+                <p:cNvPr id="53" name="ZoneTexte 52">
+                  <a:extLst>
+                    <a:ext uri="{FF2B5EF4-FFF2-40B4-BE49-F238E27FC236}">
+                      <a16:creationId xmlns:a16="http://schemas.microsoft.com/office/drawing/2014/main" id="{C7BB189B-8D3C-463C-9F00-0FCD41C825C3}"/>
+                    </a:ext>
+                  </a:extLst>
+                </p:cNvPr>
+                <p:cNvSpPr txBox="1"/>
+                <p:nvPr/>
+              </p:nvSpPr>
+              <p:spPr>
+                <a:xfrm rot="18818568">
+                  <a:off x="4625328" y="5821441"/>
+                  <a:ext cx="875881" cy="461665"/>
+                </a:xfrm>
+                <a:prstGeom prst="rect">
+                  <a:avLst/>
+                </a:prstGeom>
+                <a:noFill/>
+              </p:spPr>
+              <p:txBody>
+                <a:bodyPr wrap="none" rtlCol="0">
+                  <a:spAutoFit/>
+                </a:bodyPr>
+                <a:lstStyle/>
+                <a:p>
+                  <a:pPr algn="ctr"/>
+                  <a:r>
+                    <a:rPr lang="fr-FR" sz="1200" dirty="0"/>
+                    <a:t>Hélicoïdale</a:t>
+                  </a:r>
+                </a:p>
+                <a:p>
+                  <a:pPr algn="ctr"/>
+                  <a14:m>
+                    <m:oMathPara xmlns:m="http://schemas.openxmlformats.org/officeDocument/2006/math">
+                      <m:oMathParaPr>
+                        <m:jc m:val="centerGroup"/>
+                      </m:oMathParaPr>
+                      <m:oMath xmlns:m="http://schemas.openxmlformats.org/officeDocument/2006/math">
+                        <m:d>
+                          <m:dPr>
+                            <m:ctrlPr>
+                              <a:rPr lang="fr-FR" sz="1200" i="1">
+                                <a:latin typeface="Cambria Math" panose="02040503050406030204" pitchFamily="18" charset="0"/>
+                              </a:rPr>
+                            </m:ctrlPr>
+                          </m:dPr>
+                          <m:e>
+                            <m:r>
+                              <a:rPr lang="fr-FR" sz="1200" i="1">
+                                <a:latin typeface="Cambria Math" panose="02040503050406030204" pitchFamily="18" charset="0"/>
+                              </a:rPr>
+                              <m:t>𝑃</m:t>
+                            </m:r>
+                            <m:r>
+                              <a:rPr lang="fr-FR" sz="1200" i="1">
+                                <a:latin typeface="Cambria Math" panose="02040503050406030204" pitchFamily="18" charset="0"/>
+                              </a:rPr>
+                              <m:t>,</m:t>
+                            </m:r>
+                            <m:acc>
+                              <m:accPr>
+                                <m:chr m:val="⃗"/>
+                                <m:ctrlPr>
+                                  <a:rPr lang="fr-FR" sz="1200" i="1">
+                                    <a:latin typeface="Cambria Math" panose="02040503050406030204" pitchFamily="18" charset="0"/>
+                                  </a:rPr>
+                                </m:ctrlPr>
+                              </m:accPr>
+                              <m:e>
+                                <m:sSub>
+                                  <m:sSubPr>
+                                    <m:ctrlPr>
+                                      <a:rPr lang="fr-FR" sz="1200" i="1">
+                                        <a:latin typeface="Cambria Math" panose="02040503050406030204" pitchFamily="18" charset="0"/>
+                                      </a:rPr>
+                                    </m:ctrlPr>
+                                  </m:sSubPr>
+                                  <m:e>
+                                    <m:r>
+                                      <a:rPr lang="fr-FR" sz="1200" i="1">
+                                        <a:latin typeface="Cambria Math" panose="02040503050406030204" pitchFamily="18" charset="0"/>
+                                      </a:rPr>
+                                      <m:t>𝑧</m:t>
+                                    </m:r>
+                                  </m:e>
+                                  <m:sub>
+                                    <m:r>
+                                      <a:rPr lang="fr-FR" sz="1200" i="1">
+                                        <a:latin typeface="Cambria Math" panose="02040503050406030204" pitchFamily="18" charset="0"/>
+                                      </a:rPr>
+                                      <m:t>4</m:t>
+                                    </m:r>
+                                  </m:sub>
+                                </m:sSub>
+                              </m:e>
+                            </m:acc>
+                          </m:e>
+                        </m:d>
+                      </m:oMath>
+                    </m:oMathPara>
+                  </a14:m>
+                  <a:endParaRPr lang="fr-FR" sz="1200" dirty="0"/>
+                </a:p>
+              </p:txBody>
+            </p:sp>
+          </mc:Choice>
+          <mc:Fallback xmlns="">
+            <p:sp>
+              <p:nvSpPr>
+                <p:cNvPr id="53" name="ZoneTexte 52">
+                  <a:extLst>
+                    <a:ext uri="{FF2B5EF4-FFF2-40B4-BE49-F238E27FC236}">
+                      <a16:creationId xmlns:a16="http://schemas.microsoft.com/office/drawing/2014/main" id="{C7BB189B-8D3C-463C-9F00-0FCD41C825C3}"/>
+                    </a:ext>
+                  </a:extLst>
+                </p:cNvPr>
+                <p:cNvSpPr txBox="1">
+                  <a:spLocks noRot="1" noChangeAspect="1" noMove="1" noResize="1" noEditPoints="1" noAdjustHandles="1" noChangeArrowheads="1" noChangeShapeType="1" noTextEdit="1"/>
+                </p:cNvSpPr>
+                <p:nvPr/>
+              </p:nvSpPr>
+              <p:spPr>
+                <a:xfrm rot="18818568">
+                  <a:off x="4625328" y="5821441"/>
+                  <a:ext cx="875881" cy="461665"/>
+                </a:xfrm>
+                <a:prstGeom prst="rect">
+                  <a:avLst/>
+                </a:prstGeom>
+                <a:blipFill>
+                  <a:blip r:embed="rId9"/>
+                  <a:stretch>
+                    <a:fillRect/>
+                  </a:stretch>
+                </a:blipFill>
+              </p:spPr>
+              <p:txBody>
+                <a:bodyPr/>
+                <a:lstStyle/>
+                <a:p>
+                  <a:r>
+                    <a:rPr lang="fr-FR">
+                      <a:noFill/>
+                    </a:rPr>
+                    <a:t> </a:t>
+                  </a:r>
+                </a:p>
+              </p:txBody>
+            </p:sp>
+          </mc:Fallback>
+        </mc:AlternateContent>
+        <p:sp>
+          <p:nvSpPr>
+            <p:cNvPr id="2" name="Éclair 1">
+              <a:extLst>
+                <a:ext uri="{FF2B5EF4-FFF2-40B4-BE49-F238E27FC236}">
+                  <a16:creationId xmlns:a16="http://schemas.microsoft.com/office/drawing/2014/main" id="{FC868525-B9E2-48B1-ACCC-636EEA1266DB}"/>
+                </a:ext>
+              </a:extLst>
+            </p:cNvPr>
+            <p:cNvSpPr/>
+            <p:nvPr/>
+          </p:nvSpPr>
+          <p:spPr>
+            <a:xfrm rot="16200000">
+              <a:off x="1116358" y="6563360"/>
+              <a:ext cx="471692" cy="589280"/>
+            </a:xfrm>
+            <a:prstGeom prst="lightningBolt">
+              <a:avLst/>
+            </a:prstGeom>
+            <a:solidFill>
+              <a:schemeClr val="accent2">
+                <a:lumMod val="20000"/>
+                <a:lumOff val="80000"/>
+              </a:schemeClr>
+            </a:solidFill>
+            <a:ln>
+              <a:solidFill>
+                <a:srgbClr val="FF0000"/>
+              </a:solidFill>
+            </a:ln>
+          </p:spPr>
+          <p:style>
+            <a:lnRef idx="2">
+              <a:schemeClr val="accent1">
+                <a:shade val="50000"/>
+              </a:schemeClr>
+            </a:lnRef>
+            <a:fillRef idx="1">
+              <a:schemeClr val="accent1"/>
+            </a:fillRef>
+            <a:effectRef idx="0">
+              <a:schemeClr val="accent1"/>
+            </a:effectRef>
+            <a:fontRef idx="minor">
+              <a:schemeClr val="lt1"/>
+            </a:fontRef>
+          </p:style>
+          <p:txBody>
+            <a:bodyPr rtlCol="0" anchor="ctr"/>
+            <a:lstStyle/>
+            <a:p>
+              <a:pPr algn="ctr"/>
+              <a:endParaRPr lang="fr-FR"/>
+            </a:p>
+          </p:txBody>
+        </p:sp>
+        <mc:AlternateContent xmlns:mc="http://schemas.openxmlformats.org/markup-compatibility/2006" xmlns:a14="http://schemas.microsoft.com/office/drawing/2010/main">
+          <mc:Choice Requires="a14">
+            <p:sp>
+              <p:nvSpPr>
+                <p:cNvPr id="32" name="ZoneTexte 31">
+                  <a:extLst>
+                    <a:ext uri="{FF2B5EF4-FFF2-40B4-BE49-F238E27FC236}">
+                      <a16:creationId xmlns:a16="http://schemas.microsoft.com/office/drawing/2014/main" id="{550CB7A5-7748-4231-ACFF-CB60D10958D6}"/>
+                    </a:ext>
+                  </a:extLst>
+                </p:cNvPr>
+                <p:cNvSpPr txBox="1"/>
+                <p:nvPr/>
+              </p:nvSpPr>
+              <p:spPr>
+                <a:xfrm>
+                  <a:off x="514293" y="6916678"/>
+                  <a:ext cx="618696" cy="276999"/>
+                </a:xfrm>
+                <a:prstGeom prst="rect">
+                  <a:avLst/>
+                </a:prstGeom>
+                <a:noFill/>
+              </p:spPr>
+              <p:txBody>
+                <a:bodyPr wrap="none" rtlCol="0">
+                  <a:spAutoFit/>
+                </a:bodyPr>
+                <a:lstStyle/>
+                <a:p>
+                  <a:pPr/>
+                  <a14:m>
+                    <m:oMathPara xmlns:m="http://schemas.openxmlformats.org/officeDocument/2006/math">
+                      <m:oMathParaPr>
+                        <m:jc m:val="centerGroup"/>
+                      </m:oMathParaPr>
+                      <m:oMath xmlns:m="http://schemas.openxmlformats.org/officeDocument/2006/math">
+                        <m:sSub>
+                          <m:sSubPr>
+                            <m:ctrlPr>
+                              <a:rPr lang="fr-FR" sz="1200" b="0" i="1" smtClean="0">
+                                <a:latin typeface="Cambria Math" panose="02040503050406030204" pitchFamily="18" charset="0"/>
+                              </a:rPr>
+                            </m:ctrlPr>
+                          </m:sSubPr>
+                          <m:e>
+                            <m:r>
+                              <a:rPr lang="fr-FR" sz="1200" b="0" i="1" smtClean="0">
+                                <a:latin typeface="Cambria Math" panose="02040503050406030204" pitchFamily="18" charset="0"/>
+                              </a:rPr>
+                              <m:t>𝐶</m:t>
+                            </m:r>
+                          </m:e>
+                          <m:sub>
+                            <m:r>
+                              <a:rPr lang="fr-FR" sz="1200" b="0" i="1" smtClean="0">
+                                <a:latin typeface="Cambria Math" panose="02040503050406030204" pitchFamily="18" charset="0"/>
+                              </a:rPr>
+                              <m:t>𝑚</m:t>
+                            </m:r>
+                            <m:r>
+                              <a:rPr lang="fr-FR" sz="1200" b="0" i="1" smtClean="0">
+                                <a:latin typeface="Cambria Math" panose="02040503050406030204" pitchFamily="18" charset="0"/>
+                              </a:rPr>
+                              <m:t>1</m:t>
+                            </m:r>
+                          </m:sub>
+                        </m:sSub>
+                        <m:acc>
+                          <m:accPr>
+                            <m:chr m:val="⃗"/>
+                            <m:ctrlPr>
+                              <a:rPr lang="fr-FR" sz="1200" i="1">
+                                <a:latin typeface="Cambria Math" panose="02040503050406030204" pitchFamily="18" charset="0"/>
+                              </a:rPr>
+                            </m:ctrlPr>
+                          </m:accPr>
+                          <m:e>
+                            <m:sSub>
+                              <m:sSubPr>
+                                <m:ctrlPr>
+                                  <a:rPr lang="fr-FR" sz="1200" i="1">
+                                    <a:latin typeface="Cambria Math" panose="02040503050406030204" pitchFamily="18" charset="0"/>
+                                  </a:rPr>
+                                </m:ctrlPr>
+                              </m:sSubPr>
+                              <m:e>
+                                <m:r>
+                                  <a:rPr lang="fr-FR" sz="1200" i="1">
+                                    <a:latin typeface="Cambria Math" panose="02040503050406030204" pitchFamily="18" charset="0"/>
+                                  </a:rPr>
+                                  <m:t>𝑧</m:t>
+                                </m:r>
+                              </m:e>
+                              <m:sub>
+                                <m:r>
+                                  <a:rPr lang="fr-FR" sz="1200" i="1">
+                                    <a:latin typeface="Cambria Math" panose="02040503050406030204" pitchFamily="18" charset="0"/>
+                                  </a:rPr>
+                                  <m:t>1</m:t>
+                                </m:r>
+                              </m:sub>
+                            </m:sSub>
+                          </m:e>
+                        </m:acc>
+                      </m:oMath>
+                    </m:oMathPara>
+                  </a14:m>
+                  <a:endParaRPr lang="fr-FR" sz="1200" dirty="0"/>
+                </a:p>
+              </p:txBody>
+            </p:sp>
+          </mc:Choice>
+          <mc:Fallback xmlns="">
+            <p:sp>
+              <p:nvSpPr>
+                <p:cNvPr id="32" name="ZoneTexte 31">
+                  <a:extLst>
+                    <a:ext uri="{FF2B5EF4-FFF2-40B4-BE49-F238E27FC236}">
+                      <a16:creationId xmlns:a16="http://schemas.microsoft.com/office/drawing/2014/main" id="{550CB7A5-7748-4231-ACFF-CB60D10958D6}"/>
+                    </a:ext>
+                  </a:extLst>
+                </p:cNvPr>
+                <p:cNvSpPr txBox="1">
+                  <a:spLocks noRot="1" noChangeAspect="1" noMove="1" noResize="1" noEditPoints="1" noAdjustHandles="1" noChangeArrowheads="1" noChangeShapeType="1" noTextEdit="1"/>
+                </p:cNvSpPr>
+                <p:nvPr/>
+              </p:nvSpPr>
+              <p:spPr>
+                <a:xfrm>
+                  <a:off x="514293" y="6916678"/>
+                  <a:ext cx="618696" cy="276999"/>
+                </a:xfrm>
+                <a:prstGeom prst="rect">
+                  <a:avLst/>
+                </a:prstGeom>
+                <a:blipFill>
+                  <a:blip r:embed="rId10"/>
+                  <a:stretch>
+                    <a:fillRect/>
+                  </a:stretch>
+                </a:blipFill>
+              </p:spPr>
+              <p:txBody>
+                <a:bodyPr/>
+                <a:lstStyle/>
+                <a:p>
+                  <a:r>
+                    <a:rPr lang="fr-FR">
+                      <a:noFill/>
+                    </a:rPr>
+                    <a:t> </a:t>
+                  </a:r>
+                </a:p>
+              </p:txBody>
+            </p:sp>
+          </mc:Fallback>
+        </mc:AlternateContent>
+        <p:sp>
+          <p:nvSpPr>
+            <p:cNvPr id="33" name="Éclair 32">
+              <a:extLst>
+                <a:ext uri="{FF2B5EF4-FFF2-40B4-BE49-F238E27FC236}">
+                  <a16:creationId xmlns:a16="http://schemas.microsoft.com/office/drawing/2014/main" id="{B5CF7BAC-2907-4DDB-AE10-3F37637FD44C}"/>
+                </a:ext>
+              </a:extLst>
+            </p:cNvPr>
+            <p:cNvSpPr/>
+            <p:nvPr/>
+          </p:nvSpPr>
+          <p:spPr>
+            <a:xfrm rot="16200000">
+              <a:off x="2557009" y="6507513"/>
+              <a:ext cx="471692" cy="589280"/>
+            </a:xfrm>
+            <a:prstGeom prst="lightningBolt">
+              <a:avLst/>
+            </a:prstGeom>
+            <a:solidFill>
+              <a:schemeClr val="accent2">
+                <a:lumMod val="20000"/>
+                <a:lumOff val="80000"/>
+              </a:schemeClr>
+            </a:solidFill>
+            <a:ln>
+              <a:solidFill>
+                <a:srgbClr val="FF0000"/>
+              </a:solidFill>
+            </a:ln>
+          </p:spPr>
+          <p:style>
+            <a:lnRef idx="2">
+              <a:schemeClr val="accent1">
+                <a:shade val="50000"/>
+              </a:schemeClr>
+            </a:lnRef>
+            <a:fillRef idx="1">
+              <a:schemeClr val="accent1"/>
+            </a:fillRef>
+            <a:effectRef idx="0">
+              <a:schemeClr val="accent1"/>
+            </a:effectRef>
+            <a:fontRef idx="minor">
+              <a:schemeClr val="lt1"/>
+            </a:fontRef>
+          </p:style>
+          <p:txBody>
+            <a:bodyPr rtlCol="0" anchor="ctr"/>
+            <a:lstStyle/>
+            <a:p>
+              <a:pPr algn="ctr"/>
+              <a:endParaRPr lang="fr-FR"/>
+            </a:p>
+          </p:txBody>
+        </p:sp>
+        <mc:AlternateContent xmlns:mc="http://schemas.openxmlformats.org/markup-compatibility/2006" xmlns:a14="http://schemas.microsoft.com/office/drawing/2010/main">
+          <mc:Choice Requires="a14">
+            <p:sp>
+              <p:nvSpPr>
+                <p:cNvPr id="36" name="ZoneTexte 35">
+                  <a:extLst>
+                    <a:ext uri="{FF2B5EF4-FFF2-40B4-BE49-F238E27FC236}">
+                      <a16:creationId xmlns:a16="http://schemas.microsoft.com/office/drawing/2014/main" id="{C7BF12CE-50FF-4C3E-851F-FF6B46BFD036}"/>
+                    </a:ext>
+                  </a:extLst>
+                </p:cNvPr>
+                <p:cNvSpPr txBox="1"/>
+                <p:nvPr/>
+              </p:nvSpPr>
+              <p:spPr>
+                <a:xfrm>
+                  <a:off x="1942061" y="6872205"/>
+                  <a:ext cx="662361" cy="314702"/>
+                </a:xfrm>
+                <a:prstGeom prst="rect">
+                  <a:avLst/>
+                </a:prstGeom>
+                <a:noFill/>
+              </p:spPr>
+              <p:txBody>
+                <a:bodyPr wrap="none" rtlCol="0">
+                  <a:spAutoFit/>
+                </a:bodyPr>
+                <a:lstStyle/>
+                <a:p>
+                  <a:pPr/>
+                  <a14:m>
+                    <m:oMathPara xmlns:m="http://schemas.openxmlformats.org/officeDocument/2006/math">
+                      <m:oMathParaPr>
+                        <m:jc m:val="centerGroup"/>
+                      </m:oMathParaPr>
+                      <m:oMath xmlns:m="http://schemas.openxmlformats.org/officeDocument/2006/math">
+                        <m:sSub>
+                          <m:sSubPr>
+                            <m:ctrlPr>
+                              <a:rPr lang="fr-FR" sz="1200" b="0" i="1" smtClean="0">
+                                <a:latin typeface="Cambria Math" panose="02040503050406030204" pitchFamily="18" charset="0"/>
+                              </a:rPr>
+                            </m:ctrlPr>
+                          </m:sSubPr>
+                          <m:e>
+                            <m:r>
+                              <a:rPr lang="fr-FR" sz="1200" b="0" i="1" smtClean="0">
+                                <a:latin typeface="Cambria Math" panose="02040503050406030204" pitchFamily="18" charset="0"/>
+                              </a:rPr>
+                              <m:t>𝐶</m:t>
+                            </m:r>
+                          </m:e>
+                          <m:sub>
+                            <m:r>
+                              <a:rPr lang="fr-FR" sz="1200" b="0" i="1" smtClean="0">
+                                <a:latin typeface="Cambria Math" panose="02040503050406030204" pitchFamily="18" charset="0"/>
+                              </a:rPr>
+                              <m:t>𝑚</m:t>
+                            </m:r>
+                            <m:r>
+                              <a:rPr lang="fr-FR" sz="1200" b="0" i="1" smtClean="0">
+                                <a:latin typeface="Cambria Math" panose="02040503050406030204" pitchFamily="18" charset="0"/>
+                              </a:rPr>
+                              <m:t>2</m:t>
+                            </m:r>
+                          </m:sub>
+                        </m:sSub>
+                        <m:acc>
+                          <m:accPr>
+                            <m:chr m:val="⃗"/>
+                            <m:ctrlPr>
+                              <a:rPr lang="fr-FR" sz="1200" i="1">
+                                <a:latin typeface="Cambria Math" panose="02040503050406030204" pitchFamily="18" charset="0"/>
+                              </a:rPr>
+                            </m:ctrlPr>
+                          </m:accPr>
+                          <m:e>
+                            <m:sSub>
+                              <m:sSubPr>
+                                <m:ctrlPr>
+                                  <a:rPr lang="fr-FR" sz="1200" i="1">
+                                    <a:latin typeface="Cambria Math" panose="02040503050406030204" pitchFamily="18" charset="0"/>
+                                  </a:rPr>
+                                </m:ctrlPr>
+                              </m:sSubPr>
+                              <m:e>
+                                <m:r>
+                                  <a:rPr lang="fr-FR" sz="1200" i="1">
+                                    <a:latin typeface="Cambria Math" panose="02040503050406030204" pitchFamily="18" charset="0"/>
+                                  </a:rPr>
+                                  <m:t>𝑧</m:t>
+                                </m:r>
+                              </m:e>
+                              <m:sub>
+                                <m:r>
+                                  <a:rPr lang="fr-FR" sz="1200" b="0" i="1" smtClean="0">
+                                    <a:latin typeface="Cambria Math" panose="02040503050406030204" pitchFamily="18" charset="0"/>
+                                  </a:rPr>
+                                  <m:t>2</m:t>
+                                </m:r>
+                              </m:sub>
+                            </m:sSub>
+                            <m:r>
+                              <a:rPr lang="fr-FR" sz="1200" b="0" i="1" smtClean="0">
+                                <a:latin typeface="Cambria Math" panose="02040503050406030204" pitchFamily="18" charset="0"/>
+                              </a:rPr>
+                              <m:t>′</m:t>
+                            </m:r>
+                          </m:e>
+                        </m:acc>
+                      </m:oMath>
+                    </m:oMathPara>
+                  </a14:m>
+                  <a:endParaRPr lang="fr-FR" sz="1200" dirty="0"/>
+                </a:p>
+              </p:txBody>
+            </p:sp>
+          </mc:Choice>
+          <mc:Fallback xmlns="">
+            <p:sp>
+              <p:nvSpPr>
+                <p:cNvPr id="36" name="ZoneTexte 35">
+                  <a:extLst>
+                    <a:ext uri="{FF2B5EF4-FFF2-40B4-BE49-F238E27FC236}">
+                      <a16:creationId xmlns:a16="http://schemas.microsoft.com/office/drawing/2014/main" id="{C7BF12CE-50FF-4C3E-851F-FF6B46BFD036}"/>
+                    </a:ext>
+                  </a:extLst>
+                </p:cNvPr>
+                <p:cNvSpPr txBox="1">
+                  <a:spLocks noRot="1" noChangeAspect="1" noMove="1" noResize="1" noEditPoints="1" noAdjustHandles="1" noChangeArrowheads="1" noChangeShapeType="1" noTextEdit="1"/>
+                </p:cNvSpPr>
+                <p:nvPr/>
+              </p:nvSpPr>
+              <p:spPr>
+                <a:xfrm>
+                  <a:off x="1942061" y="6872205"/>
+                  <a:ext cx="662361" cy="314702"/>
+                </a:xfrm>
+                <a:prstGeom prst="rect">
+                  <a:avLst/>
+                </a:prstGeom>
+                <a:blipFill>
+                  <a:blip r:embed="rId11"/>
+                  <a:stretch>
+                    <a:fillRect/>
+                  </a:stretch>
+                </a:blipFill>
+              </p:spPr>
+              <p:txBody>
+                <a:bodyPr/>
+                <a:lstStyle/>
+                <a:p>
+                  <a:r>
+                    <a:rPr lang="fr-FR">
+                      <a:noFill/>
+                    </a:rPr>
+                    <a:t> </a:t>
+                  </a:r>
+                </a:p>
+              </p:txBody>
+            </p:sp>
+          </mc:Fallback>
+        </mc:AlternateContent>
+        <p:sp>
+          <p:nvSpPr>
+            <p:cNvPr id="37" name="Éclair 36">
+              <a:extLst>
+                <a:ext uri="{FF2B5EF4-FFF2-40B4-BE49-F238E27FC236}">
+                  <a16:creationId xmlns:a16="http://schemas.microsoft.com/office/drawing/2014/main" id="{34954ABA-E82E-48C1-A39F-06B817E3812D}"/>
+                </a:ext>
+              </a:extLst>
+            </p:cNvPr>
+            <p:cNvSpPr/>
+            <p:nvPr/>
+          </p:nvSpPr>
+          <p:spPr>
+            <a:xfrm rot="16200000">
+              <a:off x="4019442" y="6515286"/>
+              <a:ext cx="471692" cy="589280"/>
+            </a:xfrm>
+            <a:prstGeom prst="lightningBolt">
+              <a:avLst/>
+            </a:prstGeom>
+            <a:solidFill>
+              <a:schemeClr val="accent2">
+                <a:lumMod val="20000"/>
+                <a:lumOff val="80000"/>
+              </a:schemeClr>
+            </a:solidFill>
+            <a:ln>
+              <a:solidFill>
+                <a:srgbClr val="FF0000"/>
+              </a:solidFill>
+            </a:ln>
+          </p:spPr>
+          <p:style>
+            <a:lnRef idx="2">
+              <a:schemeClr val="accent1">
+                <a:shade val="50000"/>
+              </a:schemeClr>
+            </a:lnRef>
+            <a:fillRef idx="1">
+              <a:schemeClr val="accent1"/>
+            </a:fillRef>
+            <a:effectRef idx="0">
+              <a:schemeClr val="accent1"/>
+            </a:effectRef>
+            <a:fontRef idx="minor">
+              <a:schemeClr val="lt1"/>
+            </a:fontRef>
+          </p:style>
+          <p:txBody>
+            <a:bodyPr rtlCol="0" anchor="ctr"/>
+            <a:lstStyle/>
+            <a:p>
+              <a:pPr algn="ctr"/>
+              <a:endParaRPr lang="fr-FR" dirty="0"/>
+            </a:p>
+          </p:txBody>
+        </p:sp>
+        <mc:AlternateContent xmlns:mc="http://schemas.openxmlformats.org/markup-compatibility/2006" xmlns:a14="http://schemas.microsoft.com/office/drawing/2010/main">
+          <mc:Choice Requires="a14">
+            <p:sp>
+              <p:nvSpPr>
+                <p:cNvPr id="41" name="ZoneTexte 40">
+                  <a:extLst>
+                    <a:ext uri="{FF2B5EF4-FFF2-40B4-BE49-F238E27FC236}">
+                      <a16:creationId xmlns:a16="http://schemas.microsoft.com/office/drawing/2014/main" id="{D8A54E04-7A75-4B36-A82E-743A89572E12}"/>
+                    </a:ext>
+                  </a:extLst>
+                </p:cNvPr>
+                <p:cNvSpPr txBox="1"/>
+                <p:nvPr/>
+              </p:nvSpPr>
+              <p:spPr>
+                <a:xfrm>
+                  <a:off x="3409777" y="6891057"/>
+                  <a:ext cx="622286" cy="276999"/>
+                </a:xfrm>
+                <a:prstGeom prst="rect">
+                  <a:avLst/>
+                </a:prstGeom>
+                <a:noFill/>
+              </p:spPr>
+              <p:txBody>
+                <a:bodyPr wrap="none" rtlCol="0">
+                  <a:spAutoFit/>
+                </a:bodyPr>
+                <a:lstStyle/>
+                <a:p>
+                  <a:pPr/>
+                  <a14:m>
+                    <m:oMathPara xmlns:m="http://schemas.openxmlformats.org/officeDocument/2006/math">
+                      <m:oMathParaPr>
+                        <m:jc m:val="centerGroup"/>
+                      </m:oMathParaPr>
+                      <m:oMath xmlns:m="http://schemas.openxmlformats.org/officeDocument/2006/math">
+                        <m:sSub>
+                          <m:sSubPr>
+                            <m:ctrlPr>
+                              <a:rPr lang="fr-FR" sz="1200" b="0" i="1" smtClean="0">
+                                <a:latin typeface="Cambria Math" panose="02040503050406030204" pitchFamily="18" charset="0"/>
+                              </a:rPr>
+                            </m:ctrlPr>
+                          </m:sSubPr>
+                          <m:e>
+                            <m:r>
+                              <a:rPr lang="fr-FR" sz="1200" b="0" i="1" smtClean="0">
+                                <a:latin typeface="Cambria Math" panose="02040503050406030204" pitchFamily="18" charset="0"/>
+                              </a:rPr>
+                              <m:t>𝐶</m:t>
+                            </m:r>
+                          </m:e>
+                          <m:sub>
+                            <m:r>
+                              <a:rPr lang="fr-FR" sz="1200" b="0" i="1" smtClean="0">
+                                <a:latin typeface="Cambria Math" panose="02040503050406030204" pitchFamily="18" charset="0"/>
+                              </a:rPr>
+                              <m:t>𝑚</m:t>
+                            </m:r>
+                            <m:r>
+                              <a:rPr lang="fr-FR" sz="1200" b="0" i="1" smtClean="0">
+                                <a:latin typeface="Cambria Math" panose="02040503050406030204" pitchFamily="18" charset="0"/>
+                              </a:rPr>
+                              <m:t>3</m:t>
+                            </m:r>
+                          </m:sub>
+                        </m:sSub>
+                        <m:acc>
+                          <m:accPr>
+                            <m:chr m:val="⃗"/>
+                            <m:ctrlPr>
+                              <a:rPr lang="fr-FR" sz="1200" i="1">
+                                <a:latin typeface="Cambria Math" panose="02040503050406030204" pitchFamily="18" charset="0"/>
+                              </a:rPr>
+                            </m:ctrlPr>
+                          </m:accPr>
+                          <m:e>
+                            <m:sSub>
+                              <m:sSubPr>
+                                <m:ctrlPr>
+                                  <a:rPr lang="fr-FR" sz="1200" i="1">
+                                    <a:latin typeface="Cambria Math" panose="02040503050406030204" pitchFamily="18" charset="0"/>
+                                  </a:rPr>
+                                </m:ctrlPr>
+                              </m:sSubPr>
+                              <m:e>
+                                <m:r>
+                                  <a:rPr lang="fr-FR" sz="1200" i="1">
+                                    <a:latin typeface="Cambria Math" panose="02040503050406030204" pitchFamily="18" charset="0"/>
+                                  </a:rPr>
+                                  <m:t>𝑧</m:t>
+                                </m:r>
+                              </m:e>
+                              <m:sub>
+                                <m:r>
+                                  <a:rPr lang="fr-FR" sz="1200" b="0" i="1" smtClean="0">
+                                    <a:latin typeface="Cambria Math" panose="02040503050406030204" pitchFamily="18" charset="0"/>
+                                  </a:rPr>
+                                  <m:t>3</m:t>
+                                </m:r>
+                              </m:sub>
+                            </m:sSub>
+                          </m:e>
+                        </m:acc>
+                      </m:oMath>
+                    </m:oMathPara>
+                  </a14:m>
+                  <a:endParaRPr lang="fr-FR" sz="1200" dirty="0"/>
+                </a:p>
+              </p:txBody>
+            </p:sp>
+          </mc:Choice>
+          <mc:Fallback xmlns="">
+            <p:sp>
+              <p:nvSpPr>
+                <p:cNvPr id="41" name="ZoneTexte 40">
+                  <a:extLst>
+                    <a:ext uri="{FF2B5EF4-FFF2-40B4-BE49-F238E27FC236}">
+                      <a16:creationId xmlns:a16="http://schemas.microsoft.com/office/drawing/2014/main" id="{D8A54E04-7A75-4B36-A82E-743A89572E12}"/>
+                    </a:ext>
+                  </a:extLst>
+                </p:cNvPr>
+                <p:cNvSpPr txBox="1">
+                  <a:spLocks noRot="1" noChangeAspect="1" noMove="1" noResize="1" noEditPoints="1" noAdjustHandles="1" noChangeArrowheads="1" noChangeShapeType="1" noTextEdit="1"/>
+                </p:cNvSpPr>
+                <p:nvPr/>
+              </p:nvSpPr>
+              <p:spPr>
+                <a:xfrm>
+                  <a:off x="3409777" y="6891057"/>
+                  <a:ext cx="622286" cy="276999"/>
+                </a:xfrm>
+                <a:prstGeom prst="rect">
+                  <a:avLst/>
+                </a:prstGeom>
+                <a:blipFill>
+                  <a:blip r:embed="rId12"/>
+                  <a:stretch>
+                    <a:fillRect/>
+                  </a:stretch>
+                </a:blipFill>
+              </p:spPr>
+              <p:txBody>
+                <a:bodyPr/>
+                <a:lstStyle/>
+                <a:p>
+                  <a:r>
+                    <a:rPr lang="fr-FR">
+                      <a:noFill/>
+                    </a:rPr>
+                    <a:t> </a:t>
+                  </a:r>
+                </a:p>
+              </p:txBody>
+            </p:sp>
+          </mc:Fallback>
+        </mc:AlternateContent>
+        <p:sp>
+          <p:nvSpPr>
+            <p:cNvPr id="43" name="Éclair 42">
+              <a:extLst>
+                <a:ext uri="{FF2B5EF4-FFF2-40B4-BE49-F238E27FC236}">
+                  <a16:creationId xmlns:a16="http://schemas.microsoft.com/office/drawing/2014/main" id="{A5CAE75C-25E2-4B56-A928-F08E662188F9}"/>
+                </a:ext>
+              </a:extLst>
+            </p:cNvPr>
+            <p:cNvSpPr/>
+            <p:nvPr/>
+          </p:nvSpPr>
+          <p:spPr>
+            <a:xfrm rot="21178283">
+              <a:off x="3407872" y="4951082"/>
+              <a:ext cx="345533" cy="515011"/>
+            </a:xfrm>
+            <a:prstGeom prst="lightningBolt">
+              <a:avLst/>
+            </a:prstGeom>
+            <a:solidFill>
+              <a:schemeClr val="accent2">
+                <a:lumMod val="20000"/>
+                <a:lumOff val="80000"/>
+              </a:schemeClr>
+            </a:solidFill>
+            <a:ln>
+              <a:solidFill>
+                <a:srgbClr val="FF0000"/>
+              </a:solidFill>
+            </a:ln>
+          </p:spPr>
+          <p:style>
+            <a:lnRef idx="2">
+              <a:schemeClr val="accent1">
+                <a:shade val="50000"/>
+              </a:schemeClr>
+            </a:lnRef>
+            <a:fillRef idx="1">
+              <a:schemeClr val="accent1"/>
+            </a:fillRef>
+            <a:effectRef idx="0">
+              <a:schemeClr val="accent1"/>
+            </a:effectRef>
+            <a:fontRef idx="minor">
+              <a:schemeClr val="lt1"/>
+            </a:fontRef>
+          </p:style>
+          <p:txBody>
+            <a:bodyPr rtlCol="0" anchor="ctr"/>
+            <a:lstStyle/>
+            <a:p>
+              <a:pPr algn="ctr"/>
+              <a:endParaRPr lang="fr-FR"/>
+            </a:p>
+          </p:txBody>
+        </p:sp>
+        <p:sp>
+          <p:nvSpPr>
+            <p:cNvPr id="44" name="ZoneTexte 43">
+              <a:extLst>
+                <a:ext uri="{FF2B5EF4-FFF2-40B4-BE49-F238E27FC236}">
+                  <a16:creationId xmlns:a16="http://schemas.microsoft.com/office/drawing/2014/main" id="{2F683036-660A-4030-8664-51E938444C2D}"/>
+                </a:ext>
+              </a:extLst>
+            </p:cNvPr>
+            <p:cNvSpPr txBox="1"/>
+            <p:nvPr/>
+          </p:nvSpPr>
+          <p:spPr>
+            <a:xfrm>
+              <a:off x="2821906" y="4817572"/>
+              <a:ext cx="811697" cy="276999"/>
+            </a:xfrm>
+            <a:prstGeom prst="rect">
+              <a:avLst/>
+            </a:prstGeom>
+            <a:noFill/>
+          </p:spPr>
+          <p:txBody>
+            <a:bodyPr wrap="none" rtlCol="0">
+              <a:spAutoFit/>
+            </a:bodyPr>
+            <a:lstStyle/>
+            <a:p>
+              <a:r>
+                <a:rPr lang="fr-FR" sz="1200" dirty="0"/>
+                <a:t>Pesanteur</a:t>
+              </a:r>
+            </a:p>
+          </p:txBody>
+        </p:sp>
+        <p:sp>
+          <p:nvSpPr>
+            <p:cNvPr id="45" name="Éclair 44">
+              <a:extLst>
+                <a:ext uri="{FF2B5EF4-FFF2-40B4-BE49-F238E27FC236}">
+                  <a16:creationId xmlns:a16="http://schemas.microsoft.com/office/drawing/2014/main" id="{4E2C0E2A-4A59-40FE-BD1F-FC2E7B75875C}"/>
+                </a:ext>
+              </a:extLst>
+            </p:cNvPr>
+            <p:cNvSpPr/>
+            <p:nvPr/>
+          </p:nvSpPr>
+          <p:spPr>
+            <a:xfrm rot="21178283">
+              <a:off x="4824857" y="4909316"/>
+              <a:ext cx="345533" cy="515011"/>
+            </a:xfrm>
+            <a:prstGeom prst="lightningBolt">
+              <a:avLst/>
+            </a:prstGeom>
+            <a:solidFill>
+              <a:schemeClr val="accent2">
+                <a:lumMod val="20000"/>
+                <a:lumOff val="80000"/>
+              </a:schemeClr>
+            </a:solidFill>
+            <a:ln>
+              <a:solidFill>
+                <a:srgbClr val="FF0000"/>
+              </a:solidFill>
+            </a:ln>
+          </p:spPr>
+          <p:style>
+            <a:lnRef idx="2">
+              <a:schemeClr val="accent1">
+                <a:shade val="50000"/>
+              </a:schemeClr>
+            </a:lnRef>
+            <a:fillRef idx="1">
+              <a:schemeClr val="accent1"/>
+            </a:fillRef>
+            <a:effectRef idx="0">
+              <a:schemeClr val="accent1"/>
+            </a:effectRef>
+            <a:fontRef idx="minor">
+              <a:schemeClr val="lt1"/>
+            </a:fontRef>
+          </p:style>
+          <p:txBody>
+            <a:bodyPr rtlCol="0" anchor="ctr"/>
+            <a:lstStyle/>
+            <a:p>
+              <a:pPr algn="ctr"/>
+              <a:endParaRPr lang="fr-FR"/>
+            </a:p>
+          </p:txBody>
+        </p:sp>
+        <p:sp>
+          <p:nvSpPr>
+            <p:cNvPr id="46" name="ZoneTexte 45">
+              <a:extLst>
+                <a:ext uri="{FF2B5EF4-FFF2-40B4-BE49-F238E27FC236}">
+                  <a16:creationId xmlns:a16="http://schemas.microsoft.com/office/drawing/2014/main" id="{9B0EFDF0-CCAC-488E-AE55-848DD79818D3}"/>
+                </a:ext>
+              </a:extLst>
+            </p:cNvPr>
+            <p:cNvSpPr txBox="1"/>
+            <p:nvPr/>
+          </p:nvSpPr>
+          <p:spPr>
+            <a:xfrm>
+              <a:off x="4263255" y="4815245"/>
+              <a:ext cx="811697" cy="276999"/>
+            </a:xfrm>
+            <a:prstGeom prst="rect">
+              <a:avLst/>
+            </a:prstGeom>
+            <a:noFill/>
+          </p:spPr>
+          <p:txBody>
+            <a:bodyPr wrap="none" rtlCol="0">
+              <a:spAutoFit/>
+            </a:bodyPr>
+            <a:lstStyle/>
+            <a:p>
+              <a:r>
+                <a:rPr lang="fr-FR" sz="1200" dirty="0"/>
+                <a:t>Pesanteur</a:t>
+              </a:r>
+            </a:p>
+          </p:txBody>
+        </p:sp>
+      </p:grpSp>
       <p:sp>
         <p:nvSpPr>
-          <p:cNvPr id="38" name="ZoneTexte 37">
+          <p:cNvPr id="47" name="ZoneTexte 46">
             <a:extLst>
               <a:ext uri="{FF2B5EF4-FFF2-40B4-BE49-F238E27FC236}">
-                <a16:creationId xmlns:a16="http://schemas.microsoft.com/office/drawing/2014/main" id="{66D64C47-628B-48A1-8F53-76CAEDC2894F}"/>
+                <a16:creationId xmlns:a16="http://schemas.microsoft.com/office/drawing/2014/main" id="{5CE48EBD-41D7-4F0F-B080-31C5AB9032B5}"/>
               </a:ext>
             </a:extLst>
           </p:cNvPr>
@@ -8999,9 +10639,9 @@
           <p:nvPr/>
         </p:nvSpPr>
         <p:spPr>
-          <a:xfrm rot="18818568">
-            <a:off x="1616664" y="5784524"/>
-            <a:ext cx="841769" cy="276999"/>
+          <a:xfrm>
+            <a:off x="1760340" y="3530652"/>
+            <a:ext cx="526106" cy="276999"/>
           </a:xfrm>
           <a:prstGeom prst="rect">
             <a:avLst/>
@@ -9015,266 +10655,383 @@
           <a:lstStyle/>
           <a:p>
             <a:r>
-              <a:rPr lang="fr-FR" sz="1200" dirty="0"/>
-              <a:t>Engrenage</a:t>
+              <a:rPr lang="fr-FR" sz="1200" b="1" dirty="0"/>
+              <a:t>1 </a:t>
             </a:r>
+            <a:r>
+              <a:rPr lang="fr-FR" sz="1200" b="1" dirty="0" err="1"/>
+              <a:t>inc.</a:t>
+            </a:r>
+            <a:endParaRPr lang="fr-FR" sz="1200" b="1" dirty="0"/>
           </a:p>
         </p:txBody>
       </p:sp>
-      <p:cxnSp>
-        <p:nvCxnSpPr>
-          <p:cNvPr id="39" name="Connecteur droit 38">
+      <p:sp>
+        <p:nvSpPr>
+          <p:cNvPr id="48" name="ZoneTexte 47">
             <a:extLst>
               <a:ext uri="{FF2B5EF4-FFF2-40B4-BE49-F238E27FC236}">
-                <a16:creationId xmlns:a16="http://schemas.microsoft.com/office/drawing/2014/main" id="{FDD2240C-3E3D-40D5-A07A-59DAAFA64054}"/>
+                <a16:creationId xmlns:a16="http://schemas.microsoft.com/office/drawing/2014/main" id="{7F6F9782-3432-41C5-85D7-2D2F6CF7B13E}"/>
               </a:ext>
             </a:extLst>
           </p:cNvPr>
-          <p:cNvCxnSpPr>
-            <a:cxnSpLocks/>
-          </p:cNvCxnSpPr>
+          <p:cNvSpPr txBox="1"/>
           <p:nvPr/>
-        </p:nvCxnSpPr>
+        </p:nvSpPr>
         <p:spPr>
-          <a:xfrm flipH="1">
-            <a:off x="3245906" y="5613709"/>
-            <a:ext cx="714742" cy="769839"/>
+          <a:xfrm>
+            <a:off x="3567427" y="3610551"/>
+            <a:ext cx="526106" cy="276999"/>
           </a:xfrm>
-          <a:prstGeom prst="line">
+          <a:prstGeom prst="rect">
             <a:avLst/>
           </a:prstGeom>
-          <a:ln w="12700">
-            <a:solidFill>
-              <a:schemeClr val="tx1"/>
-            </a:solidFill>
-          </a:ln>
+          <a:noFill/>
         </p:spPr>
-        <p:style>
-          <a:lnRef idx="1">
-            <a:schemeClr val="accent1"/>
-          </a:lnRef>
-          <a:fillRef idx="0">
-            <a:schemeClr val="accent1"/>
-          </a:fillRef>
-          <a:effectRef idx="0">
-            <a:schemeClr val="accent1"/>
-          </a:effectRef>
-          <a:fontRef idx="minor">
-            <a:schemeClr val="tx1"/>
-          </a:fontRef>
-        </p:style>
-      </p:cxnSp>
-      <p:cxnSp>
-        <p:nvCxnSpPr>
-          <p:cNvPr id="40" name="Connecteur droit 39">
+        <p:txBody>
+          <a:bodyPr wrap="none" rtlCol="0">
+            <a:spAutoFit/>
+          </a:bodyPr>
+          <a:lstStyle/>
+          <a:p>
+            <a:r>
+              <a:rPr lang="fr-FR" sz="1200" b="1" dirty="0"/>
+              <a:t>1 </a:t>
+            </a:r>
+            <a:r>
+              <a:rPr lang="fr-FR" sz="1200" b="1" dirty="0" err="1"/>
+              <a:t>inc.</a:t>
+            </a:r>
+            <a:endParaRPr lang="fr-FR" sz="1200" b="1" dirty="0"/>
+          </a:p>
+        </p:txBody>
+      </p:sp>
+      <p:sp>
+        <p:nvSpPr>
+          <p:cNvPr id="55" name="ZoneTexte 54">
             <a:extLst>
               <a:ext uri="{FF2B5EF4-FFF2-40B4-BE49-F238E27FC236}">
-                <a16:creationId xmlns:a16="http://schemas.microsoft.com/office/drawing/2014/main" id="{45B72000-601F-4EB0-83B1-C49DE0495B48}"/>
+                <a16:creationId xmlns:a16="http://schemas.microsoft.com/office/drawing/2014/main" id="{B61E7A64-8E2B-455A-B549-8A8D6D5B56C5}"/>
               </a:ext>
             </a:extLst>
           </p:cNvPr>
-          <p:cNvCxnSpPr>
-            <a:cxnSpLocks/>
-          </p:cNvCxnSpPr>
+          <p:cNvSpPr txBox="1"/>
           <p:nvPr/>
-        </p:nvCxnSpPr>
+        </p:nvSpPr>
         <p:spPr>
           <a:xfrm>
-            <a:off x="2503909" y="5621412"/>
-            <a:ext cx="736303" cy="762524"/>
+            <a:off x="5125590" y="4189252"/>
+            <a:ext cx="526106" cy="276999"/>
           </a:xfrm>
-          <a:prstGeom prst="line">
+          <a:prstGeom prst="rect">
             <a:avLst/>
           </a:prstGeom>
-          <a:ln w="12700">
-            <a:solidFill>
-              <a:schemeClr val="tx1"/>
-            </a:solidFill>
-          </a:ln>
+          <a:noFill/>
         </p:spPr>
-        <p:style>
-          <a:lnRef idx="1">
-            <a:schemeClr val="accent1"/>
-          </a:lnRef>
-          <a:fillRef idx="0">
-            <a:schemeClr val="accent1"/>
-          </a:fillRef>
-          <a:effectRef idx="0">
-            <a:schemeClr val="accent1"/>
-          </a:effectRef>
-          <a:fontRef idx="minor">
-            <a:schemeClr val="tx1"/>
-          </a:fontRef>
-        </p:style>
-      </p:cxnSp>
-      <mc:AlternateContent xmlns:mc="http://schemas.openxmlformats.org/markup-compatibility/2006" xmlns:a14="http://schemas.microsoft.com/office/drawing/2010/main">
-        <mc:Choice Requires="a14">
-          <p:sp>
-            <p:nvSpPr>
-              <p:cNvPr id="42" name="ZoneTexte 41">
-                <a:extLst>
-                  <a:ext uri="{FF2B5EF4-FFF2-40B4-BE49-F238E27FC236}">
-                    <a16:creationId xmlns:a16="http://schemas.microsoft.com/office/drawing/2014/main" id="{EDDE6DEF-CCB2-4273-976B-AECFF7318457}"/>
-                  </a:ext>
-                </a:extLst>
-              </p:cNvPr>
-              <p:cNvSpPr txBox="1"/>
-              <p:nvPr/>
-            </p:nvSpPr>
-            <p:spPr>
-              <a:xfrm>
-                <a:off x="2149723" y="5981037"/>
-                <a:ext cx="855875" cy="553421"/>
-              </a:xfrm>
-              <a:prstGeom prst="rect">
-                <a:avLst/>
-              </a:prstGeom>
-              <a:noFill/>
-            </p:spPr>
-            <p:txBody>
-              <a:bodyPr wrap="none" rtlCol="0">
-                <a:spAutoFit/>
-              </a:bodyPr>
-              <a:lstStyle/>
-              <a:p>
-                <a:r>
-                  <a:rPr lang="fr-FR" sz="1200" dirty="0"/>
-                  <a:t>Pivot d’axe</a:t>
-                </a:r>
-              </a:p>
-              <a:p>
-                <a:pPr/>
-                <a14:m>
-                  <m:oMathPara xmlns:m="http://schemas.openxmlformats.org/officeDocument/2006/math">
-                    <m:oMathParaPr>
-                      <m:jc m:val="centerGroup"/>
-                    </m:oMathParaPr>
-                    <m:oMath xmlns:m="http://schemas.openxmlformats.org/officeDocument/2006/math">
-                      <m:d>
-                        <m:dPr>
-                          <m:ctrlPr>
-                            <a:rPr lang="fr-FR" sz="1200" i="1" smtClean="0">
-                              <a:latin typeface="Cambria Math" panose="02040503050406030204" pitchFamily="18" charset="0"/>
-                            </a:rPr>
-                          </m:ctrlPr>
-                        </m:dPr>
-                        <m:e>
-                          <m:r>
-                            <a:rPr lang="fr-FR" sz="1200" b="0" i="1" smtClean="0">
-                              <a:latin typeface="Cambria Math" panose="02040503050406030204" pitchFamily="18" charset="0"/>
-                            </a:rPr>
-                            <m:t>𝑁</m:t>
-                          </m:r>
-                          <m:r>
-                            <a:rPr lang="fr-FR" sz="1200" b="0" i="1" smtClean="0">
-                              <a:latin typeface="Cambria Math" panose="02040503050406030204" pitchFamily="18" charset="0"/>
-                            </a:rPr>
-                            <m:t>,</m:t>
-                          </m:r>
-                          <m:acc>
-                            <m:accPr>
-                              <m:chr m:val="⃗"/>
-                              <m:ctrlPr>
-                                <a:rPr lang="fr-FR" sz="1200" b="0" i="1" smtClean="0">
-                                  <a:latin typeface="Cambria Math" panose="02040503050406030204" pitchFamily="18" charset="0"/>
-                                </a:rPr>
-                              </m:ctrlPr>
-                            </m:accPr>
-                            <m:e>
-                              <m:sSub>
-                                <m:sSubPr>
-                                  <m:ctrlPr>
-                                    <a:rPr lang="fr-FR" sz="1200" b="0" i="1" smtClean="0">
-                                      <a:latin typeface="Cambria Math" panose="02040503050406030204" pitchFamily="18" charset="0"/>
-                                    </a:rPr>
-                                  </m:ctrlPr>
-                                </m:sSubPr>
-                                <m:e>
-                                  <m:r>
-                                    <a:rPr lang="fr-FR" sz="1200" b="0" i="1" smtClean="0">
-                                      <a:latin typeface="Cambria Math" panose="02040503050406030204" pitchFamily="18" charset="0"/>
-                                    </a:rPr>
-                                    <m:t>𝑧</m:t>
-                                  </m:r>
-                                  <m:r>
-                                    <a:rPr lang="fr-FR" sz="1200" b="0" i="1" smtClean="0">
-                                      <a:latin typeface="Cambria Math" panose="02040503050406030204" pitchFamily="18" charset="0"/>
-                                    </a:rPr>
-                                    <m:t>′</m:t>
-                                  </m:r>
-                                </m:e>
-                                <m:sub>
-                                  <m:r>
-                                    <a:rPr lang="fr-FR" sz="1200" b="0" i="1" smtClean="0">
-                                      <a:latin typeface="Cambria Math" panose="02040503050406030204" pitchFamily="18" charset="0"/>
-                                    </a:rPr>
-                                    <m:t>2</m:t>
-                                  </m:r>
-                                </m:sub>
-                              </m:sSub>
-                            </m:e>
-                          </m:acc>
-                        </m:e>
-                      </m:d>
-                    </m:oMath>
-                  </m:oMathPara>
-                </a14:m>
-                <a:endParaRPr lang="fr-FR" sz="1200" dirty="0"/>
-              </a:p>
-            </p:txBody>
-          </p:sp>
-        </mc:Choice>
-        <mc:Fallback xmlns="">
-          <p:sp>
-            <p:nvSpPr>
-              <p:cNvPr id="42" name="ZoneTexte 41">
-                <a:extLst>
-                  <a:ext uri="{FF2B5EF4-FFF2-40B4-BE49-F238E27FC236}">
-                    <a16:creationId xmlns:a16="http://schemas.microsoft.com/office/drawing/2014/main" id="{EDDE6DEF-CCB2-4273-976B-AECFF7318457}"/>
-                  </a:ext>
-                </a:extLst>
-              </p:cNvPr>
-              <p:cNvSpPr txBox="1">
-                <a:spLocks noRot="1" noChangeAspect="1" noMove="1" noResize="1" noEditPoints="1" noAdjustHandles="1" noChangeArrowheads="1" noChangeShapeType="1" noTextEdit="1"/>
-              </p:cNvSpPr>
-              <p:nvPr/>
-            </p:nvSpPr>
-            <p:spPr>
-              <a:xfrm>
-                <a:off x="2149723" y="5981037"/>
-                <a:ext cx="855875" cy="553421"/>
-              </a:xfrm>
-              <a:prstGeom prst="rect">
-                <a:avLst/>
-              </a:prstGeom>
-              <a:blipFill>
-                <a:blip r:embed="rId8"/>
-                <a:stretch>
-                  <a:fillRect l="-714"/>
-                </a:stretch>
-              </a:blipFill>
-            </p:spPr>
-            <p:txBody>
-              <a:bodyPr/>
-              <a:lstStyle/>
-              <a:p>
-                <a:r>
-                  <a:rPr lang="fr-FR">
-                    <a:noFill/>
-                  </a:rPr>
-                  <a:t> </a:t>
-                </a:r>
-              </a:p>
-            </p:txBody>
-          </p:sp>
-        </mc:Fallback>
-      </mc:AlternateContent>
+        <p:txBody>
+          <a:bodyPr wrap="none" rtlCol="0">
+            <a:spAutoFit/>
+          </a:bodyPr>
+          <a:lstStyle/>
+          <a:p>
+            <a:r>
+              <a:rPr lang="fr-FR" sz="1200" b="1" dirty="0"/>
+              <a:t>1 </a:t>
+            </a:r>
+            <a:r>
+              <a:rPr lang="fr-FR" sz="1200" b="1" dirty="0" err="1"/>
+              <a:t>inc.</a:t>
+            </a:r>
+            <a:endParaRPr lang="fr-FR" sz="1200" b="1" dirty="0"/>
+          </a:p>
+        </p:txBody>
+      </p:sp>
       <p:sp>
         <p:nvSpPr>
-          <p:cNvPr id="13" name="Ellipse 12">
+          <p:cNvPr id="56" name="ZoneTexte 55">
             <a:extLst>
               <a:ext uri="{FF2B5EF4-FFF2-40B4-BE49-F238E27FC236}">
-                <a16:creationId xmlns:a16="http://schemas.microsoft.com/office/drawing/2014/main" id="{9A6337A2-BF4F-4660-93B6-A413E63B3D2D}"/>
+                <a16:creationId xmlns:a16="http://schemas.microsoft.com/office/drawing/2014/main" id="{7B746CBA-EC7E-44F7-AEC1-1B42753C9438}"/>
+              </a:ext>
+            </a:extLst>
+          </p:cNvPr>
+          <p:cNvSpPr txBox="1"/>
+          <p:nvPr/>
+        </p:nvSpPr>
+        <p:spPr>
+          <a:xfrm>
+            <a:off x="6294017" y="4201788"/>
+            <a:ext cx="526106" cy="276999"/>
+          </a:xfrm>
+          <a:prstGeom prst="rect">
+            <a:avLst/>
+          </a:prstGeom>
+          <a:noFill/>
+        </p:spPr>
+        <p:txBody>
+          <a:bodyPr wrap="none" rtlCol="0">
+            <a:spAutoFit/>
+          </a:bodyPr>
+          <a:lstStyle/>
+          <a:p>
+            <a:r>
+              <a:rPr lang="fr-FR" sz="1200" b="1" dirty="0"/>
+              <a:t>1 </a:t>
+            </a:r>
+            <a:r>
+              <a:rPr lang="fr-FR" sz="1200" b="1" dirty="0" err="1"/>
+              <a:t>inc.</a:t>
+            </a:r>
+            <a:endParaRPr lang="fr-FR" sz="1200" b="1" dirty="0"/>
+          </a:p>
+        </p:txBody>
+      </p:sp>
+      <p:sp>
+        <p:nvSpPr>
+          <p:cNvPr id="57" name="ZoneTexte 56">
+            <a:extLst>
+              <a:ext uri="{FF2B5EF4-FFF2-40B4-BE49-F238E27FC236}">
+                <a16:creationId xmlns:a16="http://schemas.microsoft.com/office/drawing/2014/main" id="{CDEA1388-3A26-4E7D-B0B5-A24E2A10FF9B}"/>
+              </a:ext>
+            </a:extLst>
+          </p:cNvPr>
+          <p:cNvSpPr txBox="1"/>
+          <p:nvPr/>
+        </p:nvSpPr>
+        <p:spPr>
+          <a:xfrm>
+            <a:off x="7337661" y="3776832"/>
+            <a:ext cx="526106" cy="276999"/>
+          </a:xfrm>
+          <a:prstGeom prst="rect">
+            <a:avLst/>
+          </a:prstGeom>
+          <a:noFill/>
+        </p:spPr>
+        <p:txBody>
+          <a:bodyPr wrap="none" rtlCol="0">
+            <a:spAutoFit/>
+          </a:bodyPr>
+          <a:lstStyle/>
+          <a:p>
+            <a:r>
+              <a:rPr lang="fr-FR" sz="1200" b="1" dirty="0"/>
+              <a:t>1 </a:t>
+            </a:r>
+            <a:r>
+              <a:rPr lang="fr-FR" sz="1200" b="1" dirty="0" err="1"/>
+              <a:t>inc.</a:t>
+            </a:r>
+            <a:endParaRPr lang="fr-FR" sz="1200" b="1" dirty="0"/>
+          </a:p>
+        </p:txBody>
+      </p:sp>
+      <p:sp>
+        <p:nvSpPr>
+          <p:cNvPr id="58" name="ZoneTexte 57">
+            <a:extLst>
+              <a:ext uri="{FF2B5EF4-FFF2-40B4-BE49-F238E27FC236}">
+                <a16:creationId xmlns:a16="http://schemas.microsoft.com/office/drawing/2014/main" id="{425F756D-F94F-4E49-A9A3-69AD7BBAB7E6}"/>
+              </a:ext>
+            </a:extLst>
+          </p:cNvPr>
+          <p:cNvSpPr txBox="1"/>
+          <p:nvPr/>
+        </p:nvSpPr>
+        <p:spPr>
+          <a:xfrm>
+            <a:off x="5518291" y="3706571"/>
+            <a:ext cx="526106" cy="276999"/>
+          </a:xfrm>
+          <a:prstGeom prst="rect">
+            <a:avLst/>
+          </a:prstGeom>
+          <a:noFill/>
+        </p:spPr>
+        <p:txBody>
+          <a:bodyPr wrap="none" rtlCol="0">
+            <a:spAutoFit/>
+          </a:bodyPr>
+          <a:lstStyle/>
+          <a:p>
+            <a:r>
+              <a:rPr lang="fr-FR" sz="1200" b="1" dirty="0"/>
+              <a:t>1 </a:t>
+            </a:r>
+            <a:r>
+              <a:rPr lang="fr-FR" sz="1200" b="1" dirty="0" err="1"/>
+              <a:t>inc.</a:t>
+            </a:r>
+            <a:endParaRPr lang="fr-FR" sz="1200" b="1" dirty="0"/>
+          </a:p>
+        </p:txBody>
+      </p:sp>
+      <p:sp>
+        <p:nvSpPr>
+          <p:cNvPr id="59" name="ZoneTexte 58">
+            <a:extLst>
+              <a:ext uri="{FF2B5EF4-FFF2-40B4-BE49-F238E27FC236}">
+                <a16:creationId xmlns:a16="http://schemas.microsoft.com/office/drawing/2014/main" id="{8C9A48F8-2FDE-40AC-9E45-C3D795A41B84}"/>
+              </a:ext>
+            </a:extLst>
+          </p:cNvPr>
+          <p:cNvSpPr txBox="1"/>
+          <p:nvPr/>
+        </p:nvSpPr>
+        <p:spPr>
+          <a:xfrm>
+            <a:off x="1161546" y="4175655"/>
+            <a:ext cx="526106" cy="276999"/>
+          </a:xfrm>
+          <a:prstGeom prst="rect">
+            <a:avLst/>
+          </a:prstGeom>
+          <a:noFill/>
+        </p:spPr>
+        <p:txBody>
+          <a:bodyPr wrap="none" rtlCol="0">
+            <a:spAutoFit/>
+          </a:bodyPr>
+          <a:lstStyle/>
+          <a:p>
+            <a:r>
+              <a:rPr lang="fr-FR" sz="1200" b="1" dirty="0"/>
+              <a:t>1 </a:t>
+            </a:r>
+            <a:r>
+              <a:rPr lang="fr-FR" sz="1200" b="1" dirty="0" err="1"/>
+              <a:t>inc.</a:t>
+            </a:r>
+            <a:endParaRPr lang="fr-FR" sz="1200" b="1" dirty="0"/>
+          </a:p>
+        </p:txBody>
+      </p:sp>
+      <p:sp>
+        <p:nvSpPr>
+          <p:cNvPr id="60" name="ZoneTexte 59">
+            <a:extLst>
+              <a:ext uri="{FF2B5EF4-FFF2-40B4-BE49-F238E27FC236}">
+                <a16:creationId xmlns:a16="http://schemas.microsoft.com/office/drawing/2014/main" id="{C76849E7-FA51-401C-8F7C-76352E968A68}"/>
+              </a:ext>
+            </a:extLst>
+          </p:cNvPr>
+          <p:cNvSpPr txBox="1"/>
+          <p:nvPr/>
+        </p:nvSpPr>
+        <p:spPr>
+          <a:xfrm>
+            <a:off x="3334777" y="4209264"/>
+            <a:ext cx="526106" cy="276999"/>
+          </a:xfrm>
+          <a:prstGeom prst="rect">
+            <a:avLst/>
+          </a:prstGeom>
+          <a:noFill/>
+        </p:spPr>
+        <p:txBody>
+          <a:bodyPr wrap="none" rtlCol="0">
+            <a:spAutoFit/>
+          </a:bodyPr>
+          <a:lstStyle/>
+          <a:p>
+            <a:r>
+              <a:rPr lang="fr-FR" sz="1200" b="1" dirty="0"/>
+              <a:t>1 </a:t>
+            </a:r>
+            <a:r>
+              <a:rPr lang="fr-FR" sz="1200" b="1" dirty="0" err="1"/>
+              <a:t>inc.</a:t>
+            </a:r>
+            <a:endParaRPr lang="fr-FR" sz="1200" b="1" dirty="0"/>
+          </a:p>
+        </p:txBody>
+      </p:sp>
+      <p:sp>
+        <p:nvSpPr>
+          <p:cNvPr id="61" name="ZoneTexte 60">
+            <a:extLst>
+              <a:ext uri="{FF2B5EF4-FFF2-40B4-BE49-F238E27FC236}">
+                <a16:creationId xmlns:a16="http://schemas.microsoft.com/office/drawing/2014/main" id="{344A369C-0C09-4A08-BB24-8AA10620AED7}"/>
+              </a:ext>
+            </a:extLst>
+          </p:cNvPr>
+          <p:cNvSpPr txBox="1"/>
+          <p:nvPr/>
+        </p:nvSpPr>
+        <p:spPr>
+          <a:xfrm>
+            <a:off x="2349960" y="4124577"/>
+            <a:ext cx="526106" cy="276999"/>
+          </a:xfrm>
+          <a:prstGeom prst="rect">
+            <a:avLst/>
+          </a:prstGeom>
+          <a:noFill/>
+        </p:spPr>
+        <p:txBody>
+          <a:bodyPr wrap="none" rtlCol="0">
+            <a:spAutoFit/>
+          </a:bodyPr>
+          <a:lstStyle/>
+          <a:p>
+            <a:r>
+              <a:rPr lang="fr-FR" sz="1200" b="1" dirty="0"/>
+              <a:t>1 </a:t>
+            </a:r>
+            <a:r>
+              <a:rPr lang="fr-FR" sz="1200" b="1" dirty="0" err="1"/>
+              <a:t>inc.</a:t>
+            </a:r>
+            <a:endParaRPr lang="fr-FR" sz="1200" b="1" dirty="0"/>
+          </a:p>
+        </p:txBody>
+      </p:sp>
+      <p:sp>
+        <p:nvSpPr>
+          <p:cNvPr id="62" name="ZoneTexte 61">
+            <a:extLst>
+              <a:ext uri="{FF2B5EF4-FFF2-40B4-BE49-F238E27FC236}">
+                <a16:creationId xmlns:a16="http://schemas.microsoft.com/office/drawing/2014/main" id="{B915AE03-206A-48BC-ACEA-A7C378C7F188}"/>
+              </a:ext>
+            </a:extLst>
+          </p:cNvPr>
+          <p:cNvSpPr txBox="1"/>
+          <p:nvPr/>
+        </p:nvSpPr>
+        <p:spPr>
+          <a:xfrm>
+            <a:off x="4260756" y="4279218"/>
+            <a:ext cx="526106" cy="276999"/>
+          </a:xfrm>
+          <a:prstGeom prst="rect">
+            <a:avLst/>
+          </a:prstGeom>
+          <a:noFill/>
+        </p:spPr>
+        <p:txBody>
+          <a:bodyPr wrap="none" rtlCol="0">
+            <a:spAutoFit/>
+          </a:bodyPr>
+          <a:lstStyle/>
+          <a:p>
+            <a:r>
+              <a:rPr lang="fr-FR" sz="1200" b="1" dirty="0"/>
+              <a:t>1 </a:t>
+            </a:r>
+            <a:r>
+              <a:rPr lang="fr-FR" sz="1200" b="1" dirty="0" err="1"/>
+              <a:t>inc.</a:t>
+            </a:r>
+            <a:endParaRPr lang="fr-FR" sz="1200" b="1" dirty="0"/>
+          </a:p>
+        </p:txBody>
+      </p:sp>
+      <p:sp>
+        <p:nvSpPr>
+          <p:cNvPr id="63" name="Ellipse 62">
+            <a:extLst>
+              <a:ext uri="{FF2B5EF4-FFF2-40B4-BE49-F238E27FC236}">
+                <a16:creationId xmlns:a16="http://schemas.microsoft.com/office/drawing/2014/main" id="{7B7F3858-A279-45A8-BF92-224E02C40056}"/>
               </a:ext>
             </a:extLst>
           </p:cNvPr>
@@ -9283,19 +11040,18 @@
         </p:nvSpPr>
         <p:spPr>
           <a:xfrm>
-            <a:off x="3060529" y="6221936"/>
-            <a:ext cx="324000" cy="324000"/>
+            <a:off x="3582477" y="4230647"/>
+            <a:ext cx="685004" cy="685004"/>
           </a:xfrm>
           <a:prstGeom prst="ellipse">
             <a:avLst/>
           </a:prstGeom>
-          <a:solidFill>
-            <a:schemeClr val="bg1"/>
-          </a:solidFill>
-          <a:ln w="19050">
+          <a:noFill/>
+          <a:ln w="28575">
             <a:solidFill>
-              <a:srgbClr val="00B050"/>
+              <a:srgbClr val="FF0000"/>
             </a:solidFill>
+            <a:prstDash val="sysDash"/>
           </a:ln>
         </p:spPr>
         <p:style>
@@ -9319,1353 +11075,11 @@
           <a:lstStyle/>
           <a:p>
             <a:pPr algn="ctr"/>
-            <a:r>
-              <a:rPr lang="fr-FR" sz="1400" b="1" dirty="0">
-                <a:solidFill>
-                  <a:srgbClr val="00B050"/>
-                </a:solidFill>
-              </a:rPr>
-              <a:t>7</a:t>
-            </a:r>
-          </a:p>
-        </p:txBody>
-      </p:sp>
-      <p:sp>
-        <p:nvSpPr>
-          <p:cNvPr id="6" name="Ellipse 5">
-            <a:extLst>
-              <a:ext uri="{FF2B5EF4-FFF2-40B4-BE49-F238E27FC236}">
-                <a16:creationId xmlns:a16="http://schemas.microsoft.com/office/drawing/2014/main" id="{F4F35169-6966-4D9B-ACE7-F58961E903F6}"/>
-              </a:ext>
-            </a:extLst>
-          </p:cNvPr>
-          <p:cNvSpPr/>
-          <p:nvPr/>
-        </p:nvSpPr>
-        <p:spPr>
-          <a:xfrm>
-            <a:off x="2341909" y="5439973"/>
-            <a:ext cx="324000" cy="324000"/>
-          </a:xfrm>
-          <a:prstGeom prst="ellipse">
-            <a:avLst/>
-          </a:prstGeom>
-          <a:solidFill>
-            <a:schemeClr val="bg1"/>
-          </a:solidFill>
-          <a:ln w="19050">
-            <a:solidFill>
-              <a:srgbClr val="FF0000"/>
-            </a:solidFill>
-          </a:ln>
-        </p:spPr>
-        <p:style>
-          <a:lnRef idx="2">
-            <a:schemeClr val="accent1">
-              <a:shade val="50000"/>
-            </a:schemeClr>
-          </a:lnRef>
-          <a:fillRef idx="1">
-            <a:schemeClr val="accent1"/>
-          </a:fillRef>
-          <a:effectRef idx="0">
-            <a:schemeClr val="accent1"/>
-          </a:effectRef>
-          <a:fontRef idx="minor">
-            <a:schemeClr val="lt1"/>
-          </a:fontRef>
-        </p:style>
-        <p:txBody>
-          <a:bodyPr lIns="36000" tIns="36000" rIns="36000" bIns="36000" rtlCol="0" anchor="ctr"/>
-          <a:lstStyle/>
-          <a:p>
-            <a:pPr algn="ctr"/>
-            <a:r>
-              <a:rPr lang="fr-FR" sz="1400" b="1" dirty="0">
-                <a:solidFill>
-                  <a:srgbClr val="FF0000"/>
-                </a:solidFill>
-              </a:rPr>
-              <a:t>2</a:t>
-            </a:r>
-          </a:p>
-        </p:txBody>
-      </p:sp>
-      <p:sp>
-        <p:nvSpPr>
-          <p:cNvPr id="7" name="Ellipse 6">
-            <a:extLst>
-              <a:ext uri="{FF2B5EF4-FFF2-40B4-BE49-F238E27FC236}">
-                <a16:creationId xmlns:a16="http://schemas.microsoft.com/office/drawing/2014/main" id="{A33536F4-BE68-4A06-91A0-365B33E46FDF}"/>
-              </a:ext>
-            </a:extLst>
-          </p:cNvPr>
-          <p:cNvSpPr/>
-          <p:nvPr/>
-        </p:nvSpPr>
-        <p:spPr>
-          <a:xfrm>
-            <a:off x="3789603" y="5439973"/>
-            <a:ext cx="324000" cy="324000"/>
-          </a:xfrm>
-          <a:prstGeom prst="ellipse">
-            <a:avLst/>
-          </a:prstGeom>
-          <a:solidFill>
-            <a:schemeClr val="bg1"/>
-          </a:solidFill>
-          <a:ln w="19050">
-            <a:solidFill>
-              <a:schemeClr val="tx1">
-                <a:lumMod val="50000"/>
-                <a:lumOff val="50000"/>
-              </a:schemeClr>
-            </a:solidFill>
-          </a:ln>
-        </p:spPr>
-        <p:style>
-          <a:lnRef idx="2">
-            <a:schemeClr val="accent1">
-              <a:shade val="50000"/>
-            </a:schemeClr>
-          </a:lnRef>
-          <a:fillRef idx="1">
-            <a:schemeClr val="accent1"/>
-          </a:fillRef>
-          <a:effectRef idx="0">
-            <a:schemeClr val="accent1"/>
-          </a:effectRef>
-          <a:fontRef idx="minor">
-            <a:schemeClr val="lt1"/>
-          </a:fontRef>
-        </p:style>
-        <p:txBody>
-          <a:bodyPr lIns="36000" tIns="36000" rIns="36000" bIns="36000" rtlCol="0" anchor="ctr"/>
-          <a:lstStyle/>
-          <a:p>
-            <a:pPr algn="ctr"/>
-            <a:r>
-              <a:rPr lang="fr-FR" sz="1400" b="1" dirty="0">
-                <a:solidFill>
-                  <a:schemeClr val="tx1">
-                    <a:lumMod val="50000"/>
-                    <a:lumOff val="50000"/>
-                  </a:schemeClr>
-                </a:solidFill>
-              </a:rPr>
-              <a:t>3</a:t>
-            </a:r>
-          </a:p>
-        </p:txBody>
-      </p:sp>
-      <mc:AlternateContent xmlns:mc="http://schemas.openxmlformats.org/markup-compatibility/2006">
-        <mc:Choice xmlns:a14="http://schemas.microsoft.com/office/drawing/2010/main" Requires="a14">
-          <p:sp>
-            <p:nvSpPr>
-              <p:cNvPr id="51" name="ZoneTexte 50">
-                <a:extLst>
-                  <a:ext uri="{FF2B5EF4-FFF2-40B4-BE49-F238E27FC236}">
-                    <a16:creationId xmlns:a16="http://schemas.microsoft.com/office/drawing/2014/main" id="{B6B61A66-8781-4E19-8E9F-B7C0A4EC629D}"/>
-                  </a:ext>
-                </a:extLst>
-              </p:cNvPr>
-              <p:cNvSpPr txBox="1"/>
-              <p:nvPr/>
-            </p:nvSpPr>
-            <p:spPr>
-              <a:xfrm>
-                <a:off x="3626778" y="5990130"/>
-                <a:ext cx="855875" cy="461665"/>
-              </a:xfrm>
-              <a:prstGeom prst="rect">
-                <a:avLst/>
-              </a:prstGeom>
-              <a:noFill/>
-            </p:spPr>
-            <p:txBody>
-              <a:bodyPr wrap="none" rtlCol="0">
-                <a:spAutoFit/>
-              </a:bodyPr>
-              <a:lstStyle/>
-              <a:p>
-                <a:r>
-                  <a:rPr lang="fr-FR" sz="1200" dirty="0"/>
-                  <a:t>Pivot d’axe</a:t>
-                </a:r>
-              </a:p>
-              <a:p>
-                <a:pPr/>
-                <a14:m>
-                  <m:oMathPara xmlns:m="http://schemas.openxmlformats.org/officeDocument/2006/math">
-                    <m:oMathParaPr>
-                      <m:jc m:val="centerGroup"/>
-                    </m:oMathParaPr>
-                    <m:oMath xmlns:m="http://schemas.openxmlformats.org/officeDocument/2006/math">
-                      <m:d>
-                        <m:dPr>
-                          <m:ctrlPr>
-                            <a:rPr lang="fr-FR" sz="1200" i="1" smtClean="0">
-                              <a:latin typeface="Cambria Math" panose="02040503050406030204" pitchFamily="18" charset="0"/>
-                            </a:rPr>
-                          </m:ctrlPr>
-                        </m:dPr>
-                        <m:e>
-                          <m:r>
-                            <a:rPr lang="fr-FR" sz="1200" b="0" i="1" smtClean="0">
-                              <a:latin typeface="Cambria Math" panose="02040503050406030204" pitchFamily="18" charset="0"/>
-                            </a:rPr>
-                            <m:t>𝑃</m:t>
-                          </m:r>
-                          <m:r>
-                            <a:rPr lang="fr-FR" sz="1200" b="0" i="1" smtClean="0">
-                              <a:latin typeface="Cambria Math" panose="02040503050406030204" pitchFamily="18" charset="0"/>
-                            </a:rPr>
-                            <m:t>,</m:t>
-                          </m:r>
-                          <m:acc>
-                            <m:accPr>
-                              <m:chr m:val="⃗"/>
-                              <m:ctrlPr>
-                                <a:rPr lang="fr-FR" sz="1200" b="0" i="1" smtClean="0">
-                                  <a:latin typeface="Cambria Math" panose="02040503050406030204" pitchFamily="18" charset="0"/>
-                                </a:rPr>
-                              </m:ctrlPr>
-                            </m:accPr>
-                            <m:e>
-                              <m:sSub>
-                                <m:sSubPr>
-                                  <m:ctrlPr>
-                                    <a:rPr lang="fr-FR" sz="1200" b="0" i="1" smtClean="0">
-                                      <a:latin typeface="Cambria Math" panose="02040503050406030204" pitchFamily="18" charset="0"/>
-                                    </a:rPr>
-                                  </m:ctrlPr>
-                                </m:sSubPr>
-                                <m:e>
-                                  <m:r>
-                                    <a:rPr lang="fr-FR" sz="1200" b="0" i="1" smtClean="0">
-                                      <a:latin typeface="Cambria Math" panose="02040503050406030204" pitchFamily="18" charset="0"/>
-                                    </a:rPr>
-                                    <m:t>𝑧</m:t>
-                                  </m:r>
-                                </m:e>
-                                <m:sub>
-                                  <m:r>
-                                    <a:rPr lang="fr-FR" sz="1200" b="0" i="1" smtClean="0">
-                                      <a:latin typeface="Cambria Math" panose="02040503050406030204" pitchFamily="18" charset="0"/>
-                                    </a:rPr>
-                                    <m:t>4</m:t>
-                                  </m:r>
-                                </m:sub>
-                              </m:sSub>
-                            </m:e>
-                          </m:acc>
-                        </m:e>
-                      </m:d>
-                    </m:oMath>
-                  </m:oMathPara>
-                </a14:m>
-                <a:endParaRPr lang="fr-FR" sz="1200" dirty="0"/>
-              </a:p>
-            </p:txBody>
-          </p:sp>
-        </mc:Choice>
-        <mc:Fallback>
-          <p:sp>
-            <p:nvSpPr>
-              <p:cNvPr id="51" name="ZoneTexte 50">
-                <a:extLst>
-                  <a:ext uri="{FF2B5EF4-FFF2-40B4-BE49-F238E27FC236}">
-                    <a16:creationId xmlns:a16="http://schemas.microsoft.com/office/drawing/2014/main" id="{B6B61A66-8781-4E19-8E9F-B7C0A4EC629D}"/>
-                  </a:ext>
-                </a:extLst>
-              </p:cNvPr>
-              <p:cNvSpPr txBox="1">
-                <a:spLocks noRot="1" noChangeAspect="1" noMove="1" noResize="1" noEditPoints="1" noAdjustHandles="1" noChangeArrowheads="1" noChangeShapeType="1" noTextEdit="1"/>
-              </p:cNvSpPr>
-              <p:nvPr/>
-            </p:nvSpPr>
-            <p:spPr>
-              <a:xfrm>
-                <a:off x="3626778" y="5990130"/>
-                <a:ext cx="855875" cy="461665"/>
-              </a:xfrm>
-              <a:prstGeom prst="rect">
-                <a:avLst/>
-              </a:prstGeom>
-              <a:blipFill>
-                <a:blip r:embed="rId9"/>
-                <a:stretch>
-                  <a:fillRect l="-714" t="-1333"/>
-                </a:stretch>
-              </a:blipFill>
-            </p:spPr>
-            <p:txBody>
-              <a:bodyPr/>
-              <a:lstStyle/>
-              <a:p>
-                <a:r>
-                  <a:rPr lang="fr-FR">
-                    <a:noFill/>
-                  </a:rPr>
-                  <a:t> </a:t>
-                </a:r>
-              </a:p>
-            </p:txBody>
-          </p:sp>
-        </mc:Fallback>
-      </mc:AlternateContent>
-      <p:sp>
-        <p:nvSpPr>
-          <p:cNvPr id="52" name="Ellipse 51">
-            <a:extLst>
-              <a:ext uri="{FF2B5EF4-FFF2-40B4-BE49-F238E27FC236}">
-                <a16:creationId xmlns:a16="http://schemas.microsoft.com/office/drawing/2014/main" id="{0833B226-2C1A-4922-9B9C-7B70DBEC4092}"/>
-              </a:ext>
-            </a:extLst>
-          </p:cNvPr>
-          <p:cNvSpPr/>
-          <p:nvPr/>
-        </p:nvSpPr>
-        <p:spPr>
-          <a:xfrm>
-            <a:off x="4507104" y="6231029"/>
-            <a:ext cx="324000" cy="324000"/>
-          </a:xfrm>
-          <a:prstGeom prst="ellipse">
-            <a:avLst/>
-          </a:prstGeom>
-          <a:solidFill>
-            <a:schemeClr val="bg1"/>
-          </a:solidFill>
-          <a:ln w="19050">
-            <a:solidFill>
-              <a:srgbClr val="7030A0"/>
-            </a:solidFill>
-          </a:ln>
-        </p:spPr>
-        <p:style>
-          <a:lnRef idx="2">
-            <a:schemeClr val="accent1">
-              <a:shade val="50000"/>
-            </a:schemeClr>
-          </a:lnRef>
-          <a:fillRef idx="1">
-            <a:schemeClr val="accent1"/>
-          </a:fillRef>
-          <a:effectRef idx="0">
-            <a:schemeClr val="accent1"/>
-          </a:effectRef>
-          <a:fontRef idx="minor">
-            <a:schemeClr val="lt1"/>
-          </a:fontRef>
-        </p:style>
-        <p:txBody>
-          <a:bodyPr lIns="36000" tIns="36000" rIns="36000" bIns="36000" rtlCol="0" anchor="ctr"/>
-          <a:lstStyle/>
-          <a:p>
-            <a:pPr algn="ctr"/>
-            <a:r>
-              <a:rPr lang="fr-FR" sz="1400" b="1" dirty="0">
-                <a:solidFill>
-                  <a:srgbClr val="7030A0"/>
-                </a:solidFill>
-              </a:rPr>
-              <a:t>8</a:t>
-            </a:r>
-          </a:p>
-        </p:txBody>
-      </p:sp>
-      <mc:AlternateContent xmlns:mc="http://schemas.openxmlformats.org/markup-compatibility/2006" xmlns:a14="http://schemas.microsoft.com/office/drawing/2010/main">
-        <mc:Choice Requires="a14">
-          <p:sp>
-            <p:nvSpPr>
-              <p:cNvPr id="53" name="ZoneTexte 52">
-                <a:extLst>
-                  <a:ext uri="{FF2B5EF4-FFF2-40B4-BE49-F238E27FC236}">
-                    <a16:creationId xmlns:a16="http://schemas.microsoft.com/office/drawing/2014/main" id="{C7BB189B-8D3C-463C-9F00-0FCD41C825C3}"/>
-                  </a:ext>
-                </a:extLst>
-              </p:cNvPr>
-              <p:cNvSpPr txBox="1"/>
-              <p:nvPr/>
-            </p:nvSpPr>
-            <p:spPr>
-              <a:xfrm rot="18818568">
-                <a:off x="4601483" y="5781700"/>
-                <a:ext cx="875881" cy="461665"/>
-              </a:xfrm>
-              <a:prstGeom prst="rect">
-                <a:avLst/>
-              </a:prstGeom>
-              <a:noFill/>
-            </p:spPr>
-            <p:txBody>
-              <a:bodyPr wrap="none" rtlCol="0">
-                <a:spAutoFit/>
-              </a:bodyPr>
-              <a:lstStyle/>
-              <a:p>
-                <a:pPr algn="ctr"/>
-                <a:r>
-                  <a:rPr lang="fr-FR" sz="1200" dirty="0"/>
-                  <a:t>Hélicoïdale</a:t>
-                </a:r>
-              </a:p>
-              <a:p>
-                <a:pPr algn="ctr"/>
-                <a14:m>
-                  <m:oMathPara xmlns:m="http://schemas.openxmlformats.org/officeDocument/2006/math">
-                    <m:oMathParaPr>
-                      <m:jc m:val="centerGroup"/>
-                    </m:oMathParaPr>
-                    <m:oMath xmlns:m="http://schemas.openxmlformats.org/officeDocument/2006/math">
-                      <m:d>
-                        <m:dPr>
-                          <m:ctrlPr>
-                            <a:rPr lang="fr-FR" sz="1200" i="1">
-                              <a:latin typeface="Cambria Math" panose="02040503050406030204" pitchFamily="18" charset="0"/>
-                            </a:rPr>
-                          </m:ctrlPr>
-                        </m:dPr>
-                        <m:e>
-                          <m:r>
-                            <a:rPr lang="fr-FR" sz="1200" i="1">
-                              <a:latin typeface="Cambria Math" panose="02040503050406030204" pitchFamily="18" charset="0"/>
-                            </a:rPr>
-                            <m:t>𝑃</m:t>
-                          </m:r>
-                          <m:r>
-                            <a:rPr lang="fr-FR" sz="1200" i="1">
-                              <a:latin typeface="Cambria Math" panose="02040503050406030204" pitchFamily="18" charset="0"/>
-                            </a:rPr>
-                            <m:t>,</m:t>
-                          </m:r>
-                          <m:acc>
-                            <m:accPr>
-                              <m:chr m:val="⃗"/>
-                              <m:ctrlPr>
-                                <a:rPr lang="fr-FR" sz="1200" i="1">
-                                  <a:latin typeface="Cambria Math" panose="02040503050406030204" pitchFamily="18" charset="0"/>
-                                </a:rPr>
-                              </m:ctrlPr>
-                            </m:accPr>
-                            <m:e>
-                              <m:sSub>
-                                <m:sSubPr>
-                                  <m:ctrlPr>
-                                    <a:rPr lang="fr-FR" sz="1200" i="1">
-                                      <a:latin typeface="Cambria Math" panose="02040503050406030204" pitchFamily="18" charset="0"/>
-                                    </a:rPr>
-                                  </m:ctrlPr>
-                                </m:sSubPr>
-                                <m:e>
-                                  <m:r>
-                                    <a:rPr lang="fr-FR" sz="1200" i="1">
-                                      <a:latin typeface="Cambria Math" panose="02040503050406030204" pitchFamily="18" charset="0"/>
-                                    </a:rPr>
-                                    <m:t>𝑧</m:t>
-                                  </m:r>
-                                </m:e>
-                                <m:sub>
-                                  <m:r>
-                                    <a:rPr lang="fr-FR" sz="1200" i="1">
-                                      <a:latin typeface="Cambria Math" panose="02040503050406030204" pitchFamily="18" charset="0"/>
-                                    </a:rPr>
-                                    <m:t>4</m:t>
-                                  </m:r>
-                                </m:sub>
-                              </m:sSub>
-                            </m:e>
-                          </m:acc>
-                        </m:e>
-                      </m:d>
-                    </m:oMath>
-                  </m:oMathPara>
-                </a14:m>
-                <a:endParaRPr lang="fr-FR" sz="1200" dirty="0"/>
-              </a:p>
-            </p:txBody>
-          </p:sp>
-        </mc:Choice>
-        <mc:Fallback xmlns="">
-          <p:sp>
-            <p:nvSpPr>
-              <p:cNvPr id="53" name="ZoneTexte 52">
-                <a:extLst>
-                  <a:ext uri="{FF2B5EF4-FFF2-40B4-BE49-F238E27FC236}">
-                    <a16:creationId xmlns:a16="http://schemas.microsoft.com/office/drawing/2014/main" id="{C7BB189B-8D3C-463C-9F00-0FCD41C825C3}"/>
-                  </a:ext>
-                </a:extLst>
-              </p:cNvPr>
-              <p:cNvSpPr txBox="1">
-                <a:spLocks noRot="1" noChangeAspect="1" noMove="1" noResize="1" noEditPoints="1" noAdjustHandles="1" noChangeArrowheads="1" noChangeShapeType="1" noTextEdit="1"/>
-              </p:cNvSpPr>
-              <p:nvPr/>
-            </p:nvSpPr>
-            <p:spPr>
-              <a:xfrm rot="18818568">
-                <a:off x="4601483" y="5781700"/>
-                <a:ext cx="875881" cy="461665"/>
-              </a:xfrm>
-              <a:prstGeom prst="rect">
-                <a:avLst/>
-              </a:prstGeom>
-              <a:blipFill>
-                <a:blip r:embed="rId10"/>
-                <a:stretch>
-                  <a:fillRect/>
-                </a:stretch>
-              </a:blipFill>
-            </p:spPr>
-            <p:txBody>
-              <a:bodyPr/>
-              <a:lstStyle/>
-              <a:p>
-                <a:r>
-                  <a:rPr lang="fr-FR">
-                    <a:noFill/>
-                  </a:rPr>
-                  <a:t> </a:t>
-                </a:r>
-              </a:p>
-            </p:txBody>
-          </p:sp>
-        </mc:Fallback>
-      </mc:AlternateContent>
-      <p:sp>
-        <p:nvSpPr>
-          <p:cNvPr id="2" name="Éclair 1">
-            <a:extLst>
-              <a:ext uri="{FF2B5EF4-FFF2-40B4-BE49-F238E27FC236}">
-                <a16:creationId xmlns:a16="http://schemas.microsoft.com/office/drawing/2014/main" id="{FC868525-B9E2-48B1-ACCC-636EEA1266DB}"/>
-              </a:ext>
-            </a:extLst>
-          </p:cNvPr>
-          <p:cNvSpPr/>
-          <p:nvPr/>
-        </p:nvSpPr>
-        <p:spPr>
-          <a:xfrm rot="16200000">
-            <a:off x="1116358" y="6563360"/>
-            <a:ext cx="471692" cy="589280"/>
-          </a:xfrm>
-          <a:prstGeom prst="lightningBolt">
-            <a:avLst/>
-          </a:prstGeom>
-          <a:solidFill>
-            <a:schemeClr val="accent2">
-              <a:lumMod val="20000"/>
-              <a:lumOff val="80000"/>
-            </a:schemeClr>
-          </a:solidFill>
-          <a:ln>
-            <a:solidFill>
-              <a:srgbClr val="FF0000"/>
-            </a:solidFill>
-          </a:ln>
-        </p:spPr>
-        <p:style>
-          <a:lnRef idx="2">
-            <a:schemeClr val="accent1">
-              <a:shade val="50000"/>
-            </a:schemeClr>
-          </a:lnRef>
-          <a:fillRef idx="1">
-            <a:schemeClr val="accent1"/>
-          </a:fillRef>
-          <a:effectRef idx="0">
-            <a:schemeClr val="accent1"/>
-          </a:effectRef>
-          <a:fontRef idx="minor">
-            <a:schemeClr val="lt1"/>
-          </a:fontRef>
-        </p:style>
-        <p:txBody>
-          <a:bodyPr rtlCol="0" anchor="ctr"/>
-          <a:lstStyle/>
-          <a:p>
-            <a:pPr algn="ctr"/>
-            <a:endParaRPr lang="fr-FR"/>
-          </a:p>
-        </p:txBody>
-      </p:sp>
-      <mc:AlternateContent xmlns:mc="http://schemas.openxmlformats.org/markup-compatibility/2006">
-        <mc:Choice xmlns:a14="http://schemas.microsoft.com/office/drawing/2010/main" Requires="a14">
-          <p:sp>
-            <p:nvSpPr>
-              <p:cNvPr id="32" name="ZoneTexte 31">
-                <a:extLst>
-                  <a:ext uri="{FF2B5EF4-FFF2-40B4-BE49-F238E27FC236}">
-                    <a16:creationId xmlns:a16="http://schemas.microsoft.com/office/drawing/2014/main" id="{550CB7A5-7748-4231-ACFF-CB60D10958D6}"/>
-                  </a:ext>
-                </a:extLst>
-              </p:cNvPr>
-              <p:cNvSpPr txBox="1"/>
-              <p:nvPr/>
-            </p:nvSpPr>
-            <p:spPr>
-              <a:xfrm>
-                <a:off x="514293" y="6916678"/>
-                <a:ext cx="618696" cy="276999"/>
-              </a:xfrm>
-              <a:prstGeom prst="rect">
-                <a:avLst/>
-              </a:prstGeom>
-              <a:noFill/>
-            </p:spPr>
-            <p:txBody>
-              <a:bodyPr wrap="none" rtlCol="0">
-                <a:spAutoFit/>
-              </a:bodyPr>
-              <a:lstStyle/>
-              <a:p>
-                <a:pPr/>
-                <a14:m>
-                  <m:oMathPara xmlns:m="http://schemas.openxmlformats.org/officeDocument/2006/math">
-                    <m:oMathParaPr>
-                      <m:jc m:val="centerGroup"/>
-                    </m:oMathParaPr>
-                    <m:oMath xmlns:m="http://schemas.openxmlformats.org/officeDocument/2006/math">
-                      <m:sSub>
-                        <m:sSubPr>
-                          <m:ctrlPr>
-                            <a:rPr lang="fr-FR" sz="1200" b="0" i="1" smtClean="0">
-                              <a:latin typeface="Cambria Math" panose="02040503050406030204" pitchFamily="18" charset="0"/>
-                            </a:rPr>
-                          </m:ctrlPr>
-                        </m:sSubPr>
-                        <m:e>
-                          <m:r>
-                            <a:rPr lang="fr-FR" sz="1200" b="0" i="1" smtClean="0">
-                              <a:latin typeface="Cambria Math" panose="02040503050406030204" pitchFamily="18" charset="0"/>
-                            </a:rPr>
-                            <m:t>𝐶</m:t>
-                          </m:r>
-                        </m:e>
-                        <m:sub>
-                          <m:r>
-                            <a:rPr lang="fr-FR" sz="1200" b="0" i="1" smtClean="0">
-                              <a:latin typeface="Cambria Math" panose="02040503050406030204" pitchFamily="18" charset="0"/>
-                            </a:rPr>
-                            <m:t>𝑚</m:t>
-                          </m:r>
-                          <m:r>
-                            <a:rPr lang="fr-FR" sz="1200" b="0" i="1" smtClean="0">
-                              <a:latin typeface="Cambria Math" panose="02040503050406030204" pitchFamily="18" charset="0"/>
-                            </a:rPr>
-                            <m:t>1</m:t>
-                          </m:r>
-                        </m:sub>
-                      </m:sSub>
-                      <m:acc>
-                        <m:accPr>
-                          <m:chr m:val="⃗"/>
-                          <m:ctrlPr>
-                            <a:rPr lang="fr-FR" sz="1200" i="1">
-                              <a:latin typeface="Cambria Math" panose="02040503050406030204" pitchFamily="18" charset="0"/>
-                            </a:rPr>
-                          </m:ctrlPr>
-                        </m:accPr>
-                        <m:e>
-                          <m:sSub>
-                            <m:sSubPr>
-                              <m:ctrlPr>
-                                <a:rPr lang="fr-FR" sz="1200" i="1">
-                                  <a:latin typeface="Cambria Math" panose="02040503050406030204" pitchFamily="18" charset="0"/>
-                                </a:rPr>
-                              </m:ctrlPr>
-                            </m:sSubPr>
-                            <m:e>
-                              <m:r>
-                                <a:rPr lang="fr-FR" sz="1200" i="1">
-                                  <a:latin typeface="Cambria Math" panose="02040503050406030204" pitchFamily="18" charset="0"/>
-                                </a:rPr>
-                                <m:t>𝑧</m:t>
-                              </m:r>
-                            </m:e>
-                            <m:sub>
-                              <m:r>
-                                <a:rPr lang="fr-FR" sz="1200" i="1">
-                                  <a:latin typeface="Cambria Math" panose="02040503050406030204" pitchFamily="18" charset="0"/>
-                                </a:rPr>
-                                <m:t>1</m:t>
-                              </m:r>
-                            </m:sub>
-                          </m:sSub>
-                        </m:e>
-                      </m:acc>
-                    </m:oMath>
-                  </m:oMathPara>
-                </a14:m>
-                <a:endParaRPr lang="fr-FR" sz="1200" dirty="0"/>
-              </a:p>
-            </p:txBody>
-          </p:sp>
-        </mc:Choice>
-        <mc:Fallback>
-          <p:sp>
-            <p:nvSpPr>
-              <p:cNvPr id="32" name="ZoneTexte 31">
-                <a:extLst>
-                  <a:ext uri="{FF2B5EF4-FFF2-40B4-BE49-F238E27FC236}">
-                    <a16:creationId xmlns:a16="http://schemas.microsoft.com/office/drawing/2014/main" id="{550CB7A5-7748-4231-ACFF-CB60D10958D6}"/>
-                  </a:ext>
-                </a:extLst>
-              </p:cNvPr>
-              <p:cNvSpPr txBox="1">
-                <a:spLocks noRot="1" noChangeAspect="1" noMove="1" noResize="1" noEditPoints="1" noAdjustHandles="1" noChangeArrowheads="1" noChangeShapeType="1" noTextEdit="1"/>
-              </p:cNvSpPr>
-              <p:nvPr/>
-            </p:nvSpPr>
-            <p:spPr>
-              <a:xfrm>
-                <a:off x="514293" y="6916678"/>
-                <a:ext cx="618696" cy="276999"/>
-              </a:xfrm>
-              <a:prstGeom prst="rect">
-                <a:avLst/>
-              </a:prstGeom>
-              <a:blipFill>
-                <a:blip r:embed="rId11"/>
-                <a:stretch>
-                  <a:fillRect/>
-                </a:stretch>
-              </a:blipFill>
-            </p:spPr>
-            <p:txBody>
-              <a:bodyPr/>
-              <a:lstStyle/>
-              <a:p>
-                <a:r>
-                  <a:rPr lang="fr-FR">
-                    <a:noFill/>
-                  </a:rPr>
-                  <a:t> </a:t>
-                </a:r>
-              </a:p>
-            </p:txBody>
-          </p:sp>
-        </mc:Fallback>
-      </mc:AlternateContent>
-      <p:sp>
-        <p:nvSpPr>
-          <p:cNvPr id="33" name="Éclair 32">
-            <a:extLst>
-              <a:ext uri="{FF2B5EF4-FFF2-40B4-BE49-F238E27FC236}">
-                <a16:creationId xmlns:a16="http://schemas.microsoft.com/office/drawing/2014/main" id="{B5CF7BAC-2907-4DDB-AE10-3F37637FD44C}"/>
-              </a:ext>
-            </a:extLst>
-          </p:cNvPr>
-          <p:cNvSpPr/>
-          <p:nvPr/>
-        </p:nvSpPr>
-        <p:spPr>
-          <a:xfrm rot="16200000">
-            <a:off x="2557009" y="6507513"/>
-            <a:ext cx="471692" cy="589280"/>
-          </a:xfrm>
-          <a:prstGeom prst="lightningBolt">
-            <a:avLst/>
-          </a:prstGeom>
-          <a:solidFill>
-            <a:schemeClr val="accent2">
-              <a:lumMod val="20000"/>
-              <a:lumOff val="80000"/>
-            </a:schemeClr>
-          </a:solidFill>
-          <a:ln>
-            <a:solidFill>
-              <a:srgbClr val="FF0000"/>
-            </a:solidFill>
-          </a:ln>
-        </p:spPr>
-        <p:style>
-          <a:lnRef idx="2">
-            <a:schemeClr val="accent1">
-              <a:shade val="50000"/>
-            </a:schemeClr>
-          </a:lnRef>
-          <a:fillRef idx="1">
-            <a:schemeClr val="accent1"/>
-          </a:fillRef>
-          <a:effectRef idx="0">
-            <a:schemeClr val="accent1"/>
-          </a:effectRef>
-          <a:fontRef idx="minor">
-            <a:schemeClr val="lt1"/>
-          </a:fontRef>
-        </p:style>
-        <p:txBody>
-          <a:bodyPr rtlCol="0" anchor="ctr"/>
-          <a:lstStyle/>
-          <a:p>
-            <a:pPr algn="ctr"/>
-            <a:endParaRPr lang="fr-FR"/>
-          </a:p>
-        </p:txBody>
-      </p:sp>
-      <mc:AlternateContent xmlns:mc="http://schemas.openxmlformats.org/markup-compatibility/2006">
-        <mc:Choice xmlns:a14="http://schemas.microsoft.com/office/drawing/2010/main" Requires="a14">
-          <p:sp>
-            <p:nvSpPr>
-              <p:cNvPr id="36" name="ZoneTexte 35">
-                <a:extLst>
-                  <a:ext uri="{FF2B5EF4-FFF2-40B4-BE49-F238E27FC236}">
-                    <a16:creationId xmlns:a16="http://schemas.microsoft.com/office/drawing/2014/main" id="{C7BF12CE-50FF-4C3E-851F-FF6B46BFD036}"/>
-                  </a:ext>
-                </a:extLst>
-              </p:cNvPr>
-              <p:cNvSpPr txBox="1"/>
-              <p:nvPr/>
-            </p:nvSpPr>
-            <p:spPr>
-              <a:xfrm>
-                <a:off x="1942061" y="6872205"/>
-                <a:ext cx="662361" cy="314702"/>
-              </a:xfrm>
-              <a:prstGeom prst="rect">
-                <a:avLst/>
-              </a:prstGeom>
-              <a:noFill/>
-            </p:spPr>
-            <p:txBody>
-              <a:bodyPr wrap="none" rtlCol="0">
-                <a:spAutoFit/>
-              </a:bodyPr>
-              <a:lstStyle/>
-              <a:p>
-                <a:pPr/>
-                <a14:m>
-                  <m:oMathPara xmlns:m="http://schemas.openxmlformats.org/officeDocument/2006/math">
-                    <m:oMathParaPr>
-                      <m:jc m:val="centerGroup"/>
-                    </m:oMathParaPr>
-                    <m:oMath xmlns:m="http://schemas.openxmlformats.org/officeDocument/2006/math">
-                      <m:sSub>
-                        <m:sSubPr>
-                          <m:ctrlPr>
-                            <a:rPr lang="fr-FR" sz="1200" b="0" i="1" smtClean="0">
-                              <a:latin typeface="Cambria Math" panose="02040503050406030204" pitchFamily="18" charset="0"/>
-                            </a:rPr>
-                          </m:ctrlPr>
-                        </m:sSubPr>
-                        <m:e>
-                          <m:r>
-                            <a:rPr lang="fr-FR" sz="1200" b="0" i="1" smtClean="0">
-                              <a:latin typeface="Cambria Math" panose="02040503050406030204" pitchFamily="18" charset="0"/>
-                            </a:rPr>
-                            <m:t>𝐶</m:t>
-                          </m:r>
-                        </m:e>
-                        <m:sub>
-                          <m:r>
-                            <a:rPr lang="fr-FR" sz="1200" b="0" i="1" smtClean="0">
-                              <a:latin typeface="Cambria Math" panose="02040503050406030204" pitchFamily="18" charset="0"/>
-                            </a:rPr>
-                            <m:t>𝑚</m:t>
-                          </m:r>
-                          <m:r>
-                            <a:rPr lang="fr-FR" sz="1200" b="0" i="1" smtClean="0">
-                              <a:latin typeface="Cambria Math" panose="02040503050406030204" pitchFamily="18" charset="0"/>
-                            </a:rPr>
-                            <m:t>2</m:t>
-                          </m:r>
-                        </m:sub>
-                      </m:sSub>
-                      <m:acc>
-                        <m:accPr>
-                          <m:chr m:val="⃗"/>
-                          <m:ctrlPr>
-                            <a:rPr lang="fr-FR" sz="1200" i="1">
-                              <a:latin typeface="Cambria Math" panose="02040503050406030204" pitchFamily="18" charset="0"/>
-                            </a:rPr>
-                          </m:ctrlPr>
-                        </m:accPr>
-                        <m:e>
-                          <m:sSub>
-                            <m:sSubPr>
-                              <m:ctrlPr>
-                                <a:rPr lang="fr-FR" sz="1200" i="1">
-                                  <a:latin typeface="Cambria Math" panose="02040503050406030204" pitchFamily="18" charset="0"/>
-                                </a:rPr>
-                              </m:ctrlPr>
-                            </m:sSubPr>
-                            <m:e>
-                              <m:r>
-                                <a:rPr lang="fr-FR" sz="1200" i="1">
-                                  <a:latin typeface="Cambria Math" panose="02040503050406030204" pitchFamily="18" charset="0"/>
-                                </a:rPr>
-                                <m:t>𝑧</m:t>
-                              </m:r>
-                            </m:e>
-                            <m:sub>
-                              <m:r>
-                                <a:rPr lang="fr-FR" sz="1200" b="0" i="1" smtClean="0">
-                                  <a:latin typeface="Cambria Math" panose="02040503050406030204" pitchFamily="18" charset="0"/>
-                                </a:rPr>
-                                <m:t>2</m:t>
-                              </m:r>
-                            </m:sub>
-                          </m:sSub>
-                          <m:r>
-                            <a:rPr lang="fr-FR" sz="1200" b="0" i="1" smtClean="0">
-                              <a:latin typeface="Cambria Math" panose="02040503050406030204" pitchFamily="18" charset="0"/>
-                            </a:rPr>
-                            <m:t>′</m:t>
-                          </m:r>
-                        </m:e>
-                      </m:acc>
-                    </m:oMath>
-                  </m:oMathPara>
-                </a14:m>
-                <a:endParaRPr lang="fr-FR" sz="1200" dirty="0"/>
-              </a:p>
-            </p:txBody>
-          </p:sp>
-        </mc:Choice>
-        <mc:Fallback>
-          <p:sp>
-            <p:nvSpPr>
-              <p:cNvPr id="36" name="ZoneTexte 35">
-                <a:extLst>
-                  <a:ext uri="{FF2B5EF4-FFF2-40B4-BE49-F238E27FC236}">
-                    <a16:creationId xmlns:a16="http://schemas.microsoft.com/office/drawing/2014/main" id="{C7BF12CE-50FF-4C3E-851F-FF6B46BFD036}"/>
-                  </a:ext>
-                </a:extLst>
-              </p:cNvPr>
-              <p:cNvSpPr txBox="1">
-                <a:spLocks noRot="1" noChangeAspect="1" noMove="1" noResize="1" noEditPoints="1" noAdjustHandles="1" noChangeArrowheads="1" noChangeShapeType="1" noTextEdit="1"/>
-              </p:cNvSpPr>
-              <p:nvPr/>
-            </p:nvSpPr>
-            <p:spPr>
-              <a:xfrm>
-                <a:off x="1942061" y="6872205"/>
-                <a:ext cx="662361" cy="314702"/>
-              </a:xfrm>
-              <a:prstGeom prst="rect">
-                <a:avLst/>
-              </a:prstGeom>
-              <a:blipFill>
-                <a:blip r:embed="rId12"/>
-                <a:stretch>
-                  <a:fillRect/>
-                </a:stretch>
-              </a:blipFill>
-            </p:spPr>
-            <p:txBody>
-              <a:bodyPr/>
-              <a:lstStyle/>
-              <a:p>
-                <a:r>
-                  <a:rPr lang="fr-FR">
-                    <a:noFill/>
-                  </a:rPr>
-                  <a:t> </a:t>
-                </a:r>
-              </a:p>
-            </p:txBody>
-          </p:sp>
-        </mc:Fallback>
-      </mc:AlternateContent>
-      <p:sp>
-        <p:nvSpPr>
-          <p:cNvPr id="37" name="Éclair 36">
-            <a:extLst>
-              <a:ext uri="{FF2B5EF4-FFF2-40B4-BE49-F238E27FC236}">
-                <a16:creationId xmlns:a16="http://schemas.microsoft.com/office/drawing/2014/main" id="{34954ABA-E82E-48C1-A39F-06B817E3812D}"/>
-              </a:ext>
-            </a:extLst>
-          </p:cNvPr>
-          <p:cNvSpPr/>
-          <p:nvPr/>
-        </p:nvSpPr>
-        <p:spPr>
-          <a:xfrm rot="16200000">
-            <a:off x="4019442" y="6515286"/>
-            <a:ext cx="471692" cy="589280"/>
-          </a:xfrm>
-          <a:prstGeom prst="lightningBolt">
-            <a:avLst/>
-          </a:prstGeom>
-          <a:solidFill>
-            <a:schemeClr val="accent2">
-              <a:lumMod val="20000"/>
-              <a:lumOff val="80000"/>
-            </a:schemeClr>
-          </a:solidFill>
-          <a:ln>
-            <a:solidFill>
-              <a:srgbClr val="FF0000"/>
-            </a:solidFill>
-          </a:ln>
-        </p:spPr>
-        <p:style>
-          <a:lnRef idx="2">
-            <a:schemeClr val="accent1">
-              <a:shade val="50000"/>
-            </a:schemeClr>
-          </a:lnRef>
-          <a:fillRef idx="1">
-            <a:schemeClr val="accent1"/>
-          </a:fillRef>
-          <a:effectRef idx="0">
-            <a:schemeClr val="accent1"/>
-          </a:effectRef>
-          <a:fontRef idx="minor">
-            <a:schemeClr val="lt1"/>
-          </a:fontRef>
-        </p:style>
-        <p:txBody>
-          <a:bodyPr rtlCol="0" anchor="ctr"/>
-          <a:lstStyle/>
-          <a:p>
-            <a:pPr algn="ctr"/>
-            <a:endParaRPr lang="fr-FR" dirty="0"/>
-          </a:p>
-        </p:txBody>
-      </p:sp>
-      <mc:AlternateContent xmlns:mc="http://schemas.openxmlformats.org/markup-compatibility/2006">
-        <mc:Choice xmlns:a14="http://schemas.microsoft.com/office/drawing/2010/main" Requires="a14">
-          <p:sp>
-            <p:nvSpPr>
-              <p:cNvPr id="41" name="ZoneTexte 40">
-                <a:extLst>
-                  <a:ext uri="{FF2B5EF4-FFF2-40B4-BE49-F238E27FC236}">
-                    <a16:creationId xmlns:a16="http://schemas.microsoft.com/office/drawing/2014/main" id="{D8A54E04-7A75-4B36-A82E-743A89572E12}"/>
-                  </a:ext>
-                </a:extLst>
-              </p:cNvPr>
-              <p:cNvSpPr txBox="1"/>
-              <p:nvPr/>
-            </p:nvSpPr>
-            <p:spPr>
-              <a:xfrm>
-                <a:off x="3409777" y="6891057"/>
-                <a:ext cx="622286" cy="276999"/>
-              </a:xfrm>
-              <a:prstGeom prst="rect">
-                <a:avLst/>
-              </a:prstGeom>
-              <a:noFill/>
-            </p:spPr>
-            <p:txBody>
-              <a:bodyPr wrap="none" rtlCol="0">
-                <a:spAutoFit/>
-              </a:bodyPr>
-              <a:lstStyle/>
-              <a:p>
-                <a:pPr/>
-                <a14:m>
-                  <m:oMathPara xmlns:m="http://schemas.openxmlformats.org/officeDocument/2006/math">
-                    <m:oMathParaPr>
-                      <m:jc m:val="centerGroup"/>
-                    </m:oMathParaPr>
-                    <m:oMath xmlns:m="http://schemas.openxmlformats.org/officeDocument/2006/math">
-                      <m:sSub>
-                        <m:sSubPr>
-                          <m:ctrlPr>
-                            <a:rPr lang="fr-FR" sz="1200" b="0" i="1" smtClean="0">
-                              <a:latin typeface="Cambria Math" panose="02040503050406030204" pitchFamily="18" charset="0"/>
-                            </a:rPr>
-                          </m:ctrlPr>
-                        </m:sSubPr>
-                        <m:e>
-                          <m:r>
-                            <a:rPr lang="fr-FR" sz="1200" b="0" i="1" smtClean="0">
-                              <a:latin typeface="Cambria Math" panose="02040503050406030204" pitchFamily="18" charset="0"/>
-                            </a:rPr>
-                            <m:t>𝐶</m:t>
-                          </m:r>
-                        </m:e>
-                        <m:sub>
-                          <m:r>
-                            <a:rPr lang="fr-FR" sz="1200" b="0" i="1" smtClean="0">
-                              <a:latin typeface="Cambria Math" panose="02040503050406030204" pitchFamily="18" charset="0"/>
-                            </a:rPr>
-                            <m:t>𝑚</m:t>
-                          </m:r>
-                          <m:r>
-                            <a:rPr lang="fr-FR" sz="1200" b="0" i="1" smtClean="0">
-                              <a:latin typeface="Cambria Math" panose="02040503050406030204" pitchFamily="18" charset="0"/>
-                            </a:rPr>
-                            <m:t>3</m:t>
-                          </m:r>
-                        </m:sub>
-                      </m:sSub>
-                      <m:acc>
-                        <m:accPr>
-                          <m:chr m:val="⃗"/>
-                          <m:ctrlPr>
-                            <a:rPr lang="fr-FR" sz="1200" i="1">
-                              <a:latin typeface="Cambria Math" panose="02040503050406030204" pitchFamily="18" charset="0"/>
-                            </a:rPr>
-                          </m:ctrlPr>
-                        </m:accPr>
-                        <m:e>
-                          <m:sSub>
-                            <m:sSubPr>
-                              <m:ctrlPr>
-                                <a:rPr lang="fr-FR" sz="1200" i="1">
-                                  <a:latin typeface="Cambria Math" panose="02040503050406030204" pitchFamily="18" charset="0"/>
-                                </a:rPr>
-                              </m:ctrlPr>
-                            </m:sSubPr>
-                            <m:e>
-                              <m:r>
-                                <a:rPr lang="fr-FR" sz="1200" i="1">
-                                  <a:latin typeface="Cambria Math" panose="02040503050406030204" pitchFamily="18" charset="0"/>
-                                </a:rPr>
-                                <m:t>𝑧</m:t>
-                              </m:r>
-                            </m:e>
-                            <m:sub>
-                              <m:r>
-                                <a:rPr lang="fr-FR" sz="1200" b="0" i="1" smtClean="0">
-                                  <a:latin typeface="Cambria Math" panose="02040503050406030204" pitchFamily="18" charset="0"/>
-                                </a:rPr>
-                                <m:t>3</m:t>
-                              </m:r>
-                            </m:sub>
-                          </m:sSub>
-                        </m:e>
-                      </m:acc>
-                    </m:oMath>
-                  </m:oMathPara>
-                </a14:m>
-                <a:endParaRPr lang="fr-FR" sz="1200" dirty="0"/>
-              </a:p>
-            </p:txBody>
-          </p:sp>
-        </mc:Choice>
-        <mc:Fallback>
-          <p:sp>
-            <p:nvSpPr>
-              <p:cNvPr id="41" name="ZoneTexte 40">
-                <a:extLst>
-                  <a:ext uri="{FF2B5EF4-FFF2-40B4-BE49-F238E27FC236}">
-                    <a16:creationId xmlns:a16="http://schemas.microsoft.com/office/drawing/2014/main" id="{D8A54E04-7A75-4B36-A82E-743A89572E12}"/>
-                  </a:ext>
-                </a:extLst>
-              </p:cNvPr>
-              <p:cNvSpPr txBox="1">
-                <a:spLocks noRot="1" noChangeAspect="1" noMove="1" noResize="1" noEditPoints="1" noAdjustHandles="1" noChangeArrowheads="1" noChangeShapeType="1" noTextEdit="1"/>
-              </p:cNvSpPr>
-              <p:nvPr/>
-            </p:nvSpPr>
-            <p:spPr>
-              <a:xfrm>
-                <a:off x="3409777" y="6891057"/>
-                <a:ext cx="622286" cy="276999"/>
-              </a:xfrm>
-              <a:prstGeom prst="rect">
-                <a:avLst/>
-              </a:prstGeom>
-              <a:blipFill>
-                <a:blip r:embed="rId13"/>
-                <a:stretch>
-                  <a:fillRect/>
-                </a:stretch>
-              </a:blipFill>
-            </p:spPr>
-            <p:txBody>
-              <a:bodyPr/>
-              <a:lstStyle/>
-              <a:p>
-                <a:r>
-                  <a:rPr lang="fr-FR">
-                    <a:noFill/>
-                  </a:rPr>
-                  <a:t> </a:t>
-                </a:r>
-              </a:p>
-            </p:txBody>
-          </p:sp>
-        </mc:Fallback>
-      </mc:AlternateContent>
-      <p:sp>
-        <p:nvSpPr>
-          <p:cNvPr id="43" name="Éclair 42">
-            <a:extLst>
-              <a:ext uri="{FF2B5EF4-FFF2-40B4-BE49-F238E27FC236}">
-                <a16:creationId xmlns:a16="http://schemas.microsoft.com/office/drawing/2014/main" id="{A5CAE75C-25E2-4B56-A928-F08E662188F9}"/>
-              </a:ext>
-            </a:extLst>
-          </p:cNvPr>
-          <p:cNvSpPr/>
-          <p:nvPr/>
-        </p:nvSpPr>
-        <p:spPr>
-          <a:xfrm rot="21178283">
-            <a:off x="3407872" y="4951082"/>
-            <a:ext cx="345533" cy="515011"/>
-          </a:xfrm>
-          <a:prstGeom prst="lightningBolt">
-            <a:avLst/>
-          </a:prstGeom>
-          <a:solidFill>
-            <a:schemeClr val="accent2">
-              <a:lumMod val="20000"/>
-              <a:lumOff val="80000"/>
-            </a:schemeClr>
-          </a:solidFill>
-          <a:ln>
-            <a:solidFill>
-              <a:srgbClr val="FF0000"/>
-            </a:solidFill>
-          </a:ln>
-        </p:spPr>
-        <p:style>
-          <a:lnRef idx="2">
-            <a:schemeClr val="accent1">
-              <a:shade val="50000"/>
-            </a:schemeClr>
-          </a:lnRef>
-          <a:fillRef idx="1">
-            <a:schemeClr val="accent1"/>
-          </a:fillRef>
-          <a:effectRef idx="0">
-            <a:schemeClr val="accent1"/>
-          </a:effectRef>
-          <a:fontRef idx="minor">
-            <a:schemeClr val="lt1"/>
-          </a:fontRef>
-        </p:style>
-        <p:txBody>
-          <a:bodyPr rtlCol="0" anchor="ctr"/>
-          <a:lstStyle/>
-          <a:p>
-            <a:pPr algn="ctr"/>
-            <a:endParaRPr lang="fr-FR"/>
-          </a:p>
-        </p:txBody>
-      </p:sp>
-      <p:sp>
-        <p:nvSpPr>
-          <p:cNvPr id="44" name="ZoneTexte 43">
-            <a:extLst>
-              <a:ext uri="{FF2B5EF4-FFF2-40B4-BE49-F238E27FC236}">
-                <a16:creationId xmlns:a16="http://schemas.microsoft.com/office/drawing/2014/main" id="{2F683036-660A-4030-8664-51E938444C2D}"/>
-              </a:ext>
-            </a:extLst>
-          </p:cNvPr>
-          <p:cNvSpPr txBox="1"/>
-          <p:nvPr/>
-        </p:nvSpPr>
-        <p:spPr>
-          <a:xfrm>
-            <a:off x="2656271" y="4761527"/>
-            <a:ext cx="811697" cy="276999"/>
-          </a:xfrm>
-          <a:prstGeom prst="rect">
-            <a:avLst/>
-          </a:prstGeom>
-          <a:noFill/>
-        </p:spPr>
-        <p:txBody>
-          <a:bodyPr wrap="none" rtlCol="0">
-            <a:spAutoFit/>
-          </a:bodyPr>
-          <a:lstStyle/>
-          <a:p>
-            <a:pPr/>
-            <a:r>
-              <a:rPr lang="fr-FR" sz="1200" dirty="0"/>
-              <a:t>Pesanteur</a:t>
-            </a:r>
-          </a:p>
-        </p:txBody>
-      </p:sp>
-      <p:sp>
-        <p:nvSpPr>
-          <p:cNvPr id="45" name="Éclair 44">
-            <a:extLst>
-              <a:ext uri="{FF2B5EF4-FFF2-40B4-BE49-F238E27FC236}">
-                <a16:creationId xmlns:a16="http://schemas.microsoft.com/office/drawing/2014/main" id="{4E2C0E2A-4A59-40FE-BD1F-FC2E7B75875C}"/>
-              </a:ext>
-            </a:extLst>
-          </p:cNvPr>
-          <p:cNvSpPr/>
-          <p:nvPr/>
-        </p:nvSpPr>
-        <p:spPr>
-          <a:xfrm rot="21178283">
-            <a:off x="4824857" y="4909316"/>
-            <a:ext cx="345533" cy="515011"/>
-          </a:xfrm>
-          <a:prstGeom prst="lightningBolt">
-            <a:avLst/>
-          </a:prstGeom>
-          <a:solidFill>
-            <a:schemeClr val="accent2">
-              <a:lumMod val="20000"/>
-              <a:lumOff val="80000"/>
-            </a:schemeClr>
-          </a:solidFill>
-          <a:ln>
-            <a:solidFill>
-              <a:srgbClr val="FF0000"/>
-            </a:solidFill>
-          </a:ln>
-        </p:spPr>
-        <p:style>
-          <a:lnRef idx="2">
-            <a:schemeClr val="accent1">
-              <a:shade val="50000"/>
-            </a:schemeClr>
-          </a:lnRef>
-          <a:fillRef idx="1">
-            <a:schemeClr val="accent1"/>
-          </a:fillRef>
-          <a:effectRef idx="0">
-            <a:schemeClr val="accent1"/>
-          </a:effectRef>
-          <a:fontRef idx="minor">
-            <a:schemeClr val="lt1"/>
-          </a:fontRef>
-        </p:style>
-        <p:txBody>
-          <a:bodyPr rtlCol="0" anchor="ctr"/>
-          <a:lstStyle/>
-          <a:p>
-            <a:pPr algn="ctr"/>
-            <a:endParaRPr lang="fr-FR"/>
-          </a:p>
-        </p:txBody>
-      </p:sp>
-      <p:sp>
-        <p:nvSpPr>
-          <p:cNvPr id="46" name="ZoneTexte 45">
-            <a:extLst>
-              <a:ext uri="{FF2B5EF4-FFF2-40B4-BE49-F238E27FC236}">
-                <a16:creationId xmlns:a16="http://schemas.microsoft.com/office/drawing/2014/main" id="{9B0EFDF0-CCAC-488E-AE55-848DD79818D3}"/>
-              </a:ext>
-            </a:extLst>
-          </p:cNvPr>
-          <p:cNvSpPr txBox="1"/>
-          <p:nvPr/>
-        </p:nvSpPr>
-        <p:spPr>
-          <a:xfrm>
-            <a:off x="4073256" y="4719761"/>
-            <a:ext cx="811697" cy="276999"/>
-          </a:xfrm>
-          <a:prstGeom prst="rect">
-            <a:avLst/>
-          </a:prstGeom>
-          <a:noFill/>
-        </p:spPr>
-        <p:txBody>
-          <a:bodyPr wrap="none" rtlCol="0">
-            <a:spAutoFit/>
-          </a:bodyPr>
-          <a:lstStyle/>
-          <a:p>
-            <a:pPr/>
-            <a:r>
-              <a:rPr lang="fr-FR" sz="1200" dirty="0"/>
-              <a:t>Pesanteur</a:t>
-            </a:r>
+            <a:endParaRPr lang="fr-FR" sz="1400" b="1" dirty="0">
+              <a:solidFill>
+                <a:srgbClr val="FF0000"/>
+              </a:solidFill>
+            </a:endParaRPr>
           </a:p>
         </p:txBody>
       </p:sp>
@@ -10699,8 +11113,8 @@
           <a:chExt cx="0" cy="0"/>
         </a:xfrm>
       </p:grpSpPr>
-      <mc:AlternateContent xmlns:mc="http://schemas.openxmlformats.org/markup-compatibility/2006">
-        <mc:Choice xmlns:a14="http://schemas.microsoft.com/office/drawing/2010/main" Requires="a14">
+      <mc:AlternateContent xmlns:mc="http://schemas.openxmlformats.org/markup-compatibility/2006" xmlns:a14="http://schemas.microsoft.com/office/drawing/2010/main">
+        <mc:Choice Requires="a14">
           <p:sp>
             <p:nvSpPr>
               <p:cNvPr id="4" name="Rectangle 3">
@@ -10750,7 +11164,7 @@
               <a:p>
                 <a:pPr algn="ctr"/>
                 <a:r>
-                  <a:rPr lang="fr-FR" sz="1600" dirty="0">
+                  <a:rPr lang="fr-FR" sz="1600" b="1" dirty="0">
                     <a:solidFill>
                       <a:sysClr val="windowText" lastClr="000000"/>
                     </a:solidFill>
@@ -11004,7 +11418,7 @@
             </p:txBody>
           </p:sp>
         </mc:Choice>
-        <mc:Fallback>
+        <mc:Fallback xmlns="">
           <p:sp>
             <p:nvSpPr>
               <p:cNvPr id="4" name="Rectangle 3">
@@ -11142,8 +11556,8 @@
           </a:fontRef>
         </p:style>
       </p:cxnSp>
-      <mc:AlternateContent xmlns:mc="http://schemas.openxmlformats.org/markup-compatibility/2006">
-        <mc:Choice xmlns:a14="http://schemas.microsoft.com/office/drawing/2010/main" Requires="a14">
+      <mc:AlternateContent xmlns:mc="http://schemas.openxmlformats.org/markup-compatibility/2006" xmlns:a14="http://schemas.microsoft.com/office/drawing/2010/main">
+        <mc:Choice Requires="a14">
           <p:sp>
             <p:nvSpPr>
               <p:cNvPr id="8" name="ZoneTexte 7">
@@ -11298,7 +11712,7 @@
             </p:txBody>
           </p:sp>
         </mc:Choice>
-        <mc:Fallback>
+        <mc:Fallback xmlns="">
           <p:sp>
             <p:nvSpPr>
               <p:cNvPr id="8" name="ZoneTexte 7">
@@ -11343,8 +11757,8 @@
           </p:sp>
         </mc:Fallback>
       </mc:AlternateContent>
-      <mc:AlternateContent xmlns:mc="http://schemas.openxmlformats.org/markup-compatibility/2006">
-        <mc:Choice xmlns:a14="http://schemas.microsoft.com/office/drawing/2010/main" Requires="a14">
+      <mc:AlternateContent xmlns:mc="http://schemas.openxmlformats.org/markup-compatibility/2006" xmlns:a14="http://schemas.microsoft.com/office/drawing/2010/main">
+        <mc:Choice Requires="a14">
           <p:sp>
             <p:nvSpPr>
               <p:cNvPr id="9" name="ZoneTexte 8">
@@ -11511,7 +11925,7 @@
             </p:txBody>
           </p:sp>
         </mc:Choice>
-        <mc:Fallback>
+        <mc:Fallback xmlns="">
           <p:sp>
             <p:nvSpPr>
               <p:cNvPr id="9" name="ZoneTexte 8">

--- a/Centrale_2019/images/Figures.pptx
+++ b/Centrale_2019/images/Figures.pptx
@@ -6,9 +6,11 @@
   </p:sldMasterIdLst>
   <p:sldIdLst>
     <p:sldId id="256" r:id="rId2"/>
-    <p:sldId id="257" r:id="rId3"/>
-    <p:sldId id="258" r:id="rId4"/>
-    <p:sldId id="259" r:id="rId5"/>
+    <p:sldId id="260" r:id="rId3"/>
+    <p:sldId id="257" r:id="rId4"/>
+    <p:sldId id="258" r:id="rId5"/>
+    <p:sldId id="259" r:id="rId6"/>
+    <p:sldId id="261" r:id="rId7"/>
   </p:sldIdLst>
   <p:sldSz cx="12192000" cy="6858000"/>
   <p:notesSz cx="6858000" cy="9144000"/>
@@ -262,7 +264,7 @@
           <a:p>
             <a:fld id="{A246378E-A54B-4198-9326-A950FFA5F27A}" type="datetimeFigureOut">
               <a:rPr lang="fr-FR" smtClean="0"/>
-              <a:t>02/06/2019</a:t>
+              <a:t>09/06/2019</a:t>
             </a:fld>
             <a:endParaRPr lang="fr-FR"/>
           </a:p>
@@ -460,7 +462,7 @@
           <a:p>
             <a:fld id="{A246378E-A54B-4198-9326-A950FFA5F27A}" type="datetimeFigureOut">
               <a:rPr lang="fr-FR" smtClean="0"/>
-              <a:t>02/06/2019</a:t>
+              <a:t>09/06/2019</a:t>
             </a:fld>
             <a:endParaRPr lang="fr-FR"/>
           </a:p>
@@ -668,7 +670,7 @@
           <a:p>
             <a:fld id="{A246378E-A54B-4198-9326-A950FFA5F27A}" type="datetimeFigureOut">
               <a:rPr lang="fr-FR" smtClean="0"/>
-              <a:t>02/06/2019</a:t>
+              <a:t>09/06/2019</a:t>
             </a:fld>
             <a:endParaRPr lang="fr-FR"/>
           </a:p>
@@ -866,7 +868,7 @@
           <a:p>
             <a:fld id="{A246378E-A54B-4198-9326-A950FFA5F27A}" type="datetimeFigureOut">
               <a:rPr lang="fr-FR" smtClean="0"/>
-              <a:t>02/06/2019</a:t>
+              <a:t>09/06/2019</a:t>
             </a:fld>
             <a:endParaRPr lang="fr-FR"/>
           </a:p>
@@ -1141,7 +1143,7 @@
           <a:p>
             <a:fld id="{A246378E-A54B-4198-9326-A950FFA5F27A}" type="datetimeFigureOut">
               <a:rPr lang="fr-FR" smtClean="0"/>
-              <a:t>02/06/2019</a:t>
+              <a:t>09/06/2019</a:t>
             </a:fld>
             <a:endParaRPr lang="fr-FR"/>
           </a:p>
@@ -1406,7 +1408,7 @@
           <a:p>
             <a:fld id="{A246378E-A54B-4198-9326-A950FFA5F27A}" type="datetimeFigureOut">
               <a:rPr lang="fr-FR" smtClean="0"/>
-              <a:t>02/06/2019</a:t>
+              <a:t>09/06/2019</a:t>
             </a:fld>
             <a:endParaRPr lang="fr-FR"/>
           </a:p>
@@ -1818,7 +1820,7 @@
           <a:p>
             <a:fld id="{A246378E-A54B-4198-9326-A950FFA5F27A}" type="datetimeFigureOut">
               <a:rPr lang="fr-FR" smtClean="0"/>
-              <a:t>02/06/2019</a:t>
+              <a:t>09/06/2019</a:t>
             </a:fld>
             <a:endParaRPr lang="fr-FR"/>
           </a:p>
@@ -1959,7 +1961,7 @@
           <a:p>
             <a:fld id="{A246378E-A54B-4198-9326-A950FFA5F27A}" type="datetimeFigureOut">
               <a:rPr lang="fr-FR" smtClean="0"/>
-              <a:t>02/06/2019</a:t>
+              <a:t>09/06/2019</a:t>
             </a:fld>
             <a:endParaRPr lang="fr-FR"/>
           </a:p>
@@ -2072,7 +2074,7 @@
           <a:p>
             <a:fld id="{A246378E-A54B-4198-9326-A950FFA5F27A}" type="datetimeFigureOut">
               <a:rPr lang="fr-FR" smtClean="0"/>
-              <a:t>02/06/2019</a:t>
+              <a:t>09/06/2019</a:t>
             </a:fld>
             <a:endParaRPr lang="fr-FR"/>
           </a:p>
@@ -2383,7 +2385,7 @@
           <a:p>
             <a:fld id="{A246378E-A54B-4198-9326-A950FFA5F27A}" type="datetimeFigureOut">
               <a:rPr lang="fr-FR" smtClean="0"/>
-              <a:t>02/06/2019</a:t>
+              <a:t>09/06/2019</a:t>
             </a:fld>
             <a:endParaRPr lang="fr-FR"/>
           </a:p>
@@ -2671,7 +2673,7 @@
           <a:p>
             <a:fld id="{A246378E-A54B-4198-9326-A950FFA5F27A}" type="datetimeFigureOut">
               <a:rPr lang="fr-FR" smtClean="0"/>
-              <a:t>02/06/2019</a:t>
+              <a:t>09/06/2019</a:t>
             </a:fld>
             <a:endParaRPr lang="fr-FR"/>
           </a:p>
@@ -2912,7 +2914,7 @@
           <a:p>
             <a:fld id="{A246378E-A54B-4198-9326-A950FFA5F27A}" type="datetimeFigureOut">
               <a:rPr lang="fr-FR" smtClean="0"/>
-              <a:t>02/06/2019</a:t>
+              <a:t>09/06/2019</a:t>
             </a:fld>
             <a:endParaRPr lang="fr-FR"/>
           </a:p>
@@ -4383,6 +4385,2716 @@
 </file>
 
 <file path=ppt/slides/slide2.xml><?xml version="1.0" encoding="utf-8"?>
+<p:sld xmlns:a="http://schemas.openxmlformats.org/drawingml/2006/main" xmlns:r="http://schemas.openxmlformats.org/officeDocument/2006/relationships" xmlns:p="http://schemas.openxmlformats.org/presentationml/2006/main">
+  <p:cSld>
+    <p:spTree>
+      <p:nvGrpSpPr>
+        <p:cNvPr id="1" name=""/>
+        <p:cNvGrpSpPr/>
+        <p:nvPr/>
+      </p:nvGrpSpPr>
+      <p:grpSpPr>
+        <a:xfrm>
+          <a:off x="0" y="0"/>
+          <a:ext cx="0" cy="0"/>
+          <a:chOff x="0" y="0"/>
+          <a:chExt cx="0" cy="0"/>
+        </a:xfrm>
+      </p:grpSpPr>
+      <mc:AlternateContent xmlns:mc="http://schemas.openxmlformats.org/markup-compatibility/2006">
+        <mc:Choice xmlns:a14="http://schemas.microsoft.com/office/drawing/2010/main" Requires="a14">
+          <p:sp>
+            <p:nvSpPr>
+              <p:cNvPr id="4" name="Rectangle 3">
+                <a:extLst>
+                  <a:ext uri="{FF2B5EF4-FFF2-40B4-BE49-F238E27FC236}">
+                    <a16:creationId xmlns:a16="http://schemas.microsoft.com/office/drawing/2014/main" id="{B4536E9F-0BE2-4A84-9DC2-0DD77E3BFBD5}"/>
+                  </a:ext>
+                </a:extLst>
+              </p:cNvPr>
+              <p:cNvSpPr/>
+              <p:nvPr/>
+            </p:nvSpPr>
+            <p:spPr>
+              <a:xfrm>
+                <a:off x="2712720" y="1030178"/>
+                <a:ext cx="843280" cy="479644"/>
+              </a:xfrm>
+              <a:prstGeom prst="rect">
+                <a:avLst/>
+              </a:prstGeom>
+              <a:noFill/>
+              <a:ln w="19050">
+                <a:solidFill>
+                  <a:schemeClr val="tx1"/>
+                </a:solidFill>
+              </a:ln>
+            </p:spPr>
+            <p:style>
+              <a:lnRef idx="2">
+                <a:schemeClr val="accent1">
+                  <a:shade val="50000"/>
+                </a:schemeClr>
+              </a:lnRef>
+              <a:fillRef idx="1">
+                <a:schemeClr val="accent1"/>
+              </a:fillRef>
+              <a:effectRef idx="0">
+                <a:schemeClr val="accent1"/>
+              </a:effectRef>
+              <a:fontRef idx="minor">
+                <a:schemeClr val="lt1"/>
+              </a:fontRef>
+            </p:style>
+            <p:txBody>
+              <a:bodyPr rtlCol="0" anchor="ctr"/>
+              <a:lstStyle/>
+              <a:p>
+                <a:pPr algn="ctr"/>
+                <a14:m>
+                  <m:oMathPara xmlns:m="http://schemas.openxmlformats.org/officeDocument/2006/math">
+                    <m:oMathParaPr>
+                      <m:jc m:val="centerGroup"/>
+                    </m:oMathParaPr>
+                    <m:oMath xmlns:m="http://schemas.openxmlformats.org/officeDocument/2006/math">
+                      <m:r>
+                        <a:rPr lang="fr-FR" sz="1600" b="0" i="1" smtClean="0">
+                          <a:solidFill>
+                            <a:sysClr val="windowText" lastClr="000000"/>
+                          </a:solidFill>
+                          <a:latin typeface="Cambria Math" panose="02040503050406030204" pitchFamily="18" charset="0"/>
+                        </a:rPr>
+                        <m:t>𝐴</m:t>
+                      </m:r>
+                      <m:r>
+                        <a:rPr lang="fr-FR" sz="1600" b="0" i="1" smtClean="0">
+                          <a:solidFill>
+                            <a:sysClr val="windowText" lastClr="000000"/>
+                          </a:solidFill>
+                          <a:latin typeface="Cambria Math" panose="02040503050406030204" pitchFamily="18" charset="0"/>
+                        </a:rPr>
+                        <m:t>(</m:t>
+                      </m:r>
+                      <m:r>
+                        <a:rPr lang="fr-FR" sz="1600" b="0" i="1" smtClean="0">
+                          <a:solidFill>
+                            <a:sysClr val="windowText" lastClr="000000"/>
+                          </a:solidFill>
+                          <a:latin typeface="Cambria Math" panose="02040503050406030204" pitchFamily="18" charset="0"/>
+                        </a:rPr>
+                        <m:t>𝑝</m:t>
+                      </m:r>
+                      <m:r>
+                        <a:rPr lang="fr-FR" sz="1600" b="0" i="1" smtClean="0">
+                          <a:solidFill>
+                            <a:sysClr val="windowText" lastClr="000000"/>
+                          </a:solidFill>
+                          <a:latin typeface="Cambria Math" panose="02040503050406030204" pitchFamily="18" charset="0"/>
+                        </a:rPr>
+                        <m:t>)</m:t>
+                      </m:r>
+                    </m:oMath>
+                  </m:oMathPara>
+                </a14:m>
+                <a:endParaRPr lang="fr-FR" sz="1600" dirty="0">
+                  <a:solidFill>
+                    <a:sysClr val="windowText" lastClr="000000"/>
+                  </a:solidFill>
+                </a:endParaRPr>
+              </a:p>
+            </p:txBody>
+          </p:sp>
+        </mc:Choice>
+        <mc:Fallback>
+          <p:sp>
+            <p:nvSpPr>
+              <p:cNvPr id="4" name="Rectangle 3">
+                <a:extLst>
+                  <a:ext uri="{FF2B5EF4-FFF2-40B4-BE49-F238E27FC236}">
+                    <a16:creationId xmlns:a16="http://schemas.microsoft.com/office/drawing/2014/main" id="{B4536E9F-0BE2-4A84-9DC2-0DD77E3BFBD5}"/>
+                  </a:ext>
+                </a:extLst>
+              </p:cNvPr>
+              <p:cNvSpPr>
+                <a:spLocks noRot="1" noChangeAspect="1" noMove="1" noResize="1" noEditPoints="1" noAdjustHandles="1" noChangeArrowheads="1" noChangeShapeType="1" noTextEdit="1"/>
+              </p:cNvSpPr>
+              <p:nvPr/>
+            </p:nvSpPr>
+            <p:spPr>
+              <a:xfrm>
+                <a:off x="2712720" y="1030178"/>
+                <a:ext cx="843280" cy="479644"/>
+              </a:xfrm>
+              <a:prstGeom prst="rect">
+                <a:avLst/>
+              </a:prstGeom>
+              <a:blipFill>
+                <a:blip r:embed="rId2"/>
+                <a:stretch>
+                  <a:fillRect/>
+                </a:stretch>
+              </a:blipFill>
+              <a:ln w="19050">
+                <a:solidFill>
+                  <a:schemeClr val="tx1"/>
+                </a:solidFill>
+              </a:ln>
+            </p:spPr>
+            <p:txBody>
+              <a:bodyPr/>
+              <a:lstStyle/>
+              <a:p>
+                <a:r>
+                  <a:rPr lang="fr-FR">
+                    <a:noFill/>
+                  </a:rPr>
+                  <a:t> </a:t>
+                </a:r>
+              </a:p>
+            </p:txBody>
+          </p:sp>
+        </mc:Fallback>
+      </mc:AlternateContent>
+      <p:sp>
+        <p:nvSpPr>
+          <p:cNvPr id="8" name="Organigramme : Jonction de sommaire 7">
+            <a:extLst>
+              <a:ext uri="{FF2B5EF4-FFF2-40B4-BE49-F238E27FC236}">
+                <a16:creationId xmlns:a16="http://schemas.microsoft.com/office/drawing/2014/main" id="{EA319DA2-A06F-4A4E-8910-688B79782223}"/>
+              </a:ext>
+            </a:extLst>
+          </p:cNvPr>
+          <p:cNvSpPr/>
+          <p:nvPr/>
+        </p:nvSpPr>
+        <p:spPr>
+          <a:xfrm>
+            <a:off x="1920240" y="1127760"/>
+            <a:ext cx="284480" cy="284480"/>
+          </a:xfrm>
+          <a:prstGeom prst="flowChartSummingJunction">
+            <a:avLst/>
+          </a:prstGeom>
+          <a:noFill/>
+          <a:ln w="19050">
+            <a:solidFill>
+              <a:schemeClr val="tx1"/>
+            </a:solidFill>
+          </a:ln>
+        </p:spPr>
+        <p:style>
+          <a:lnRef idx="2">
+            <a:schemeClr val="accent1">
+              <a:shade val="50000"/>
+            </a:schemeClr>
+          </a:lnRef>
+          <a:fillRef idx="1">
+            <a:schemeClr val="accent1"/>
+          </a:fillRef>
+          <a:effectRef idx="0">
+            <a:schemeClr val="accent1"/>
+          </a:effectRef>
+          <a:fontRef idx="minor">
+            <a:schemeClr val="lt1"/>
+          </a:fontRef>
+        </p:style>
+        <p:txBody>
+          <a:bodyPr rot="0" spcFirstLastPara="0" vertOverflow="overflow" horzOverflow="overflow" vert="horz" wrap="square" lIns="91440" tIns="45720" rIns="91440" bIns="45720" numCol="1" spcCol="0" rtlCol="0" fromWordArt="0" anchor="ctr" anchorCtr="0" forceAA="0" compatLnSpc="1">
+            <a:prstTxWarp prst="textNoShape">
+              <a:avLst/>
+            </a:prstTxWarp>
+            <a:noAutofit/>
+          </a:bodyPr>
+          <a:lstStyle/>
+          <a:p>
+            <a:pPr algn="ctr"/>
+            <a:endParaRPr lang="fr-FR" i="1">
+              <a:solidFill>
+                <a:sysClr val="windowText" lastClr="000000"/>
+              </a:solidFill>
+              <a:latin typeface="Cambria Math" panose="02040503050406030204" pitchFamily="18" charset="0"/>
+            </a:endParaRPr>
+          </a:p>
+        </p:txBody>
+      </p:sp>
+      <p:cxnSp>
+        <p:nvCxnSpPr>
+          <p:cNvPr id="10" name="Connecteur droit avec flèche 9">
+            <a:extLst>
+              <a:ext uri="{FF2B5EF4-FFF2-40B4-BE49-F238E27FC236}">
+                <a16:creationId xmlns:a16="http://schemas.microsoft.com/office/drawing/2014/main" id="{FE43FABD-5530-45DF-BA25-45EE01D68CA5}"/>
+              </a:ext>
+            </a:extLst>
+          </p:cNvPr>
+          <p:cNvCxnSpPr>
+            <a:cxnSpLocks/>
+          </p:cNvCxnSpPr>
+          <p:nvPr/>
+        </p:nvCxnSpPr>
+        <p:spPr>
+          <a:xfrm>
+            <a:off x="1594884" y="1976652"/>
+            <a:ext cx="325356" cy="0"/>
+          </a:xfrm>
+          <a:prstGeom prst="straightConnector1">
+            <a:avLst/>
+          </a:prstGeom>
+          <a:ln w="19050">
+            <a:solidFill>
+              <a:schemeClr val="tx1"/>
+            </a:solidFill>
+            <a:tailEnd type="stealth" w="med" len="lg"/>
+          </a:ln>
+        </p:spPr>
+        <p:style>
+          <a:lnRef idx="1">
+            <a:schemeClr val="accent1"/>
+          </a:lnRef>
+          <a:fillRef idx="0">
+            <a:schemeClr val="accent1"/>
+          </a:fillRef>
+          <a:effectRef idx="0">
+            <a:schemeClr val="accent1"/>
+          </a:effectRef>
+          <a:fontRef idx="minor">
+            <a:schemeClr val="tx1"/>
+          </a:fontRef>
+        </p:style>
+      </p:cxnSp>
+      <p:pic>
+        <p:nvPicPr>
+          <p:cNvPr id="2" name="Image 1">
+            <a:extLst>
+              <a:ext uri="{FF2B5EF4-FFF2-40B4-BE49-F238E27FC236}">
+                <a16:creationId xmlns:a16="http://schemas.microsoft.com/office/drawing/2014/main" id="{038BDA95-785A-41CE-B721-CF84B512BFD1}"/>
+              </a:ext>
+            </a:extLst>
+          </p:cNvPr>
+          <p:cNvPicPr>
+            <a:picLocks noChangeAspect="1"/>
+          </p:cNvPicPr>
+          <p:nvPr/>
+        </p:nvPicPr>
+        <p:blipFill>
+          <a:blip r:embed="rId3"/>
+          <a:stretch>
+            <a:fillRect/>
+          </a:stretch>
+        </p:blipFill>
+        <p:spPr>
+          <a:xfrm>
+            <a:off x="6235105" y="289611"/>
+            <a:ext cx="4231159" cy="3226821"/>
+          </a:xfrm>
+          <a:prstGeom prst="rect">
+            <a:avLst/>
+          </a:prstGeom>
+        </p:spPr>
+      </p:pic>
+      <p:cxnSp>
+        <p:nvCxnSpPr>
+          <p:cNvPr id="16" name="Connecteur droit avec flèche 15">
+            <a:extLst>
+              <a:ext uri="{FF2B5EF4-FFF2-40B4-BE49-F238E27FC236}">
+                <a16:creationId xmlns:a16="http://schemas.microsoft.com/office/drawing/2014/main" id="{BE9884FC-D8AD-4C9C-9931-753B12C1111F}"/>
+              </a:ext>
+            </a:extLst>
+          </p:cNvPr>
+          <p:cNvCxnSpPr>
+            <a:cxnSpLocks/>
+            <a:stCxn id="8" idx="6"/>
+            <a:endCxn id="4" idx="1"/>
+          </p:cNvCxnSpPr>
+          <p:nvPr/>
+        </p:nvCxnSpPr>
+        <p:spPr>
+          <a:xfrm>
+            <a:off x="2204720" y="1270000"/>
+            <a:ext cx="508000" cy="0"/>
+          </a:xfrm>
+          <a:prstGeom prst="straightConnector1">
+            <a:avLst/>
+          </a:prstGeom>
+          <a:ln w="19050">
+            <a:solidFill>
+              <a:schemeClr val="tx1"/>
+            </a:solidFill>
+            <a:tailEnd type="stealth" w="med" len="lg"/>
+          </a:ln>
+        </p:spPr>
+        <p:style>
+          <a:lnRef idx="1">
+            <a:schemeClr val="accent1"/>
+          </a:lnRef>
+          <a:fillRef idx="0">
+            <a:schemeClr val="accent1"/>
+          </a:fillRef>
+          <a:effectRef idx="0">
+            <a:schemeClr val="accent1"/>
+          </a:effectRef>
+          <a:fontRef idx="minor">
+            <a:schemeClr val="tx1"/>
+          </a:fontRef>
+        </p:style>
+      </p:cxnSp>
+      <p:cxnSp>
+        <p:nvCxnSpPr>
+          <p:cNvPr id="21" name="Connecteur droit avec flèche 20">
+            <a:extLst>
+              <a:ext uri="{FF2B5EF4-FFF2-40B4-BE49-F238E27FC236}">
+                <a16:creationId xmlns:a16="http://schemas.microsoft.com/office/drawing/2014/main" id="{8271F439-5989-4354-B4F5-FC081944696D}"/>
+              </a:ext>
+            </a:extLst>
+          </p:cNvPr>
+          <p:cNvCxnSpPr>
+            <a:cxnSpLocks/>
+          </p:cNvCxnSpPr>
+          <p:nvPr/>
+        </p:nvCxnSpPr>
+        <p:spPr>
+          <a:xfrm>
+            <a:off x="1412240" y="1270000"/>
+            <a:ext cx="508000" cy="0"/>
+          </a:xfrm>
+          <a:prstGeom prst="straightConnector1">
+            <a:avLst/>
+          </a:prstGeom>
+          <a:ln w="19050">
+            <a:solidFill>
+              <a:schemeClr val="tx1"/>
+            </a:solidFill>
+            <a:tailEnd type="stealth" w="med" len="lg"/>
+          </a:ln>
+        </p:spPr>
+        <p:style>
+          <a:lnRef idx="1">
+            <a:schemeClr val="accent1"/>
+          </a:lnRef>
+          <a:fillRef idx="0">
+            <a:schemeClr val="accent1"/>
+          </a:fillRef>
+          <a:effectRef idx="0">
+            <a:schemeClr val="accent1"/>
+          </a:effectRef>
+          <a:fontRef idx="minor">
+            <a:schemeClr val="tx1"/>
+          </a:fontRef>
+        </p:style>
+      </p:cxnSp>
+      <p:cxnSp>
+        <p:nvCxnSpPr>
+          <p:cNvPr id="23" name="Connecteur droit avec flèche 22">
+            <a:extLst>
+              <a:ext uri="{FF2B5EF4-FFF2-40B4-BE49-F238E27FC236}">
+                <a16:creationId xmlns:a16="http://schemas.microsoft.com/office/drawing/2014/main" id="{BAE2724E-C160-4E7A-9477-4AE8E9A60159}"/>
+              </a:ext>
+            </a:extLst>
+          </p:cNvPr>
+          <p:cNvCxnSpPr>
+            <a:cxnSpLocks/>
+          </p:cNvCxnSpPr>
+          <p:nvPr/>
+        </p:nvCxnSpPr>
+        <p:spPr>
+          <a:xfrm>
+            <a:off x="3556000" y="1270002"/>
+            <a:ext cx="667556" cy="0"/>
+          </a:xfrm>
+          <a:prstGeom prst="straightConnector1">
+            <a:avLst/>
+          </a:prstGeom>
+          <a:ln w="19050">
+            <a:solidFill>
+              <a:schemeClr val="tx1"/>
+            </a:solidFill>
+            <a:tailEnd type="stealth" w="med" len="lg"/>
+          </a:ln>
+        </p:spPr>
+        <p:style>
+          <a:lnRef idx="1">
+            <a:schemeClr val="accent1"/>
+          </a:lnRef>
+          <a:fillRef idx="0">
+            <a:schemeClr val="accent1"/>
+          </a:fillRef>
+          <a:effectRef idx="0">
+            <a:schemeClr val="accent1"/>
+          </a:effectRef>
+          <a:fontRef idx="minor">
+            <a:schemeClr val="tx1"/>
+          </a:fontRef>
+        </p:style>
+      </p:cxnSp>
+      <mc:AlternateContent xmlns:mc="http://schemas.openxmlformats.org/markup-compatibility/2006">
+        <mc:Choice xmlns:a14="http://schemas.microsoft.com/office/drawing/2010/main" Requires="a14">
+          <p:sp>
+            <p:nvSpPr>
+              <p:cNvPr id="18" name="Rectangle 17">
+                <a:extLst>
+                  <a:ext uri="{FF2B5EF4-FFF2-40B4-BE49-F238E27FC236}">
+                    <a16:creationId xmlns:a16="http://schemas.microsoft.com/office/drawing/2014/main" id="{9FC5D42A-26CA-431D-B929-71523EB86C45}"/>
+                  </a:ext>
+                </a:extLst>
+              </p:cNvPr>
+              <p:cNvSpPr/>
+              <p:nvPr/>
+            </p:nvSpPr>
+            <p:spPr>
+              <a:xfrm>
+                <a:off x="4270702" y="1111487"/>
+                <a:ext cx="662746" cy="325089"/>
+              </a:xfrm>
+              <a:prstGeom prst="rect">
+                <a:avLst/>
+              </a:prstGeom>
+            </p:spPr>
+            <p:txBody>
+              <a:bodyPr wrap="none">
+                <a:spAutoFit/>
+              </a:bodyPr>
+              <a:lstStyle/>
+              <a:p>
+                <a:pPr algn="ctr"/>
+                <a14:m>
+                  <m:oMathPara xmlns:m="http://schemas.openxmlformats.org/officeDocument/2006/math">
+                    <m:oMathParaPr>
+                      <m:jc m:val="centerGroup"/>
+                    </m:oMathParaPr>
+                    <m:oMath xmlns:m="http://schemas.openxmlformats.org/officeDocument/2006/math">
+                      <m:sSub>
+                        <m:sSubPr>
+                          <m:ctrlPr>
+                            <a:rPr lang="fr-FR" sz="1400" b="0" i="1" smtClean="0">
+                              <a:solidFill>
+                                <a:sysClr val="windowText" lastClr="000000"/>
+                              </a:solidFill>
+                              <a:latin typeface="Cambria Math" panose="02040503050406030204" pitchFamily="18" charset="0"/>
+                            </a:rPr>
+                          </m:ctrlPr>
+                        </m:sSubPr>
+                        <m:e>
+                          <m:r>
+                            <a:rPr lang="fr-FR" sz="1400" b="0" i="1" smtClean="0">
+                              <a:solidFill>
+                                <a:sysClr val="windowText" lastClr="000000"/>
+                              </a:solidFill>
+                              <a:latin typeface="Cambria Math" panose="02040503050406030204" pitchFamily="18" charset="0"/>
+                            </a:rPr>
+                            <m:t>𝑄</m:t>
+                          </m:r>
+                        </m:e>
+                        <m:sub>
+                          <m:r>
+                            <a:rPr lang="fr-FR" sz="1400" b="0" i="1" smtClean="0">
+                              <a:solidFill>
+                                <a:sysClr val="windowText" lastClr="000000"/>
+                              </a:solidFill>
+                              <a:latin typeface="Cambria Math" panose="02040503050406030204" pitchFamily="18" charset="0"/>
+                            </a:rPr>
+                            <m:t>𝑗</m:t>
+                          </m:r>
+                        </m:sub>
+                      </m:sSub>
+                      <m:r>
+                        <a:rPr lang="fr-FR" sz="1400" i="1">
+                          <a:solidFill>
+                            <a:sysClr val="windowText" lastClr="000000"/>
+                          </a:solidFill>
+                          <a:latin typeface="Cambria Math" panose="02040503050406030204" pitchFamily="18" charset="0"/>
+                        </a:rPr>
+                        <m:t>(</m:t>
+                      </m:r>
+                      <m:r>
+                        <a:rPr lang="fr-FR" sz="1400" i="1">
+                          <a:solidFill>
+                            <a:sysClr val="windowText" lastClr="000000"/>
+                          </a:solidFill>
+                          <a:latin typeface="Cambria Math" panose="02040503050406030204" pitchFamily="18" charset="0"/>
+                        </a:rPr>
+                        <m:t>𝑝</m:t>
+                      </m:r>
+                      <m:r>
+                        <a:rPr lang="fr-FR" sz="1400" i="1">
+                          <a:solidFill>
+                            <a:sysClr val="windowText" lastClr="000000"/>
+                          </a:solidFill>
+                          <a:latin typeface="Cambria Math" panose="02040503050406030204" pitchFamily="18" charset="0"/>
+                        </a:rPr>
+                        <m:t>)</m:t>
+                      </m:r>
+                    </m:oMath>
+                  </m:oMathPara>
+                </a14:m>
+                <a:endParaRPr lang="fr-FR" sz="1400" dirty="0">
+                  <a:solidFill>
+                    <a:sysClr val="windowText" lastClr="000000"/>
+                  </a:solidFill>
+                </a:endParaRPr>
+              </a:p>
+            </p:txBody>
+          </p:sp>
+        </mc:Choice>
+        <mc:Fallback>
+          <p:sp>
+            <p:nvSpPr>
+              <p:cNvPr id="18" name="Rectangle 17">
+                <a:extLst>
+                  <a:ext uri="{FF2B5EF4-FFF2-40B4-BE49-F238E27FC236}">
+                    <a16:creationId xmlns:a16="http://schemas.microsoft.com/office/drawing/2014/main" id="{9FC5D42A-26CA-431D-B929-71523EB86C45}"/>
+                  </a:ext>
+                </a:extLst>
+              </p:cNvPr>
+              <p:cNvSpPr>
+                <a:spLocks noRot="1" noChangeAspect="1" noMove="1" noResize="1" noEditPoints="1" noAdjustHandles="1" noChangeArrowheads="1" noChangeShapeType="1" noTextEdit="1"/>
+              </p:cNvSpPr>
+              <p:nvPr/>
+            </p:nvSpPr>
+            <p:spPr>
+              <a:xfrm>
+                <a:off x="4270702" y="1111487"/>
+                <a:ext cx="662746" cy="325089"/>
+              </a:xfrm>
+              <a:prstGeom prst="rect">
+                <a:avLst/>
+              </a:prstGeom>
+              <a:blipFill>
+                <a:blip r:embed="rId4"/>
+                <a:stretch>
+                  <a:fillRect b="-1852"/>
+                </a:stretch>
+              </a:blipFill>
+            </p:spPr>
+            <p:txBody>
+              <a:bodyPr/>
+              <a:lstStyle/>
+              <a:p>
+                <a:r>
+                  <a:rPr lang="fr-FR">
+                    <a:noFill/>
+                  </a:rPr>
+                  <a:t> </a:t>
+                </a:r>
+              </a:p>
+            </p:txBody>
+          </p:sp>
+        </mc:Fallback>
+      </mc:AlternateContent>
+      <p:sp>
+        <p:nvSpPr>
+          <p:cNvPr id="25" name="Organigramme : Jonction de sommaire 24">
+            <a:extLst>
+              <a:ext uri="{FF2B5EF4-FFF2-40B4-BE49-F238E27FC236}">
+                <a16:creationId xmlns:a16="http://schemas.microsoft.com/office/drawing/2014/main" id="{DF21C59D-82D3-48E7-8726-B8C88B24543C}"/>
+              </a:ext>
+            </a:extLst>
+          </p:cNvPr>
+          <p:cNvSpPr/>
+          <p:nvPr/>
+        </p:nvSpPr>
+        <p:spPr>
+          <a:xfrm>
+            <a:off x="1920240" y="1834412"/>
+            <a:ext cx="284480" cy="284480"/>
+          </a:xfrm>
+          <a:prstGeom prst="flowChartSummingJunction">
+            <a:avLst/>
+          </a:prstGeom>
+          <a:noFill/>
+          <a:ln w="19050">
+            <a:solidFill>
+              <a:schemeClr val="tx1"/>
+            </a:solidFill>
+          </a:ln>
+        </p:spPr>
+        <p:style>
+          <a:lnRef idx="2">
+            <a:schemeClr val="accent1">
+              <a:shade val="50000"/>
+            </a:schemeClr>
+          </a:lnRef>
+          <a:fillRef idx="1">
+            <a:schemeClr val="accent1"/>
+          </a:fillRef>
+          <a:effectRef idx="0">
+            <a:schemeClr val="accent1"/>
+          </a:effectRef>
+          <a:fontRef idx="minor">
+            <a:schemeClr val="lt1"/>
+          </a:fontRef>
+        </p:style>
+        <p:txBody>
+          <a:bodyPr rot="0" spcFirstLastPara="0" vertOverflow="overflow" horzOverflow="overflow" vert="horz" wrap="square" lIns="91440" tIns="45720" rIns="91440" bIns="45720" numCol="1" spcCol="0" rtlCol="0" fromWordArt="0" anchor="ctr" anchorCtr="0" forceAA="0" compatLnSpc="1">
+            <a:prstTxWarp prst="textNoShape">
+              <a:avLst/>
+            </a:prstTxWarp>
+            <a:noAutofit/>
+          </a:bodyPr>
+          <a:lstStyle/>
+          <a:p>
+            <a:pPr algn="ctr"/>
+            <a:endParaRPr lang="fr-FR" i="1">
+              <a:solidFill>
+                <a:sysClr val="windowText" lastClr="000000"/>
+              </a:solidFill>
+              <a:latin typeface="Cambria Math" panose="02040503050406030204" pitchFamily="18" charset="0"/>
+            </a:endParaRPr>
+          </a:p>
+        </p:txBody>
+      </p:sp>
+      <mc:AlternateContent xmlns:mc="http://schemas.openxmlformats.org/markup-compatibility/2006">
+        <mc:Choice xmlns:a14="http://schemas.microsoft.com/office/drawing/2010/main" Requires="a14">
+          <p:sp>
+            <p:nvSpPr>
+              <p:cNvPr id="27" name="Rectangle 26">
+                <a:extLst>
+                  <a:ext uri="{FF2B5EF4-FFF2-40B4-BE49-F238E27FC236}">
+                    <a16:creationId xmlns:a16="http://schemas.microsoft.com/office/drawing/2014/main" id="{21309A2B-BB7E-4AA8-BC6F-2DD066AEA8C2}"/>
+                  </a:ext>
+                </a:extLst>
+              </p:cNvPr>
+              <p:cNvSpPr/>
+              <p:nvPr/>
+            </p:nvSpPr>
+            <p:spPr>
+              <a:xfrm>
+                <a:off x="2712720" y="1736830"/>
+                <a:ext cx="843280" cy="479644"/>
+              </a:xfrm>
+              <a:prstGeom prst="rect">
+                <a:avLst/>
+              </a:prstGeom>
+              <a:noFill/>
+              <a:ln w="19050">
+                <a:solidFill>
+                  <a:schemeClr val="tx1"/>
+                </a:solidFill>
+              </a:ln>
+            </p:spPr>
+            <p:style>
+              <a:lnRef idx="2">
+                <a:schemeClr val="accent1">
+                  <a:shade val="50000"/>
+                </a:schemeClr>
+              </a:lnRef>
+              <a:fillRef idx="1">
+                <a:schemeClr val="accent1"/>
+              </a:fillRef>
+              <a:effectRef idx="0">
+                <a:schemeClr val="accent1"/>
+              </a:effectRef>
+              <a:fontRef idx="minor">
+                <a:schemeClr val="lt1"/>
+              </a:fontRef>
+            </p:style>
+            <p:txBody>
+              <a:bodyPr rtlCol="0" anchor="ctr"/>
+              <a:lstStyle/>
+              <a:p>
+                <a:pPr algn="ctr"/>
+                <a14:m>
+                  <m:oMathPara xmlns:m="http://schemas.openxmlformats.org/officeDocument/2006/math">
+                    <m:oMathParaPr>
+                      <m:jc m:val="centerGroup"/>
+                    </m:oMathParaPr>
+                    <m:oMath xmlns:m="http://schemas.openxmlformats.org/officeDocument/2006/math">
+                      <m:r>
+                        <a:rPr lang="fr-FR" sz="1600" b="0" i="1" smtClean="0">
+                          <a:solidFill>
+                            <a:sysClr val="windowText" lastClr="000000"/>
+                          </a:solidFill>
+                          <a:latin typeface="Cambria Math" panose="02040503050406030204" pitchFamily="18" charset="0"/>
+                        </a:rPr>
+                        <m:t>𝐵</m:t>
+                      </m:r>
+                      <m:r>
+                        <a:rPr lang="fr-FR" sz="1600" b="0" i="1" smtClean="0">
+                          <a:solidFill>
+                            <a:sysClr val="windowText" lastClr="000000"/>
+                          </a:solidFill>
+                          <a:latin typeface="Cambria Math" panose="02040503050406030204" pitchFamily="18" charset="0"/>
+                        </a:rPr>
+                        <m:t>(</m:t>
+                      </m:r>
+                      <m:r>
+                        <a:rPr lang="fr-FR" sz="1600" b="0" i="1" smtClean="0">
+                          <a:solidFill>
+                            <a:sysClr val="windowText" lastClr="000000"/>
+                          </a:solidFill>
+                          <a:latin typeface="Cambria Math" panose="02040503050406030204" pitchFamily="18" charset="0"/>
+                        </a:rPr>
+                        <m:t>𝑝</m:t>
+                      </m:r>
+                      <m:r>
+                        <a:rPr lang="fr-FR" sz="1600" b="0" i="1" smtClean="0">
+                          <a:solidFill>
+                            <a:sysClr val="windowText" lastClr="000000"/>
+                          </a:solidFill>
+                          <a:latin typeface="Cambria Math" panose="02040503050406030204" pitchFamily="18" charset="0"/>
+                        </a:rPr>
+                        <m:t>)</m:t>
+                      </m:r>
+                    </m:oMath>
+                  </m:oMathPara>
+                </a14:m>
+                <a:endParaRPr lang="fr-FR" sz="1600" dirty="0">
+                  <a:solidFill>
+                    <a:sysClr val="windowText" lastClr="000000"/>
+                  </a:solidFill>
+                </a:endParaRPr>
+              </a:p>
+            </p:txBody>
+          </p:sp>
+        </mc:Choice>
+        <mc:Fallback>
+          <p:sp>
+            <p:nvSpPr>
+              <p:cNvPr id="27" name="Rectangle 26">
+                <a:extLst>
+                  <a:ext uri="{FF2B5EF4-FFF2-40B4-BE49-F238E27FC236}">
+                    <a16:creationId xmlns:a16="http://schemas.microsoft.com/office/drawing/2014/main" id="{21309A2B-BB7E-4AA8-BC6F-2DD066AEA8C2}"/>
+                  </a:ext>
+                </a:extLst>
+              </p:cNvPr>
+              <p:cNvSpPr>
+                <a:spLocks noRot="1" noChangeAspect="1" noMove="1" noResize="1" noEditPoints="1" noAdjustHandles="1" noChangeArrowheads="1" noChangeShapeType="1" noTextEdit="1"/>
+              </p:cNvSpPr>
+              <p:nvPr/>
+            </p:nvSpPr>
+            <p:spPr>
+              <a:xfrm>
+                <a:off x="2712720" y="1736830"/>
+                <a:ext cx="843280" cy="479644"/>
+              </a:xfrm>
+              <a:prstGeom prst="rect">
+                <a:avLst/>
+              </a:prstGeom>
+              <a:blipFill>
+                <a:blip r:embed="rId5"/>
+                <a:stretch>
+                  <a:fillRect/>
+                </a:stretch>
+              </a:blipFill>
+              <a:ln w="19050">
+                <a:solidFill>
+                  <a:schemeClr val="tx1"/>
+                </a:solidFill>
+              </a:ln>
+            </p:spPr>
+            <p:txBody>
+              <a:bodyPr/>
+              <a:lstStyle/>
+              <a:p>
+                <a:r>
+                  <a:rPr lang="fr-FR">
+                    <a:noFill/>
+                  </a:rPr>
+                  <a:t> </a:t>
+                </a:r>
+              </a:p>
+            </p:txBody>
+          </p:sp>
+        </mc:Fallback>
+      </mc:AlternateContent>
+      <p:cxnSp>
+        <p:nvCxnSpPr>
+          <p:cNvPr id="28" name="Connecteur droit avec flèche 27">
+            <a:extLst>
+              <a:ext uri="{FF2B5EF4-FFF2-40B4-BE49-F238E27FC236}">
+                <a16:creationId xmlns:a16="http://schemas.microsoft.com/office/drawing/2014/main" id="{8F45006B-325F-4EF7-A9BA-5C522E878057}"/>
+              </a:ext>
+            </a:extLst>
+          </p:cNvPr>
+          <p:cNvCxnSpPr>
+            <a:cxnSpLocks/>
+          </p:cNvCxnSpPr>
+          <p:nvPr/>
+        </p:nvCxnSpPr>
+        <p:spPr>
+          <a:xfrm>
+            <a:off x="2221496" y="1976652"/>
+            <a:ext cx="508000" cy="0"/>
+          </a:xfrm>
+          <a:prstGeom prst="straightConnector1">
+            <a:avLst/>
+          </a:prstGeom>
+          <a:ln w="19050">
+            <a:solidFill>
+              <a:schemeClr val="tx1"/>
+            </a:solidFill>
+            <a:tailEnd type="stealth" w="med" len="lg"/>
+          </a:ln>
+        </p:spPr>
+        <p:style>
+          <a:lnRef idx="1">
+            <a:schemeClr val="accent1"/>
+          </a:lnRef>
+          <a:fillRef idx="0">
+            <a:schemeClr val="accent1"/>
+          </a:fillRef>
+          <a:effectRef idx="0">
+            <a:schemeClr val="accent1"/>
+          </a:effectRef>
+          <a:fontRef idx="minor">
+            <a:schemeClr val="tx1"/>
+          </a:fontRef>
+        </p:style>
+      </p:cxnSp>
+      <mc:AlternateContent xmlns:mc="http://schemas.openxmlformats.org/markup-compatibility/2006">
+        <mc:Choice xmlns:a14="http://schemas.microsoft.com/office/drawing/2010/main" Requires="a14">
+          <p:sp>
+            <p:nvSpPr>
+              <p:cNvPr id="30" name="Rectangle 29">
+                <a:extLst>
+                  <a:ext uri="{FF2B5EF4-FFF2-40B4-BE49-F238E27FC236}">
+                    <a16:creationId xmlns:a16="http://schemas.microsoft.com/office/drawing/2014/main" id="{561B2983-E234-49CE-978B-E33D847E2FA1}"/>
+                  </a:ext>
+                </a:extLst>
+              </p:cNvPr>
+              <p:cNvSpPr/>
+              <p:nvPr/>
+            </p:nvSpPr>
+            <p:spPr>
+              <a:xfrm>
+                <a:off x="2729496" y="2464745"/>
+                <a:ext cx="843280" cy="479644"/>
+              </a:xfrm>
+              <a:prstGeom prst="rect">
+                <a:avLst/>
+              </a:prstGeom>
+              <a:noFill/>
+              <a:ln w="19050">
+                <a:solidFill>
+                  <a:schemeClr val="tx1"/>
+                </a:solidFill>
+              </a:ln>
+            </p:spPr>
+            <p:style>
+              <a:lnRef idx="2">
+                <a:schemeClr val="accent1">
+                  <a:shade val="50000"/>
+                </a:schemeClr>
+              </a:lnRef>
+              <a:fillRef idx="1">
+                <a:schemeClr val="accent1"/>
+              </a:fillRef>
+              <a:effectRef idx="0">
+                <a:schemeClr val="accent1"/>
+              </a:effectRef>
+              <a:fontRef idx="minor">
+                <a:schemeClr val="lt1"/>
+              </a:fontRef>
+            </p:style>
+            <p:txBody>
+              <a:bodyPr rtlCol="0" anchor="ctr"/>
+              <a:lstStyle/>
+              <a:p>
+                <a:pPr algn="ctr"/>
+                <a14:m>
+                  <m:oMathPara xmlns:m="http://schemas.openxmlformats.org/officeDocument/2006/math">
+                    <m:oMathParaPr>
+                      <m:jc m:val="centerGroup"/>
+                    </m:oMathParaPr>
+                    <m:oMath xmlns:m="http://schemas.openxmlformats.org/officeDocument/2006/math">
+                      <m:r>
+                        <a:rPr lang="fr-FR" sz="1600" b="0" i="1" smtClean="0">
+                          <a:solidFill>
+                            <a:sysClr val="windowText" lastClr="000000"/>
+                          </a:solidFill>
+                          <a:latin typeface="Cambria Math" panose="02040503050406030204" pitchFamily="18" charset="0"/>
+                        </a:rPr>
+                        <m:t>𝐶</m:t>
+                      </m:r>
+                      <m:r>
+                        <a:rPr lang="fr-FR" sz="1600" b="0" i="1" smtClean="0">
+                          <a:solidFill>
+                            <a:sysClr val="windowText" lastClr="000000"/>
+                          </a:solidFill>
+                          <a:latin typeface="Cambria Math" panose="02040503050406030204" pitchFamily="18" charset="0"/>
+                        </a:rPr>
+                        <m:t>(</m:t>
+                      </m:r>
+                      <m:r>
+                        <a:rPr lang="fr-FR" sz="1600" b="0" i="1" smtClean="0">
+                          <a:solidFill>
+                            <a:sysClr val="windowText" lastClr="000000"/>
+                          </a:solidFill>
+                          <a:latin typeface="Cambria Math" panose="02040503050406030204" pitchFamily="18" charset="0"/>
+                        </a:rPr>
+                        <m:t>𝑝</m:t>
+                      </m:r>
+                      <m:r>
+                        <a:rPr lang="fr-FR" sz="1600" b="0" i="1" smtClean="0">
+                          <a:solidFill>
+                            <a:sysClr val="windowText" lastClr="000000"/>
+                          </a:solidFill>
+                          <a:latin typeface="Cambria Math" panose="02040503050406030204" pitchFamily="18" charset="0"/>
+                        </a:rPr>
+                        <m:t>)</m:t>
+                      </m:r>
+                    </m:oMath>
+                  </m:oMathPara>
+                </a14:m>
+                <a:endParaRPr lang="fr-FR" sz="1600" dirty="0">
+                  <a:solidFill>
+                    <a:sysClr val="windowText" lastClr="000000"/>
+                  </a:solidFill>
+                </a:endParaRPr>
+              </a:p>
+            </p:txBody>
+          </p:sp>
+        </mc:Choice>
+        <mc:Fallback>
+          <p:sp>
+            <p:nvSpPr>
+              <p:cNvPr id="30" name="Rectangle 29">
+                <a:extLst>
+                  <a:ext uri="{FF2B5EF4-FFF2-40B4-BE49-F238E27FC236}">
+                    <a16:creationId xmlns:a16="http://schemas.microsoft.com/office/drawing/2014/main" id="{561B2983-E234-49CE-978B-E33D847E2FA1}"/>
+                  </a:ext>
+                </a:extLst>
+              </p:cNvPr>
+              <p:cNvSpPr>
+                <a:spLocks noRot="1" noChangeAspect="1" noMove="1" noResize="1" noEditPoints="1" noAdjustHandles="1" noChangeArrowheads="1" noChangeShapeType="1" noTextEdit="1"/>
+              </p:cNvSpPr>
+              <p:nvPr/>
+            </p:nvSpPr>
+            <p:spPr>
+              <a:xfrm>
+                <a:off x="2729496" y="2464745"/>
+                <a:ext cx="843280" cy="479644"/>
+              </a:xfrm>
+              <a:prstGeom prst="rect">
+                <a:avLst/>
+              </a:prstGeom>
+              <a:blipFill>
+                <a:blip r:embed="rId6"/>
+                <a:stretch>
+                  <a:fillRect/>
+                </a:stretch>
+              </a:blipFill>
+              <a:ln w="19050">
+                <a:solidFill>
+                  <a:schemeClr val="tx1"/>
+                </a:solidFill>
+              </a:ln>
+            </p:spPr>
+            <p:txBody>
+              <a:bodyPr/>
+              <a:lstStyle/>
+              <a:p>
+                <a:r>
+                  <a:rPr lang="fr-FR">
+                    <a:noFill/>
+                  </a:rPr>
+                  <a:t> </a:t>
+                </a:r>
+              </a:p>
+            </p:txBody>
+          </p:sp>
+        </mc:Fallback>
+      </mc:AlternateContent>
+      <p:cxnSp>
+        <p:nvCxnSpPr>
+          <p:cNvPr id="31" name="Connecteur droit avec flèche 30">
+            <a:extLst>
+              <a:ext uri="{FF2B5EF4-FFF2-40B4-BE49-F238E27FC236}">
+                <a16:creationId xmlns:a16="http://schemas.microsoft.com/office/drawing/2014/main" id="{78C459C0-CB36-401E-AEB4-A199B17CD33E}"/>
+              </a:ext>
+            </a:extLst>
+          </p:cNvPr>
+          <p:cNvCxnSpPr>
+            <a:cxnSpLocks/>
+            <a:endCxn id="25" idx="4"/>
+          </p:cNvCxnSpPr>
+          <p:nvPr/>
+        </p:nvCxnSpPr>
+        <p:spPr>
+          <a:xfrm flipV="1">
+            <a:off x="2062480" y="2118892"/>
+            <a:ext cx="0" cy="585675"/>
+          </a:xfrm>
+          <a:prstGeom prst="straightConnector1">
+            <a:avLst/>
+          </a:prstGeom>
+          <a:ln w="19050">
+            <a:solidFill>
+              <a:schemeClr val="tx1"/>
+            </a:solidFill>
+            <a:tailEnd type="stealth" w="med" len="lg"/>
+          </a:ln>
+        </p:spPr>
+        <p:style>
+          <a:lnRef idx="1">
+            <a:schemeClr val="accent1"/>
+          </a:lnRef>
+          <a:fillRef idx="0">
+            <a:schemeClr val="accent1"/>
+          </a:fillRef>
+          <a:effectRef idx="0">
+            <a:schemeClr val="accent1"/>
+          </a:effectRef>
+          <a:fontRef idx="minor">
+            <a:schemeClr val="tx1"/>
+          </a:fontRef>
+        </p:style>
+      </p:cxnSp>
+      <p:cxnSp>
+        <p:nvCxnSpPr>
+          <p:cNvPr id="37" name="Connecteur droit avec flèche 36">
+            <a:extLst>
+              <a:ext uri="{FF2B5EF4-FFF2-40B4-BE49-F238E27FC236}">
+                <a16:creationId xmlns:a16="http://schemas.microsoft.com/office/drawing/2014/main" id="{16F7BA49-A7E3-412F-817F-0EED2E7340AA}"/>
+              </a:ext>
+            </a:extLst>
+          </p:cNvPr>
+          <p:cNvCxnSpPr>
+            <a:cxnSpLocks/>
+          </p:cNvCxnSpPr>
+          <p:nvPr/>
+        </p:nvCxnSpPr>
+        <p:spPr>
+          <a:xfrm flipV="1">
+            <a:off x="1590572" y="1270000"/>
+            <a:ext cx="0" cy="706653"/>
+          </a:xfrm>
+          <a:prstGeom prst="straightConnector1">
+            <a:avLst/>
+          </a:prstGeom>
+          <a:ln w="19050">
+            <a:solidFill>
+              <a:schemeClr val="tx1"/>
+            </a:solidFill>
+            <a:tailEnd type="none" w="med" len="lg"/>
+          </a:ln>
+        </p:spPr>
+        <p:style>
+          <a:lnRef idx="1">
+            <a:schemeClr val="accent1"/>
+          </a:lnRef>
+          <a:fillRef idx="0">
+            <a:schemeClr val="accent1"/>
+          </a:fillRef>
+          <a:effectRef idx="0">
+            <a:schemeClr val="accent1"/>
+          </a:effectRef>
+          <a:fontRef idx="minor">
+            <a:schemeClr val="tx1"/>
+          </a:fontRef>
+        </p:style>
+      </p:cxnSp>
+      <mc:AlternateContent xmlns:mc="http://schemas.openxmlformats.org/markup-compatibility/2006">
+        <mc:Choice xmlns:a14="http://schemas.microsoft.com/office/drawing/2010/main" Requires="a14">
+          <p:sp>
+            <p:nvSpPr>
+              <p:cNvPr id="40" name="Rectangle 39">
+                <a:extLst>
+                  <a:ext uri="{FF2B5EF4-FFF2-40B4-BE49-F238E27FC236}">
+                    <a16:creationId xmlns:a16="http://schemas.microsoft.com/office/drawing/2014/main" id="{15A46D0F-2213-4249-9A1F-95D86CFF618E}"/>
+                  </a:ext>
+                </a:extLst>
+              </p:cNvPr>
+              <p:cNvSpPr/>
+              <p:nvPr/>
+            </p:nvSpPr>
+            <p:spPr>
+              <a:xfrm>
+                <a:off x="772519" y="1050144"/>
+                <a:ext cx="772369" cy="325089"/>
+              </a:xfrm>
+              <a:prstGeom prst="rect">
+                <a:avLst/>
+              </a:prstGeom>
+            </p:spPr>
+            <p:txBody>
+              <a:bodyPr wrap="square">
+                <a:spAutoFit/>
+              </a:bodyPr>
+              <a:lstStyle/>
+              <a:p>
+                <a:pPr algn="ctr"/>
+                <a14:m>
+                  <m:oMathPara xmlns:m="http://schemas.openxmlformats.org/officeDocument/2006/math">
+                    <m:oMathParaPr>
+                      <m:jc m:val="centerGroup"/>
+                    </m:oMathParaPr>
+                    <m:oMath xmlns:m="http://schemas.openxmlformats.org/officeDocument/2006/math">
+                      <m:sSub>
+                        <m:sSubPr>
+                          <m:ctrlPr>
+                            <a:rPr lang="fr-FR" sz="1400" b="0" i="1" smtClean="0">
+                              <a:solidFill>
+                                <a:sysClr val="windowText" lastClr="000000"/>
+                              </a:solidFill>
+                              <a:latin typeface="Cambria Math" panose="02040503050406030204" pitchFamily="18" charset="0"/>
+                            </a:rPr>
+                          </m:ctrlPr>
+                        </m:sSubPr>
+                        <m:e>
+                          <m:r>
+                            <a:rPr lang="fr-FR" sz="1400" b="0" i="1" smtClean="0">
+                              <a:solidFill>
+                                <a:sysClr val="windowText" lastClr="000000"/>
+                              </a:solidFill>
+                              <a:latin typeface="Cambria Math" panose="02040503050406030204" pitchFamily="18" charset="0"/>
+                            </a:rPr>
+                            <m:t>𝐶</m:t>
+                          </m:r>
+                        </m:e>
+                        <m:sub>
+                          <m:r>
+                            <a:rPr lang="fr-FR" sz="1400" b="0" i="1" smtClean="0">
+                              <a:solidFill>
+                                <a:sysClr val="windowText" lastClr="000000"/>
+                              </a:solidFill>
+                              <a:latin typeface="Cambria Math" panose="02040503050406030204" pitchFamily="18" charset="0"/>
+                            </a:rPr>
+                            <m:t>𝑗</m:t>
+                          </m:r>
+                        </m:sub>
+                      </m:sSub>
+                      <m:r>
+                        <a:rPr lang="fr-FR" sz="1400" i="1">
+                          <a:solidFill>
+                            <a:sysClr val="windowText" lastClr="000000"/>
+                          </a:solidFill>
+                          <a:latin typeface="Cambria Math" panose="02040503050406030204" pitchFamily="18" charset="0"/>
+                        </a:rPr>
+                        <m:t>(</m:t>
+                      </m:r>
+                      <m:r>
+                        <a:rPr lang="fr-FR" sz="1400" i="1">
+                          <a:solidFill>
+                            <a:sysClr val="windowText" lastClr="000000"/>
+                          </a:solidFill>
+                          <a:latin typeface="Cambria Math" panose="02040503050406030204" pitchFamily="18" charset="0"/>
+                        </a:rPr>
+                        <m:t>𝑝</m:t>
+                      </m:r>
+                      <m:r>
+                        <a:rPr lang="fr-FR" sz="1400" i="1">
+                          <a:solidFill>
+                            <a:sysClr val="windowText" lastClr="000000"/>
+                          </a:solidFill>
+                          <a:latin typeface="Cambria Math" panose="02040503050406030204" pitchFamily="18" charset="0"/>
+                        </a:rPr>
+                        <m:t>)</m:t>
+                      </m:r>
+                    </m:oMath>
+                  </m:oMathPara>
+                </a14:m>
+                <a:endParaRPr lang="fr-FR" sz="1400" dirty="0">
+                  <a:solidFill>
+                    <a:sysClr val="windowText" lastClr="000000"/>
+                  </a:solidFill>
+                </a:endParaRPr>
+              </a:p>
+            </p:txBody>
+          </p:sp>
+        </mc:Choice>
+        <mc:Fallback>
+          <p:sp>
+            <p:nvSpPr>
+              <p:cNvPr id="40" name="Rectangle 39">
+                <a:extLst>
+                  <a:ext uri="{FF2B5EF4-FFF2-40B4-BE49-F238E27FC236}">
+                    <a16:creationId xmlns:a16="http://schemas.microsoft.com/office/drawing/2014/main" id="{15A46D0F-2213-4249-9A1F-95D86CFF618E}"/>
+                  </a:ext>
+                </a:extLst>
+              </p:cNvPr>
+              <p:cNvSpPr>
+                <a:spLocks noRot="1" noChangeAspect="1" noMove="1" noResize="1" noEditPoints="1" noAdjustHandles="1" noChangeArrowheads="1" noChangeShapeType="1" noTextEdit="1"/>
+              </p:cNvSpPr>
+              <p:nvPr/>
+            </p:nvSpPr>
+            <p:spPr>
+              <a:xfrm>
+                <a:off x="772519" y="1050144"/>
+                <a:ext cx="772369" cy="325089"/>
+              </a:xfrm>
+              <a:prstGeom prst="rect">
+                <a:avLst/>
+              </a:prstGeom>
+              <a:blipFill>
+                <a:blip r:embed="rId7"/>
+                <a:stretch>
+                  <a:fillRect b="-1852"/>
+                </a:stretch>
+              </a:blipFill>
+            </p:spPr>
+            <p:txBody>
+              <a:bodyPr/>
+              <a:lstStyle/>
+              <a:p>
+                <a:r>
+                  <a:rPr lang="fr-FR">
+                    <a:noFill/>
+                  </a:rPr>
+                  <a:t> </a:t>
+                </a:r>
+              </a:p>
+            </p:txBody>
+          </p:sp>
+        </mc:Fallback>
+      </mc:AlternateContent>
+      <p:sp>
+        <p:nvSpPr>
+          <p:cNvPr id="42" name="Organigramme : Jonction de sommaire 41">
+            <a:extLst>
+              <a:ext uri="{FF2B5EF4-FFF2-40B4-BE49-F238E27FC236}">
+                <a16:creationId xmlns:a16="http://schemas.microsoft.com/office/drawing/2014/main" id="{6A9C8332-3233-49F5-9F30-4E256C73AB32}"/>
+              </a:ext>
+            </a:extLst>
+          </p:cNvPr>
+          <p:cNvSpPr/>
+          <p:nvPr/>
+        </p:nvSpPr>
+        <p:spPr>
+          <a:xfrm>
+            <a:off x="3792279" y="1842475"/>
+            <a:ext cx="284480" cy="284480"/>
+          </a:xfrm>
+          <a:prstGeom prst="flowChartSummingJunction">
+            <a:avLst/>
+          </a:prstGeom>
+          <a:noFill/>
+          <a:ln w="19050">
+            <a:solidFill>
+              <a:schemeClr val="tx1"/>
+            </a:solidFill>
+          </a:ln>
+        </p:spPr>
+        <p:style>
+          <a:lnRef idx="2">
+            <a:schemeClr val="accent1">
+              <a:shade val="50000"/>
+            </a:schemeClr>
+          </a:lnRef>
+          <a:fillRef idx="1">
+            <a:schemeClr val="accent1"/>
+          </a:fillRef>
+          <a:effectRef idx="0">
+            <a:schemeClr val="accent1"/>
+          </a:effectRef>
+          <a:fontRef idx="minor">
+            <a:schemeClr val="lt1"/>
+          </a:fontRef>
+        </p:style>
+        <p:txBody>
+          <a:bodyPr rot="0" spcFirstLastPara="0" vertOverflow="overflow" horzOverflow="overflow" vert="horz" wrap="square" lIns="91440" tIns="45720" rIns="91440" bIns="45720" numCol="1" spcCol="0" rtlCol="0" fromWordArt="0" anchor="ctr" anchorCtr="0" forceAA="0" compatLnSpc="1">
+            <a:prstTxWarp prst="textNoShape">
+              <a:avLst/>
+            </a:prstTxWarp>
+            <a:noAutofit/>
+          </a:bodyPr>
+          <a:lstStyle/>
+          <a:p>
+            <a:pPr algn="ctr"/>
+            <a:endParaRPr lang="fr-FR" i="1">
+              <a:solidFill>
+                <a:sysClr val="windowText" lastClr="000000"/>
+              </a:solidFill>
+              <a:latin typeface="Cambria Math" panose="02040503050406030204" pitchFamily="18" charset="0"/>
+            </a:endParaRPr>
+          </a:p>
+        </p:txBody>
+      </p:sp>
+      <p:cxnSp>
+        <p:nvCxnSpPr>
+          <p:cNvPr id="44" name="Connecteur droit avec flèche 43">
+            <a:extLst>
+              <a:ext uri="{FF2B5EF4-FFF2-40B4-BE49-F238E27FC236}">
+                <a16:creationId xmlns:a16="http://schemas.microsoft.com/office/drawing/2014/main" id="{DBAC7180-C76A-4C14-A5A7-1711BF2DDA40}"/>
+              </a:ext>
+            </a:extLst>
+          </p:cNvPr>
+          <p:cNvCxnSpPr>
+            <a:cxnSpLocks/>
+            <a:endCxn id="42" idx="0"/>
+          </p:cNvCxnSpPr>
+          <p:nvPr/>
+        </p:nvCxnSpPr>
+        <p:spPr>
+          <a:xfrm>
+            <a:off x="3934519" y="1270000"/>
+            <a:ext cx="0" cy="572475"/>
+          </a:xfrm>
+          <a:prstGeom prst="straightConnector1">
+            <a:avLst/>
+          </a:prstGeom>
+          <a:ln w="19050">
+            <a:solidFill>
+              <a:schemeClr val="tx1"/>
+            </a:solidFill>
+            <a:tailEnd type="stealth" w="med" len="lg"/>
+          </a:ln>
+        </p:spPr>
+        <p:style>
+          <a:lnRef idx="1">
+            <a:schemeClr val="accent1"/>
+          </a:lnRef>
+          <a:fillRef idx="0">
+            <a:schemeClr val="accent1"/>
+          </a:fillRef>
+          <a:effectRef idx="0">
+            <a:schemeClr val="accent1"/>
+          </a:effectRef>
+          <a:fontRef idx="minor">
+            <a:schemeClr val="tx1"/>
+          </a:fontRef>
+        </p:style>
+      </p:cxnSp>
+      <p:cxnSp>
+        <p:nvCxnSpPr>
+          <p:cNvPr id="47" name="Connecteur droit avec flèche 46">
+            <a:extLst>
+              <a:ext uri="{FF2B5EF4-FFF2-40B4-BE49-F238E27FC236}">
+                <a16:creationId xmlns:a16="http://schemas.microsoft.com/office/drawing/2014/main" id="{A225C603-15CA-4BEB-9A0F-D948552B0A08}"/>
+              </a:ext>
+            </a:extLst>
+          </p:cNvPr>
+          <p:cNvCxnSpPr>
+            <a:cxnSpLocks/>
+            <a:stCxn id="27" idx="3"/>
+            <a:endCxn id="42" idx="2"/>
+          </p:cNvCxnSpPr>
+          <p:nvPr/>
+        </p:nvCxnSpPr>
+        <p:spPr>
+          <a:xfrm>
+            <a:off x="3556000" y="1976652"/>
+            <a:ext cx="236279" cy="8063"/>
+          </a:xfrm>
+          <a:prstGeom prst="straightConnector1">
+            <a:avLst/>
+          </a:prstGeom>
+          <a:ln w="19050">
+            <a:solidFill>
+              <a:schemeClr val="tx1"/>
+            </a:solidFill>
+            <a:tailEnd type="stealth" w="med" len="lg"/>
+          </a:ln>
+        </p:spPr>
+        <p:style>
+          <a:lnRef idx="1">
+            <a:schemeClr val="accent1"/>
+          </a:lnRef>
+          <a:fillRef idx="0">
+            <a:schemeClr val="accent1"/>
+          </a:fillRef>
+          <a:effectRef idx="0">
+            <a:schemeClr val="accent1"/>
+          </a:effectRef>
+          <a:fontRef idx="minor">
+            <a:schemeClr val="tx1"/>
+          </a:fontRef>
+        </p:style>
+      </p:cxnSp>
+      <p:cxnSp>
+        <p:nvCxnSpPr>
+          <p:cNvPr id="50" name="Connecteur droit avec flèche 49">
+            <a:extLst>
+              <a:ext uri="{FF2B5EF4-FFF2-40B4-BE49-F238E27FC236}">
+                <a16:creationId xmlns:a16="http://schemas.microsoft.com/office/drawing/2014/main" id="{83805759-7F2E-4FBC-BE53-881295E5C908}"/>
+              </a:ext>
+            </a:extLst>
+          </p:cNvPr>
+          <p:cNvCxnSpPr>
+            <a:cxnSpLocks/>
+            <a:stCxn id="42" idx="6"/>
+          </p:cNvCxnSpPr>
+          <p:nvPr/>
+        </p:nvCxnSpPr>
+        <p:spPr>
+          <a:xfrm>
+            <a:off x="4076759" y="1984715"/>
+            <a:ext cx="322521" cy="0"/>
+          </a:xfrm>
+          <a:prstGeom prst="straightConnector1">
+            <a:avLst/>
+          </a:prstGeom>
+          <a:ln w="19050">
+            <a:solidFill>
+              <a:schemeClr val="tx1"/>
+            </a:solidFill>
+            <a:tailEnd type="stealth" w="med" len="lg"/>
+          </a:ln>
+        </p:spPr>
+        <p:style>
+          <a:lnRef idx="1">
+            <a:schemeClr val="accent1"/>
+          </a:lnRef>
+          <a:fillRef idx="0">
+            <a:schemeClr val="accent1"/>
+          </a:fillRef>
+          <a:effectRef idx="0">
+            <a:schemeClr val="accent1"/>
+          </a:effectRef>
+          <a:fontRef idx="minor">
+            <a:schemeClr val="tx1"/>
+          </a:fontRef>
+        </p:style>
+      </p:cxnSp>
+      <p:cxnSp>
+        <p:nvCxnSpPr>
+          <p:cNvPr id="53" name="Connecteur droit avec flèche 52">
+            <a:extLst>
+              <a:ext uri="{FF2B5EF4-FFF2-40B4-BE49-F238E27FC236}">
+                <a16:creationId xmlns:a16="http://schemas.microsoft.com/office/drawing/2014/main" id="{113B0590-142F-44F1-9C10-9B0C6ABEE137}"/>
+              </a:ext>
+            </a:extLst>
+          </p:cNvPr>
+          <p:cNvCxnSpPr>
+            <a:cxnSpLocks/>
+          </p:cNvCxnSpPr>
+          <p:nvPr/>
+        </p:nvCxnSpPr>
+        <p:spPr>
+          <a:xfrm flipV="1">
+            <a:off x="4238019" y="1984715"/>
+            <a:ext cx="0" cy="706653"/>
+          </a:xfrm>
+          <a:prstGeom prst="straightConnector1">
+            <a:avLst/>
+          </a:prstGeom>
+          <a:ln w="19050">
+            <a:solidFill>
+              <a:schemeClr val="tx1"/>
+            </a:solidFill>
+            <a:tailEnd type="none" w="med" len="lg"/>
+          </a:ln>
+        </p:spPr>
+        <p:style>
+          <a:lnRef idx="1">
+            <a:schemeClr val="accent1"/>
+          </a:lnRef>
+          <a:fillRef idx="0">
+            <a:schemeClr val="accent1"/>
+          </a:fillRef>
+          <a:effectRef idx="0">
+            <a:schemeClr val="accent1"/>
+          </a:effectRef>
+          <a:fontRef idx="minor">
+            <a:schemeClr val="tx1"/>
+          </a:fontRef>
+        </p:style>
+      </p:cxnSp>
+      <p:cxnSp>
+        <p:nvCxnSpPr>
+          <p:cNvPr id="55" name="Connecteur droit avec flèche 54">
+            <a:extLst>
+              <a:ext uri="{FF2B5EF4-FFF2-40B4-BE49-F238E27FC236}">
+                <a16:creationId xmlns:a16="http://schemas.microsoft.com/office/drawing/2014/main" id="{5FB79E35-D8CB-4268-B7ED-0F1187E92D34}"/>
+              </a:ext>
+            </a:extLst>
+          </p:cNvPr>
+          <p:cNvCxnSpPr>
+            <a:cxnSpLocks/>
+            <a:endCxn id="30" idx="3"/>
+          </p:cNvCxnSpPr>
+          <p:nvPr/>
+        </p:nvCxnSpPr>
+        <p:spPr>
+          <a:xfrm flipH="1" flipV="1">
+            <a:off x="3572776" y="2704567"/>
+            <a:ext cx="665244" cy="2"/>
+          </a:xfrm>
+          <a:prstGeom prst="straightConnector1">
+            <a:avLst/>
+          </a:prstGeom>
+          <a:ln w="19050">
+            <a:solidFill>
+              <a:schemeClr val="tx1"/>
+            </a:solidFill>
+            <a:tailEnd type="stealth" w="med" len="lg"/>
+          </a:ln>
+        </p:spPr>
+        <p:style>
+          <a:lnRef idx="1">
+            <a:schemeClr val="accent1"/>
+          </a:lnRef>
+          <a:fillRef idx="0">
+            <a:schemeClr val="accent1"/>
+          </a:fillRef>
+          <a:effectRef idx="0">
+            <a:schemeClr val="accent1"/>
+          </a:effectRef>
+          <a:fontRef idx="minor">
+            <a:schemeClr val="tx1"/>
+          </a:fontRef>
+        </p:style>
+      </p:cxnSp>
+      <p:cxnSp>
+        <p:nvCxnSpPr>
+          <p:cNvPr id="58" name="Connecteur droit avec flèche 57">
+            <a:extLst>
+              <a:ext uri="{FF2B5EF4-FFF2-40B4-BE49-F238E27FC236}">
+                <a16:creationId xmlns:a16="http://schemas.microsoft.com/office/drawing/2014/main" id="{BB348628-0EE8-4937-B292-C99FE47DF049}"/>
+              </a:ext>
+            </a:extLst>
+          </p:cNvPr>
+          <p:cNvCxnSpPr>
+            <a:cxnSpLocks/>
+          </p:cNvCxnSpPr>
+          <p:nvPr/>
+        </p:nvCxnSpPr>
+        <p:spPr>
+          <a:xfrm>
+            <a:off x="2054093" y="555285"/>
+            <a:ext cx="0" cy="572475"/>
+          </a:xfrm>
+          <a:prstGeom prst="straightConnector1">
+            <a:avLst/>
+          </a:prstGeom>
+          <a:ln w="19050">
+            <a:solidFill>
+              <a:schemeClr val="tx1"/>
+            </a:solidFill>
+            <a:tailEnd type="stealth" w="med" len="lg"/>
+          </a:ln>
+        </p:spPr>
+        <p:style>
+          <a:lnRef idx="1">
+            <a:schemeClr val="accent1"/>
+          </a:lnRef>
+          <a:fillRef idx="0">
+            <a:schemeClr val="accent1"/>
+          </a:fillRef>
+          <a:effectRef idx="0">
+            <a:schemeClr val="accent1"/>
+          </a:effectRef>
+          <a:fontRef idx="minor">
+            <a:schemeClr val="tx1"/>
+          </a:fontRef>
+        </p:style>
+      </p:cxnSp>
+      <p:cxnSp>
+        <p:nvCxnSpPr>
+          <p:cNvPr id="59" name="Connecteur droit avec flèche 58">
+            <a:extLst>
+              <a:ext uri="{FF2B5EF4-FFF2-40B4-BE49-F238E27FC236}">
+                <a16:creationId xmlns:a16="http://schemas.microsoft.com/office/drawing/2014/main" id="{5192F182-73C6-48D2-A9ED-DABFF00A051A}"/>
+              </a:ext>
+            </a:extLst>
+          </p:cNvPr>
+          <p:cNvCxnSpPr>
+            <a:cxnSpLocks/>
+          </p:cNvCxnSpPr>
+          <p:nvPr/>
+        </p:nvCxnSpPr>
+        <p:spPr>
+          <a:xfrm flipH="1">
+            <a:off x="1544888" y="2704569"/>
+            <a:ext cx="1174449" cy="0"/>
+          </a:xfrm>
+          <a:prstGeom prst="straightConnector1">
+            <a:avLst/>
+          </a:prstGeom>
+          <a:ln w="19050">
+            <a:solidFill>
+              <a:schemeClr val="tx1"/>
+            </a:solidFill>
+            <a:tailEnd type="stealth" w="med" len="lg"/>
+          </a:ln>
+        </p:spPr>
+        <p:style>
+          <a:lnRef idx="1">
+            <a:schemeClr val="accent1"/>
+          </a:lnRef>
+          <a:fillRef idx="0">
+            <a:schemeClr val="accent1"/>
+          </a:fillRef>
+          <a:effectRef idx="0">
+            <a:schemeClr val="accent1"/>
+          </a:effectRef>
+          <a:fontRef idx="minor">
+            <a:schemeClr val="tx1"/>
+          </a:fontRef>
+        </p:style>
+      </p:cxnSp>
+      <mc:AlternateContent xmlns:mc="http://schemas.openxmlformats.org/markup-compatibility/2006">
+        <mc:Choice xmlns:a14="http://schemas.microsoft.com/office/drawing/2010/main" Requires="a14">
+          <p:sp>
+            <p:nvSpPr>
+              <p:cNvPr id="61" name="Rectangle 60">
+                <a:extLst>
+                  <a:ext uri="{FF2B5EF4-FFF2-40B4-BE49-F238E27FC236}">
+                    <a16:creationId xmlns:a16="http://schemas.microsoft.com/office/drawing/2014/main" id="{476BE213-AB85-40E3-B8E1-902DAD92CF49}"/>
+                  </a:ext>
+                </a:extLst>
+              </p:cNvPr>
+              <p:cNvSpPr/>
+              <p:nvPr/>
+            </p:nvSpPr>
+            <p:spPr>
+              <a:xfrm>
+                <a:off x="2089311" y="439170"/>
+                <a:ext cx="772369" cy="307777"/>
+              </a:xfrm>
+              <a:prstGeom prst="rect">
+                <a:avLst/>
+              </a:prstGeom>
+            </p:spPr>
+            <p:txBody>
+              <a:bodyPr wrap="square">
+                <a:spAutoFit/>
+              </a:bodyPr>
+              <a:lstStyle/>
+              <a:p>
+                <a:pPr algn="ctr"/>
+                <a14:m>
+                  <m:oMathPara xmlns:m="http://schemas.openxmlformats.org/officeDocument/2006/math">
+                    <m:oMathParaPr>
+                      <m:jc m:val="centerGroup"/>
+                    </m:oMathParaPr>
+                    <m:oMath xmlns:m="http://schemas.openxmlformats.org/officeDocument/2006/math">
+                      <m:sSub>
+                        <m:sSubPr>
+                          <m:ctrlPr>
+                            <a:rPr lang="fr-FR" sz="1400" b="0" i="1" smtClean="0">
+                              <a:solidFill>
+                                <a:sysClr val="windowText" lastClr="000000"/>
+                              </a:solidFill>
+                              <a:latin typeface="Cambria Math" panose="02040503050406030204" pitchFamily="18" charset="0"/>
+                            </a:rPr>
+                          </m:ctrlPr>
+                        </m:sSubPr>
+                        <m:e>
+                          <m:r>
+                            <a:rPr lang="fr-FR" sz="1400" b="0" i="1" smtClean="0">
+                              <a:solidFill>
+                                <a:sysClr val="windowText" lastClr="000000"/>
+                              </a:solidFill>
+                              <a:latin typeface="Cambria Math" panose="02040503050406030204" pitchFamily="18" charset="0"/>
+                            </a:rPr>
+                            <m:t>𝐶</m:t>
+                          </m:r>
+                        </m:e>
+                        <m:sub>
+                          <m:r>
+                            <m:rPr>
+                              <m:sty m:val="p"/>
+                            </m:rPr>
+                            <a:rPr lang="fr-FR" sz="1400" b="0" i="0" smtClean="0">
+                              <a:solidFill>
+                                <a:sysClr val="windowText" lastClr="000000"/>
+                              </a:solidFill>
+                              <a:latin typeface="Cambria Math" panose="02040503050406030204" pitchFamily="18" charset="0"/>
+                            </a:rPr>
+                            <m:t>ext</m:t>
+                          </m:r>
+                        </m:sub>
+                      </m:sSub>
+                      <m:r>
+                        <a:rPr lang="fr-FR" sz="1400" i="1">
+                          <a:solidFill>
+                            <a:sysClr val="windowText" lastClr="000000"/>
+                          </a:solidFill>
+                          <a:latin typeface="Cambria Math" panose="02040503050406030204" pitchFamily="18" charset="0"/>
+                        </a:rPr>
+                        <m:t>(</m:t>
+                      </m:r>
+                      <m:r>
+                        <a:rPr lang="fr-FR" sz="1400" i="1">
+                          <a:solidFill>
+                            <a:sysClr val="windowText" lastClr="000000"/>
+                          </a:solidFill>
+                          <a:latin typeface="Cambria Math" panose="02040503050406030204" pitchFamily="18" charset="0"/>
+                        </a:rPr>
+                        <m:t>𝑝</m:t>
+                      </m:r>
+                      <m:r>
+                        <a:rPr lang="fr-FR" sz="1400" i="1">
+                          <a:solidFill>
+                            <a:sysClr val="windowText" lastClr="000000"/>
+                          </a:solidFill>
+                          <a:latin typeface="Cambria Math" panose="02040503050406030204" pitchFamily="18" charset="0"/>
+                        </a:rPr>
+                        <m:t>)</m:t>
+                      </m:r>
+                    </m:oMath>
+                  </m:oMathPara>
+                </a14:m>
+                <a:endParaRPr lang="fr-FR" sz="1400" dirty="0">
+                  <a:solidFill>
+                    <a:sysClr val="windowText" lastClr="000000"/>
+                  </a:solidFill>
+                </a:endParaRPr>
+              </a:p>
+            </p:txBody>
+          </p:sp>
+        </mc:Choice>
+        <mc:Fallback>
+          <p:sp>
+            <p:nvSpPr>
+              <p:cNvPr id="61" name="Rectangle 60">
+                <a:extLst>
+                  <a:ext uri="{FF2B5EF4-FFF2-40B4-BE49-F238E27FC236}">
+                    <a16:creationId xmlns:a16="http://schemas.microsoft.com/office/drawing/2014/main" id="{476BE213-AB85-40E3-B8E1-902DAD92CF49}"/>
+                  </a:ext>
+                </a:extLst>
+              </p:cNvPr>
+              <p:cNvSpPr>
+                <a:spLocks noRot="1" noChangeAspect="1" noMove="1" noResize="1" noEditPoints="1" noAdjustHandles="1" noChangeArrowheads="1" noChangeShapeType="1" noTextEdit="1"/>
+              </p:cNvSpPr>
+              <p:nvPr/>
+            </p:nvSpPr>
+            <p:spPr>
+              <a:xfrm>
+                <a:off x="2089311" y="439170"/>
+                <a:ext cx="772369" cy="307777"/>
+              </a:xfrm>
+              <a:prstGeom prst="rect">
+                <a:avLst/>
+              </a:prstGeom>
+              <a:blipFill>
+                <a:blip r:embed="rId8"/>
+                <a:stretch>
+                  <a:fillRect b="-5882"/>
+                </a:stretch>
+              </a:blipFill>
+            </p:spPr>
+            <p:txBody>
+              <a:bodyPr/>
+              <a:lstStyle/>
+              <a:p>
+                <a:r>
+                  <a:rPr lang="fr-FR">
+                    <a:noFill/>
+                  </a:rPr>
+                  <a:t> </a:t>
+                </a:r>
+              </a:p>
+            </p:txBody>
+          </p:sp>
+        </mc:Fallback>
+      </mc:AlternateContent>
+      <mc:AlternateContent xmlns:mc="http://schemas.openxmlformats.org/markup-compatibility/2006">
+        <mc:Choice xmlns:a14="http://schemas.microsoft.com/office/drawing/2010/main" Requires="a14">
+          <p:sp>
+            <p:nvSpPr>
+              <p:cNvPr id="63" name="Rectangle 62">
+                <a:extLst>
+                  <a:ext uri="{FF2B5EF4-FFF2-40B4-BE49-F238E27FC236}">
+                    <a16:creationId xmlns:a16="http://schemas.microsoft.com/office/drawing/2014/main" id="{B1F8F0F0-1423-4C8C-B1A1-9F3A4E9FBDD6}"/>
+                  </a:ext>
+                </a:extLst>
+              </p:cNvPr>
+              <p:cNvSpPr/>
+              <p:nvPr/>
+            </p:nvSpPr>
+            <p:spPr>
+              <a:xfrm>
+                <a:off x="820692" y="2550678"/>
+                <a:ext cx="772369" cy="315086"/>
+              </a:xfrm>
+              <a:prstGeom prst="rect">
+                <a:avLst/>
+              </a:prstGeom>
+            </p:spPr>
+            <p:txBody>
+              <a:bodyPr wrap="square">
+                <a:spAutoFit/>
+              </a:bodyPr>
+              <a:lstStyle/>
+              <a:p>
+                <a:pPr algn="ctr"/>
+                <a14:m>
+                  <m:oMathPara xmlns:m="http://schemas.openxmlformats.org/officeDocument/2006/math">
+                    <m:oMathParaPr>
+                      <m:jc m:val="centerGroup"/>
+                    </m:oMathParaPr>
+                    <m:oMath xmlns:m="http://schemas.openxmlformats.org/officeDocument/2006/math">
+                      <m:sSub>
+                        <m:sSubPr>
+                          <m:ctrlPr>
+                            <a:rPr lang="fr-FR" sz="1400" b="0" i="1" smtClean="0">
+                              <a:solidFill>
+                                <a:sysClr val="windowText" lastClr="000000"/>
+                              </a:solidFill>
+                              <a:latin typeface="Cambria Math" panose="02040503050406030204" pitchFamily="18" charset="0"/>
+                            </a:rPr>
+                          </m:ctrlPr>
+                        </m:sSubPr>
+                        <m:e>
+                          <m:acc>
+                            <m:accPr>
+                              <m:chr m:val="̂"/>
+                              <m:ctrlPr>
+                                <a:rPr lang="fr-FR" sz="1400" b="0" i="1" smtClean="0">
+                                  <a:solidFill>
+                                    <a:sysClr val="windowText" lastClr="000000"/>
+                                  </a:solidFill>
+                                  <a:latin typeface="Cambria Math" panose="02040503050406030204" pitchFamily="18" charset="0"/>
+                                </a:rPr>
+                              </m:ctrlPr>
+                            </m:accPr>
+                            <m:e>
+                              <m:r>
+                                <a:rPr lang="fr-FR" sz="1400" b="0" i="1" smtClean="0">
+                                  <a:solidFill>
+                                    <a:sysClr val="windowText" lastClr="000000"/>
+                                  </a:solidFill>
+                                  <a:latin typeface="Cambria Math" panose="02040503050406030204" pitchFamily="18" charset="0"/>
+                                </a:rPr>
+                                <m:t>𝐶</m:t>
+                              </m:r>
+                            </m:e>
+                          </m:acc>
+                        </m:e>
+                        <m:sub>
+                          <m:r>
+                            <m:rPr>
+                              <m:sty m:val="p"/>
+                            </m:rPr>
+                            <a:rPr lang="fr-FR" sz="1400" b="0" i="0" smtClean="0">
+                              <a:solidFill>
+                                <a:sysClr val="windowText" lastClr="000000"/>
+                              </a:solidFill>
+                              <a:latin typeface="Cambria Math" panose="02040503050406030204" pitchFamily="18" charset="0"/>
+                            </a:rPr>
+                            <m:t>ext</m:t>
+                          </m:r>
+                        </m:sub>
+                      </m:sSub>
+                      <m:r>
+                        <a:rPr lang="fr-FR" sz="1400" i="1">
+                          <a:solidFill>
+                            <a:sysClr val="windowText" lastClr="000000"/>
+                          </a:solidFill>
+                          <a:latin typeface="Cambria Math" panose="02040503050406030204" pitchFamily="18" charset="0"/>
+                        </a:rPr>
+                        <m:t>(</m:t>
+                      </m:r>
+                      <m:r>
+                        <a:rPr lang="fr-FR" sz="1400" i="1">
+                          <a:solidFill>
+                            <a:sysClr val="windowText" lastClr="000000"/>
+                          </a:solidFill>
+                          <a:latin typeface="Cambria Math" panose="02040503050406030204" pitchFamily="18" charset="0"/>
+                        </a:rPr>
+                        <m:t>𝑝</m:t>
+                      </m:r>
+                      <m:r>
+                        <a:rPr lang="fr-FR" sz="1400" i="1">
+                          <a:solidFill>
+                            <a:sysClr val="windowText" lastClr="000000"/>
+                          </a:solidFill>
+                          <a:latin typeface="Cambria Math" panose="02040503050406030204" pitchFamily="18" charset="0"/>
+                        </a:rPr>
+                        <m:t>)</m:t>
+                      </m:r>
+                    </m:oMath>
+                  </m:oMathPara>
+                </a14:m>
+                <a:endParaRPr lang="fr-FR" sz="1400" dirty="0">
+                  <a:solidFill>
+                    <a:sysClr val="windowText" lastClr="000000"/>
+                  </a:solidFill>
+                </a:endParaRPr>
+              </a:p>
+            </p:txBody>
+          </p:sp>
+        </mc:Choice>
+        <mc:Fallback>
+          <p:sp>
+            <p:nvSpPr>
+              <p:cNvPr id="63" name="Rectangle 62">
+                <a:extLst>
+                  <a:ext uri="{FF2B5EF4-FFF2-40B4-BE49-F238E27FC236}">
+                    <a16:creationId xmlns:a16="http://schemas.microsoft.com/office/drawing/2014/main" id="{B1F8F0F0-1423-4C8C-B1A1-9F3A4E9FBDD6}"/>
+                  </a:ext>
+                </a:extLst>
+              </p:cNvPr>
+              <p:cNvSpPr>
+                <a:spLocks noRot="1" noChangeAspect="1" noMove="1" noResize="1" noEditPoints="1" noAdjustHandles="1" noChangeArrowheads="1" noChangeShapeType="1" noTextEdit="1"/>
+              </p:cNvSpPr>
+              <p:nvPr/>
+            </p:nvSpPr>
+            <p:spPr>
+              <a:xfrm>
+                <a:off x="820692" y="2550678"/>
+                <a:ext cx="772369" cy="315086"/>
+              </a:xfrm>
+              <a:prstGeom prst="rect">
+                <a:avLst/>
+              </a:prstGeom>
+              <a:blipFill>
+                <a:blip r:embed="rId9"/>
+                <a:stretch>
+                  <a:fillRect b="-7692"/>
+                </a:stretch>
+              </a:blipFill>
+            </p:spPr>
+            <p:txBody>
+              <a:bodyPr/>
+              <a:lstStyle/>
+              <a:p>
+                <a:r>
+                  <a:rPr lang="fr-FR">
+                    <a:noFill/>
+                  </a:rPr>
+                  <a:t> </a:t>
+                </a:r>
+              </a:p>
+            </p:txBody>
+          </p:sp>
+        </mc:Fallback>
+      </mc:AlternateContent>
+      <mc:AlternateContent xmlns:mc="http://schemas.openxmlformats.org/markup-compatibility/2006">
+        <mc:Choice xmlns:a14="http://schemas.microsoft.com/office/drawing/2010/main" Requires="a14">
+          <p:sp>
+            <p:nvSpPr>
+              <p:cNvPr id="64" name="Rectangle 63">
+                <a:extLst>
+                  <a:ext uri="{FF2B5EF4-FFF2-40B4-BE49-F238E27FC236}">
+                    <a16:creationId xmlns:a16="http://schemas.microsoft.com/office/drawing/2014/main" id="{4143D001-8D6F-476F-A785-27F035527E69}"/>
+                  </a:ext>
+                </a:extLst>
+              </p:cNvPr>
+              <p:cNvSpPr/>
+              <p:nvPr/>
+            </p:nvSpPr>
+            <p:spPr>
+              <a:xfrm>
+                <a:off x="1974297" y="1056878"/>
+                <a:ext cx="206850" cy="246221"/>
+              </a:xfrm>
+              <a:prstGeom prst="rect">
+                <a:avLst/>
+              </a:prstGeom>
+            </p:spPr>
+            <p:txBody>
+              <a:bodyPr wrap="square">
+                <a:spAutoFit/>
+              </a:bodyPr>
+              <a:lstStyle/>
+              <a:p>
+                <a:pPr algn="ctr"/>
+                <a14:m>
+                  <m:oMathPara xmlns:m="http://schemas.openxmlformats.org/officeDocument/2006/math">
+                    <m:oMathParaPr>
+                      <m:jc m:val="centerGroup"/>
+                    </m:oMathParaPr>
+                    <m:oMath xmlns:m="http://schemas.openxmlformats.org/officeDocument/2006/math">
+                      <m:r>
+                        <a:rPr lang="fr-FR" sz="1000" b="1" i="1" smtClean="0">
+                          <a:solidFill>
+                            <a:sysClr val="windowText" lastClr="000000"/>
+                          </a:solidFill>
+                          <a:latin typeface="Cambria Math" panose="02040503050406030204" pitchFamily="18" charset="0"/>
+                        </a:rPr>
+                        <m:t>+</m:t>
+                      </m:r>
+                    </m:oMath>
+                  </m:oMathPara>
+                </a14:m>
+                <a:endParaRPr lang="fr-FR" sz="1000" b="1" dirty="0">
+                  <a:solidFill>
+                    <a:sysClr val="windowText" lastClr="000000"/>
+                  </a:solidFill>
+                </a:endParaRPr>
+              </a:p>
+            </p:txBody>
+          </p:sp>
+        </mc:Choice>
+        <mc:Fallback>
+          <p:sp>
+            <p:nvSpPr>
+              <p:cNvPr id="64" name="Rectangle 63">
+                <a:extLst>
+                  <a:ext uri="{FF2B5EF4-FFF2-40B4-BE49-F238E27FC236}">
+                    <a16:creationId xmlns:a16="http://schemas.microsoft.com/office/drawing/2014/main" id="{4143D001-8D6F-476F-A785-27F035527E69}"/>
+                  </a:ext>
+                </a:extLst>
+              </p:cNvPr>
+              <p:cNvSpPr>
+                <a:spLocks noRot="1" noChangeAspect="1" noMove="1" noResize="1" noEditPoints="1" noAdjustHandles="1" noChangeArrowheads="1" noChangeShapeType="1" noTextEdit="1"/>
+              </p:cNvSpPr>
+              <p:nvPr/>
+            </p:nvSpPr>
+            <p:spPr>
+              <a:xfrm>
+                <a:off x="1974297" y="1056878"/>
+                <a:ext cx="206850" cy="246221"/>
+              </a:xfrm>
+              <a:prstGeom prst="rect">
+                <a:avLst/>
+              </a:prstGeom>
+              <a:blipFill>
+                <a:blip r:embed="rId10"/>
+                <a:stretch>
+                  <a:fillRect/>
+                </a:stretch>
+              </a:blipFill>
+            </p:spPr>
+            <p:txBody>
+              <a:bodyPr/>
+              <a:lstStyle/>
+              <a:p>
+                <a:r>
+                  <a:rPr lang="fr-FR">
+                    <a:noFill/>
+                  </a:rPr>
+                  <a:t> </a:t>
+                </a:r>
+              </a:p>
+            </p:txBody>
+          </p:sp>
+        </mc:Fallback>
+      </mc:AlternateContent>
+      <mc:AlternateContent xmlns:mc="http://schemas.openxmlformats.org/markup-compatibility/2006">
+        <mc:Choice xmlns:a14="http://schemas.microsoft.com/office/drawing/2010/main" Requires="a14">
+          <p:sp>
+            <p:nvSpPr>
+              <p:cNvPr id="65" name="Rectangle 64">
+                <a:extLst>
+                  <a:ext uri="{FF2B5EF4-FFF2-40B4-BE49-F238E27FC236}">
+                    <a16:creationId xmlns:a16="http://schemas.microsoft.com/office/drawing/2014/main" id="{39B2259E-9AC0-480E-8CCC-B158206AC56E}"/>
+                  </a:ext>
+                </a:extLst>
+              </p:cNvPr>
+              <p:cNvSpPr/>
+              <p:nvPr/>
+            </p:nvSpPr>
+            <p:spPr>
+              <a:xfrm>
+                <a:off x="1892780" y="1145484"/>
+                <a:ext cx="206850" cy="246221"/>
+              </a:xfrm>
+              <a:prstGeom prst="rect">
+                <a:avLst/>
+              </a:prstGeom>
+            </p:spPr>
+            <p:txBody>
+              <a:bodyPr wrap="square">
+                <a:spAutoFit/>
+              </a:bodyPr>
+              <a:lstStyle/>
+              <a:p>
+                <a:pPr algn="ctr"/>
+                <a14:m>
+                  <m:oMathPara xmlns:m="http://schemas.openxmlformats.org/officeDocument/2006/math">
+                    <m:oMathParaPr>
+                      <m:jc m:val="centerGroup"/>
+                    </m:oMathParaPr>
+                    <m:oMath xmlns:m="http://schemas.openxmlformats.org/officeDocument/2006/math">
+                      <m:r>
+                        <a:rPr lang="fr-FR" sz="1000" b="1" i="1" smtClean="0">
+                          <a:solidFill>
+                            <a:sysClr val="windowText" lastClr="000000"/>
+                          </a:solidFill>
+                          <a:latin typeface="Cambria Math" panose="02040503050406030204" pitchFamily="18" charset="0"/>
+                        </a:rPr>
+                        <m:t>+</m:t>
+                      </m:r>
+                    </m:oMath>
+                  </m:oMathPara>
+                </a14:m>
+                <a:endParaRPr lang="fr-FR" sz="1000" b="1" dirty="0">
+                  <a:solidFill>
+                    <a:sysClr val="windowText" lastClr="000000"/>
+                  </a:solidFill>
+                </a:endParaRPr>
+              </a:p>
+            </p:txBody>
+          </p:sp>
+        </mc:Choice>
+        <mc:Fallback>
+          <p:sp>
+            <p:nvSpPr>
+              <p:cNvPr id="65" name="Rectangle 64">
+                <a:extLst>
+                  <a:ext uri="{FF2B5EF4-FFF2-40B4-BE49-F238E27FC236}">
+                    <a16:creationId xmlns:a16="http://schemas.microsoft.com/office/drawing/2014/main" id="{39B2259E-9AC0-480E-8CCC-B158206AC56E}"/>
+                  </a:ext>
+                </a:extLst>
+              </p:cNvPr>
+              <p:cNvSpPr>
+                <a:spLocks noRot="1" noChangeAspect="1" noMove="1" noResize="1" noEditPoints="1" noAdjustHandles="1" noChangeArrowheads="1" noChangeShapeType="1" noTextEdit="1"/>
+              </p:cNvSpPr>
+              <p:nvPr/>
+            </p:nvSpPr>
+            <p:spPr>
+              <a:xfrm>
+                <a:off x="1892780" y="1145484"/>
+                <a:ext cx="206850" cy="246221"/>
+              </a:xfrm>
+              <a:prstGeom prst="rect">
+                <a:avLst/>
+              </a:prstGeom>
+              <a:blipFill>
+                <a:blip r:embed="rId11"/>
+                <a:stretch>
+                  <a:fillRect/>
+                </a:stretch>
+              </a:blipFill>
+            </p:spPr>
+            <p:txBody>
+              <a:bodyPr/>
+              <a:lstStyle/>
+              <a:p>
+                <a:r>
+                  <a:rPr lang="fr-FR">
+                    <a:noFill/>
+                  </a:rPr>
+                  <a:t> </a:t>
+                </a:r>
+              </a:p>
+            </p:txBody>
+          </p:sp>
+        </mc:Fallback>
+      </mc:AlternateContent>
+      <mc:AlternateContent xmlns:mc="http://schemas.openxmlformats.org/markup-compatibility/2006">
+        <mc:Choice xmlns:a14="http://schemas.microsoft.com/office/drawing/2010/main" Requires="a14">
+          <p:sp>
+            <p:nvSpPr>
+              <p:cNvPr id="66" name="Rectangle 65">
+                <a:extLst>
+                  <a:ext uri="{FF2B5EF4-FFF2-40B4-BE49-F238E27FC236}">
+                    <a16:creationId xmlns:a16="http://schemas.microsoft.com/office/drawing/2014/main" id="{D0A515F6-86FB-47BD-A095-7C8156D98C99}"/>
+                  </a:ext>
+                </a:extLst>
+              </p:cNvPr>
+              <p:cNvSpPr/>
+              <p:nvPr/>
+            </p:nvSpPr>
+            <p:spPr>
+              <a:xfrm>
+                <a:off x="1896326" y="1850774"/>
+                <a:ext cx="206850" cy="246221"/>
+              </a:xfrm>
+              <a:prstGeom prst="rect">
+                <a:avLst/>
+              </a:prstGeom>
+            </p:spPr>
+            <p:txBody>
+              <a:bodyPr wrap="square">
+                <a:spAutoFit/>
+              </a:bodyPr>
+              <a:lstStyle/>
+              <a:p>
+                <a:pPr algn="ctr"/>
+                <a14:m>
+                  <m:oMathPara xmlns:m="http://schemas.openxmlformats.org/officeDocument/2006/math">
+                    <m:oMathParaPr>
+                      <m:jc m:val="centerGroup"/>
+                    </m:oMathParaPr>
+                    <m:oMath xmlns:m="http://schemas.openxmlformats.org/officeDocument/2006/math">
+                      <m:r>
+                        <a:rPr lang="fr-FR" sz="1000" b="1" i="1" smtClean="0">
+                          <a:solidFill>
+                            <a:sysClr val="windowText" lastClr="000000"/>
+                          </a:solidFill>
+                          <a:latin typeface="Cambria Math" panose="02040503050406030204" pitchFamily="18" charset="0"/>
+                        </a:rPr>
+                        <m:t>+</m:t>
+                      </m:r>
+                    </m:oMath>
+                  </m:oMathPara>
+                </a14:m>
+                <a:endParaRPr lang="fr-FR" sz="1000" b="1" dirty="0">
+                  <a:solidFill>
+                    <a:sysClr val="windowText" lastClr="000000"/>
+                  </a:solidFill>
+                </a:endParaRPr>
+              </a:p>
+            </p:txBody>
+          </p:sp>
+        </mc:Choice>
+        <mc:Fallback>
+          <p:sp>
+            <p:nvSpPr>
+              <p:cNvPr id="66" name="Rectangle 65">
+                <a:extLst>
+                  <a:ext uri="{FF2B5EF4-FFF2-40B4-BE49-F238E27FC236}">
+                    <a16:creationId xmlns:a16="http://schemas.microsoft.com/office/drawing/2014/main" id="{D0A515F6-86FB-47BD-A095-7C8156D98C99}"/>
+                  </a:ext>
+                </a:extLst>
+              </p:cNvPr>
+              <p:cNvSpPr>
+                <a:spLocks noRot="1" noChangeAspect="1" noMove="1" noResize="1" noEditPoints="1" noAdjustHandles="1" noChangeArrowheads="1" noChangeShapeType="1" noTextEdit="1"/>
+              </p:cNvSpPr>
+              <p:nvPr/>
+            </p:nvSpPr>
+            <p:spPr>
+              <a:xfrm>
+                <a:off x="1896326" y="1850774"/>
+                <a:ext cx="206850" cy="246221"/>
+              </a:xfrm>
+              <a:prstGeom prst="rect">
+                <a:avLst/>
+              </a:prstGeom>
+              <a:blipFill>
+                <a:blip r:embed="rId11"/>
+                <a:stretch>
+                  <a:fillRect/>
+                </a:stretch>
+              </a:blipFill>
+            </p:spPr>
+            <p:txBody>
+              <a:bodyPr/>
+              <a:lstStyle/>
+              <a:p>
+                <a:r>
+                  <a:rPr lang="fr-FR">
+                    <a:noFill/>
+                  </a:rPr>
+                  <a:t> </a:t>
+                </a:r>
+              </a:p>
+            </p:txBody>
+          </p:sp>
+        </mc:Fallback>
+      </mc:AlternateContent>
+      <mc:AlternateContent xmlns:mc="http://schemas.openxmlformats.org/markup-compatibility/2006">
+        <mc:Choice xmlns:a14="http://schemas.microsoft.com/office/drawing/2010/main" Requires="a14">
+          <p:sp>
+            <p:nvSpPr>
+              <p:cNvPr id="67" name="Rectangle 66">
+                <a:extLst>
+                  <a:ext uri="{FF2B5EF4-FFF2-40B4-BE49-F238E27FC236}">
+                    <a16:creationId xmlns:a16="http://schemas.microsoft.com/office/drawing/2014/main" id="{A1D1C9CD-BEFD-4ECB-8D37-07D44588078E}"/>
+                  </a:ext>
+                </a:extLst>
+              </p:cNvPr>
+              <p:cNvSpPr/>
+              <p:nvPr/>
+            </p:nvSpPr>
+            <p:spPr>
+              <a:xfrm>
+                <a:off x="1977842" y="1932298"/>
+                <a:ext cx="206850" cy="246221"/>
+              </a:xfrm>
+              <a:prstGeom prst="rect">
+                <a:avLst/>
+              </a:prstGeom>
+            </p:spPr>
+            <p:txBody>
+              <a:bodyPr wrap="square">
+                <a:spAutoFit/>
+              </a:bodyPr>
+              <a:lstStyle/>
+              <a:p>
+                <a:pPr algn="ctr"/>
+                <a14:m>
+                  <m:oMathPara xmlns:m="http://schemas.openxmlformats.org/officeDocument/2006/math">
+                    <m:oMathParaPr>
+                      <m:jc m:val="centerGroup"/>
+                    </m:oMathParaPr>
+                    <m:oMath xmlns:m="http://schemas.openxmlformats.org/officeDocument/2006/math">
+                      <m:r>
+                        <a:rPr lang="fr-FR" sz="1000" b="1" i="1" smtClean="0">
+                          <a:solidFill>
+                            <a:sysClr val="windowText" lastClr="000000"/>
+                          </a:solidFill>
+                          <a:latin typeface="Cambria Math" panose="02040503050406030204" pitchFamily="18" charset="0"/>
+                        </a:rPr>
+                        <m:t>+</m:t>
+                      </m:r>
+                    </m:oMath>
+                  </m:oMathPara>
+                </a14:m>
+                <a:endParaRPr lang="fr-FR" sz="1000" b="1" dirty="0">
+                  <a:solidFill>
+                    <a:sysClr val="windowText" lastClr="000000"/>
+                  </a:solidFill>
+                </a:endParaRPr>
+              </a:p>
+            </p:txBody>
+          </p:sp>
+        </mc:Choice>
+        <mc:Fallback>
+          <p:sp>
+            <p:nvSpPr>
+              <p:cNvPr id="67" name="Rectangle 66">
+                <a:extLst>
+                  <a:ext uri="{FF2B5EF4-FFF2-40B4-BE49-F238E27FC236}">
+                    <a16:creationId xmlns:a16="http://schemas.microsoft.com/office/drawing/2014/main" id="{A1D1C9CD-BEFD-4ECB-8D37-07D44588078E}"/>
+                  </a:ext>
+                </a:extLst>
+              </p:cNvPr>
+              <p:cNvSpPr>
+                <a:spLocks noRot="1" noChangeAspect="1" noMove="1" noResize="1" noEditPoints="1" noAdjustHandles="1" noChangeArrowheads="1" noChangeShapeType="1" noTextEdit="1"/>
+              </p:cNvSpPr>
+              <p:nvPr/>
+            </p:nvSpPr>
+            <p:spPr>
+              <a:xfrm>
+                <a:off x="1977842" y="1932298"/>
+                <a:ext cx="206850" cy="246221"/>
+              </a:xfrm>
+              <a:prstGeom prst="rect">
+                <a:avLst/>
+              </a:prstGeom>
+              <a:blipFill>
+                <a:blip r:embed="rId12"/>
+                <a:stretch>
+                  <a:fillRect/>
+                </a:stretch>
+              </a:blipFill>
+            </p:spPr>
+            <p:txBody>
+              <a:bodyPr/>
+              <a:lstStyle/>
+              <a:p>
+                <a:r>
+                  <a:rPr lang="fr-FR">
+                    <a:noFill/>
+                  </a:rPr>
+                  <a:t> </a:t>
+                </a:r>
+              </a:p>
+            </p:txBody>
+          </p:sp>
+        </mc:Fallback>
+      </mc:AlternateContent>
+      <mc:AlternateContent xmlns:mc="http://schemas.openxmlformats.org/markup-compatibility/2006">
+        <mc:Choice xmlns:a14="http://schemas.microsoft.com/office/drawing/2010/main" Requires="a14">
+          <p:sp>
+            <p:nvSpPr>
+              <p:cNvPr id="68" name="Rectangle 67">
+                <a:extLst>
+                  <a:ext uri="{FF2B5EF4-FFF2-40B4-BE49-F238E27FC236}">
+                    <a16:creationId xmlns:a16="http://schemas.microsoft.com/office/drawing/2014/main" id="{941A48D0-F20A-4785-92FD-A4403BD5CE33}"/>
+                  </a:ext>
+                </a:extLst>
+              </p:cNvPr>
+              <p:cNvSpPr/>
+              <p:nvPr/>
+            </p:nvSpPr>
+            <p:spPr>
+              <a:xfrm>
+                <a:off x="3852717" y="1779912"/>
+                <a:ext cx="206850" cy="246221"/>
+              </a:xfrm>
+              <a:prstGeom prst="rect">
+                <a:avLst/>
+              </a:prstGeom>
+            </p:spPr>
+            <p:txBody>
+              <a:bodyPr wrap="square">
+                <a:spAutoFit/>
+              </a:bodyPr>
+              <a:lstStyle/>
+              <a:p>
+                <a:pPr algn="ctr"/>
+                <a14:m>
+                  <m:oMathPara xmlns:m="http://schemas.openxmlformats.org/officeDocument/2006/math">
+                    <m:oMathParaPr>
+                      <m:jc m:val="centerGroup"/>
+                    </m:oMathParaPr>
+                    <m:oMath xmlns:m="http://schemas.openxmlformats.org/officeDocument/2006/math">
+                      <m:r>
+                        <a:rPr lang="fr-FR" sz="1000" b="1" i="1" smtClean="0">
+                          <a:solidFill>
+                            <a:sysClr val="windowText" lastClr="000000"/>
+                          </a:solidFill>
+                          <a:latin typeface="Cambria Math" panose="02040503050406030204" pitchFamily="18" charset="0"/>
+                        </a:rPr>
+                        <m:t>+</m:t>
+                      </m:r>
+                    </m:oMath>
+                  </m:oMathPara>
+                </a14:m>
+                <a:endParaRPr lang="fr-FR" sz="1000" b="1" dirty="0">
+                  <a:solidFill>
+                    <a:sysClr val="windowText" lastClr="000000"/>
+                  </a:solidFill>
+                </a:endParaRPr>
+              </a:p>
+            </p:txBody>
+          </p:sp>
+        </mc:Choice>
+        <mc:Fallback>
+          <p:sp>
+            <p:nvSpPr>
+              <p:cNvPr id="68" name="Rectangle 67">
+                <a:extLst>
+                  <a:ext uri="{FF2B5EF4-FFF2-40B4-BE49-F238E27FC236}">
+                    <a16:creationId xmlns:a16="http://schemas.microsoft.com/office/drawing/2014/main" id="{941A48D0-F20A-4785-92FD-A4403BD5CE33}"/>
+                  </a:ext>
+                </a:extLst>
+              </p:cNvPr>
+              <p:cNvSpPr>
+                <a:spLocks noRot="1" noChangeAspect="1" noMove="1" noResize="1" noEditPoints="1" noAdjustHandles="1" noChangeArrowheads="1" noChangeShapeType="1" noTextEdit="1"/>
+              </p:cNvSpPr>
+              <p:nvPr/>
+            </p:nvSpPr>
+            <p:spPr>
+              <a:xfrm>
+                <a:off x="3852717" y="1779912"/>
+                <a:ext cx="206850" cy="246221"/>
+              </a:xfrm>
+              <a:prstGeom prst="rect">
+                <a:avLst/>
+              </a:prstGeom>
+              <a:blipFill>
+                <a:blip r:embed="rId12"/>
+                <a:stretch>
+                  <a:fillRect/>
+                </a:stretch>
+              </a:blipFill>
+            </p:spPr>
+            <p:txBody>
+              <a:bodyPr/>
+              <a:lstStyle/>
+              <a:p>
+                <a:r>
+                  <a:rPr lang="fr-FR">
+                    <a:noFill/>
+                  </a:rPr>
+                  <a:t> </a:t>
+                </a:r>
+              </a:p>
+            </p:txBody>
+          </p:sp>
+        </mc:Fallback>
+      </mc:AlternateContent>
+      <mc:AlternateContent xmlns:mc="http://schemas.openxmlformats.org/markup-compatibility/2006">
+        <mc:Choice xmlns:a14="http://schemas.microsoft.com/office/drawing/2010/main" Requires="a14">
+          <p:sp>
+            <p:nvSpPr>
+              <p:cNvPr id="69" name="Rectangle 68">
+                <a:extLst>
+                  <a:ext uri="{FF2B5EF4-FFF2-40B4-BE49-F238E27FC236}">
+                    <a16:creationId xmlns:a16="http://schemas.microsoft.com/office/drawing/2014/main" id="{57AE2A01-CF0F-47ED-ADE5-3772004E1D46}"/>
+                  </a:ext>
+                </a:extLst>
+              </p:cNvPr>
+              <p:cNvSpPr/>
+              <p:nvPr/>
+            </p:nvSpPr>
+            <p:spPr>
+              <a:xfrm>
+                <a:off x="3768530" y="1868313"/>
+                <a:ext cx="206850" cy="246221"/>
+              </a:xfrm>
+              <a:prstGeom prst="rect">
+                <a:avLst/>
+              </a:prstGeom>
+            </p:spPr>
+            <p:txBody>
+              <a:bodyPr wrap="square">
+                <a:spAutoFit/>
+              </a:bodyPr>
+              <a:lstStyle/>
+              <a:p>
+                <a:pPr algn="ctr"/>
+                <a14:m>
+                  <m:oMathPara xmlns:m="http://schemas.openxmlformats.org/officeDocument/2006/math">
+                    <m:oMathParaPr>
+                      <m:jc m:val="centerGroup"/>
+                    </m:oMathParaPr>
+                    <m:oMath xmlns:m="http://schemas.openxmlformats.org/officeDocument/2006/math">
+                      <m:r>
+                        <a:rPr lang="fr-FR" sz="1000" b="1" i="1" smtClean="0">
+                          <a:solidFill>
+                            <a:sysClr val="windowText" lastClr="000000"/>
+                          </a:solidFill>
+                          <a:latin typeface="Cambria Math" panose="02040503050406030204" pitchFamily="18" charset="0"/>
+                        </a:rPr>
+                        <m:t>−</m:t>
+                      </m:r>
+                    </m:oMath>
+                  </m:oMathPara>
+                </a14:m>
+                <a:endParaRPr lang="fr-FR" sz="1000" b="1" dirty="0">
+                  <a:solidFill>
+                    <a:sysClr val="windowText" lastClr="000000"/>
+                  </a:solidFill>
+                </a:endParaRPr>
+              </a:p>
+            </p:txBody>
+          </p:sp>
+        </mc:Choice>
+        <mc:Fallback>
+          <p:sp>
+            <p:nvSpPr>
+              <p:cNvPr id="69" name="Rectangle 68">
+                <a:extLst>
+                  <a:ext uri="{FF2B5EF4-FFF2-40B4-BE49-F238E27FC236}">
+                    <a16:creationId xmlns:a16="http://schemas.microsoft.com/office/drawing/2014/main" id="{57AE2A01-CF0F-47ED-ADE5-3772004E1D46}"/>
+                  </a:ext>
+                </a:extLst>
+              </p:cNvPr>
+              <p:cNvSpPr>
+                <a:spLocks noRot="1" noChangeAspect="1" noMove="1" noResize="1" noEditPoints="1" noAdjustHandles="1" noChangeArrowheads="1" noChangeShapeType="1" noTextEdit="1"/>
+              </p:cNvSpPr>
+              <p:nvPr/>
+            </p:nvSpPr>
+            <p:spPr>
+              <a:xfrm>
+                <a:off x="3768530" y="1868313"/>
+                <a:ext cx="206850" cy="246221"/>
+              </a:xfrm>
+              <a:prstGeom prst="rect">
+                <a:avLst/>
+              </a:prstGeom>
+              <a:blipFill>
+                <a:blip r:embed="rId13"/>
+                <a:stretch>
+                  <a:fillRect/>
+                </a:stretch>
+              </a:blipFill>
+            </p:spPr>
+            <p:txBody>
+              <a:bodyPr/>
+              <a:lstStyle/>
+              <a:p>
+                <a:r>
+                  <a:rPr lang="fr-FR">
+                    <a:noFill/>
+                  </a:rPr>
+                  <a:t> </a:t>
+                </a:r>
+              </a:p>
+            </p:txBody>
+          </p:sp>
+        </mc:Fallback>
+      </mc:AlternateContent>
+      <mc:AlternateContent xmlns:mc="http://schemas.openxmlformats.org/markup-compatibility/2006">
+        <mc:Choice xmlns:a14="http://schemas.microsoft.com/office/drawing/2010/main" Requires="a14">
+          <p:sp>
+            <p:nvSpPr>
+              <p:cNvPr id="70" name="Rectangle 69">
+                <a:extLst>
+                  <a:ext uri="{FF2B5EF4-FFF2-40B4-BE49-F238E27FC236}">
+                    <a16:creationId xmlns:a16="http://schemas.microsoft.com/office/drawing/2014/main" id="{5F5B433A-A6F0-4CB9-A0A6-EEB26D4BDB5D}"/>
+                  </a:ext>
+                </a:extLst>
+              </p:cNvPr>
+              <p:cNvSpPr/>
+              <p:nvPr/>
+            </p:nvSpPr>
+            <p:spPr>
+              <a:xfrm>
+                <a:off x="4406684" y="1808956"/>
+                <a:ext cx="571888" cy="307777"/>
+              </a:xfrm>
+              <a:prstGeom prst="rect">
+                <a:avLst/>
+              </a:prstGeom>
+            </p:spPr>
+            <p:txBody>
+              <a:bodyPr wrap="none">
+                <a:spAutoFit/>
+              </a:bodyPr>
+              <a:lstStyle/>
+              <a:p>
+                <a:pPr algn="ctr"/>
+                <a14:m>
+                  <m:oMathPara xmlns:m="http://schemas.openxmlformats.org/officeDocument/2006/math">
+                    <m:oMathParaPr>
+                      <m:jc m:val="centerGroup"/>
+                    </m:oMathParaPr>
+                    <m:oMath xmlns:m="http://schemas.openxmlformats.org/officeDocument/2006/math">
+                      <m:r>
+                        <a:rPr lang="fr-FR" sz="1400" b="0" i="1" smtClean="0">
+                          <a:solidFill>
+                            <a:sysClr val="windowText" lastClr="000000"/>
+                          </a:solidFill>
+                          <a:latin typeface="Cambria Math" panose="02040503050406030204" pitchFamily="18" charset="0"/>
+                        </a:rPr>
+                        <m:t>𝑆</m:t>
+                      </m:r>
+                      <m:r>
+                        <a:rPr lang="fr-FR" sz="1400" i="1">
+                          <a:solidFill>
+                            <a:sysClr val="windowText" lastClr="000000"/>
+                          </a:solidFill>
+                          <a:latin typeface="Cambria Math" panose="02040503050406030204" pitchFamily="18" charset="0"/>
+                        </a:rPr>
+                        <m:t>(</m:t>
+                      </m:r>
+                      <m:r>
+                        <a:rPr lang="fr-FR" sz="1400" i="1">
+                          <a:solidFill>
+                            <a:sysClr val="windowText" lastClr="000000"/>
+                          </a:solidFill>
+                          <a:latin typeface="Cambria Math" panose="02040503050406030204" pitchFamily="18" charset="0"/>
+                        </a:rPr>
+                        <m:t>𝑝</m:t>
+                      </m:r>
+                      <m:r>
+                        <a:rPr lang="fr-FR" sz="1400" i="1">
+                          <a:solidFill>
+                            <a:sysClr val="windowText" lastClr="000000"/>
+                          </a:solidFill>
+                          <a:latin typeface="Cambria Math" panose="02040503050406030204" pitchFamily="18" charset="0"/>
+                        </a:rPr>
+                        <m:t>)</m:t>
+                      </m:r>
+                    </m:oMath>
+                  </m:oMathPara>
+                </a14:m>
+                <a:endParaRPr lang="fr-FR" sz="1400" dirty="0">
+                  <a:solidFill>
+                    <a:sysClr val="windowText" lastClr="000000"/>
+                  </a:solidFill>
+                </a:endParaRPr>
+              </a:p>
+            </p:txBody>
+          </p:sp>
+        </mc:Choice>
+        <mc:Fallback>
+          <p:sp>
+            <p:nvSpPr>
+              <p:cNvPr id="70" name="Rectangle 69">
+                <a:extLst>
+                  <a:ext uri="{FF2B5EF4-FFF2-40B4-BE49-F238E27FC236}">
+                    <a16:creationId xmlns:a16="http://schemas.microsoft.com/office/drawing/2014/main" id="{5F5B433A-A6F0-4CB9-A0A6-EEB26D4BDB5D}"/>
+                  </a:ext>
+                </a:extLst>
+              </p:cNvPr>
+              <p:cNvSpPr>
+                <a:spLocks noRot="1" noChangeAspect="1" noMove="1" noResize="1" noEditPoints="1" noAdjustHandles="1" noChangeArrowheads="1" noChangeShapeType="1" noTextEdit="1"/>
+              </p:cNvSpPr>
+              <p:nvPr/>
+            </p:nvSpPr>
+            <p:spPr>
+              <a:xfrm>
+                <a:off x="4406684" y="1808956"/>
+                <a:ext cx="571888" cy="307777"/>
+              </a:xfrm>
+              <a:prstGeom prst="rect">
+                <a:avLst/>
+              </a:prstGeom>
+              <a:blipFill>
+                <a:blip r:embed="rId14"/>
+                <a:stretch>
+                  <a:fillRect b="-8000"/>
+                </a:stretch>
+              </a:blipFill>
+            </p:spPr>
+            <p:txBody>
+              <a:bodyPr/>
+              <a:lstStyle/>
+              <a:p>
+                <a:r>
+                  <a:rPr lang="fr-FR">
+                    <a:noFill/>
+                  </a:rPr>
+                  <a:t> </a:t>
+                </a:r>
+              </a:p>
+            </p:txBody>
+          </p:sp>
+        </mc:Fallback>
+      </mc:AlternateContent>
+    </p:spTree>
+    <p:extLst>
+      <p:ext uri="{BB962C8B-B14F-4D97-AF65-F5344CB8AC3E}">
+        <p14:creationId xmlns:p14="http://schemas.microsoft.com/office/powerpoint/2010/main" val="850702618"/>
+      </p:ext>
+    </p:extLst>
+  </p:cSld>
+  <p:clrMapOvr>
+    <a:masterClrMapping/>
+  </p:clrMapOvr>
+</p:sld>
+</file>
+
+<file path=ppt/slides/slide3.xml><?xml version="1.0" encoding="utf-8"?>
 <p:sld xmlns:a="http://schemas.openxmlformats.org/drawingml/2006/main" xmlns:r="http://schemas.openxmlformats.org/officeDocument/2006/relationships" xmlns:p="http://schemas.openxmlformats.org/presentationml/2006/main">
   <p:cSld>
     <p:spTree>
@@ -7530,7 +10242,7 @@
 </p:sld>
 </file>
 
-<file path=ppt/slides/slide3.xml><?xml version="1.0" encoding="utf-8"?>
+<file path=ppt/slides/slide4.xml><?xml version="1.0" encoding="utf-8"?>
 <p:sld xmlns:a="http://schemas.openxmlformats.org/drawingml/2006/main" xmlns:r="http://schemas.openxmlformats.org/officeDocument/2006/relationships" xmlns:p="http://schemas.openxmlformats.org/presentationml/2006/main">
   <p:cSld>
     <p:spTree>
@@ -11096,7 +13808,7 @@
 </p:sld>
 </file>
 
-<file path=ppt/slides/slide4.xml><?xml version="1.0" encoding="utf-8"?>
+<file path=ppt/slides/slide5.xml><?xml version="1.0" encoding="utf-8"?>
 <p:sld xmlns:a="http://schemas.openxmlformats.org/drawingml/2006/main" xmlns:r="http://schemas.openxmlformats.org/officeDocument/2006/relationships" xmlns:p="http://schemas.openxmlformats.org/presentationml/2006/main">
   <p:cSld>
     <p:spTree>
@@ -11983,6 +14695,66 @@
 </p:sld>
 </file>
 
+<file path=ppt/slides/slide6.xml><?xml version="1.0" encoding="utf-8"?>
+<p:sld xmlns:a="http://schemas.openxmlformats.org/drawingml/2006/main" xmlns:r="http://schemas.openxmlformats.org/officeDocument/2006/relationships" xmlns:p="http://schemas.openxmlformats.org/presentationml/2006/main">
+  <p:cSld>
+    <p:spTree>
+      <p:nvGrpSpPr>
+        <p:cNvPr id="1" name=""/>
+        <p:cNvGrpSpPr/>
+        <p:nvPr/>
+      </p:nvGrpSpPr>
+      <p:grpSpPr>
+        <a:xfrm>
+          <a:off x="0" y="0"/>
+          <a:ext cx="0" cy="0"/>
+          <a:chOff x="0" y="0"/>
+          <a:chExt cx="0" cy="0"/>
+        </a:xfrm>
+      </p:grpSpPr>
+      <p:pic>
+        <p:nvPicPr>
+          <p:cNvPr id="4" name="Image 3">
+            <a:extLst>
+              <a:ext uri="{FF2B5EF4-FFF2-40B4-BE49-F238E27FC236}">
+                <a16:creationId xmlns:a16="http://schemas.microsoft.com/office/drawing/2014/main" id="{C1EDC33B-B012-4AD5-96F5-4530A2B2677E}"/>
+              </a:ext>
+            </a:extLst>
+          </p:cNvPr>
+          <p:cNvPicPr>
+            <a:picLocks noChangeAspect="1"/>
+          </p:cNvPicPr>
+          <p:nvPr/>
+        </p:nvPicPr>
+        <p:blipFill>
+          <a:blip r:embed="rId2"/>
+          <a:stretch>
+            <a:fillRect/>
+          </a:stretch>
+        </p:blipFill>
+        <p:spPr>
+          <a:xfrm>
+            <a:off x="324480" y="287974"/>
+            <a:ext cx="11404395" cy="3826826"/>
+          </a:xfrm>
+          <a:prstGeom prst="rect">
+            <a:avLst/>
+          </a:prstGeom>
+        </p:spPr>
+      </p:pic>
+    </p:spTree>
+    <p:extLst>
+      <p:ext uri="{BB962C8B-B14F-4D97-AF65-F5344CB8AC3E}">
+        <p14:creationId xmlns:p14="http://schemas.microsoft.com/office/powerpoint/2010/main" val="3821986250"/>
+      </p:ext>
+    </p:extLst>
+  </p:cSld>
+  <p:clrMapOvr>
+    <a:masterClrMapping/>
+  </p:clrMapOvr>
+</p:sld>
+</file>
+
 <file path=ppt/theme/theme1.xml><?xml version="1.0" encoding="utf-8"?>
 <a:theme xmlns:a="http://schemas.openxmlformats.org/drawingml/2006/main" name="Thème Office">
   <a:themeElements>

--- a/Centrale_2019/images/Figures.pptx
+++ b/Centrale_2019/images/Figures.pptx
@@ -6,11 +6,13 @@
   </p:sldMasterIdLst>
   <p:sldIdLst>
     <p:sldId id="256" r:id="rId2"/>
-    <p:sldId id="260" r:id="rId3"/>
-    <p:sldId id="257" r:id="rId4"/>
-    <p:sldId id="258" r:id="rId5"/>
-    <p:sldId id="259" r:id="rId6"/>
-    <p:sldId id="261" r:id="rId7"/>
+    <p:sldId id="263" r:id="rId3"/>
+    <p:sldId id="262" r:id="rId4"/>
+    <p:sldId id="260" r:id="rId5"/>
+    <p:sldId id="257" r:id="rId6"/>
+    <p:sldId id="258" r:id="rId7"/>
+    <p:sldId id="259" r:id="rId8"/>
+    <p:sldId id="261" r:id="rId9"/>
   </p:sldIdLst>
   <p:sldSz cx="12192000" cy="6858000"/>
   <p:notesSz cx="6858000" cy="9144000"/>
@@ -264,7 +266,7 @@
           <a:p>
             <a:fld id="{A246378E-A54B-4198-9326-A950FFA5F27A}" type="datetimeFigureOut">
               <a:rPr lang="fr-FR" smtClean="0"/>
-              <a:t>09/06/2019</a:t>
+              <a:t>12/06/2019</a:t>
             </a:fld>
             <a:endParaRPr lang="fr-FR"/>
           </a:p>
@@ -462,7 +464,7 @@
           <a:p>
             <a:fld id="{A246378E-A54B-4198-9326-A950FFA5F27A}" type="datetimeFigureOut">
               <a:rPr lang="fr-FR" smtClean="0"/>
-              <a:t>09/06/2019</a:t>
+              <a:t>12/06/2019</a:t>
             </a:fld>
             <a:endParaRPr lang="fr-FR"/>
           </a:p>
@@ -670,7 +672,7 @@
           <a:p>
             <a:fld id="{A246378E-A54B-4198-9326-A950FFA5F27A}" type="datetimeFigureOut">
               <a:rPr lang="fr-FR" smtClean="0"/>
-              <a:t>09/06/2019</a:t>
+              <a:t>12/06/2019</a:t>
             </a:fld>
             <a:endParaRPr lang="fr-FR"/>
           </a:p>
@@ -868,7 +870,7 @@
           <a:p>
             <a:fld id="{A246378E-A54B-4198-9326-A950FFA5F27A}" type="datetimeFigureOut">
               <a:rPr lang="fr-FR" smtClean="0"/>
-              <a:t>09/06/2019</a:t>
+              <a:t>12/06/2019</a:t>
             </a:fld>
             <a:endParaRPr lang="fr-FR"/>
           </a:p>
@@ -1143,7 +1145,7 @@
           <a:p>
             <a:fld id="{A246378E-A54B-4198-9326-A950FFA5F27A}" type="datetimeFigureOut">
               <a:rPr lang="fr-FR" smtClean="0"/>
-              <a:t>09/06/2019</a:t>
+              <a:t>12/06/2019</a:t>
             </a:fld>
             <a:endParaRPr lang="fr-FR"/>
           </a:p>
@@ -1408,7 +1410,7 @@
           <a:p>
             <a:fld id="{A246378E-A54B-4198-9326-A950FFA5F27A}" type="datetimeFigureOut">
               <a:rPr lang="fr-FR" smtClean="0"/>
-              <a:t>09/06/2019</a:t>
+              <a:t>12/06/2019</a:t>
             </a:fld>
             <a:endParaRPr lang="fr-FR"/>
           </a:p>
@@ -1820,7 +1822,7 @@
           <a:p>
             <a:fld id="{A246378E-A54B-4198-9326-A950FFA5F27A}" type="datetimeFigureOut">
               <a:rPr lang="fr-FR" smtClean="0"/>
-              <a:t>09/06/2019</a:t>
+              <a:t>12/06/2019</a:t>
             </a:fld>
             <a:endParaRPr lang="fr-FR"/>
           </a:p>
@@ -1961,7 +1963,7 @@
           <a:p>
             <a:fld id="{A246378E-A54B-4198-9326-A950FFA5F27A}" type="datetimeFigureOut">
               <a:rPr lang="fr-FR" smtClean="0"/>
-              <a:t>09/06/2019</a:t>
+              <a:t>12/06/2019</a:t>
             </a:fld>
             <a:endParaRPr lang="fr-FR"/>
           </a:p>
@@ -2074,7 +2076,7 @@
           <a:p>
             <a:fld id="{A246378E-A54B-4198-9326-A950FFA5F27A}" type="datetimeFigureOut">
               <a:rPr lang="fr-FR" smtClean="0"/>
-              <a:t>09/06/2019</a:t>
+              <a:t>12/06/2019</a:t>
             </a:fld>
             <a:endParaRPr lang="fr-FR"/>
           </a:p>
@@ -2385,7 +2387,7 @@
           <a:p>
             <a:fld id="{A246378E-A54B-4198-9326-A950FFA5F27A}" type="datetimeFigureOut">
               <a:rPr lang="fr-FR" smtClean="0"/>
-              <a:t>09/06/2019</a:t>
+              <a:t>12/06/2019</a:t>
             </a:fld>
             <a:endParaRPr lang="fr-FR"/>
           </a:p>
@@ -2673,7 +2675,7 @@
           <a:p>
             <a:fld id="{A246378E-A54B-4198-9326-A950FFA5F27A}" type="datetimeFigureOut">
               <a:rPr lang="fr-FR" smtClean="0"/>
-              <a:t>09/06/2019</a:t>
+              <a:t>12/06/2019</a:t>
             </a:fld>
             <a:endParaRPr lang="fr-FR"/>
           </a:p>
@@ -2914,7 +2916,7 @@
           <a:p>
             <a:fld id="{A246378E-A54B-4198-9326-A950FFA5F27A}" type="datetimeFigureOut">
               <a:rPr lang="fr-FR" smtClean="0"/>
-              <a:t>09/06/2019</a:t>
+              <a:t>12/06/2019</a:t>
             </a:fld>
             <a:endParaRPr lang="fr-FR"/>
           </a:p>
@@ -3315,6 +3317,3463 @@
 </file>
 
 <file path=ppt/slides/slide1.xml><?xml version="1.0" encoding="utf-8"?>
+<p:sld xmlns:a="http://schemas.openxmlformats.org/drawingml/2006/main" xmlns:r="http://schemas.openxmlformats.org/officeDocument/2006/relationships" xmlns:p="http://schemas.openxmlformats.org/presentationml/2006/main">
+  <p:cSld>
+    <p:spTree>
+      <p:nvGrpSpPr>
+        <p:cNvPr id="1" name=""/>
+        <p:cNvGrpSpPr/>
+        <p:nvPr/>
+      </p:nvGrpSpPr>
+      <p:grpSpPr>
+        <a:xfrm>
+          <a:off x="0" y="0"/>
+          <a:ext cx="0" cy="0"/>
+          <a:chOff x="0" y="0"/>
+          <a:chExt cx="0" cy="0"/>
+        </a:xfrm>
+      </p:grpSpPr>
+      <mc:AlternateContent xmlns:mc="http://schemas.openxmlformats.org/markup-compatibility/2006">
+        <mc:Choice xmlns:a14="http://schemas.microsoft.com/office/drawing/2010/main" Requires="a14">
+          <p:sp>
+            <p:nvSpPr>
+              <p:cNvPr id="5" name="ZoneTexte 4">
+                <a:extLst>
+                  <a:ext uri="{FF2B5EF4-FFF2-40B4-BE49-F238E27FC236}">
+                    <a16:creationId xmlns:a16="http://schemas.microsoft.com/office/drawing/2014/main" id="{68662BED-764D-4F88-8AEF-80E6A4514BCC}"/>
+                  </a:ext>
+                </a:extLst>
+              </p:cNvPr>
+              <p:cNvSpPr txBox="1"/>
+              <p:nvPr/>
+            </p:nvSpPr>
+            <p:spPr>
+              <a:xfrm>
+                <a:off x="5629840" y="428523"/>
+                <a:ext cx="833120" cy="369332"/>
+              </a:xfrm>
+              <a:prstGeom prst="rect">
+                <a:avLst/>
+              </a:prstGeom>
+              <a:noFill/>
+            </p:spPr>
+            <p:txBody>
+              <a:bodyPr wrap="square" rtlCol="0">
+                <a:spAutoFit/>
+              </a:bodyPr>
+              <a:lstStyle/>
+              <a:p>
+                <a:pPr/>
+                <a14:m>
+                  <m:oMathPara xmlns:m="http://schemas.openxmlformats.org/officeDocument/2006/math">
+                    <m:oMathParaPr>
+                      <m:jc m:val="centerGroup"/>
+                    </m:oMathParaPr>
+                    <m:oMath xmlns:m="http://schemas.openxmlformats.org/officeDocument/2006/math">
+                      <m:r>
+                        <a:rPr lang="fr-FR" b="0" i="1" smtClean="0">
+                          <a:latin typeface="Cambria Math" panose="02040503050406030204" pitchFamily="18" charset="0"/>
+                        </a:rPr>
+                        <m:t>𝑍</m:t>
+                      </m:r>
+                      <m:r>
+                        <a:rPr lang="fr-FR" b="0" i="1" smtClean="0">
+                          <a:latin typeface="Cambria Math" panose="02040503050406030204" pitchFamily="18" charset="0"/>
+                        </a:rPr>
+                        <m:t>(</m:t>
+                      </m:r>
+                      <m:r>
+                        <a:rPr lang="fr-FR" b="0" i="1" smtClean="0">
+                          <a:latin typeface="Cambria Math" panose="02040503050406030204" pitchFamily="18" charset="0"/>
+                        </a:rPr>
+                        <m:t>𝑝</m:t>
+                      </m:r>
+                      <m:r>
+                        <a:rPr lang="fr-FR" b="0" i="1" smtClean="0">
+                          <a:latin typeface="Cambria Math" panose="02040503050406030204" pitchFamily="18" charset="0"/>
+                        </a:rPr>
+                        <m:t>)</m:t>
+                      </m:r>
+                    </m:oMath>
+                  </m:oMathPara>
+                </a14:m>
+                <a:endParaRPr lang="fr-FR" dirty="0"/>
+              </a:p>
+            </p:txBody>
+          </p:sp>
+        </mc:Choice>
+        <mc:Fallback>
+          <p:sp>
+            <p:nvSpPr>
+              <p:cNvPr id="5" name="ZoneTexte 4">
+                <a:extLst>
+                  <a:ext uri="{FF2B5EF4-FFF2-40B4-BE49-F238E27FC236}">
+                    <a16:creationId xmlns:a16="http://schemas.microsoft.com/office/drawing/2014/main" id="{68662BED-764D-4F88-8AEF-80E6A4514BCC}"/>
+                  </a:ext>
+                </a:extLst>
+              </p:cNvPr>
+              <p:cNvSpPr txBox="1">
+                <a:spLocks noRot="1" noChangeAspect="1" noMove="1" noResize="1" noEditPoints="1" noAdjustHandles="1" noChangeArrowheads="1" noChangeShapeType="1" noTextEdit="1"/>
+              </p:cNvSpPr>
+              <p:nvPr/>
+            </p:nvSpPr>
+            <p:spPr>
+              <a:xfrm>
+                <a:off x="5629840" y="428523"/>
+                <a:ext cx="833120" cy="369332"/>
+              </a:xfrm>
+              <a:prstGeom prst="rect">
+                <a:avLst/>
+              </a:prstGeom>
+              <a:blipFill>
+                <a:blip r:embed="rId2"/>
+                <a:stretch>
+                  <a:fillRect b="-13115"/>
+                </a:stretch>
+              </a:blipFill>
+            </p:spPr>
+            <p:txBody>
+              <a:bodyPr/>
+              <a:lstStyle/>
+              <a:p>
+                <a:r>
+                  <a:rPr lang="fr-FR">
+                    <a:noFill/>
+                  </a:rPr>
+                  <a:t> </a:t>
+                </a:r>
+              </a:p>
+            </p:txBody>
+          </p:sp>
+        </mc:Fallback>
+      </mc:AlternateContent>
+      <p:sp>
+        <p:nvSpPr>
+          <p:cNvPr id="8" name="Organigramme : Jonction de sommaire 7">
+            <a:extLst>
+              <a:ext uri="{FF2B5EF4-FFF2-40B4-BE49-F238E27FC236}">
+                <a16:creationId xmlns:a16="http://schemas.microsoft.com/office/drawing/2014/main" id="{EA319DA2-A06F-4A4E-8910-688B79782223}"/>
+              </a:ext>
+            </a:extLst>
+          </p:cNvPr>
+          <p:cNvSpPr/>
+          <p:nvPr/>
+        </p:nvSpPr>
+        <p:spPr>
+          <a:xfrm>
+            <a:off x="3789680" y="1861314"/>
+            <a:ext cx="284480" cy="284480"/>
+          </a:xfrm>
+          <a:prstGeom prst="flowChartSummingJunction">
+            <a:avLst/>
+          </a:prstGeom>
+          <a:noFill/>
+          <a:ln w="19050">
+            <a:solidFill>
+              <a:schemeClr val="tx1"/>
+            </a:solidFill>
+          </a:ln>
+        </p:spPr>
+        <p:style>
+          <a:lnRef idx="2">
+            <a:schemeClr val="accent1">
+              <a:shade val="50000"/>
+            </a:schemeClr>
+          </a:lnRef>
+          <a:fillRef idx="1">
+            <a:schemeClr val="accent1"/>
+          </a:fillRef>
+          <a:effectRef idx="0">
+            <a:schemeClr val="accent1"/>
+          </a:effectRef>
+          <a:fontRef idx="minor">
+            <a:schemeClr val="lt1"/>
+          </a:fontRef>
+        </p:style>
+        <p:txBody>
+          <a:bodyPr rot="0" spcFirstLastPara="0" vertOverflow="overflow" horzOverflow="overflow" vert="horz" wrap="square" lIns="91440" tIns="45720" rIns="91440" bIns="45720" numCol="1" spcCol="0" rtlCol="0" fromWordArt="0" anchor="ctr" anchorCtr="0" forceAA="0" compatLnSpc="1">
+            <a:prstTxWarp prst="textNoShape">
+              <a:avLst/>
+            </a:prstTxWarp>
+            <a:noAutofit/>
+          </a:bodyPr>
+          <a:lstStyle/>
+          <a:p>
+            <a:pPr algn="ctr"/>
+            <a:endParaRPr lang="fr-FR" i="1">
+              <a:solidFill>
+                <a:sysClr val="windowText" lastClr="000000"/>
+              </a:solidFill>
+              <a:latin typeface="Cambria Math" panose="02040503050406030204" pitchFamily="18" charset="0"/>
+            </a:endParaRPr>
+          </a:p>
+        </p:txBody>
+      </p:sp>
+      <p:cxnSp>
+        <p:nvCxnSpPr>
+          <p:cNvPr id="13" name="Connecteur droit avec flèche 12">
+            <a:extLst>
+              <a:ext uri="{FF2B5EF4-FFF2-40B4-BE49-F238E27FC236}">
+                <a16:creationId xmlns:a16="http://schemas.microsoft.com/office/drawing/2014/main" id="{B3379A41-FEFE-4DAE-B449-22DEB28D226C}"/>
+              </a:ext>
+            </a:extLst>
+          </p:cNvPr>
+          <p:cNvCxnSpPr>
+            <a:cxnSpLocks/>
+          </p:cNvCxnSpPr>
+          <p:nvPr/>
+        </p:nvCxnSpPr>
+        <p:spPr>
+          <a:xfrm flipV="1">
+            <a:off x="5656200" y="856520"/>
+            <a:ext cx="576000" cy="1"/>
+          </a:xfrm>
+          <a:prstGeom prst="straightConnector1">
+            <a:avLst/>
+          </a:prstGeom>
+          <a:ln w="19050">
+            <a:solidFill>
+              <a:schemeClr val="tx1"/>
+            </a:solidFill>
+            <a:tailEnd type="stealth" w="med" len="lg"/>
+          </a:ln>
+        </p:spPr>
+        <p:style>
+          <a:lnRef idx="1">
+            <a:schemeClr val="accent1"/>
+          </a:lnRef>
+          <a:fillRef idx="0">
+            <a:schemeClr val="accent1"/>
+          </a:fillRef>
+          <a:effectRef idx="0">
+            <a:schemeClr val="accent1"/>
+          </a:effectRef>
+          <a:fontRef idx="minor">
+            <a:schemeClr val="tx1"/>
+          </a:fontRef>
+        </p:style>
+      </p:cxnSp>
+      <mc:AlternateContent xmlns:mc="http://schemas.openxmlformats.org/markup-compatibility/2006">
+        <mc:Choice xmlns:a14="http://schemas.microsoft.com/office/drawing/2010/main" Requires="a14">
+          <p:sp>
+            <p:nvSpPr>
+              <p:cNvPr id="32" name="ZoneTexte 31">
+                <a:extLst>
+                  <a:ext uri="{FF2B5EF4-FFF2-40B4-BE49-F238E27FC236}">
+                    <a16:creationId xmlns:a16="http://schemas.microsoft.com/office/drawing/2014/main" id="{D430DA05-2764-4805-90CD-26AE11346CAE}"/>
+                  </a:ext>
+                </a:extLst>
+              </p:cNvPr>
+              <p:cNvSpPr txBox="1"/>
+              <p:nvPr/>
+            </p:nvSpPr>
+            <p:spPr>
+              <a:xfrm>
+                <a:off x="3901440" y="428523"/>
+                <a:ext cx="833120" cy="369332"/>
+              </a:xfrm>
+              <a:prstGeom prst="rect">
+                <a:avLst/>
+              </a:prstGeom>
+              <a:noFill/>
+            </p:spPr>
+            <p:txBody>
+              <a:bodyPr wrap="square" rtlCol="0">
+                <a:spAutoFit/>
+              </a:bodyPr>
+              <a:lstStyle/>
+              <a:p>
+                <a:pPr/>
+                <a14:m>
+                  <m:oMathPara xmlns:m="http://schemas.openxmlformats.org/officeDocument/2006/math">
+                    <m:oMathParaPr>
+                      <m:jc m:val="centerGroup"/>
+                    </m:oMathParaPr>
+                    <m:oMath xmlns:m="http://schemas.openxmlformats.org/officeDocument/2006/math">
+                      <m:sSup>
+                        <m:sSupPr>
+                          <m:ctrlPr>
+                            <a:rPr lang="fr-FR" b="0" i="1" smtClean="0">
+                              <a:latin typeface="Cambria Math" panose="02040503050406030204" pitchFamily="18" charset="0"/>
+                            </a:rPr>
+                          </m:ctrlPr>
+                        </m:sSupPr>
+                        <m:e>
+                          <m:r>
+                            <a:rPr lang="fr-FR" b="0" i="1" smtClean="0">
+                              <a:latin typeface="Cambria Math" panose="02040503050406030204" pitchFamily="18" charset="0"/>
+                            </a:rPr>
+                            <m:t>𝑍</m:t>
+                          </m:r>
+                        </m:e>
+                        <m:sup>
+                          <m:r>
+                            <a:rPr lang="fr-FR" b="0" i="1" smtClean="0">
+                              <a:latin typeface="Cambria Math" panose="02040503050406030204" pitchFamily="18" charset="0"/>
+                            </a:rPr>
+                            <m:t>∗</m:t>
+                          </m:r>
+                        </m:sup>
+                      </m:sSup>
+                      <m:r>
+                        <a:rPr lang="fr-FR" b="0" i="1" smtClean="0">
+                          <a:latin typeface="Cambria Math" panose="02040503050406030204" pitchFamily="18" charset="0"/>
+                        </a:rPr>
+                        <m:t>(</m:t>
+                      </m:r>
+                      <m:r>
+                        <a:rPr lang="fr-FR" b="0" i="1" smtClean="0">
+                          <a:latin typeface="Cambria Math" panose="02040503050406030204" pitchFamily="18" charset="0"/>
+                        </a:rPr>
+                        <m:t>𝑝</m:t>
+                      </m:r>
+                      <m:r>
+                        <a:rPr lang="fr-FR" b="0" i="1" smtClean="0">
+                          <a:latin typeface="Cambria Math" panose="02040503050406030204" pitchFamily="18" charset="0"/>
+                        </a:rPr>
+                        <m:t>)</m:t>
+                      </m:r>
+                    </m:oMath>
+                  </m:oMathPara>
+                </a14:m>
+                <a:endParaRPr lang="fr-FR" dirty="0"/>
+              </a:p>
+            </p:txBody>
+          </p:sp>
+        </mc:Choice>
+        <mc:Fallback>
+          <p:sp>
+            <p:nvSpPr>
+              <p:cNvPr id="32" name="ZoneTexte 31">
+                <a:extLst>
+                  <a:ext uri="{FF2B5EF4-FFF2-40B4-BE49-F238E27FC236}">
+                    <a16:creationId xmlns:a16="http://schemas.microsoft.com/office/drawing/2014/main" id="{D430DA05-2764-4805-90CD-26AE11346CAE}"/>
+                  </a:ext>
+                </a:extLst>
+              </p:cNvPr>
+              <p:cNvSpPr txBox="1">
+                <a:spLocks noRot="1" noChangeAspect="1" noMove="1" noResize="1" noEditPoints="1" noAdjustHandles="1" noChangeArrowheads="1" noChangeShapeType="1" noTextEdit="1"/>
+              </p:cNvSpPr>
+              <p:nvPr/>
+            </p:nvSpPr>
+            <p:spPr>
+              <a:xfrm>
+                <a:off x="3901440" y="428523"/>
+                <a:ext cx="833120" cy="369332"/>
+              </a:xfrm>
+              <a:prstGeom prst="rect">
+                <a:avLst/>
+              </a:prstGeom>
+              <a:blipFill>
+                <a:blip r:embed="rId3"/>
+                <a:stretch>
+                  <a:fillRect b="-13115"/>
+                </a:stretch>
+              </a:blipFill>
+            </p:spPr>
+            <p:txBody>
+              <a:bodyPr/>
+              <a:lstStyle/>
+              <a:p>
+                <a:r>
+                  <a:rPr lang="fr-FR">
+                    <a:noFill/>
+                  </a:rPr>
+                  <a:t> </a:t>
+                </a:r>
+              </a:p>
+            </p:txBody>
+          </p:sp>
+        </mc:Fallback>
+      </mc:AlternateContent>
+      <mc:AlternateContent xmlns:mc="http://schemas.openxmlformats.org/markup-compatibility/2006">
+        <mc:Choice xmlns:a14="http://schemas.microsoft.com/office/drawing/2010/main" Requires="a14">
+          <p:sp>
+            <p:nvSpPr>
+              <p:cNvPr id="33" name="ZoneTexte 32">
+                <a:extLst>
+                  <a:ext uri="{FF2B5EF4-FFF2-40B4-BE49-F238E27FC236}">
+                    <a16:creationId xmlns:a16="http://schemas.microsoft.com/office/drawing/2014/main" id="{0D294B8E-8756-41F5-92E4-1233D24591FF}"/>
+                  </a:ext>
+                </a:extLst>
+              </p:cNvPr>
+              <p:cNvSpPr txBox="1"/>
+              <p:nvPr/>
+            </p:nvSpPr>
+            <p:spPr>
+              <a:xfrm>
+                <a:off x="3870960" y="1579388"/>
+                <a:ext cx="833120" cy="369332"/>
+              </a:xfrm>
+              <a:prstGeom prst="rect">
+                <a:avLst/>
+              </a:prstGeom>
+              <a:noFill/>
+            </p:spPr>
+            <p:txBody>
+              <a:bodyPr wrap="square" rtlCol="0">
+                <a:spAutoFit/>
+              </a:bodyPr>
+              <a:lstStyle/>
+              <a:p>
+                <a:pPr/>
+                <a14:m>
+                  <m:oMathPara xmlns:m="http://schemas.openxmlformats.org/officeDocument/2006/math">
+                    <m:oMathParaPr>
+                      <m:jc m:val="centerGroup"/>
+                    </m:oMathParaPr>
+                    <m:oMath xmlns:m="http://schemas.openxmlformats.org/officeDocument/2006/math">
+                      <m:r>
+                        <a:rPr lang="fr-FR" b="0" i="1" smtClean="0">
+                          <a:latin typeface="Cambria Math" panose="02040503050406030204" pitchFamily="18" charset="0"/>
+                        </a:rPr>
+                        <m:t>𝜀</m:t>
+                      </m:r>
+                      <m:r>
+                        <a:rPr lang="fr-FR" b="0" i="1" smtClean="0">
+                          <a:latin typeface="Cambria Math" panose="02040503050406030204" pitchFamily="18" charset="0"/>
+                        </a:rPr>
+                        <m:t>(</m:t>
+                      </m:r>
+                      <m:r>
+                        <a:rPr lang="fr-FR" b="0" i="1" smtClean="0">
+                          <a:latin typeface="Cambria Math" panose="02040503050406030204" pitchFamily="18" charset="0"/>
+                        </a:rPr>
+                        <m:t>𝑝</m:t>
+                      </m:r>
+                      <m:r>
+                        <a:rPr lang="fr-FR" b="0" i="1" smtClean="0">
+                          <a:latin typeface="Cambria Math" panose="02040503050406030204" pitchFamily="18" charset="0"/>
+                        </a:rPr>
+                        <m:t>)</m:t>
+                      </m:r>
+                    </m:oMath>
+                  </m:oMathPara>
+                </a14:m>
+                <a:endParaRPr lang="fr-FR" dirty="0"/>
+              </a:p>
+            </p:txBody>
+          </p:sp>
+        </mc:Choice>
+        <mc:Fallback>
+          <p:sp>
+            <p:nvSpPr>
+              <p:cNvPr id="33" name="ZoneTexte 32">
+                <a:extLst>
+                  <a:ext uri="{FF2B5EF4-FFF2-40B4-BE49-F238E27FC236}">
+                    <a16:creationId xmlns:a16="http://schemas.microsoft.com/office/drawing/2014/main" id="{0D294B8E-8756-41F5-92E4-1233D24591FF}"/>
+                  </a:ext>
+                </a:extLst>
+              </p:cNvPr>
+              <p:cNvSpPr txBox="1">
+                <a:spLocks noRot="1" noChangeAspect="1" noMove="1" noResize="1" noEditPoints="1" noAdjustHandles="1" noChangeArrowheads="1" noChangeShapeType="1" noTextEdit="1"/>
+              </p:cNvSpPr>
+              <p:nvPr/>
+            </p:nvSpPr>
+            <p:spPr>
+              <a:xfrm>
+                <a:off x="3870960" y="1579388"/>
+                <a:ext cx="833120" cy="369332"/>
+              </a:xfrm>
+              <a:prstGeom prst="rect">
+                <a:avLst/>
+              </a:prstGeom>
+              <a:blipFill>
+                <a:blip r:embed="rId4"/>
+                <a:stretch>
+                  <a:fillRect b="-13115"/>
+                </a:stretch>
+              </a:blipFill>
+            </p:spPr>
+            <p:txBody>
+              <a:bodyPr/>
+              <a:lstStyle/>
+              <a:p>
+                <a:r>
+                  <a:rPr lang="fr-FR">
+                    <a:noFill/>
+                  </a:rPr>
+                  <a:t> </a:t>
+                </a:r>
+              </a:p>
+            </p:txBody>
+          </p:sp>
+        </mc:Fallback>
+      </mc:AlternateContent>
+      <p:cxnSp>
+        <p:nvCxnSpPr>
+          <p:cNvPr id="34" name="Connecteur droit avec flèche 33">
+            <a:extLst>
+              <a:ext uri="{FF2B5EF4-FFF2-40B4-BE49-F238E27FC236}">
+                <a16:creationId xmlns:a16="http://schemas.microsoft.com/office/drawing/2014/main" id="{4A01C9B3-CC6B-4922-A301-33D58D0E481E}"/>
+              </a:ext>
+            </a:extLst>
+          </p:cNvPr>
+          <p:cNvCxnSpPr>
+            <a:cxnSpLocks/>
+            <a:stCxn id="24" idx="1"/>
+          </p:cNvCxnSpPr>
+          <p:nvPr/>
+        </p:nvCxnSpPr>
+        <p:spPr>
+          <a:xfrm flipH="1" flipV="1">
+            <a:off x="3931919" y="2707575"/>
+            <a:ext cx="714321" cy="0"/>
+          </a:xfrm>
+          <a:prstGeom prst="straightConnector1">
+            <a:avLst/>
+          </a:prstGeom>
+          <a:ln w="19050">
+            <a:solidFill>
+              <a:schemeClr val="tx1"/>
+            </a:solidFill>
+            <a:tailEnd type="none" w="med" len="lg"/>
+          </a:ln>
+        </p:spPr>
+        <p:style>
+          <a:lnRef idx="1">
+            <a:schemeClr val="accent1"/>
+          </a:lnRef>
+          <a:fillRef idx="0">
+            <a:schemeClr val="accent1"/>
+          </a:fillRef>
+          <a:effectRef idx="0">
+            <a:schemeClr val="accent1"/>
+          </a:effectRef>
+          <a:fontRef idx="minor">
+            <a:schemeClr val="tx1"/>
+          </a:fontRef>
+        </p:style>
+      </p:cxnSp>
+      <mc:AlternateContent xmlns:mc="http://schemas.openxmlformats.org/markup-compatibility/2006">
+        <mc:Choice xmlns:a14="http://schemas.microsoft.com/office/drawing/2010/main" Requires="a14">
+          <p:sp>
+            <p:nvSpPr>
+              <p:cNvPr id="16" name="Rectangle 15">
+                <a:extLst>
+                  <a:ext uri="{FF2B5EF4-FFF2-40B4-BE49-F238E27FC236}">
+                    <a16:creationId xmlns:a16="http://schemas.microsoft.com/office/drawing/2014/main" id="{664AEFA6-8DFF-45A2-BA2A-09E2BF7D253F}"/>
+                  </a:ext>
+                </a:extLst>
+              </p:cNvPr>
+              <p:cNvSpPr/>
+              <p:nvPr/>
+            </p:nvSpPr>
+            <p:spPr>
+              <a:xfrm>
+                <a:off x="4648200" y="604520"/>
+                <a:ext cx="1008000" cy="504000"/>
+              </a:xfrm>
+              <a:prstGeom prst="rect">
+                <a:avLst/>
+              </a:prstGeom>
+              <a:noFill/>
+              <a:ln w="19050">
+                <a:solidFill>
+                  <a:schemeClr val="tx1"/>
+                </a:solidFill>
+              </a:ln>
+            </p:spPr>
+            <p:style>
+              <a:lnRef idx="2">
+                <a:schemeClr val="accent1">
+                  <a:shade val="50000"/>
+                </a:schemeClr>
+              </a:lnRef>
+              <a:fillRef idx="1">
+                <a:schemeClr val="accent1"/>
+              </a:fillRef>
+              <a:effectRef idx="0">
+                <a:schemeClr val="accent1"/>
+              </a:effectRef>
+              <a:fontRef idx="minor">
+                <a:schemeClr val="lt1"/>
+              </a:fontRef>
+            </p:style>
+            <p:txBody>
+              <a:bodyPr rtlCol="0" anchor="ctr"/>
+              <a:lstStyle/>
+              <a:p>
+                <a:pPr algn="ctr"/>
+                <a14:m>
+                  <m:oMathPara xmlns:m="http://schemas.openxmlformats.org/officeDocument/2006/math">
+                    <m:oMathParaPr>
+                      <m:jc m:val="centerGroup"/>
+                    </m:oMathParaPr>
+                    <m:oMath xmlns:m="http://schemas.openxmlformats.org/officeDocument/2006/math">
+                      <m:r>
+                        <a:rPr lang="fr-FR" b="0" i="1" smtClean="0">
+                          <a:solidFill>
+                            <a:sysClr val="windowText" lastClr="000000"/>
+                          </a:solidFill>
+                          <a:latin typeface="Cambria Math" panose="02040503050406030204" pitchFamily="18" charset="0"/>
+                        </a:rPr>
+                        <m:t>𝐹</m:t>
+                      </m:r>
+                      <m:r>
+                        <a:rPr lang="fr-FR" b="0" i="1" smtClean="0">
+                          <a:solidFill>
+                            <a:sysClr val="windowText" lastClr="000000"/>
+                          </a:solidFill>
+                          <a:latin typeface="Cambria Math" panose="02040503050406030204" pitchFamily="18" charset="0"/>
+                        </a:rPr>
+                        <m:t>(</m:t>
+                      </m:r>
+                      <m:r>
+                        <a:rPr lang="fr-FR" b="0" i="1" smtClean="0">
+                          <a:solidFill>
+                            <a:sysClr val="windowText" lastClr="000000"/>
+                          </a:solidFill>
+                          <a:latin typeface="Cambria Math" panose="02040503050406030204" pitchFamily="18" charset="0"/>
+                        </a:rPr>
+                        <m:t>𝑝</m:t>
+                      </m:r>
+                      <m:r>
+                        <a:rPr lang="fr-FR" b="0" i="1" smtClean="0">
+                          <a:solidFill>
+                            <a:sysClr val="windowText" lastClr="000000"/>
+                          </a:solidFill>
+                          <a:latin typeface="Cambria Math" panose="02040503050406030204" pitchFamily="18" charset="0"/>
+                        </a:rPr>
+                        <m:t>)</m:t>
+                      </m:r>
+                    </m:oMath>
+                  </m:oMathPara>
+                </a14:m>
+                <a:endParaRPr lang="fr-FR" dirty="0">
+                  <a:solidFill>
+                    <a:sysClr val="windowText" lastClr="000000"/>
+                  </a:solidFill>
+                </a:endParaRPr>
+              </a:p>
+            </p:txBody>
+          </p:sp>
+        </mc:Choice>
+        <mc:Fallback>
+          <p:sp>
+            <p:nvSpPr>
+              <p:cNvPr id="16" name="Rectangle 15">
+                <a:extLst>
+                  <a:ext uri="{FF2B5EF4-FFF2-40B4-BE49-F238E27FC236}">
+                    <a16:creationId xmlns:a16="http://schemas.microsoft.com/office/drawing/2014/main" id="{664AEFA6-8DFF-45A2-BA2A-09E2BF7D253F}"/>
+                  </a:ext>
+                </a:extLst>
+              </p:cNvPr>
+              <p:cNvSpPr>
+                <a:spLocks noRot="1" noChangeAspect="1" noMove="1" noResize="1" noEditPoints="1" noAdjustHandles="1" noChangeArrowheads="1" noChangeShapeType="1" noTextEdit="1"/>
+              </p:cNvSpPr>
+              <p:nvPr/>
+            </p:nvSpPr>
+            <p:spPr>
+              <a:xfrm>
+                <a:off x="4648200" y="604520"/>
+                <a:ext cx="1008000" cy="504000"/>
+              </a:xfrm>
+              <a:prstGeom prst="rect">
+                <a:avLst/>
+              </a:prstGeom>
+              <a:blipFill>
+                <a:blip r:embed="rId5"/>
+                <a:stretch>
+                  <a:fillRect/>
+                </a:stretch>
+              </a:blipFill>
+              <a:ln w="19050">
+                <a:solidFill>
+                  <a:schemeClr val="tx1"/>
+                </a:solidFill>
+              </a:ln>
+            </p:spPr>
+            <p:txBody>
+              <a:bodyPr/>
+              <a:lstStyle/>
+              <a:p>
+                <a:r>
+                  <a:rPr lang="fr-FR">
+                    <a:noFill/>
+                  </a:rPr>
+                  <a:t> </a:t>
+                </a:r>
+              </a:p>
+            </p:txBody>
+          </p:sp>
+        </mc:Fallback>
+      </mc:AlternateContent>
+      <p:cxnSp>
+        <p:nvCxnSpPr>
+          <p:cNvPr id="17" name="Connecteur droit avec flèche 16">
+            <a:extLst>
+              <a:ext uri="{FF2B5EF4-FFF2-40B4-BE49-F238E27FC236}">
+                <a16:creationId xmlns:a16="http://schemas.microsoft.com/office/drawing/2014/main" id="{F09E2F0B-6802-4BA6-9759-DB5AED324EFB}"/>
+              </a:ext>
+            </a:extLst>
+          </p:cNvPr>
+          <p:cNvCxnSpPr>
+            <a:cxnSpLocks/>
+          </p:cNvCxnSpPr>
+          <p:nvPr/>
+        </p:nvCxnSpPr>
+        <p:spPr>
+          <a:xfrm flipV="1">
+            <a:off x="4072200" y="856520"/>
+            <a:ext cx="576000" cy="1"/>
+          </a:xfrm>
+          <a:prstGeom prst="straightConnector1">
+            <a:avLst/>
+          </a:prstGeom>
+          <a:ln w="19050">
+            <a:solidFill>
+              <a:schemeClr val="tx1"/>
+            </a:solidFill>
+            <a:tailEnd type="stealth" w="med" len="lg"/>
+          </a:ln>
+        </p:spPr>
+        <p:style>
+          <a:lnRef idx="1">
+            <a:schemeClr val="accent1"/>
+          </a:lnRef>
+          <a:fillRef idx="0">
+            <a:schemeClr val="accent1"/>
+          </a:fillRef>
+          <a:effectRef idx="0">
+            <a:schemeClr val="accent1"/>
+          </a:effectRef>
+          <a:fontRef idx="minor">
+            <a:schemeClr val="tx1"/>
+          </a:fontRef>
+        </p:style>
+      </p:cxnSp>
+      <mc:AlternateContent xmlns:mc="http://schemas.openxmlformats.org/markup-compatibility/2006">
+        <mc:Choice xmlns:a14="http://schemas.microsoft.com/office/drawing/2010/main" Requires="a14">
+          <p:sp>
+            <p:nvSpPr>
+              <p:cNvPr id="18" name="Rectangle 17">
+                <a:extLst>
+                  <a:ext uri="{FF2B5EF4-FFF2-40B4-BE49-F238E27FC236}">
+                    <a16:creationId xmlns:a16="http://schemas.microsoft.com/office/drawing/2014/main" id="{F438D336-55D5-4957-9807-D8E211FC19EE}"/>
+                  </a:ext>
+                </a:extLst>
+              </p:cNvPr>
+              <p:cNvSpPr/>
+              <p:nvPr/>
+            </p:nvSpPr>
+            <p:spPr>
+              <a:xfrm>
+                <a:off x="4648200" y="1748474"/>
+                <a:ext cx="1008000" cy="504000"/>
+              </a:xfrm>
+              <a:prstGeom prst="rect">
+                <a:avLst/>
+              </a:prstGeom>
+              <a:noFill/>
+              <a:ln w="19050">
+                <a:solidFill>
+                  <a:schemeClr val="tx1"/>
+                </a:solidFill>
+              </a:ln>
+            </p:spPr>
+            <p:style>
+              <a:lnRef idx="2">
+                <a:schemeClr val="accent1">
+                  <a:shade val="50000"/>
+                </a:schemeClr>
+              </a:lnRef>
+              <a:fillRef idx="1">
+                <a:schemeClr val="accent1"/>
+              </a:fillRef>
+              <a:effectRef idx="0">
+                <a:schemeClr val="accent1"/>
+              </a:effectRef>
+              <a:fontRef idx="minor">
+                <a:schemeClr val="lt1"/>
+              </a:fontRef>
+            </p:style>
+            <p:txBody>
+              <a:bodyPr rtlCol="0" anchor="ctr"/>
+              <a:lstStyle/>
+              <a:p>
+                <a:pPr algn="ctr"/>
+                <a14:m>
+                  <m:oMathPara xmlns:m="http://schemas.openxmlformats.org/officeDocument/2006/math">
+                    <m:oMathParaPr>
+                      <m:jc m:val="centerGroup"/>
+                    </m:oMathParaPr>
+                    <m:oMath xmlns:m="http://schemas.openxmlformats.org/officeDocument/2006/math">
+                      <m:r>
+                        <a:rPr lang="fr-FR" b="0" i="1" smtClean="0">
+                          <a:solidFill>
+                            <a:sysClr val="windowText" lastClr="000000"/>
+                          </a:solidFill>
+                          <a:latin typeface="Cambria Math" panose="02040503050406030204" pitchFamily="18" charset="0"/>
+                        </a:rPr>
+                        <m:t>𝐴</m:t>
+                      </m:r>
+                      <m:r>
+                        <a:rPr lang="fr-FR" b="0" i="1" smtClean="0">
+                          <a:solidFill>
+                            <a:sysClr val="windowText" lastClr="000000"/>
+                          </a:solidFill>
+                          <a:latin typeface="Cambria Math" panose="02040503050406030204" pitchFamily="18" charset="0"/>
+                        </a:rPr>
+                        <m:t>(</m:t>
+                      </m:r>
+                      <m:r>
+                        <a:rPr lang="fr-FR" b="0" i="1" smtClean="0">
+                          <a:solidFill>
+                            <a:sysClr val="windowText" lastClr="000000"/>
+                          </a:solidFill>
+                          <a:latin typeface="Cambria Math" panose="02040503050406030204" pitchFamily="18" charset="0"/>
+                        </a:rPr>
+                        <m:t>𝑝</m:t>
+                      </m:r>
+                      <m:r>
+                        <a:rPr lang="fr-FR" b="0" i="1" smtClean="0">
+                          <a:solidFill>
+                            <a:sysClr val="windowText" lastClr="000000"/>
+                          </a:solidFill>
+                          <a:latin typeface="Cambria Math" panose="02040503050406030204" pitchFamily="18" charset="0"/>
+                        </a:rPr>
+                        <m:t>)</m:t>
+                      </m:r>
+                    </m:oMath>
+                  </m:oMathPara>
+                </a14:m>
+                <a:endParaRPr lang="fr-FR" dirty="0">
+                  <a:solidFill>
+                    <a:sysClr val="windowText" lastClr="000000"/>
+                  </a:solidFill>
+                </a:endParaRPr>
+              </a:p>
+            </p:txBody>
+          </p:sp>
+        </mc:Choice>
+        <mc:Fallback>
+          <p:sp>
+            <p:nvSpPr>
+              <p:cNvPr id="18" name="Rectangle 17">
+                <a:extLst>
+                  <a:ext uri="{FF2B5EF4-FFF2-40B4-BE49-F238E27FC236}">
+                    <a16:creationId xmlns:a16="http://schemas.microsoft.com/office/drawing/2014/main" id="{F438D336-55D5-4957-9807-D8E211FC19EE}"/>
+                  </a:ext>
+                </a:extLst>
+              </p:cNvPr>
+              <p:cNvSpPr>
+                <a:spLocks noRot="1" noChangeAspect="1" noMove="1" noResize="1" noEditPoints="1" noAdjustHandles="1" noChangeArrowheads="1" noChangeShapeType="1" noTextEdit="1"/>
+              </p:cNvSpPr>
+              <p:nvPr/>
+            </p:nvSpPr>
+            <p:spPr>
+              <a:xfrm>
+                <a:off x="4648200" y="1748474"/>
+                <a:ext cx="1008000" cy="504000"/>
+              </a:xfrm>
+              <a:prstGeom prst="rect">
+                <a:avLst/>
+              </a:prstGeom>
+              <a:blipFill>
+                <a:blip r:embed="rId6"/>
+                <a:stretch>
+                  <a:fillRect/>
+                </a:stretch>
+              </a:blipFill>
+              <a:ln w="19050">
+                <a:solidFill>
+                  <a:schemeClr val="tx1"/>
+                </a:solidFill>
+              </a:ln>
+            </p:spPr>
+            <p:txBody>
+              <a:bodyPr/>
+              <a:lstStyle/>
+              <a:p>
+                <a:r>
+                  <a:rPr lang="fr-FR">
+                    <a:noFill/>
+                  </a:rPr>
+                  <a:t> </a:t>
+                </a:r>
+              </a:p>
+            </p:txBody>
+          </p:sp>
+        </mc:Fallback>
+      </mc:AlternateContent>
+      <p:cxnSp>
+        <p:nvCxnSpPr>
+          <p:cNvPr id="19" name="Connecteur droit avec flèche 18">
+            <a:extLst>
+              <a:ext uri="{FF2B5EF4-FFF2-40B4-BE49-F238E27FC236}">
+                <a16:creationId xmlns:a16="http://schemas.microsoft.com/office/drawing/2014/main" id="{7D0AF3B2-F9DA-422F-A70E-BEF9431DBF72}"/>
+              </a:ext>
+            </a:extLst>
+          </p:cNvPr>
+          <p:cNvCxnSpPr>
+            <a:cxnSpLocks/>
+          </p:cNvCxnSpPr>
+          <p:nvPr/>
+        </p:nvCxnSpPr>
+        <p:spPr>
+          <a:xfrm flipV="1">
+            <a:off x="4072200" y="2003554"/>
+            <a:ext cx="576000" cy="1"/>
+          </a:xfrm>
+          <a:prstGeom prst="straightConnector1">
+            <a:avLst/>
+          </a:prstGeom>
+          <a:ln w="19050">
+            <a:solidFill>
+              <a:schemeClr val="tx1"/>
+            </a:solidFill>
+            <a:tailEnd type="stealth" w="med" len="lg"/>
+          </a:ln>
+        </p:spPr>
+        <p:style>
+          <a:lnRef idx="1">
+            <a:schemeClr val="accent1"/>
+          </a:lnRef>
+          <a:fillRef idx="0">
+            <a:schemeClr val="accent1"/>
+          </a:fillRef>
+          <a:effectRef idx="0">
+            <a:schemeClr val="accent1"/>
+          </a:effectRef>
+          <a:fontRef idx="minor">
+            <a:schemeClr val="tx1"/>
+          </a:fontRef>
+        </p:style>
+      </p:cxnSp>
+      <mc:AlternateContent xmlns:mc="http://schemas.openxmlformats.org/markup-compatibility/2006">
+        <mc:Choice xmlns:a14="http://schemas.microsoft.com/office/drawing/2010/main" Requires="a14">
+          <p:sp>
+            <p:nvSpPr>
+              <p:cNvPr id="20" name="ZoneTexte 19">
+                <a:extLst>
+                  <a:ext uri="{FF2B5EF4-FFF2-40B4-BE49-F238E27FC236}">
+                    <a16:creationId xmlns:a16="http://schemas.microsoft.com/office/drawing/2014/main" id="{F0E7BA49-E3F7-437D-A652-60FDC3579028}"/>
+                  </a:ext>
+                </a:extLst>
+              </p:cNvPr>
+              <p:cNvSpPr txBox="1"/>
+              <p:nvPr/>
+            </p:nvSpPr>
+            <p:spPr>
+              <a:xfrm>
+                <a:off x="3012440" y="1569871"/>
+                <a:ext cx="833120" cy="369332"/>
+              </a:xfrm>
+              <a:prstGeom prst="rect">
+                <a:avLst/>
+              </a:prstGeom>
+              <a:noFill/>
+            </p:spPr>
+            <p:txBody>
+              <a:bodyPr wrap="square" rtlCol="0">
+                <a:spAutoFit/>
+              </a:bodyPr>
+              <a:lstStyle/>
+              <a:p>
+                <a:pPr/>
+                <a14:m>
+                  <m:oMathPara xmlns:m="http://schemas.openxmlformats.org/officeDocument/2006/math">
+                    <m:oMathParaPr>
+                      <m:jc m:val="centerGroup"/>
+                    </m:oMathParaPr>
+                    <m:oMath xmlns:m="http://schemas.openxmlformats.org/officeDocument/2006/math">
+                      <m:sSup>
+                        <m:sSupPr>
+                          <m:ctrlPr>
+                            <a:rPr lang="fr-FR" b="0" i="1" smtClean="0">
+                              <a:latin typeface="Cambria Math" panose="02040503050406030204" pitchFamily="18" charset="0"/>
+                            </a:rPr>
+                          </m:ctrlPr>
+                        </m:sSupPr>
+                        <m:e>
+                          <m:r>
+                            <a:rPr lang="fr-FR" b="0" i="1" smtClean="0">
+                              <a:latin typeface="Cambria Math" panose="02040503050406030204" pitchFamily="18" charset="0"/>
+                            </a:rPr>
+                            <m:t>𝑍</m:t>
+                          </m:r>
+                        </m:e>
+                        <m:sup>
+                          <m:r>
+                            <a:rPr lang="fr-FR" b="0" i="1" smtClean="0">
+                              <a:latin typeface="Cambria Math" panose="02040503050406030204" pitchFamily="18" charset="0"/>
+                            </a:rPr>
+                            <m:t>∗</m:t>
+                          </m:r>
+                        </m:sup>
+                      </m:sSup>
+                      <m:r>
+                        <a:rPr lang="fr-FR" b="0" i="1" smtClean="0">
+                          <a:latin typeface="Cambria Math" panose="02040503050406030204" pitchFamily="18" charset="0"/>
+                        </a:rPr>
+                        <m:t>(</m:t>
+                      </m:r>
+                      <m:r>
+                        <a:rPr lang="fr-FR" b="0" i="1" smtClean="0">
+                          <a:latin typeface="Cambria Math" panose="02040503050406030204" pitchFamily="18" charset="0"/>
+                        </a:rPr>
+                        <m:t>𝑝</m:t>
+                      </m:r>
+                      <m:r>
+                        <a:rPr lang="fr-FR" b="0" i="1" smtClean="0">
+                          <a:latin typeface="Cambria Math" panose="02040503050406030204" pitchFamily="18" charset="0"/>
+                        </a:rPr>
+                        <m:t>)</m:t>
+                      </m:r>
+                    </m:oMath>
+                  </m:oMathPara>
+                </a14:m>
+                <a:endParaRPr lang="fr-FR" dirty="0"/>
+              </a:p>
+            </p:txBody>
+          </p:sp>
+        </mc:Choice>
+        <mc:Fallback>
+          <p:sp>
+            <p:nvSpPr>
+              <p:cNvPr id="20" name="ZoneTexte 19">
+                <a:extLst>
+                  <a:ext uri="{FF2B5EF4-FFF2-40B4-BE49-F238E27FC236}">
+                    <a16:creationId xmlns:a16="http://schemas.microsoft.com/office/drawing/2014/main" id="{F0E7BA49-E3F7-437D-A652-60FDC3579028}"/>
+                  </a:ext>
+                </a:extLst>
+              </p:cNvPr>
+              <p:cNvSpPr txBox="1">
+                <a:spLocks noRot="1" noChangeAspect="1" noMove="1" noResize="1" noEditPoints="1" noAdjustHandles="1" noChangeArrowheads="1" noChangeShapeType="1" noTextEdit="1"/>
+              </p:cNvSpPr>
+              <p:nvPr/>
+            </p:nvSpPr>
+            <p:spPr>
+              <a:xfrm>
+                <a:off x="3012440" y="1569871"/>
+                <a:ext cx="833120" cy="369332"/>
+              </a:xfrm>
+              <a:prstGeom prst="rect">
+                <a:avLst/>
+              </a:prstGeom>
+              <a:blipFill>
+                <a:blip r:embed="rId7"/>
+                <a:stretch>
+                  <a:fillRect b="-13333"/>
+                </a:stretch>
+              </a:blipFill>
+            </p:spPr>
+            <p:txBody>
+              <a:bodyPr/>
+              <a:lstStyle/>
+              <a:p>
+                <a:r>
+                  <a:rPr lang="fr-FR">
+                    <a:noFill/>
+                  </a:rPr>
+                  <a:t> </a:t>
+                </a:r>
+              </a:p>
+            </p:txBody>
+          </p:sp>
+        </mc:Fallback>
+      </mc:AlternateContent>
+      <p:cxnSp>
+        <p:nvCxnSpPr>
+          <p:cNvPr id="21" name="Connecteur droit avec flèche 20">
+            <a:extLst>
+              <a:ext uri="{FF2B5EF4-FFF2-40B4-BE49-F238E27FC236}">
+                <a16:creationId xmlns:a16="http://schemas.microsoft.com/office/drawing/2014/main" id="{3B7DA0B5-37B6-4EBC-90AE-0B46EC37CEEF}"/>
+              </a:ext>
+            </a:extLst>
+          </p:cNvPr>
+          <p:cNvCxnSpPr>
+            <a:cxnSpLocks/>
+          </p:cNvCxnSpPr>
+          <p:nvPr/>
+        </p:nvCxnSpPr>
+        <p:spPr>
+          <a:xfrm flipV="1">
+            <a:off x="3183200" y="1997868"/>
+            <a:ext cx="576000" cy="1"/>
+          </a:xfrm>
+          <a:prstGeom prst="straightConnector1">
+            <a:avLst/>
+          </a:prstGeom>
+          <a:ln w="19050">
+            <a:solidFill>
+              <a:schemeClr val="tx1"/>
+            </a:solidFill>
+            <a:tailEnd type="stealth" w="med" len="lg"/>
+          </a:ln>
+        </p:spPr>
+        <p:style>
+          <a:lnRef idx="1">
+            <a:schemeClr val="accent1"/>
+          </a:lnRef>
+          <a:fillRef idx="0">
+            <a:schemeClr val="accent1"/>
+          </a:fillRef>
+          <a:effectRef idx="0">
+            <a:schemeClr val="accent1"/>
+          </a:effectRef>
+          <a:fontRef idx="minor">
+            <a:schemeClr val="tx1"/>
+          </a:fontRef>
+        </p:style>
+      </p:cxnSp>
+      <p:cxnSp>
+        <p:nvCxnSpPr>
+          <p:cNvPr id="22" name="Connecteur droit avec flèche 21">
+            <a:extLst>
+              <a:ext uri="{FF2B5EF4-FFF2-40B4-BE49-F238E27FC236}">
+                <a16:creationId xmlns:a16="http://schemas.microsoft.com/office/drawing/2014/main" id="{AFAC60BB-647F-48CE-A834-6F1BBF2A5B4B}"/>
+              </a:ext>
+            </a:extLst>
+          </p:cNvPr>
+          <p:cNvCxnSpPr>
+            <a:cxnSpLocks/>
+          </p:cNvCxnSpPr>
+          <p:nvPr/>
+        </p:nvCxnSpPr>
+        <p:spPr>
+          <a:xfrm flipV="1">
+            <a:off x="5654240" y="1997868"/>
+            <a:ext cx="779200" cy="1"/>
+          </a:xfrm>
+          <a:prstGeom prst="straightConnector1">
+            <a:avLst/>
+          </a:prstGeom>
+          <a:ln w="19050">
+            <a:solidFill>
+              <a:schemeClr val="tx1"/>
+            </a:solidFill>
+            <a:tailEnd type="stealth" w="med" len="lg"/>
+          </a:ln>
+        </p:spPr>
+        <p:style>
+          <a:lnRef idx="1">
+            <a:schemeClr val="accent1"/>
+          </a:lnRef>
+          <a:fillRef idx="0">
+            <a:schemeClr val="accent1"/>
+          </a:fillRef>
+          <a:effectRef idx="0">
+            <a:schemeClr val="accent1"/>
+          </a:effectRef>
+          <a:fontRef idx="minor">
+            <a:schemeClr val="tx1"/>
+          </a:fontRef>
+        </p:style>
+      </p:cxnSp>
+      <p:cxnSp>
+        <p:nvCxnSpPr>
+          <p:cNvPr id="23" name="Connecteur droit avec flèche 22">
+            <a:extLst>
+              <a:ext uri="{FF2B5EF4-FFF2-40B4-BE49-F238E27FC236}">
+                <a16:creationId xmlns:a16="http://schemas.microsoft.com/office/drawing/2014/main" id="{0F23B0E3-2865-45EE-8091-685BD6F57C36}"/>
+              </a:ext>
+            </a:extLst>
+          </p:cNvPr>
+          <p:cNvCxnSpPr>
+            <a:cxnSpLocks/>
+          </p:cNvCxnSpPr>
+          <p:nvPr/>
+        </p:nvCxnSpPr>
+        <p:spPr>
+          <a:xfrm rot="16200000" flipV="1">
+            <a:off x="3643920" y="2427719"/>
+            <a:ext cx="576000" cy="1"/>
+          </a:xfrm>
+          <a:prstGeom prst="straightConnector1">
+            <a:avLst/>
+          </a:prstGeom>
+          <a:ln w="19050">
+            <a:solidFill>
+              <a:schemeClr val="tx1"/>
+            </a:solidFill>
+            <a:tailEnd type="stealth" w="med" len="lg"/>
+          </a:ln>
+        </p:spPr>
+        <p:style>
+          <a:lnRef idx="1">
+            <a:schemeClr val="accent1"/>
+          </a:lnRef>
+          <a:fillRef idx="0">
+            <a:schemeClr val="accent1"/>
+          </a:fillRef>
+          <a:effectRef idx="0">
+            <a:schemeClr val="accent1"/>
+          </a:effectRef>
+          <a:fontRef idx="minor">
+            <a:schemeClr val="tx1"/>
+          </a:fontRef>
+        </p:style>
+      </p:cxnSp>
+      <mc:AlternateContent xmlns:mc="http://schemas.openxmlformats.org/markup-compatibility/2006">
+        <mc:Choice xmlns:a14="http://schemas.microsoft.com/office/drawing/2010/main" Requires="a14">
+          <p:sp>
+            <p:nvSpPr>
+              <p:cNvPr id="24" name="Rectangle 23">
+                <a:extLst>
+                  <a:ext uri="{FF2B5EF4-FFF2-40B4-BE49-F238E27FC236}">
+                    <a16:creationId xmlns:a16="http://schemas.microsoft.com/office/drawing/2014/main" id="{674BA87D-E459-40F5-9CB2-6B3894A196DA}"/>
+                  </a:ext>
+                </a:extLst>
+              </p:cNvPr>
+              <p:cNvSpPr/>
+              <p:nvPr/>
+            </p:nvSpPr>
+            <p:spPr>
+              <a:xfrm>
+                <a:off x="4646240" y="2458656"/>
+                <a:ext cx="1008000" cy="504000"/>
+              </a:xfrm>
+              <a:prstGeom prst="rect">
+                <a:avLst/>
+              </a:prstGeom>
+              <a:noFill/>
+              <a:ln w="19050">
+                <a:solidFill>
+                  <a:schemeClr val="tx1"/>
+                </a:solidFill>
+              </a:ln>
+            </p:spPr>
+            <p:style>
+              <a:lnRef idx="2">
+                <a:schemeClr val="accent1">
+                  <a:shade val="50000"/>
+                </a:schemeClr>
+              </a:lnRef>
+              <a:fillRef idx="1">
+                <a:schemeClr val="accent1"/>
+              </a:fillRef>
+              <a:effectRef idx="0">
+                <a:schemeClr val="accent1"/>
+              </a:effectRef>
+              <a:fontRef idx="minor">
+                <a:schemeClr val="lt1"/>
+              </a:fontRef>
+            </p:style>
+            <p:txBody>
+              <a:bodyPr rtlCol="0" anchor="ctr"/>
+              <a:lstStyle/>
+              <a:p>
+                <a:pPr algn="ctr"/>
+                <a14:m>
+                  <m:oMathPara xmlns:m="http://schemas.openxmlformats.org/officeDocument/2006/math">
+                    <m:oMathParaPr>
+                      <m:jc m:val="centerGroup"/>
+                    </m:oMathParaPr>
+                    <m:oMath xmlns:m="http://schemas.openxmlformats.org/officeDocument/2006/math">
+                      <m:r>
+                        <a:rPr lang="fr-FR" b="0" i="1" smtClean="0">
+                          <a:solidFill>
+                            <a:sysClr val="windowText" lastClr="000000"/>
+                          </a:solidFill>
+                          <a:latin typeface="Cambria Math" panose="02040503050406030204" pitchFamily="18" charset="0"/>
+                        </a:rPr>
+                        <m:t>𝐵</m:t>
+                      </m:r>
+                      <m:r>
+                        <a:rPr lang="fr-FR" b="0" i="1" smtClean="0">
+                          <a:solidFill>
+                            <a:sysClr val="windowText" lastClr="000000"/>
+                          </a:solidFill>
+                          <a:latin typeface="Cambria Math" panose="02040503050406030204" pitchFamily="18" charset="0"/>
+                        </a:rPr>
+                        <m:t>(</m:t>
+                      </m:r>
+                      <m:r>
+                        <a:rPr lang="fr-FR" b="0" i="1" smtClean="0">
+                          <a:solidFill>
+                            <a:sysClr val="windowText" lastClr="000000"/>
+                          </a:solidFill>
+                          <a:latin typeface="Cambria Math" panose="02040503050406030204" pitchFamily="18" charset="0"/>
+                        </a:rPr>
+                        <m:t>𝑝</m:t>
+                      </m:r>
+                      <m:r>
+                        <a:rPr lang="fr-FR" b="0" i="1" smtClean="0">
+                          <a:solidFill>
+                            <a:sysClr val="windowText" lastClr="000000"/>
+                          </a:solidFill>
+                          <a:latin typeface="Cambria Math" panose="02040503050406030204" pitchFamily="18" charset="0"/>
+                        </a:rPr>
+                        <m:t>)</m:t>
+                      </m:r>
+                    </m:oMath>
+                  </m:oMathPara>
+                </a14:m>
+                <a:endParaRPr lang="fr-FR" dirty="0">
+                  <a:solidFill>
+                    <a:sysClr val="windowText" lastClr="000000"/>
+                  </a:solidFill>
+                </a:endParaRPr>
+              </a:p>
+            </p:txBody>
+          </p:sp>
+        </mc:Choice>
+        <mc:Fallback>
+          <p:sp>
+            <p:nvSpPr>
+              <p:cNvPr id="24" name="Rectangle 23">
+                <a:extLst>
+                  <a:ext uri="{FF2B5EF4-FFF2-40B4-BE49-F238E27FC236}">
+                    <a16:creationId xmlns:a16="http://schemas.microsoft.com/office/drawing/2014/main" id="{674BA87D-E459-40F5-9CB2-6B3894A196DA}"/>
+                  </a:ext>
+                </a:extLst>
+              </p:cNvPr>
+              <p:cNvSpPr>
+                <a:spLocks noRot="1" noChangeAspect="1" noMove="1" noResize="1" noEditPoints="1" noAdjustHandles="1" noChangeArrowheads="1" noChangeShapeType="1" noTextEdit="1"/>
+              </p:cNvSpPr>
+              <p:nvPr/>
+            </p:nvSpPr>
+            <p:spPr>
+              <a:xfrm>
+                <a:off x="4646240" y="2458656"/>
+                <a:ext cx="1008000" cy="504000"/>
+              </a:xfrm>
+              <a:prstGeom prst="rect">
+                <a:avLst/>
+              </a:prstGeom>
+              <a:blipFill>
+                <a:blip r:embed="rId8"/>
+                <a:stretch>
+                  <a:fillRect/>
+                </a:stretch>
+              </a:blipFill>
+              <a:ln w="19050">
+                <a:solidFill>
+                  <a:schemeClr val="tx1"/>
+                </a:solidFill>
+              </a:ln>
+            </p:spPr>
+            <p:txBody>
+              <a:bodyPr/>
+              <a:lstStyle/>
+              <a:p>
+                <a:r>
+                  <a:rPr lang="fr-FR">
+                    <a:noFill/>
+                  </a:rPr>
+                  <a:t> </a:t>
+                </a:r>
+              </a:p>
+            </p:txBody>
+          </p:sp>
+        </mc:Fallback>
+      </mc:AlternateContent>
+      <p:cxnSp>
+        <p:nvCxnSpPr>
+          <p:cNvPr id="29" name="Connecteur droit avec flèche 28">
+            <a:extLst>
+              <a:ext uri="{FF2B5EF4-FFF2-40B4-BE49-F238E27FC236}">
+                <a16:creationId xmlns:a16="http://schemas.microsoft.com/office/drawing/2014/main" id="{62890556-FF3B-4D43-ADE5-144F845B18DA}"/>
+              </a:ext>
+            </a:extLst>
+          </p:cNvPr>
+          <p:cNvCxnSpPr>
+            <a:cxnSpLocks/>
+          </p:cNvCxnSpPr>
+          <p:nvPr/>
+        </p:nvCxnSpPr>
+        <p:spPr>
+          <a:xfrm flipV="1">
+            <a:off x="6102031" y="1989723"/>
+            <a:ext cx="1" cy="717852"/>
+          </a:xfrm>
+          <a:prstGeom prst="straightConnector1">
+            <a:avLst/>
+          </a:prstGeom>
+          <a:ln w="19050">
+            <a:solidFill>
+              <a:schemeClr val="tx1"/>
+            </a:solidFill>
+            <a:tailEnd type="none" w="med" len="lg"/>
+          </a:ln>
+        </p:spPr>
+        <p:style>
+          <a:lnRef idx="1">
+            <a:schemeClr val="accent1"/>
+          </a:lnRef>
+          <a:fillRef idx="0">
+            <a:schemeClr val="accent1"/>
+          </a:fillRef>
+          <a:effectRef idx="0">
+            <a:schemeClr val="accent1"/>
+          </a:effectRef>
+          <a:fontRef idx="minor">
+            <a:schemeClr val="tx1"/>
+          </a:fontRef>
+        </p:style>
+      </p:cxnSp>
+      <p:cxnSp>
+        <p:nvCxnSpPr>
+          <p:cNvPr id="35" name="Connecteur droit avec flèche 34">
+            <a:extLst>
+              <a:ext uri="{FF2B5EF4-FFF2-40B4-BE49-F238E27FC236}">
+                <a16:creationId xmlns:a16="http://schemas.microsoft.com/office/drawing/2014/main" id="{D59C2A26-3359-48D8-9092-9AE088A2338F}"/>
+              </a:ext>
+            </a:extLst>
+          </p:cNvPr>
+          <p:cNvCxnSpPr>
+            <a:cxnSpLocks/>
+            <a:endCxn id="24" idx="3"/>
+          </p:cNvCxnSpPr>
+          <p:nvPr/>
+        </p:nvCxnSpPr>
+        <p:spPr>
+          <a:xfrm flipH="1">
+            <a:off x="5654240" y="2707575"/>
+            <a:ext cx="441760" cy="0"/>
+          </a:xfrm>
+          <a:prstGeom prst="straightConnector1">
+            <a:avLst/>
+          </a:prstGeom>
+          <a:ln w="19050">
+            <a:solidFill>
+              <a:schemeClr val="tx1"/>
+            </a:solidFill>
+            <a:tailEnd type="stealth" w="med" len="lg"/>
+          </a:ln>
+        </p:spPr>
+        <p:style>
+          <a:lnRef idx="1">
+            <a:schemeClr val="accent1"/>
+          </a:lnRef>
+          <a:fillRef idx="0">
+            <a:schemeClr val="accent1"/>
+          </a:fillRef>
+          <a:effectRef idx="0">
+            <a:schemeClr val="accent1"/>
+          </a:effectRef>
+          <a:fontRef idx="minor">
+            <a:schemeClr val="tx1"/>
+          </a:fontRef>
+        </p:style>
+      </p:cxnSp>
+      <mc:AlternateContent xmlns:mc="http://schemas.openxmlformats.org/markup-compatibility/2006">
+        <mc:Choice xmlns:a14="http://schemas.microsoft.com/office/drawing/2010/main" Requires="a14">
+          <p:sp>
+            <p:nvSpPr>
+              <p:cNvPr id="37" name="ZoneTexte 36">
+                <a:extLst>
+                  <a:ext uri="{FF2B5EF4-FFF2-40B4-BE49-F238E27FC236}">
+                    <a16:creationId xmlns:a16="http://schemas.microsoft.com/office/drawing/2014/main" id="{750BE023-47B2-441F-B58E-F35E95714057}"/>
+                  </a:ext>
+                </a:extLst>
+              </p:cNvPr>
+              <p:cNvSpPr txBox="1"/>
+              <p:nvPr/>
+            </p:nvSpPr>
+            <p:spPr>
+              <a:xfrm>
+                <a:off x="5702682" y="1627713"/>
+                <a:ext cx="833120" cy="369332"/>
+              </a:xfrm>
+              <a:prstGeom prst="rect">
+                <a:avLst/>
+              </a:prstGeom>
+              <a:noFill/>
+            </p:spPr>
+            <p:txBody>
+              <a:bodyPr wrap="square" rtlCol="0">
+                <a:spAutoFit/>
+              </a:bodyPr>
+              <a:lstStyle/>
+              <a:p>
+                <a:pPr/>
+                <a14:m>
+                  <m:oMathPara xmlns:m="http://schemas.openxmlformats.org/officeDocument/2006/math">
+                    <m:oMathParaPr>
+                      <m:jc m:val="centerGroup"/>
+                    </m:oMathParaPr>
+                    <m:oMath xmlns:m="http://schemas.openxmlformats.org/officeDocument/2006/math">
+                      <m:r>
+                        <a:rPr lang="fr-FR" b="0" i="1" smtClean="0">
+                          <a:latin typeface="Cambria Math" panose="02040503050406030204" pitchFamily="18" charset="0"/>
+                        </a:rPr>
+                        <m:t>𝑍</m:t>
+                      </m:r>
+                      <m:r>
+                        <a:rPr lang="fr-FR" b="0" i="1" smtClean="0">
+                          <a:latin typeface="Cambria Math" panose="02040503050406030204" pitchFamily="18" charset="0"/>
+                        </a:rPr>
+                        <m:t>(</m:t>
+                      </m:r>
+                      <m:r>
+                        <a:rPr lang="fr-FR" b="0" i="1" smtClean="0">
+                          <a:latin typeface="Cambria Math" panose="02040503050406030204" pitchFamily="18" charset="0"/>
+                        </a:rPr>
+                        <m:t>𝑝</m:t>
+                      </m:r>
+                      <m:r>
+                        <a:rPr lang="fr-FR" b="0" i="1" smtClean="0">
+                          <a:latin typeface="Cambria Math" panose="02040503050406030204" pitchFamily="18" charset="0"/>
+                        </a:rPr>
+                        <m:t>)</m:t>
+                      </m:r>
+                    </m:oMath>
+                  </m:oMathPara>
+                </a14:m>
+                <a:endParaRPr lang="fr-FR" dirty="0"/>
+              </a:p>
+            </p:txBody>
+          </p:sp>
+        </mc:Choice>
+        <mc:Fallback>
+          <p:sp>
+            <p:nvSpPr>
+              <p:cNvPr id="37" name="ZoneTexte 36">
+                <a:extLst>
+                  <a:ext uri="{FF2B5EF4-FFF2-40B4-BE49-F238E27FC236}">
+                    <a16:creationId xmlns:a16="http://schemas.microsoft.com/office/drawing/2014/main" id="{750BE023-47B2-441F-B58E-F35E95714057}"/>
+                  </a:ext>
+                </a:extLst>
+              </p:cNvPr>
+              <p:cNvSpPr txBox="1">
+                <a:spLocks noRot="1" noChangeAspect="1" noMove="1" noResize="1" noEditPoints="1" noAdjustHandles="1" noChangeArrowheads="1" noChangeShapeType="1" noTextEdit="1"/>
+              </p:cNvSpPr>
+              <p:nvPr/>
+            </p:nvSpPr>
+            <p:spPr>
+              <a:xfrm>
+                <a:off x="5702682" y="1627713"/>
+                <a:ext cx="833120" cy="369332"/>
+              </a:xfrm>
+              <a:prstGeom prst="rect">
+                <a:avLst/>
+              </a:prstGeom>
+              <a:blipFill>
+                <a:blip r:embed="rId9"/>
+                <a:stretch>
+                  <a:fillRect b="-13115"/>
+                </a:stretch>
+              </a:blipFill>
+            </p:spPr>
+            <p:txBody>
+              <a:bodyPr/>
+              <a:lstStyle/>
+              <a:p>
+                <a:r>
+                  <a:rPr lang="fr-FR">
+                    <a:noFill/>
+                  </a:rPr>
+                  <a:t> </a:t>
+                </a:r>
+              </a:p>
+            </p:txBody>
+          </p:sp>
+        </mc:Fallback>
+      </mc:AlternateContent>
+      <mc:AlternateContent xmlns:mc="http://schemas.openxmlformats.org/markup-compatibility/2006">
+        <mc:Choice xmlns:a14="http://schemas.microsoft.com/office/drawing/2010/main" Requires="a14">
+          <p:sp>
+            <p:nvSpPr>
+              <p:cNvPr id="38" name="ZoneTexte 37">
+                <a:extLst>
+                  <a:ext uri="{FF2B5EF4-FFF2-40B4-BE49-F238E27FC236}">
+                    <a16:creationId xmlns:a16="http://schemas.microsoft.com/office/drawing/2014/main" id="{0E027467-19FA-4B08-9335-DC4B6B773444}"/>
+                  </a:ext>
+                </a:extLst>
+              </p:cNvPr>
+              <p:cNvSpPr txBox="1"/>
+              <p:nvPr/>
+            </p:nvSpPr>
+            <p:spPr>
+              <a:xfrm>
+                <a:off x="1106424" y="3557016"/>
+                <a:ext cx="6684262" cy="2791662"/>
+              </a:xfrm>
+              <a:prstGeom prst="rect">
+                <a:avLst/>
+              </a:prstGeom>
+              <a:noFill/>
+            </p:spPr>
+            <p:txBody>
+              <a:bodyPr wrap="square" rtlCol="0">
+                <a:spAutoFit/>
+              </a:bodyPr>
+              <a:lstStyle/>
+              <a:p>
+                <a14:m>
+                  <m:oMathPara xmlns:m="http://schemas.openxmlformats.org/officeDocument/2006/math">
+                    <m:oMathParaPr>
+                      <m:jc m:val="centerGroup"/>
+                    </m:oMathParaPr>
+                    <m:oMath xmlns:m="http://schemas.openxmlformats.org/officeDocument/2006/math">
+                      <m:sSup>
+                        <m:sSupPr>
+                          <m:ctrlPr>
+                            <a:rPr lang="fr-FR" b="0" i="1" smtClean="0">
+                              <a:latin typeface="Cambria Math" panose="02040503050406030204" pitchFamily="18" charset="0"/>
+                            </a:rPr>
+                          </m:ctrlPr>
+                        </m:sSupPr>
+                        <m:e>
+                          <m:r>
+                            <a:rPr lang="fr-FR" b="0" i="1" smtClean="0">
+                              <a:latin typeface="Cambria Math" panose="02040503050406030204" pitchFamily="18" charset="0"/>
+                            </a:rPr>
+                            <m:t>𝜀</m:t>
+                          </m:r>
+                          <m:r>
+                            <a:rPr lang="fr-FR" b="0" i="1" smtClean="0">
+                              <a:latin typeface="Cambria Math" panose="02040503050406030204" pitchFamily="18" charset="0"/>
+                            </a:rPr>
+                            <m:t>=</m:t>
+                          </m:r>
+                          <m:r>
+                            <a:rPr lang="fr-FR" b="0" i="1" smtClean="0">
+                              <a:latin typeface="Cambria Math" panose="02040503050406030204" pitchFamily="18" charset="0"/>
+                            </a:rPr>
+                            <m:t>𝑍</m:t>
+                          </m:r>
+                        </m:e>
+                        <m:sup>
+                          <m:r>
+                            <a:rPr lang="fr-FR" b="0" i="1" smtClean="0">
+                              <a:latin typeface="Cambria Math" panose="02040503050406030204" pitchFamily="18" charset="0"/>
+                            </a:rPr>
+                            <m:t>∗</m:t>
+                          </m:r>
+                        </m:sup>
+                      </m:sSup>
+                      <m:r>
+                        <a:rPr lang="fr-FR" b="0" i="1" smtClean="0">
+                          <a:latin typeface="Cambria Math" panose="02040503050406030204" pitchFamily="18" charset="0"/>
+                        </a:rPr>
+                        <m:t>−</m:t>
+                      </m:r>
+                      <m:r>
+                        <a:rPr lang="fr-FR" b="0" i="1" smtClean="0">
+                          <a:latin typeface="Cambria Math" panose="02040503050406030204" pitchFamily="18" charset="0"/>
+                        </a:rPr>
+                        <m:t>𝐵𝑍</m:t>
+                      </m:r>
+                      <m:r>
+                        <a:rPr lang="fr-FR" b="0" i="1" smtClean="0">
+                          <a:latin typeface="Cambria Math" panose="02040503050406030204" pitchFamily="18" charset="0"/>
+                        </a:rPr>
+                        <m:t>=</m:t>
+                      </m:r>
+                      <m:sSup>
+                        <m:sSupPr>
+                          <m:ctrlPr>
+                            <a:rPr lang="fr-FR" i="1">
+                              <a:latin typeface="Cambria Math" panose="02040503050406030204" pitchFamily="18" charset="0"/>
+                            </a:rPr>
+                          </m:ctrlPr>
+                        </m:sSupPr>
+                        <m:e>
+                          <m:r>
+                            <a:rPr lang="fr-FR" i="1">
+                              <a:latin typeface="Cambria Math" panose="02040503050406030204" pitchFamily="18" charset="0"/>
+                            </a:rPr>
+                            <m:t>𝑍</m:t>
+                          </m:r>
+                        </m:e>
+                        <m:sup>
+                          <m:r>
+                            <a:rPr lang="fr-FR" i="1">
+                              <a:latin typeface="Cambria Math" panose="02040503050406030204" pitchFamily="18" charset="0"/>
+                            </a:rPr>
+                            <m:t>∗</m:t>
+                          </m:r>
+                        </m:sup>
+                      </m:sSup>
+                      <m:r>
+                        <a:rPr lang="fr-FR" i="1">
+                          <a:latin typeface="Cambria Math" panose="02040503050406030204" pitchFamily="18" charset="0"/>
+                        </a:rPr>
+                        <m:t>−</m:t>
+                      </m:r>
+                      <m:r>
+                        <a:rPr lang="fr-FR" b="0" i="1" smtClean="0">
+                          <a:latin typeface="Cambria Math" panose="02040503050406030204" pitchFamily="18" charset="0"/>
+                        </a:rPr>
+                        <m:t>𝐴</m:t>
+                      </m:r>
+                      <m:r>
+                        <a:rPr lang="fr-FR" i="1">
+                          <a:latin typeface="Cambria Math" panose="02040503050406030204" pitchFamily="18" charset="0"/>
+                        </a:rPr>
+                        <m:t>𝐵</m:t>
+                      </m:r>
+                      <m:r>
+                        <a:rPr lang="fr-FR" b="0" i="1" smtClean="0">
+                          <a:latin typeface="Cambria Math" panose="02040503050406030204" pitchFamily="18" charset="0"/>
+                        </a:rPr>
+                        <m:t>𝜀</m:t>
+                      </m:r>
+                    </m:oMath>
+                  </m:oMathPara>
+                </a14:m>
+                <a:endParaRPr lang="fr-FR" b="0" dirty="0"/>
+              </a:p>
+              <a:p>
+                <a14:m>
+                  <m:oMathPara xmlns:m="http://schemas.openxmlformats.org/officeDocument/2006/math">
+                    <m:oMathParaPr>
+                      <m:jc m:val="centerGroup"/>
+                    </m:oMathParaPr>
+                    <m:oMath xmlns:m="http://schemas.openxmlformats.org/officeDocument/2006/math">
+                      <m:r>
+                        <a:rPr lang="fr-FR" b="0" i="1" smtClean="0">
+                          <a:latin typeface="Cambria Math" panose="02040503050406030204" pitchFamily="18" charset="0"/>
+                        </a:rPr>
+                        <m:t>𝜀</m:t>
+                      </m:r>
+                      <m:d>
+                        <m:dPr>
+                          <m:ctrlPr>
+                            <a:rPr lang="fr-FR" b="0" i="1" smtClean="0">
+                              <a:latin typeface="Cambria Math" panose="02040503050406030204" pitchFamily="18" charset="0"/>
+                            </a:rPr>
+                          </m:ctrlPr>
+                        </m:dPr>
+                        <m:e>
+                          <m:r>
+                            <a:rPr lang="fr-FR" b="0" i="1" smtClean="0">
+                              <a:latin typeface="Cambria Math" panose="02040503050406030204" pitchFamily="18" charset="0"/>
+                            </a:rPr>
+                            <m:t>1+</m:t>
+                          </m:r>
+                          <m:r>
+                            <a:rPr lang="fr-FR" b="0" i="1" smtClean="0">
+                              <a:latin typeface="Cambria Math" panose="02040503050406030204" pitchFamily="18" charset="0"/>
+                            </a:rPr>
+                            <m:t>𝐴𝐵</m:t>
+                          </m:r>
+                        </m:e>
+                      </m:d>
+                      <m:r>
+                        <a:rPr lang="fr-FR" b="0" i="1" smtClean="0">
+                          <a:latin typeface="Cambria Math" panose="02040503050406030204" pitchFamily="18" charset="0"/>
+                        </a:rPr>
+                        <m:t>=</m:t>
+                      </m:r>
+                      <m:sSup>
+                        <m:sSupPr>
+                          <m:ctrlPr>
+                            <a:rPr lang="fr-FR" b="0" i="1" smtClean="0">
+                              <a:latin typeface="Cambria Math" panose="02040503050406030204" pitchFamily="18" charset="0"/>
+                            </a:rPr>
+                          </m:ctrlPr>
+                        </m:sSupPr>
+                        <m:e>
+                          <m:r>
+                            <a:rPr lang="fr-FR" b="0" i="1" smtClean="0">
+                              <a:latin typeface="Cambria Math" panose="02040503050406030204" pitchFamily="18" charset="0"/>
+                            </a:rPr>
+                            <m:t>𝑍</m:t>
+                          </m:r>
+                        </m:e>
+                        <m:sup>
+                          <m:r>
+                            <a:rPr lang="fr-FR" b="0" i="1" smtClean="0">
+                              <a:latin typeface="Cambria Math" panose="02040503050406030204" pitchFamily="18" charset="0"/>
+                            </a:rPr>
+                            <m:t>∗</m:t>
+                          </m:r>
+                        </m:sup>
+                      </m:sSup>
+                    </m:oMath>
+                  </m:oMathPara>
+                </a14:m>
+                <a:endParaRPr lang="fr-FR" b="0" dirty="0"/>
+              </a:p>
+              <a:p>
+                <a:pPr lvl="1"/>
+                <a14:m>
+                  <m:oMathPara xmlns:m="http://schemas.openxmlformats.org/officeDocument/2006/math">
+                    <m:oMathParaPr>
+                      <m:jc m:val="centerGroup"/>
+                    </m:oMathParaPr>
+                    <m:oMath xmlns:m="http://schemas.openxmlformats.org/officeDocument/2006/math">
+                      <m:f>
+                        <m:fPr>
+                          <m:ctrlPr>
+                            <a:rPr lang="fr-FR" b="0" i="1" smtClean="0">
+                              <a:latin typeface="Cambria Math" panose="02040503050406030204" pitchFamily="18" charset="0"/>
+                            </a:rPr>
+                          </m:ctrlPr>
+                        </m:fPr>
+                        <m:num>
+                          <m:r>
+                            <a:rPr lang="fr-FR" b="0" i="1" smtClean="0">
+                              <a:latin typeface="Cambria Math" panose="02040503050406030204" pitchFamily="18" charset="0"/>
+                            </a:rPr>
+                            <m:t>𝜀</m:t>
+                          </m:r>
+                        </m:num>
+                        <m:den>
+                          <m:sSup>
+                            <m:sSupPr>
+                              <m:ctrlPr>
+                                <a:rPr lang="fr-FR" b="0" i="1" smtClean="0">
+                                  <a:latin typeface="Cambria Math" panose="02040503050406030204" pitchFamily="18" charset="0"/>
+                                </a:rPr>
+                              </m:ctrlPr>
+                            </m:sSupPr>
+                            <m:e>
+                              <m:r>
+                                <a:rPr lang="fr-FR" b="0" i="1" smtClean="0">
+                                  <a:latin typeface="Cambria Math" panose="02040503050406030204" pitchFamily="18" charset="0"/>
+                                </a:rPr>
+                                <m:t>𝑍</m:t>
+                              </m:r>
+                            </m:e>
+                            <m:sup>
+                              <m:r>
+                                <a:rPr lang="fr-FR" b="0" i="1" smtClean="0">
+                                  <a:latin typeface="Cambria Math" panose="02040503050406030204" pitchFamily="18" charset="0"/>
+                                </a:rPr>
+                                <m:t>∗</m:t>
+                              </m:r>
+                            </m:sup>
+                          </m:sSup>
+                        </m:den>
+                      </m:f>
+                      <m:r>
+                        <a:rPr lang="fr-FR" b="0" i="1" smtClean="0">
+                          <a:latin typeface="Cambria Math" panose="02040503050406030204" pitchFamily="18" charset="0"/>
+                        </a:rPr>
+                        <m:t>=</m:t>
+                      </m:r>
+                      <m:f>
+                        <m:fPr>
+                          <m:ctrlPr>
+                            <a:rPr lang="fr-FR" b="0" i="1" smtClean="0">
+                              <a:latin typeface="Cambria Math" panose="02040503050406030204" pitchFamily="18" charset="0"/>
+                            </a:rPr>
+                          </m:ctrlPr>
+                        </m:fPr>
+                        <m:num>
+                          <m:r>
+                            <a:rPr lang="fr-FR" b="0" i="1" smtClean="0">
+                              <a:latin typeface="Cambria Math" panose="02040503050406030204" pitchFamily="18" charset="0"/>
+                            </a:rPr>
+                            <m:t>1</m:t>
+                          </m:r>
+                        </m:num>
+                        <m:den>
+                          <m:r>
+                            <a:rPr lang="fr-FR" b="0" i="1" smtClean="0">
+                              <a:latin typeface="Cambria Math" panose="02040503050406030204" pitchFamily="18" charset="0"/>
+                            </a:rPr>
+                            <m:t>1+</m:t>
+                          </m:r>
+                          <m:r>
+                            <a:rPr lang="fr-FR" b="0" i="1" smtClean="0">
+                              <a:latin typeface="Cambria Math" panose="02040503050406030204" pitchFamily="18" charset="0"/>
+                            </a:rPr>
+                            <m:t>𝐴𝐵</m:t>
+                          </m:r>
+                        </m:den>
+                      </m:f>
+                      <m:r>
+                        <a:rPr lang="fr-FR" b="0" i="1" smtClean="0">
+                          <a:latin typeface="Cambria Math" panose="02040503050406030204" pitchFamily="18" charset="0"/>
+                        </a:rPr>
+                        <m:t>=</m:t>
+                      </m:r>
+                      <m:r>
+                        <a:rPr lang="fr-FR" b="0" i="1" smtClean="0">
+                          <a:latin typeface="Cambria Math" panose="02040503050406030204" pitchFamily="18" charset="0"/>
+                        </a:rPr>
+                        <m:t>𝐻</m:t>
+                      </m:r>
+                    </m:oMath>
+                  </m:oMathPara>
+                </a14:m>
+                <a:endParaRPr lang="fr-FR" b="0" dirty="0"/>
+              </a:p>
+              <a:p>
+                <a:pPr lvl="1"/>
+                <a:r>
+                  <a:rPr lang="fr-FR" dirty="0"/>
+                  <a:t>Par ailleurs,  </a:t>
+                </a:r>
+                <a14:m>
+                  <m:oMath xmlns:m="http://schemas.openxmlformats.org/officeDocument/2006/math">
+                    <m:r>
+                      <a:rPr lang="fr-FR" b="0" i="1" smtClean="0">
+                        <a:latin typeface="Cambria Math" panose="02040503050406030204" pitchFamily="18" charset="0"/>
+                      </a:rPr>
+                      <m:t>𝐹</m:t>
+                    </m:r>
+                    <m:d>
+                      <m:dPr>
+                        <m:ctrlPr>
+                          <a:rPr lang="fr-FR" b="0" i="1" smtClean="0">
+                            <a:latin typeface="Cambria Math" panose="02040503050406030204" pitchFamily="18" charset="0"/>
+                          </a:rPr>
+                        </m:ctrlPr>
+                      </m:dPr>
+                      <m:e>
+                        <m:r>
+                          <a:rPr lang="fr-FR" b="0" i="1" smtClean="0">
+                            <a:latin typeface="Cambria Math" panose="02040503050406030204" pitchFamily="18" charset="0"/>
+                          </a:rPr>
+                          <m:t>𝑝</m:t>
+                        </m:r>
+                      </m:e>
+                    </m:d>
+                    <m:r>
+                      <a:rPr lang="fr-FR" b="0" i="1" smtClean="0">
+                        <a:latin typeface="Cambria Math" panose="02040503050406030204" pitchFamily="18" charset="0"/>
+                      </a:rPr>
+                      <m:t>=</m:t>
+                    </m:r>
+                    <m:f>
+                      <m:fPr>
+                        <m:ctrlPr>
+                          <a:rPr lang="fr-FR" b="0" i="1" smtClean="0">
+                            <a:latin typeface="Cambria Math" panose="02040503050406030204" pitchFamily="18" charset="0"/>
+                          </a:rPr>
+                        </m:ctrlPr>
+                      </m:fPr>
+                      <m:num>
+                        <m:r>
+                          <a:rPr lang="fr-FR" b="0" i="1" smtClean="0">
+                            <a:latin typeface="Cambria Math" panose="02040503050406030204" pitchFamily="18" charset="0"/>
+                          </a:rPr>
+                          <m:t>𝐴</m:t>
+                        </m:r>
+                      </m:num>
+                      <m:den>
+                        <m:r>
+                          <a:rPr lang="fr-FR" b="0" i="1" smtClean="0">
+                            <a:latin typeface="Cambria Math" panose="02040503050406030204" pitchFamily="18" charset="0"/>
+                          </a:rPr>
+                          <m:t>1+</m:t>
+                        </m:r>
+                        <m:r>
+                          <a:rPr lang="fr-FR" b="0" i="1" smtClean="0">
+                            <a:latin typeface="Cambria Math" panose="02040503050406030204" pitchFamily="18" charset="0"/>
+                          </a:rPr>
+                          <m:t>𝐴𝐵</m:t>
+                        </m:r>
+                      </m:den>
+                    </m:f>
+                  </m:oMath>
+                </a14:m>
+                <a:endParaRPr lang="fr-FR" b="0" dirty="0"/>
+              </a:p>
+              <a:p>
+                <a:pPr lvl="1"/>
+                <a:endParaRPr lang="fr-FR" dirty="0"/>
+              </a:p>
+              <a:p>
+                <a:pPr lvl="1"/>
+                <a:endParaRPr lang="fr-FR" dirty="0"/>
+              </a:p>
+              <a:p>
+                <a:pPr lvl="1"/>
+                <a:endParaRPr lang="fr-FR" dirty="0"/>
+              </a:p>
+              <a:p>
+                <a:pPr lvl="1"/>
+                <a:r>
+                  <a:rPr lang="fr-FR" dirty="0"/>
+                  <a:t>Si </a:t>
+                </a:r>
+                <a14:m>
+                  <m:oMath xmlns:m="http://schemas.openxmlformats.org/officeDocument/2006/math">
+                    <m:r>
+                      <a:rPr lang="fr-FR" b="0" i="1" smtClean="0">
+                        <a:latin typeface="Cambria Math" panose="02040503050406030204" pitchFamily="18" charset="0"/>
+                      </a:rPr>
+                      <m:t>𝐵</m:t>
+                    </m:r>
+                    <m:r>
+                      <a:rPr lang="fr-FR" b="0" i="1" smtClean="0">
+                        <a:latin typeface="Cambria Math" panose="02040503050406030204" pitchFamily="18" charset="0"/>
+                      </a:rPr>
+                      <m:t>=1</m:t>
+                    </m:r>
+                    <m:r>
+                      <a:rPr lang="fr-FR" b="0" i="0" smtClean="0">
+                        <a:latin typeface="Cambria Math" panose="02040503050406030204" pitchFamily="18" charset="0"/>
+                      </a:rPr>
+                      <m:t>, </m:t>
+                    </m:r>
+                    <m:r>
+                      <m:rPr>
+                        <m:sty m:val="p"/>
+                      </m:rPr>
+                      <a:rPr lang="fr-FR" b="0" i="0" smtClean="0">
+                        <a:latin typeface="Cambria Math" panose="02040503050406030204" pitchFamily="18" charset="0"/>
+                      </a:rPr>
+                      <m:t>H</m:t>
+                    </m:r>
+                    <m:r>
+                      <a:rPr lang="fr-FR" b="0" i="0" smtClean="0">
+                        <a:latin typeface="Cambria Math" panose="02040503050406030204" pitchFamily="18" charset="0"/>
+                      </a:rPr>
+                      <m:t>=</m:t>
+                    </m:r>
+                    <m:f>
+                      <m:fPr>
+                        <m:ctrlPr>
+                          <a:rPr lang="fr-FR" b="0" i="0" smtClean="0">
+                            <a:latin typeface="Cambria Math" panose="02040503050406030204" pitchFamily="18" charset="0"/>
+                          </a:rPr>
+                        </m:ctrlPr>
+                      </m:fPr>
+                      <m:num>
+                        <m:r>
+                          <a:rPr lang="fr-FR" b="0" i="0" smtClean="0">
+                            <a:latin typeface="Cambria Math" panose="02040503050406030204" pitchFamily="18" charset="0"/>
+                          </a:rPr>
+                          <m:t>1</m:t>
+                        </m:r>
+                      </m:num>
+                      <m:den>
+                        <m:r>
+                          <a:rPr lang="fr-FR" b="0" i="0" smtClean="0">
+                            <a:latin typeface="Cambria Math" panose="02040503050406030204" pitchFamily="18" charset="0"/>
+                          </a:rPr>
+                          <m:t>1+</m:t>
+                        </m:r>
+                        <m:r>
+                          <m:rPr>
+                            <m:sty m:val="p"/>
+                          </m:rPr>
+                          <a:rPr lang="fr-FR" b="0" i="0" smtClean="0">
+                            <a:latin typeface="Cambria Math" panose="02040503050406030204" pitchFamily="18" charset="0"/>
+                          </a:rPr>
+                          <m:t>A</m:t>
+                        </m:r>
+                      </m:den>
+                    </m:f>
+                  </m:oMath>
+                </a14:m>
+                <a:r>
+                  <a:rPr lang="fr-FR" b="0" dirty="0"/>
+                  <a:t> et </a:t>
+                </a:r>
+                <a14:m>
+                  <m:oMath xmlns:m="http://schemas.openxmlformats.org/officeDocument/2006/math">
+                    <m:r>
+                      <a:rPr lang="fr-FR" b="0" i="1" smtClean="0">
+                        <a:latin typeface="Cambria Math" panose="02040503050406030204" pitchFamily="18" charset="0"/>
+                      </a:rPr>
+                      <m:t>𝐹</m:t>
+                    </m:r>
+                    <m:r>
+                      <a:rPr lang="fr-FR" b="0" i="1" smtClean="0">
+                        <a:latin typeface="Cambria Math" panose="02040503050406030204" pitchFamily="18" charset="0"/>
+                      </a:rPr>
+                      <m:t>=</m:t>
+                    </m:r>
+                    <m:f>
+                      <m:fPr>
+                        <m:ctrlPr>
+                          <a:rPr lang="fr-FR" b="0" i="1" smtClean="0">
+                            <a:latin typeface="Cambria Math" panose="02040503050406030204" pitchFamily="18" charset="0"/>
+                          </a:rPr>
+                        </m:ctrlPr>
+                      </m:fPr>
+                      <m:num>
+                        <m:r>
+                          <a:rPr lang="fr-FR" b="0" i="1" smtClean="0">
+                            <a:latin typeface="Cambria Math" panose="02040503050406030204" pitchFamily="18" charset="0"/>
+                          </a:rPr>
+                          <m:t>𝐴</m:t>
+                        </m:r>
+                      </m:num>
+                      <m:den>
+                        <m:r>
+                          <a:rPr lang="fr-FR" b="0" i="1" smtClean="0">
+                            <a:latin typeface="Cambria Math" panose="02040503050406030204" pitchFamily="18" charset="0"/>
+                          </a:rPr>
+                          <m:t>1+</m:t>
+                        </m:r>
+                        <m:r>
+                          <a:rPr lang="fr-FR" b="0" i="1" smtClean="0">
+                            <a:latin typeface="Cambria Math" panose="02040503050406030204" pitchFamily="18" charset="0"/>
+                          </a:rPr>
+                          <m:t>𝐴</m:t>
+                        </m:r>
+                      </m:den>
+                    </m:f>
+                  </m:oMath>
+                </a14:m>
+                <a:endParaRPr lang="fr-FR" b="0" dirty="0"/>
+              </a:p>
+            </p:txBody>
+          </p:sp>
+        </mc:Choice>
+        <mc:Fallback>
+          <p:sp>
+            <p:nvSpPr>
+              <p:cNvPr id="38" name="ZoneTexte 37">
+                <a:extLst>
+                  <a:ext uri="{FF2B5EF4-FFF2-40B4-BE49-F238E27FC236}">
+                    <a16:creationId xmlns:a16="http://schemas.microsoft.com/office/drawing/2014/main" id="{0E027467-19FA-4B08-9335-DC4B6B773444}"/>
+                  </a:ext>
+                </a:extLst>
+              </p:cNvPr>
+              <p:cNvSpPr txBox="1">
+                <a:spLocks noRot="1" noChangeAspect="1" noMove="1" noResize="1" noEditPoints="1" noAdjustHandles="1" noChangeArrowheads="1" noChangeShapeType="1" noTextEdit="1"/>
+              </p:cNvSpPr>
+              <p:nvPr/>
+            </p:nvSpPr>
+            <p:spPr>
+              <a:xfrm>
+                <a:off x="1106424" y="3557016"/>
+                <a:ext cx="6684262" cy="2791662"/>
+              </a:xfrm>
+              <a:prstGeom prst="rect">
+                <a:avLst/>
+              </a:prstGeom>
+              <a:blipFill>
+                <a:blip r:embed="rId10"/>
+                <a:stretch>
+                  <a:fillRect b="-438"/>
+                </a:stretch>
+              </a:blipFill>
+            </p:spPr>
+            <p:txBody>
+              <a:bodyPr/>
+              <a:lstStyle/>
+              <a:p>
+                <a:r>
+                  <a:rPr lang="fr-FR">
+                    <a:noFill/>
+                  </a:rPr>
+                  <a:t> </a:t>
+                </a:r>
+              </a:p>
+            </p:txBody>
+          </p:sp>
+        </mc:Fallback>
+      </mc:AlternateContent>
+      <mc:AlternateContent xmlns:mc="http://schemas.openxmlformats.org/markup-compatibility/2006">
+        <mc:Choice xmlns:a14="http://schemas.microsoft.com/office/drawing/2010/main" Requires="a14">
+          <p:sp>
+            <p:nvSpPr>
+              <p:cNvPr id="39" name="ZoneTexte 38">
+                <a:extLst>
+                  <a:ext uri="{FF2B5EF4-FFF2-40B4-BE49-F238E27FC236}">
+                    <a16:creationId xmlns:a16="http://schemas.microsoft.com/office/drawing/2014/main" id="{AD939945-FDE0-4C91-9655-E8AF65E416C4}"/>
+                  </a:ext>
+                </a:extLst>
+              </p:cNvPr>
+              <p:cNvSpPr txBox="1"/>
+              <p:nvPr/>
+            </p:nvSpPr>
+            <p:spPr>
+              <a:xfrm>
+                <a:off x="9081190" y="1342073"/>
+                <a:ext cx="833120" cy="369332"/>
+              </a:xfrm>
+              <a:prstGeom prst="rect">
+                <a:avLst/>
+              </a:prstGeom>
+              <a:noFill/>
+            </p:spPr>
+            <p:txBody>
+              <a:bodyPr wrap="square" rtlCol="0">
+                <a:spAutoFit/>
+              </a:bodyPr>
+              <a:lstStyle/>
+              <a:p>
+                <a:pPr/>
+                <a14:m>
+                  <m:oMathPara xmlns:m="http://schemas.openxmlformats.org/officeDocument/2006/math">
+                    <m:oMathParaPr>
+                      <m:jc m:val="centerGroup"/>
+                    </m:oMathParaPr>
+                    <m:oMath xmlns:m="http://schemas.openxmlformats.org/officeDocument/2006/math">
+                      <m:r>
+                        <a:rPr lang="fr-FR" b="0" i="1" smtClean="0">
+                          <a:latin typeface="Cambria Math" panose="02040503050406030204" pitchFamily="18" charset="0"/>
+                        </a:rPr>
+                        <m:t>𝜀</m:t>
+                      </m:r>
+                      <m:r>
+                        <a:rPr lang="fr-FR" b="0" i="1" smtClean="0">
+                          <a:latin typeface="Cambria Math" panose="02040503050406030204" pitchFamily="18" charset="0"/>
+                        </a:rPr>
+                        <m:t>(</m:t>
+                      </m:r>
+                      <m:r>
+                        <a:rPr lang="fr-FR" b="0" i="1" smtClean="0">
+                          <a:latin typeface="Cambria Math" panose="02040503050406030204" pitchFamily="18" charset="0"/>
+                        </a:rPr>
+                        <m:t>𝑝</m:t>
+                      </m:r>
+                      <m:r>
+                        <a:rPr lang="fr-FR" b="0" i="1" smtClean="0">
+                          <a:latin typeface="Cambria Math" panose="02040503050406030204" pitchFamily="18" charset="0"/>
+                        </a:rPr>
+                        <m:t>)</m:t>
+                      </m:r>
+                    </m:oMath>
+                  </m:oMathPara>
+                </a14:m>
+                <a:endParaRPr lang="fr-FR" dirty="0"/>
+              </a:p>
+            </p:txBody>
+          </p:sp>
+        </mc:Choice>
+        <mc:Fallback>
+          <p:sp>
+            <p:nvSpPr>
+              <p:cNvPr id="39" name="ZoneTexte 38">
+                <a:extLst>
+                  <a:ext uri="{FF2B5EF4-FFF2-40B4-BE49-F238E27FC236}">
+                    <a16:creationId xmlns:a16="http://schemas.microsoft.com/office/drawing/2014/main" id="{AD939945-FDE0-4C91-9655-E8AF65E416C4}"/>
+                  </a:ext>
+                </a:extLst>
+              </p:cNvPr>
+              <p:cNvSpPr txBox="1">
+                <a:spLocks noRot="1" noChangeAspect="1" noMove="1" noResize="1" noEditPoints="1" noAdjustHandles="1" noChangeArrowheads="1" noChangeShapeType="1" noTextEdit="1"/>
+              </p:cNvSpPr>
+              <p:nvPr/>
+            </p:nvSpPr>
+            <p:spPr>
+              <a:xfrm>
+                <a:off x="9081190" y="1342073"/>
+                <a:ext cx="833120" cy="369332"/>
+              </a:xfrm>
+              <a:prstGeom prst="rect">
+                <a:avLst/>
+              </a:prstGeom>
+              <a:blipFill>
+                <a:blip r:embed="rId11"/>
+                <a:stretch>
+                  <a:fillRect b="-13115"/>
+                </a:stretch>
+              </a:blipFill>
+            </p:spPr>
+            <p:txBody>
+              <a:bodyPr/>
+              <a:lstStyle/>
+              <a:p>
+                <a:r>
+                  <a:rPr lang="fr-FR">
+                    <a:noFill/>
+                  </a:rPr>
+                  <a:t> </a:t>
+                </a:r>
+              </a:p>
+            </p:txBody>
+          </p:sp>
+        </mc:Fallback>
+      </mc:AlternateContent>
+      <p:cxnSp>
+        <p:nvCxnSpPr>
+          <p:cNvPr id="40" name="Connecteur droit avec flèche 39">
+            <a:extLst>
+              <a:ext uri="{FF2B5EF4-FFF2-40B4-BE49-F238E27FC236}">
+                <a16:creationId xmlns:a16="http://schemas.microsoft.com/office/drawing/2014/main" id="{B147E23B-4D06-4307-99F9-B76443FAE8DD}"/>
+              </a:ext>
+            </a:extLst>
+          </p:cNvPr>
+          <p:cNvCxnSpPr>
+            <a:cxnSpLocks/>
+          </p:cNvCxnSpPr>
+          <p:nvPr/>
+        </p:nvCxnSpPr>
+        <p:spPr>
+          <a:xfrm flipV="1">
+            <a:off x="9107550" y="1770070"/>
+            <a:ext cx="576000" cy="1"/>
+          </a:xfrm>
+          <a:prstGeom prst="straightConnector1">
+            <a:avLst/>
+          </a:prstGeom>
+          <a:ln w="19050">
+            <a:solidFill>
+              <a:schemeClr val="tx1"/>
+            </a:solidFill>
+            <a:tailEnd type="stealth" w="med" len="lg"/>
+          </a:ln>
+        </p:spPr>
+        <p:style>
+          <a:lnRef idx="1">
+            <a:schemeClr val="accent1"/>
+          </a:lnRef>
+          <a:fillRef idx="0">
+            <a:schemeClr val="accent1"/>
+          </a:fillRef>
+          <a:effectRef idx="0">
+            <a:schemeClr val="accent1"/>
+          </a:effectRef>
+          <a:fontRef idx="minor">
+            <a:schemeClr val="tx1"/>
+          </a:fontRef>
+        </p:style>
+      </p:cxnSp>
+      <mc:AlternateContent xmlns:mc="http://schemas.openxmlformats.org/markup-compatibility/2006">
+        <mc:Choice xmlns:a14="http://schemas.microsoft.com/office/drawing/2010/main" Requires="a14">
+          <p:sp>
+            <p:nvSpPr>
+              <p:cNvPr id="41" name="ZoneTexte 40">
+                <a:extLst>
+                  <a:ext uri="{FF2B5EF4-FFF2-40B4-BE49-F238E27FC236}">
+                    <a16:creationId xmlns:a16="http://schemas.microsoft.com/office/drawing/2014/main" id="{7F16089F-1A50-4280-8E9E-ADDDDB882286}"/>
+                  </a:ext>
+                </a:extLst>
+              </p:cNvPr>
+              <p:cNvSpPr txBox="1"/>
+              <p:nvPr/>
+            </p:nvSpPr>
+            <p:spPr>
+              <a:xfrm>
+                <a:off x="7352790" y="1342073"/>
+                <a:ext cx="833120" cy="369332"/>
+              </a:xfrm>
+              <a:prstGeom prst="rect">
+                <a:avLst/>
+              </a:prstGeom>
+              <a:noFill/>
+            </p:spPr>
+            <p:txBody>
+              <a:bodyPr wrap="square" rtlCol="0">
+                <a:spAutoFit/>
+              </a:bodyPr>
+              <a:lstStyle/>
+              <a:p>
+                <a:pPr/>
+                <a14:m>
+                  <m:oMathPara xmlns:m="http://schemas.openxmlformats.org/officeDocument/2006/math">
+                    <m:oMathParaPr>
+                      <m:jc m:val="centerGroup"/>
+                    </m:oMathParaPr>
+                    <m:oMath xmlns:m="http://schemas.openxmlformats.org/officeDocument/2006/math">
+                      <m:sSup>
+                        <m:sSupPr>
+                          <m:ctrlPr>
+                            <a:rPr lang="fr-FR" b="0" i="1" smtClean="0">
+                              <a:latin typeface="Cambria Math" panose="02040503050406030204" pitchFamily="18" charset="0"/>
+                            </a:rPr>
+                          </m:ctrlPr>
+                        </m:sSupPr>
+                        <m:e>
+                          <m:r>
+                            <a:rPr lang="fr-FR" b="0" i="1" smtClean="0">
+                              <a:latin typeface="Cambria Math" panose="02040503050406030204" pitchFamily="18" charset="0"/>
+                            </a:rPr>
+                            <m:t>𝑍</m:t>
+                          </m:r>
+                        </m:e>
+                        <m:sup>
+                          <m:r>
+                            <a:rPr lang="fr-FR" b="0" i="1" smtClean="0">
+                              <a:latin typeface="Cambria Math" panose="02040503050406030204" pitchFamily="18" charset="0"/>
+                            </a:rPr>
+                            <m:t>∗</m:t>
+                          </m:r>
+                        </m:sup>
+                      </m:sSup>
+                      <m:r>
+                        <a:rPr lang="fr-FR" b="0" i="1" smtClean="0">
+                          <a:latin typeface="Cambria Math" panose="02040503050406030204" pitchFamily="18" charset="0"/>
+                        </a:rPr>
+                        <m:t>(</m:t>
+                      </m:r>
+                      <m:r>
+                        <a:rPr lang="fr-FR" b="0" i="1" smtClean="0">
+                          <a:latin typeface="Cambria Math" panose="02040503050406030204" pitchFamily="18" charset="0"/>
+                        </a:rPr>
+                        <m:t>𝑝</m:t>
+                      </m:r>
+                      <m:r>
+                        <a:rPr lang="fr-FR" b="0" i="1" smtClean="0">
+                          <a:latin typeface="Cambria Math" panose="02040503050406030204" pitchFamily="18" charset="0"/>
+                        </a:rPr>
+                        <m:t>)</m:t>
+                      </m:r>
+                    </m:oMath>
+                  </m:oMathPara>
+                </a14:m>
+                <a:endParaRPr lang="fr-FR" dirty="0"/>
+              </a:p>
+            </p:txBody>
+          </p:sp>
+        </mc:Choice>
+        <mc:Fallback>
+          <p:sp>
+            <p:nvSpPr>
+              <p:cNvPr id="41" name="ZoneTexte 40">
+                <a:extLst>
+                  <a:ext uri="{FF2B5EF4-FFF2-40B4-BE49-F238E27FC236}">
+                    <a16:creationId xmlns:a16="http://schemas.microsoft.com/office/drawing/2014/main" id="{7F16089F-1A50-4280-8E9E-ADDDDB882286}"/>
+                  </a:ext>
+                </a:extLst>
+              </p:cNvPr>
+              <p:cNvSpPr txBox="1">
+                <a:spLocks noRot="1" noChangeAspect="1" noMove="1" noResize="1" noEditPoints="1" noAdjustHandles="1" noChangeArrowheads="1" noChangeShapeType="1" noTextEdit="1"/>
+              </p:cNvSpPr>
+              <p:nvPr/>
+            </p:nvSpPr>
+            <p:spPr>
+              <a:xfrm>
+                <a:off x="7352790" y="1342073"/>
+                <a:ext cx="833120" cy="369332"/>
+              </a:xfrm>
+              <a:prstGeom prst="rect">
+                <a:avLst/>
+              </a:prstGeom>
+              <a:blipFill>
+                <a:blip r:embed="rId12"/>
+                <a:stretch>
+                  <a:fillRect b="-13115"/>
+                </a:stretch>
+              </a:blipFill>
+            </p:spPr>
+            <p:txBody>
+              <a:bodyPr/>
+              <a:lstStyle/>
+              <a:p>
+                <a:r>
+                  <a:rPr lang="fr-FR">
+                    <a:noFill/>
+                  </a:rPr>
+                  <a:t> </a:t>
+                </a:r>
+              </a:p>
+            </p:txBody>
+          </p:sp>
+        </mc:Fallback>
+      </mc:AlternateContent>
+      <mc:AlternateContent xmlns:mc="http://schemas.openxmlformats.org/markup-compatibility/2006">
+        <mc:Choice xmlns:a14="http://schemas.microsoft.com/office/drawing/2010/main" Requires="a14">
+          <p:sp>
+            <p:nvSpPr>
+              <p:cNvPr id="42" name="Rectangle 41">
+                <a:extLst>
+                  <a:ext uri="{FF2B5EF4-FFF2-40B4-BE49-F238E27FC236}">
+                    <a16:creationId xmlns:a16="http://schemas.microsoft.com/office/drawing/2014/main" id="{7F88A48B-AF48-4074-BC81-FB3BD883ABAC}"/>
+                  </a:ext>
+                </a:extLst>
+              </p:cNvPr>
+              <p:cNvSpPr/>
+              <p:nvPr/>
+            </p:nvSpPr>
+            <p:spPr>
+              <a:xfrm>
+                <a:off x="8099550" y="1518070"/>
+                <a:ext cx="1008000" cy="504000"/>
+              </a:xfrm>
+              <a:prstGeom prst="rect">
+                <a:avLst/>
+              </a:prstGeom>
+              <a:noFill/>
+              <a:ln w="19050">
+                <a:solidFill>
+                  <a:schemeClr val="tx1"/>
+                </a:solidFill>
+              </a:ln>
+            </p:spPr>
+            <p:style>
+              <a:lnRef idx="2">
+                <a:schemeClr val="accent1">
+                  <a:shade val="50000"/>
+                </a:schemeClr>
+              </a:lnRef>
+              <a:fillRef idx="1">
+                <a:schemeClr val="accent1"/>
+              </a:fillRef>
+              <a:effectRef idx="0">
+                <a:schemeClr val="accent1"/>
+              </a:effectRef>
+              <a:fontRef idx="minor">
+                <a:schemeClr val="lt1"/>
+              </a:fontRef>
+            </p:style>
+            <p:txBody>
+              <a:bodyPr rtlCol="0" anchor="ctr"/>
+              <a:lstStyle/>
+              <a:p>
+                <a:pPr algn="ctr"/>
+                <a14:m>
+                  <m:oMathPara xmlns:m="http://schemas.openxmlformats.org/officeDocument/2006/math">
+                    <m:oMathParaPr>
+                      <m:jc m:val="centerGroup"/>
+                    </m:oMathParaPr>
+                    <m:oMath xmlns:m="http://schemas.openxmlformats.org/officeDocument/2006/math">
+                      <m:r>
+                        <a:rPr lang="fr-FR" b="0" i="1" smtClean="0">
+                          <a:solidFill>
+                            <a:sysClr val="windowText" lastClr="000000"/>
+                          </a:solidFill>
+                          <a:latin typeface="Cambria Math" panose="02040503050406030204" pitchFamily="18" charset="0"/>
+                        </a:rPr>
+                        <m:t>𝐻</m:t>
+                      </m:r>
+                      <m:r>
+                        <a:rPr lang="fr-FR" b="0" i="1" smtClean="0">
+                          <a:solidFill>
+                            <a:sysClr val="windowText" lastClr="000000"/>
+                          </a:solidFill>
+                          <a:latin typeface="Cambria Math" panose="02040503050406030204" pitchFamily="18" charset="0"/>
+                        </a:rPr>
+                        <m:t>(</m:t>
+                      </m:r>
+                      <m:r>
+                        <a:rPr lang="fr-FR" b="0" i="1" smtClean="0">
+                          <a:solidFill>
+                            <a:sysClr val="windowText" lastClr="000000"/>
+                          </a:solidFill>
+                          <a:latin typeface="Cambria Math" panose="02040503050406030204" pitchFamily="18" charset="0"/>
+                        </a:rPr>
+                        <m:t>𝑝</m:t>
+                      </m:r>
+                      <m:r>
+                        <a:rPr lang="fr-FR" b="0" i="1" smtClean="0">
+                          <a:solidFill>
+                            <a:sysClr val="windowText" lastClr="000000"/>
+                          </a:solidFill>
+                          <a:latin typeface="Cambria Math" panose="02040503050406030204" pitchFamily="18" charset="0"/>
+                        </a:rPr>
+                        <m:t>)</m:t>
+                      </m:r>
+                    </m:oMath>
+                  </m:oMathPara>
+                </a14:m>
+                <a:endParaRPr lang="fr-FR" dirty="0">
+                  <a:solidFill>
+                    <a:sysClr val="windowText" lastClr="000000"/>
+                  </a:solidFill>
+                </a:endParaRPr>
+              </a:p>
+            </p:txBody>
+          </p:sp>
+        </mc:Choice>
+        <mc:Fallback>
+          <p:sp>
+            <p:nvSpPr>
+              <p:cNvPr id="42" name="Rectangle 41">
+                <a:extLst>
+                  <a:ext uri="{FF2B5EF4-FFF2-40B4-BE49-F238E27FC236}">
+                    <a16:creationId xmlns:a16="http://schemas.microsoft.com/office/drawing/2014/main" id="{7F88A48B-AF48-4074-BC81-FB3BD883ABAC}"/>
+                  </a:ext>
+                </a:extLst>
+              </p:cNvPr>
+              <p:cNvSpPr>
+                <a:spLocks noRot="1" noChangeAspect="1" noMove="1" noResize="1" noEditPoints="1" noAdjustHandles="1" noChangeArrowheads="1" noChangeShapeType="1" noTextEdit="1"/>
+              </p:cNvSpPr>
+              <p:nvPr/>
+            </p:nvSpPr>
+            <p:spPr>
+              <a:xfrm>
+                <a:off x="8099550" y="1518070"/>
+                <a:ext cx="1008000" cy="504000"/>
+              </a:xfrm>
+              <a:prstGeom prst="rect">
+                <a:avLst/>
+              </a:prstGeom>
+              <a:blipFill>
+                <a:blip r:embed="rId13"/>
+                <a:stretch>
+                  <a:fillRect/>
+                </a:stretch>
+              </a:blipFill>
+              <a:ln w="19050">
+                <a:solidFill>
+                  <a:schemeClr val="tx1"/>
+                </a:solidFill>
+              </a:ln>
+            </p:spPr>
+            <p:txBody>
+              <a:bodyPr/>
+              <a:lstStyle/>
+              <a:p>
+                <a:r>
+                  <a:rPr lang="fr-FR">
+                    <a:noFill/>
+                  </a:rPr>
+                  <a:t> </a:t>
+                </a:r>
+              </a:p>
+            </p:txBody>
+          </p:sp>
+        </mc:Fallback>
+      </mc:AlternateContent>
+      <p:cxnSp>
+        <p:nvCxnSpPr>
+          <p:cNvPr id="43" name="Connecteur droit avec flèche 42">
+            <a:extLst>
+              <a:ext uri="{FF2B5EF4-FFF2-40B4-BE49-F238E27FC236}">
+                <a16:creationId xmlns:a16="http://schemas.microsoft.com/office/drawing/2014/main" id="{2B86358A-BDBA-4667-99B9-F188BAD9DE07}"/>
+              </a:ext>
+            </a:extLst>
+          </p:cNvPr>
+          <p:cNvCxnSpPr>
+            <a:cxnSpLocks/>
+          </p:cNvCxnSpPr>
+          <p:nvPr/>
+        </p:nvCxnSpPr>
+        <p:spPr>
+          <a:xfrm flipV="1">
+            <a:off x="7523550" y="1770070"/>
+            <a:ext cx="576000" cy="1"/>
+          </a:xfrm>
+          <a:prstGeom prst="straightConnector1">
+            <a:avLst/>
+          </a:prstGeom>
+          <a:ln w="19050">
+            <a:solidFill>
+              <a:schemeClr val="tx1"/>
+            </a:solidFill>
+            <a:tailEnd type="stealth" w="med" len="lg"/>
+          </a:ln>
+        </p:spPr>
+        <p:style>
+          <a:lnRef idx="1">
+            <a:schemeClr val="accent1"/>
+          </a:lnRef>
+          <a:fillRef idx="0">
+            <a:schemeClr val="accent1"/>
+          </a:fillRef>
+          <a:effectRef idx="0">
+            <a:schemeClr val="accent1"/>
+          </a:effectRef>
+          <a:fontRef idx="minor">
+            <a:schemeClr val="tx1"/>
+          </a:fontRef>
+        </p:style>
+      </p:cxnSp>
+    </p:spTree>
+    <p:extLst>
+      <p:ext uri="{BB962C8B-B14F-4D97-AF65-F5344CB8AC3E}">
+        <p14:creationId xmlns:p14="http://schemas.microsoft.com/office/powerpoint/2010/main" val="1464393217"/>
+      </p:ext>
+    </p:extLst>
+  </p:cSld>
+  <p:clrMapOvr>
+    <a:masterClrMapping/>
+  </p:clrMapOvr>
+</p:sld>
+</file>
+
+<file path=ppt/slides/slide2.xml><?xml version="1.0" encoding="utf-8"?>
+<p:sld xmlns:a="http://schemas.openxmlformats.org/drawingml/2006/main" xmlns:r="http://schemas.openxmlformats.org/officeDocument/2006/relationships" xmlns:p="http://schemas.openxmlformats.org/presentationml/2006/main">
+  <p:cSld>
+    <p:spTree>
+      <p:nvGrpSpPr>
+        <p:cNvPr id="1" name=""/>
+        <p:cNvGrpSpPr/>
+        <p:nvPr/>
+      </p:nvGrpSpPr>
+      <p:grpSpPr>
+        <a:xfrm>
+          <a:off x="0" y="0"/>
+          <a:ext cx="0" cy="0"/>
+          <a:chOff x="0" y="0"/>
+          <a:chExt cx="0" cy="0"/>
+        </a:xfrm>
+      </p:grpSpPr>
+      <p:sp>
+        <p:nvSpPr>
+          <p:cNvPr id="2" name="Titre 1">
+            <a:extLst>
+              <a:ext uri="{FF2B5EF4-FFF2-40B4-BE49-F238E27FC236}">
+                <a16:creationId xmlns:a16="http://schemas.microsoft.com/office/drawing/2014/main" id="{384FB6E9-3115-4FFD-A0BC-7AAC54CF3893}"/>
+              </a:ext>
+            </a:extLst>
+          </p:cNvPr>
+          <p:cNvSpPr>
+            <a:spLocks noGrp="1"/>
+          </p:cNvSpPr>
+          <p:nvPr>
+            <p:ph type="title"/>
+          </p:nvPr>
+        </p:nvSpPr>
+        <p:spPr/>
+        <p:txBody>
+          <a:bodyPr/>
+          <a:lstStyle/>
+          <a:p>
+            <a:endParaRPr lang="fr-FR"/>
+          </a:p>
+        </p:txBody>
+      </p:sp>
+      <mc:AlternateContent xmlns:mc="http://schemas.openxmlformats.org/markup-compatibility/2006">
+        <mc:Choice xmlns:a14="http://schemas.microsoft.com/office/drawing/2010/main" Requires="a14">
+          <p:sp>
+            <p:nvSpPr>
+              <p:cNvPr id="3" name="Espace réservé du contenu 2">
+                <a:extLst>
+                  <a:ext uri="{FF2B5EF4-FFF2-40B4-BE49-F238E27FC236}">
+                    <a16:creationId xmlns:a16="http://schemas.microsoft.com/office/drawing/2014/main" id="{2CB76040-025C-4456-9916-A164E1C98B01}"/>
+                  </a:ext>
+                </a:extLst>
+              </p:cNvPr>
+              <p:cNvSpPr>
+                <a:spLocks noGrp="1"/>
+              </p:cNvSpPr>
+              <p:nvPr>
+                <p:ph idx="1"/>
+              </p:nvPr>
+            </p:nvSpPr>
+            <p:spPr/>
+            <p:txBody>
+              <a:bodyPr/>
+              <a:lstStyle/>
+              <a:p>
+                <a:pPr marL="0" indent="0">
+                  <a:buNone/>
+                </a:pPr>
+                <a:r>
+                  <a:rPr lang="fr-FR" dirty="0"/>
+                  <a:t> </a:t>
+                </a:r>
+                <a14:m>
+                  <m:oMath xmlns:m="http://schemas.openxmlformats.org/officeDocument/2006/math">
+                    <m:r>
+                      <a:rPr lang="fr-FR" b="0" i="1" smtClean="0">
+                        <a:latin typeface="Cambria Math" panose="02040503050406030204" pitchFamily="18" charset="0"/>
+                      </a:rPr>
+                      <m:t>𝐻</m:t>
+                    </m:r>
+                    <m:d>
+                      <m:dPr>
+                        <m:ctrlPr>
+                          <a:rPr lang="fr-FR" b="0" i="1" smtClean="0">
+                            <a:latin typeface="Cambria Math" panose="02040503050406030204" pitchFamily="18" charset="0"/>
+                          </a:rPr>
+                        </m:ctrlPr>
+                      </m:dPr>
+                      <m:e>
+                        <m:r>
+                          <a:rPr lang="fr-FR" b="0" i="1" smtClean="0">
+                            <a:latin typeface="Cambria Math" panose="02040503050406030204" pitchFamily="18" charset="0"/>
+                          </a:rPr>
+                          <m:t>𝑝</m:t>
+                        </m:r>
+                      </m:e>
+                    </m:d>
+                    <m:r>
+                      <a:rPr lang="fr-FR" b="0" i="1" smtClean="0">
+                        <a:latin typeface="Cambria Math" panose="02040503050406030204" pitchFamily="18" charset="0"/>
+                      </a:rPr>
+                      <m:t>=</m:t>
+                    </m:r>
+                    <m:f>
+                      <m:fPr>
+                        <m:ctrlPr>
+                          <a:rPr lang="fr-FR" b="0" i="1" smtClean="0">
+                            <a:latin typeface="Cambria Math" panose="02040503050406030204" pitchFamily="18" charset="0"/>
+                          </a:rPr>
+                        </m:ctrlPr>
+                      </m:fPr>
+                      <m:num>
+                        <m:r>
+                          <a:rPr lang="fr-FR" b="0" i="1" smtClean="0">
+                            <a:latin typeface="Cambria Math" panose="02040503050406030204" pitchFamily="18" charset="0"/>
+                          </a:rPr>
+                          <m:t>𝐾</m:t>
+                        </m:r>
+                      </m:num>
+                      <m:den>
+                        <m:r>
+                          <a:rPr lang="fr-FR" b="0" i="1" smtClean="0">
+                            <a:latin typeface="Cambria Math" panose="02040503050406030204" pitchFamily="18" charset="0"/>
+                          </a:rPr>
+                          <m:t>1+</m:t>
+                        </m:r>
+                        <m:r>
+                          <a:rPr lang="fr-FR" b="0" i="1" smtClean="0">
+                            <a:latin typeface="Cambria Math" panose="02040503050406030204" pitchFamily="18" charset="0"/>
+                          </a:rPr>
+                          <m:t>𝜏</m:t>
+                        </m:r>
+                        <m:r>
+                          <a:rPr lang="fr-FR" b="0" i="1" smtClean="0">
+                            <a:latin typeface="Cambria Math" panose="02040503050406030204" pitchFamily="18" charset="0"/>
+                          </a:rPr>
+                          <m:t>𝑝</m:t>
+                        </m:r>
+                      </m:den>
+                    </m:f>
+                  </m:oMath>
+                </a14:m>
+                <a:endParaRPr lang="fr-FR" b="0" dirty="0"/>
+              </a:p>
+              <a:p>
+                <a:pPr marL="0" indent="0">
+                  <a:buNone/>
+                </a:pPr>
+                <a14:m>
+                  <m:oMathPara xmlns:m="http://schemas.openxmlformats.org/officeDocument/2006/math">
+                    <m:oMathParaPr>
+                      <m:jc m:val="centerGroup"/>
+                    </m:oMathParaPr>
+                    <m:oMath xmlns:m="http://schemas.openxmlformats.org/officeDocument/2006/math">
+                      <m:r>
+                        <a:rPr lang="fr-FR" i="1">
+                          <a:latin typeface="Cambria Math" panose="02040503050406030204" pitchFamily="18" charset="0"/>
+                        </a:rPr>
+                        <m:t>𝐻</m:t>
+                      </m:r>
+                      <m:d>
+                        <m:dPr>
+                          <m:ctrlPr>
+                            <a:rPr lang="fr-FR" i="1">
+                              <a:latin typeface="Cambria Math" panose="02040503050406030204" pitchFamily="18" charset="0"/>
+                            </a:rPr>
+                          </m:ctrlPr>
+                        </m:dPr>
+                        <m:e>
+                          <m:r>
+                            <a:rPr lang="fr-FR" b="0" i="1" smtClean="0">
+                              <a:latin typeface="Cambria Math" panose="02040503050406030204" pitchFamily="18" charset="0"/>
+                            </a:rPr>
+                            <m:t>𝑗</m:t>
+                          </m:r>
+                          <m:r>
+                            <a:rPr lang="fr-FR" b="0" i="1" smtClean="0">
+                              <a:latin typeface="Cambria Math" panose="02040503050406030204" pitchFamily="18" charset="0"/>
+                            </a:rPr>
+                            <m:t>𝜔</m:t>
+                          </m:r>
+                        </m:e>
+                      </m:d>
+                      <m:r>
+                        <a:rPr lang="fr-FR" b="0" i="1" smtClean="0">
+                          <a:latin typeface="Cambria Math" panose="02040503050406030204" pitchFamily="18" charset="0"/>
+                        </a:rPr>
+                        <m:t>=</m:t>
+                      </m:r>
+                      <m:f>
+                        <m:fPr>
+                          <m:ctrlPr>
+                            <a:rPr lang="fr-FR" i="1">
+                              <a:latin typeface="Cambria Math" panose="02040503050406030204" pitchFamily="18" charset="0"/>
+                            </a:rPr>
+                          </m:ctrlPr>
+                        </m:fPr>
+                        <m:num>
+                          <m:r>
+                            <a:rPr lang="fr-FR" i="1">
+                              <a:latin typeface="Cambria Math" panose="02040503050406030204" pitchFamily="18" charset="0"/>
+                            </a:rPr>
+                            <m:t>𝐾</m:t>
+                          </m:r>
+                        </m:num>
+                        <m:den>
+                          <m:r>
+                            <a:rPr lang="fr-FR" i="1">
+                              <a:latin typeface="Cambria Math" panose="02040503050406030204" pitchFamily="18" charset="0"/>
+                            </a:rPr>
+                            <m:t>1+</m:t>
+                          </m:r>
+                          <m:r>
+                            <a:rPr lang="fr-FR" b="0" i="1" smtClean="0">
+                              <a:latin typeface="Cambria Math" panose="02040503050406030204" pitchFamily="18" charset="0"/>
+                            </a:rPr>
+                            <m:t>𝑗</m:t>
+                          </m:r>
+                          <m:r>
+                            <a:rPr lang="fr-FR" b="0" i="1" smtClean="0">
+                              <a:latin typeface="Cambria Math" panose="02040503050406030204" pitchFamily="18" charset="0"/>
+                            </a:rPr>
+                            <m:t>𝜔𝜏</m:t>
+                          </m:r>
+                        </m:den>
+                      </m:f>
+                    </m:oMath>
+                  </m:oMathPara>
+                </a14:m>
+                <a:endParaRPr lang="fr-FR" dirty="0"/>
+              </a:p>
+              <a:p>
+                <a:pPr marL="0" indent="0">
+                  <a:buNone/>
+                </a:pPr>
+                <a14:m>
+                  <m:oMathPara xmlns:m="http://schemas.openxmlformats.org/officeDocument/2006/math">
+                    <m:oMathParaPr>
+                      <m:jc m:val="centerGroup"/>
+                    </m:oMathParaPr>
+                    <m:oMath xmlns:m="http://schemas.openxmlformats.org/officeDocument/2006/math">
+                      <m:d>
+                        <m:dPr>
+                          <m:begChr m:val="|"/>
+                          <m:endChr m:val="|"/>
+                          <m:ctrlPr>
+                            <a:rPr lang="fr-FR" b="0" i="1" smtClean="0">
+                              <a:latin typeface="Cambria Math" panose="02040503050406030204" pitchFamily="18" charset="0"/>
+                            </a:rPr>
+                          </m:ctrlPr>
+                        </m:dPr>
+                        <m:e>
+                          <m:d>
+                            <m:dPr>
+                              <m:begChr m:val="|"/>
+                              <m:endChr m:val="|"/>
+                              <m:ctrlPr>
+                                <a:rPr lang="fr-FR" b="0" i="1" smtClean="0">
+                                  <a:latin typeface="Cambria Math" panose="02040503050406030204" pitchFamily="18" charset="0"/>
+                                </a:rPr>
+                              </m:ctrlPr>
+                            </m:dPr>
+                            <m:e>
+                              <m:r>
+                                <a:rPr lang="fr-FR" i="1">
+                                  <a:latin typeface="Cambria Math" panose="02040503050406030204" pitchFamily="18" charset="0"/>
+                                </a:rPr>
+                                <m:t>𝐻</m:t>
+                              </m:r>
+                              <m:d>
+                                <m:dPr>
+                                  <m:ctrlPr>
+                                    <a:rPr lang="fr-FR" i="1">
+                                      <a:latin typeface="Cambria Math" panose="02040503050406030204" pitchFamily="18" charset="0"/>
+                                    </a:rPr>
+                                  </m:ctrlPr>
+                                </m:dPr>
+                                <m:e>
+                                  <m:r>
+                                    <a:rPr lang="fr-FR" i="1">
+                                      <a:latin typeface="Cambria Math" panose="02040503050406030204" pitchFamily="18" charset="0"/>
+                                    </a:rPr>
+                                    <m:t>𝑗</m:t>
+                                  </m:r>
+                                  <m:r>
+                                    <a:rPr lang="fr-FR" i="1">
+                                      <a:latin typeface="Cambria Math" panose="02040503050406030204" pitchFamily="18" charset="0"/>
+                                    </a:rPr>
+                                    <m:t>𝜔</m:t>
+                                  </m:r>
+                                </m:e>
+                              </m:d>
+                            </m:e>
+                          </m:d>
+                        </m:e>
+                      </m:d>
+                      <m:r>
+                        <a:rPr lang="fr-FR" i="1">
+                          <a:latin typeface="Cambria Math" panose="02040503050406030204" pitchFamily="18" charset="0"/>
+                        </a:rPr>
+                        <m:t>=</m:t>
+                      </m:r>
+                      <m:r>
+                        <a:rPr lang="fr-FR" b="0" i="1" smtClean="0">
+                          <a:latin typeface="Cambria Math" panose="02040503050406030204" pitchFamily="18" charset="0"/>
+                        </a:rPr>
+                        <m:t>𝐾</m:t>
+                      </m:r>
+                      <m:d>
+                        <m:dPr>
+                          <m:begChr m:val="‖"/>
+                          <m:endChr m:val="‖"/>
+                          <m:ctrlPr>
+                            <a:rPr lang="fr-FR" i="1" smtClean="0">
+                              <a:latin typeface="Cambria Math" panose="02040503050406030204" pitchFamily="18" charset="0"/>
+                            </a:rPr>
+                          </m:ctrlPr>
+                        </m:dPr>
+                        <m:e>
+                          <m:f>
+                            <m:fPr>
+                              <m:ctrlPr>
+                                <a:rPr lang="fr-FR" i="1">
+                                  <a:latin typeface="Cambria Math" panose="02040503050406030204" pitchFamily="18" charset="0"/>
+                                </a:rPr>
+                              </m:ctrlPr>
+                            </m:fPr>
+                            <m:num>
+                              <m:r>
+                                <a:rPr lang="fr-FR" i="1">
+                                  <a:latin typeface="Cambria Math" panose="02040503050406030204" pitchFamily="18" charset="0"/>
+                                </a:rPr>
+                                <m:t>1−</m:t>
+                              </m:r>
+                              <m:r>
+                                <a:rPr lang="fr-FR" i="1">
+                                  <a:latin typeface="Cambria Math" panose="02040503050406030204" pitchFamily="18" charset="0"/>
+                                </a:rPr>
+                                <m:t>𝑗</m:t>
+                              </m:r>
+                              <m:r>
+                                <a:rPr lang="fr-FR" i="1">
+                                  <a:latin typeface="Cambria Math" panose="02040503050406030204" pitchFamily="18" charset="0"/>
+                                </a:rPr>
+                                <m:t>𝜔𝜏</m:t>
+                              </m:r>
+                            </m:num>
+                            <m:den>
+                              <m:d>
+                                <m:dPr>
+                                  <m:ctrlPr>
+                                    <a:rPr lang="fr-FR" i="1">
+                                      <a:latin typeface="Cambria Math" panose="02040503050406030204" pitchFamily="18" charset="0"/>
+                                    </a:rPr>
+                                  </m:ctrlPr>
+                                </m:dPr>
+                                <m:e>
+                                  <m:r>
+                                    <a:rPr lang="fr-FR" i="1">
+                                      <a:latin typeface="Cambria Math" panose="02040503050406030204" pitchFamily="18" charset="0"/>
+                                    </a:rPr>
+                                    <m:t>1+</m:t>
+                                  </m:r>
+                                  <m:r>
+                                    <a:rPr lang="fr-FR" i="1">
+                                      <a:latin typeface="Cambria Math" panose="02040503050406030204" pitchFamily="18" charset="0"/>
+                                    </a:rPr>
+                                    <m:t>𝑗</m:t>
+                                  </m:r>
+                                  <m:r>
+                                    <a:rPr lang="fr-FR" i="1">
+                                      <a:latin typeface="Cambria Math" panose="02040503050406030204" pitchFamily="18" charset="0"/>
+                                    </a:rPr>
+                                    <m:t>𝜔𝜏</m:t>
+                                  </m:r>
+                                </m:e>
+                              </m:d>
+                              <m:d>
+                                <m:dPr>
+                                  <m:ctrlPr>
+                                    <a:rPr lang="fr-FR" i="1">
+                                      <a:latin typeface="Cambria Math" panose="02040503050406030204" pitchFamily="18" charset="0"/>
+                                    </a:rPr>
+                                  </m:ctrlPr>
+                                </m:dPr>
+                                <m:e>
+                                  <m:r>
+                                    <a:rPr lang="fr-FR" i="1">
+                                      <a:latin typeface="Cambria Math" panose="02040503050406030204" pitchFamily="18" charset="0"/>
+                                    </a:rPr>
+                                    <m:t>1−</m:t>
+                                  </m:r>
+                                  <m:r>
+                                    <a:rPr lang="fr-FR" i="1">
+                                      <a:latin typeface="Cambria Math" panose="02040503050406030204" pitchFamily="18" charset="0"/>
+                                    </a:rPr>
+                                    <m:t>𝑗</m:t>
+                                  </m:r>
+                                  <m:r>
+                                    <a:rPr lang="fr-FR" i="1">
+                                      <a:latin typeface="Cambria Math" panose="02040503050406030204" pitchFamily="18" charset="0"/>
+                                    </a:rPr>
+                                    <m:t>𝜔𝜏</m:t>
+                                  </m:r>
+                                </m:e>
+                              </m:d>
+                            </m:den>
+                          </m:f>
+                        </m:e>
+                      </m:d>
+                      <m:r>
+                        <a:rPr lang="fr-FR" i="1">
+                          <a:latin typeface="Cambria Math" panose="02040503050406030204" pitchFamily="18" charset="0"/>
+                        </a:rPr>
+                        <m:t>=</m:t>
+                      </m:r>
+                      <m:r>
+                        <a:rPr lang="fr-FR" b="0" i="1" smtClean="0">
+                          <a:latin typeface="Cambria Math" panose="02040503050406030204" pitchFamily="18" charset="0"/>
+                        </a:rPr>
+                        <m:t>𝐾</m:t>
+                      </m:r>
+                      <m:d>
+                        <m:dPr>
+                          <m:begChr m:val="‖"/>
+                          <m:endChr m:val="‖"/>
+                          <m:ctrlPr>
+                            <a:rPr lang="fr-FR" i="1" smtClean="0">
+                              <a:latin typeface="Cambria Math" panose="02040503050406030204" pitchFamily="18" charset="0"/>
+                            </a:rPr>
+                          </m:ctrlPr>
+                        </m:dPr>
+                        <m:e>
+                          <m:f>
+                            <m:fPr>
+                              <m:ctrlPr>
+                                <a:rPr lang="fr-FR" i="1">
+                                  <a:latin typeface="Cambria Math" panose="02040503050406030204" pitchFamily="18" charset="0"/>
+                                </a:rPr>
+                              </m:ctrlPr>
+                            </m:fPr>
+                            <m:num>
+                              <m:r>
+                                <a:rPr lang="fr-FR" i="1">
+                                  <a:latin typeface="Cambria Math" panose="02040503050406030204" pitchFamily="18" charset="0"/>
+                                </a:rPr>
+                                <m:t>1−</m:t>
+                              </m:r>
+                              <m:r>
+                                <a:rPr lang="fr-FR" i="1">
+                                  <a:latin typeface="Cambria Math" panose="02040503050406030204" pitchFamily="18" charset="0"/>
+                                </a:rPr>
+                                <m:t>𝑗</m:t>
+                              </m:r>
+                              <m:r>
+                                <a:rPr lang="fr-FR" i="1">
+                                  <a:latin typeface="Cambria Math" panose="02040503050406030204" pitchFamily="18" charset="0"/>
+                                </a:rPr>
+                                <m:t>𝜔𝜏</m:t>
+                              </m:r>
+                            </m:num>
+                            <m:den>
+                              <m:r>
+                                <a:rPr lang="fr-FR" i="1">
+                                  <a:latin typeface="Cambria Math" panose="02040503050406030204" pitchFamily="18" charset="0"/>
+                                </a:rPr>
+                                <m:t>1+</m:t>
+                              </m:r>
+                              <m:sSup>
+                                <m:sSupPr>
+                                  <m:ctrlPr>
+                                    <a:rPr lang="fr-FR" i="1">
+                                      <a:latin typeface="Cambria Math" panose="02040503050406030204" pitchFamily="18" charset="0"/>
+                                    </a:rPr>
+                                  </m:ctrlPr>
+                                </m:sSupPr>
+                                <m:e>
+                                  <m:r>
+                                    <a:rPr lang="fr-FR" i="1">
+                                      <a:latin typeface="Cambria Math" panose="02040503050406030204" pitchFamily="18" charset="0"/>
+                                    </a:rPr>
+                                    <m:t>𝜔</m:t>
+                                  </m:r>
+                                </m:e>
+                                <m:sup>
+                                  <m:r>
+                                    <a:rPr lang="fr-FR" i="1">
+                                      <a:latin typeface="Cambria Math" panose="02040503050406030204" pitchFamily="18" charset="0"/>
+                                    </a:rPr>
+                                    <m:t>2</m:t>
+                                  </m:r>
+                                </m:sup>
+                              </m:sSup>
+                              <m:sSup>
+                                <m:sSupPr>
+                                  <m:ctrlPr>
+                                    <a:rPr lang="fr-FR" i="1">
+                                      <a:latin typeface="Cambria Math" panose="02040503050406030204" pitchFamily="18" charset="0"/>
+                                    </a:rPr>
+                                  </m:ctrlPr>
+                                </m:sSupPr>
+                                <m:e>
+                                  <m:r>
+                                    <a:rPr lang="fr-FR" i="1">
+                                      <a:latin typeface="Cambria Math" panose="02040503050406030204" pitchFamily="18" charset="0"/>
+                                    </a:rPr>
+                                    <m:t>𝜏</m:t>
+                                  </m:r>
+                                </m:e>
+                                <m:sup>
+                                  <m:r>
+                                    <a:rPr lang="fr-FR" i="1">
+                                      <a:latin typeface="Cambria Math" panose="02040503050406030204" pitchFamily="18" charset="0"/>
+                                    </a:rPr>
+                                    <m:t>2</m:t>
+                                  </m:r>
+                                </m:sup>
+                              </m:sSup>
+                            </m:den>
+                          </m:f>
+                        </m:e>
+                      </m:d>
+                      <m:r>
+                        <a:rPr lang="fr-FR" b="0" i="1" smtClean="0">
+                          <a:latin typeface="Cambria Math" panose="02040503050406030204" pitchFamily="18" charset="0"/>
+                        </a:rPr>
+                        <m:t>=</m:t>
+                      </m:r>
+                      <m:f>
+                        <m:fPr>
+                          <m:ctrlPr>
+                            <a:rPr lang="fr-FR" b="0" i="1" smtClean="0">
+                              <a:latin typeface="Cambria Math" panose="02040503050406030204" pitchFamily="18" charset="0"/>
+                            </a:rPr>
+                          </m:ctrlPr>
+                        </m:fPr>
+                        <m:num>
+                          <m:r>
+                            <a:rPr lang="fr-FR" b="0" i="1" smtClean="0">
+                              <a:latin typeface="Cambria Math" panose="02040503050406030204" pitchFamily="18" charset="0"/>
+                            </a:rPr>
+                            <m:t>𝐾</m:t>
+                          </m:r>
+                        </m:num>
+                        <m:den>
+                          <m:rad>
+                            <m:radPr>
+                              <m:degHide m:val="on"/>
+                              <m:ctrlPr>
+                                <a:rPr lang="fr-FR" i="1">
+                                  <a:latin typeface="Cambria Math" panose="02040503050406030204" pitchFamily="18" charset="0"/>
+                                </a:rPr>
+                              </m:ctrlPr>
+                            </m:radPr>
+                            <m:deg/>
+                            <m:e>
+                              <m:r>
+                                <a:rPr lang="fr-FR" i="1">
+                                  <a:latin typeface="Cambria Math" panose="02040503050406030204" pitchFamily="18" charset="0"/>
+                                </a:rPr>
+                                <m:t>1+</m:t>
+                              </m:r>
+                              <m:sSup>
+                                <m:sSupPr>
+                                  <m:ctrlPr>
+                                    <a:rPr lang="fr-FR" i="1">
+                                      <a:latin typeface="Cambria Math" panose="02040503050406030204" pitchFamily="18" charset="0"/>
+                                    </a:rPr>
+                                  </m:ctrlPr>
+                                </m:sSupPr>
+                                <m:e>
+                                  <m:r>
+                                    <a:rPr lang="fr-FR" i="1">
+                                      <a:latin typeface="Cambria Math" panose="02040503050406030204" pitchFamily="18" charset="0"/>
+                                    </a:rPr>
+                                    <m:t>𝜔</m:t>
+                                  </m:r>
+                                </m:e>
+                                <m:sup>
+                                  <m:r>
+                                    <a:rPr lang="fr-FR" i="1">
+                                      <a:latin typeface="Cambria Math" panose="02040503050406030204" pitchFamily="18" charset="0"/>
+                                    </a:rPr>
+                                    <m:t>2</m:t>
+                                  </m:r>
+                                </m:sup>
+                              </m:sSup>
+                              <m:sSup>
+                                <m:sSupPr>
+                                  <m:ctrlPr>
+                                    <a:rPr lang="fr-FR" i="1">
+                                      <a:latin typeface="Cambria Math" panose="02040503050406030204" pitchFamily="18" charset="0"/>
+                                    </a:rPr>
+                                  </m:ctrlPr>
+                                </m:sSupPr>
+                                <m:e>
+                                  <m:r>
+                                    <a:rPr lang="fr-FR" i="1">
+                                      <a:latin typeface="Cambria Math" panose="02040503050406030204" pitchFamily="18" charset="0"/>
+                                    </a:rPr>
+                                    <m:t>𝜏</m:t>
+                                  </m:r>
+                                </m:e>
+                                <m:sup>
+                                  <m:r>
+                                    <a:rPr lang="fr-FR" i="1">
+                                      <a:latin typeface="Cambria Math" panose="02040503050406030204" pitchFamily="18" charset="0"/>
+                                    </a:rPr>
+                                    <m:t>2</m:t>
+                                  </m:r>
+                                </m:sup>
+                              </m:sSup>
+                            </m:e>
+                          </m:rad>
+                        </m:den>
+                      </m:f>
+                    </m:oMath>
+                  </m:oMathPara>
+                </a14:m>
+                <a:endParaRPr lang="fr-FR" dirty="0"/>
+              </a:p>
+              <a:p>
+                <a:pPr marL="0" indent="0">
+                  <a:buNone/>
+                </a:pPr>
+                <a:endParaRPr lang="fr-FR" dirty="0"/>
+              </a:p>
+              <a:p>
+                <a:pPr marL="0" indent="0">
+                  <a:buNone/>
+                </a:pPr>
+                <a14:m>
+                  <m:oMathPara xmlns:m="http://schemas.openxmlformats.org/officeDocument/2006/math">
+                    <m:oMathParaPr>
+                      <m:jc m:val="centerGroup"/>
+                    </m:oMathParaPr>
+                    <m:oMath xmlns:m="http://schemas.openxmlformats.org/officeDocument/2006/math">
+                      <m:func>
+                        <m:funcPr>
+                          <m:ctrlPr>
+                            <a:rPr lang="fr-FR" b="0" i="1" smtClean="0">
+                              <a:latin typeface="Cambria Math" panose="02040503050406030204" pitchFamily="18" charset="0"/>
+                            </a:rPr>
+                          </m:ctrlPr>
+                        </m:funcPr>
+                        <m:fName>
+                          <m:r>
+                            <m:rPr>
+                              <m:sty m:val="p"/>
+                            </m:rPr>
+                            <a:rPr lang="fr-FR" b="0" i="0" smtClean="0">
+                              <a:latin typeface="Cambria Math" panose="02040503050406030204" pitchFamily="18" charset="0"/>
+                            </a:rPr>
+                            <m:t>arg</m:t>
+                          </m:r>
+                        </m:fName>
+                        <m:e>
+                          <m:r>
+                            <a:rPr lang="fr-FR" b="0" i="1" smtClean="0">
+                              <a:latin typeface="Cambria Math" panose="02040503050406030204" pitchFamily="18" charset="0"/>
+                            </a:rPr>
+                            <m:t>𝐾</m:t>
+                          </m:r>
+                        </m:e>
+                      </m:func>
+                      <m:r>
+                        <a:rPr lang="fr-FR" b="0" i="1" smtClean="0">
+                          <a:latin typeface="Cambria Math" panose="02040503050406030204" pitchFamily="18" charset="0"/>
+                        </a:rPr>
+                        <m:t>−</m:t>
+                      </m:r>
+                      <m:func>
+                        <m:funcPr>
+                          <m:ctrlPr>
+                            <a:rPr lang="fr-FR" b="0" i="1" smtClean="0">
+                              <a:latin typeface="Cambria Math" panose="02040503050406030204" pitchFamily="18" charset="0"/>
+                            </a:rPr>
+                          </m:ctrlPr>
+                        </m:funcPr>
+                        <m:fName>
+                          <m:r>
+                            <m:rPr>
+                              <m:sty m:val="p"/>
+                            </m:rPr>
+                            <a:rPr lang="fr-FR" b="0" i="0" smtClean="0">
+                              <a:latin typeface="Cambria Math" panose="02040503050406030204" pitchFamily="18" charset="0"/>
+                            </a:rPr>
+                            <m:t>arg</m:t>
+                          </m:r>
+                        </m:fName>
+                        <m:e>
+                          <m:d>
+                            <m:dPr>
+                              <m:ctrlPr>
+                                <a:rPr lang="fr-FR" b="0" i="1" smtClean="0">
+                                  <a:latin typeface="Cambria Math" panose="02040503050406030204" pitchFamily="18" charset="0"/>
+                                </a:rPr>
+                              </m:ctrlPr>
+                            </m:dPr>
+                            <m:e>
+                              <m:r>
+                                <a:rPr lang="fr-FR" i="1">
+                                  <a:latin typeface="Cambria Math" panose="02040503050406030204" pitchFamily="18" charset="0"/>
+                                </a:rPr>
+                                <m:t>1+</m:t>
+                              </m:r>
+                              <m:r>
+                                <a:rPr lang="fr-FR" i="1">
+                                  <a:latin typeface="Cambria Math" panose="02040503050406030204" pitchFamily="18" charset="0"/>
+                                </a:rPr>
+                                <m:t>𝜏</m:t>
+                              </m:r>
+                              <m:r>
+                                <a:rPr lang="fr-FR" i="1">
+                                  <a:latin typeface="Cambria Math" panose="02040503050406030204" pitchFamily="18" charset="0"/>
+                                </a:rPr>
+                                <m:t>𝑗</m:t>
+                              </m:r>
+                              <m:r>
+                                <a:rPr lang="fr-FR" i="1">
+                                  <a:latin typeface="Cambria Math" panose="02040503050406030204" pitchFamily="18" charset="0"/>
+                                </a:rPr>
+                                <m:t>𝜔</m:t>
+                              </m:r>
+                            </m:e>
+                          </m:d>
+                        </m:e>
+                      </m:func>
+                      <m:r>
+                        <a:rPr lang="fr-FR" b="0" i="1" smtClean="0">
+                          <a:latin typeface="Cambria Math" panose="02040503050406030204" pitchFamily="18" charset="0"/>
+                        </a:rPr>
+                        <m:t>=</m:t>
+                      </m:r>
+                      <m:func>
+                        <m:funcPr>
+                          <m:ctrlPr>
+                            <a:rPr lang="fr-FR" b="0" i="1" smtClean="0">
+                              <a:latin typeface="Cambria Math" panose="02040503050406030204" pitchFamily="18" charset="0"/>
+                            </a:rPr>
+                          </m:ctrlPr>
+                        </m:funcPr>
+                        <m:fName>
+                          <m:r>
+                            <m:rPr>
+                              <m:sty m:val="p"/>
+                            </m:rPr>
+                            <a:rPr lang="fr-FR" b="0" i="0" smtClean="0">
+                              <a:latin typeface="Cambria Math" panose="02040503050406030204" pitchFamily="18" charset="0"/>
+                            </a:rPr>
+                            <m:t>atan</m:t>
+                          </m:r>
+                        </m:fName>
+                        <m:e>
+                          <m:r>
+                            <a:rPr lang="fr-FR" b="0" i="1" smtClean="0">
+                              <a:latin typeface="Cambria Math" panose="02040503050406030204" pitchFamily="18" charset="0"/>
+                            </a:rPr>
+                            <m:t>𝜏𝜔</m:t>
+                          </m:r>
+                        </m:e>
+                      </m:func>
+                    </m:oMath>
+                  </m:oMathPara>
+                </a14:m>
+                <a:endParaRPr lang="fr-FR" dirty="0"/>
+              </a:p>
+            </p:txBody>
+          </p:sp>
+        </mc:Choice>
+        <mc:Fallback>
+          <p:sp>
+            <p:nvSpPr>
+              <p:cNvPr id="3" name="Espace réservé du contenu 2">
+                <a:extLst>
+                  <a:ext uri="{FF2B5EF4-FFF2-40B4-BE49-F238E27FC236}">
+                    <a16:creationId xmlns:a16="http://schemas.microsoft.com/office/drawing/2014/main" id="{2CB76040-025C-4456-9916-A164E1C98B01}"/>
+                  </a:ext>
+                </a:extLst>
+              </p:cNvPr>
+              <p:cNvSpPr>
+                <a:spLocks noGrp="1" noRot="1" noChangeAspect="1" noMove="1" noResize="1" noEditPoints="1" noAdjustHandles="1" noChangeArrowheads="1" noChangeShapeType="1" noTextEdit="1"/>
+              </p:cNvSpPr>
+              <p:nvPr>
+                <p:ph idx="1"/>
+              </p:nvPr>
+            </p:nvSpPr>
+            <p:spPr>
+              <a:blipFill>
+                <a:blip r:embed="rId2"/>
+                <a:stretch>
+                  <a:fillRect/>
+                </a:stretch>
+              </a:blipFill>
+            </p:spPr>
+            <p:txBody>
+              <a:bodyPr/>
+              <a:lstStyle/>
+              <a:p>
+                <a:r>
+                  <a:rPr lang="fr-FR">
+                    <a:noFill/>
+                  </a:rPr>
+                  <a:t> </a:t>
+                </a:r>
+              </a:p>
+            </p:txBody>
+          </p:sp>
+        </mc:Fallback>
+      </mc:AlternateContent>
+    </p:spTree>
+    <p:extLst>
+      <p:ext uri="{BB962C8B-B14F-4D97-AF65-F5344CB8AC3E}">
+        <p14:creationId xmlns:p14="http://schemas.microsoft.com/office/powerpoint/2010/main" val="2632829755"/>
+      </p:ext>
+    </p:extLst>
+  </p:cSld>
+  <p:clrMapOvr>
+    <a:masterClrMapping/>
+  </p:clrMapOvr>
+</p:sld>
+</file>
+
+<file path=ppt/slides/slide3.xml><?xml version="1.0" encoding="utf-8"?>
 <p:sld xmlns:a="http://schemas.openxmlformats.org/drawingml/2006/main" xmlns:r="http://schemas.openxmlformats.org/officeDocument/2006/relationships" xmlns:p="http://schemas.openxmlformats.org/presentationml/2006/main">
   <p:cSld>
     <p:spTree>
@@ -4213,8 +7672,8 @@
           </p:sp>
         </mc:Fallback>
       </mc:AlternateContent>
-      <mc:AlternateContent xmlns:mc="http://schemas.openxmlformats.org/markup-compatibility/2006" xmlns:a14="http://schemas.microsoft.com/office/drawing/2010/main">
-        <mc:Choice Requires="a14">
+      <mc:AlternateContent xmlns:mc="http://schemas.openxmlformats.org/markup-compatibility/2006">
+        <mc:Choice xmlns:a14="http://schemas.microsoft.com/office/drawing/2010/main" Requires="a14">
           <p:sp>
             <p:nvSpPr>
               <p:cNvPr id="33" name="ZoneTexte 32">
@@ -4229,7 +7688,7 @@
             </p:nvSpPr>
             <p:spPr>
               <a:xfrm>
-                <a:off x="4043680" y="2701251"/>
+                <a:off x="3982720" y="3033714"/>
                 <a:ext cx="833120" cy="369332"/>
               </a:xfrm>
               <a:prstGeom prst="rect">
@@ -4282,7 +7741,7 @@
             </p:txBody>
           </p:sp>
         </mc:Choice>
-        <mc:Fallback xmlns="">
+        <mc:Fallback>
           <p:sp>
             <p:nvSpPr>
               <p:cNvPr id="33" name="ZoneTexte 32">
@@ -4299,7 +7758,7 @@
             </p:nvSpPr>
             <p:spPr>
               <a:xfrm>
-                <a:off x="4043680" y="2701251"/>
+                <a:off x="3982720" y="3033714"/>
                 <a:ext cx="833120" cy="369332"/>
               </a:xfrm>
               <a:prstGeom prst="rect">
@@ -4308,7 +7767,7 @@
               <a:blipFill>
                 <a:blip r:embed="rId6"/>
                 <a:stretch>
-                  <a:fillRect b="-13115"/>
+                  <a:fillRect b="-13333"/>
                 </a:stretch>
               </a:blipFill>
             </p:spPr>
@@ -4374,7 +7833,7 @@
     </p:spTree>
     <p:extLst>
       <p:ext uri="{BB962C8B-B14F-4D97-AF65-F5344CB8AC3E}">
-        <p14:creationId xmlns:p14="http://schemas.microsoft.com/office/powerpoint/2010/main" val="1464393217"/>
+        <p14:creationId xmlns:p14="http://schemas.microsoft.com/office/powerpoint/2010/main" val="3697846084"/>
       </p:ext>
     </p:extLst>
   </p:cSld>
@@ -4384,7 +7843,7 @@
 </p:sld>
 </file>
 
-<file path=ppt/slides/slide2.xml><?xml version="1.0" encoding="utf-8"?>
+<file path=ppt/slides/slide4.xml><?xml version="1.0" encoding="utf-8"?>
 <p:sld xmlns:a="http://schemas.openxmlformats.org/drawingml/2006/main" xmlns:r="http://schemas.openxmlformats.org/officeDocument/2006/relationships" xmlns:p="http://schemas.openxmlformats.org/presentationml/2006/main">
   <p:cSld>
     <p:spTree>
@@ -4401,8 +7860,8 @@
           <a:chExt cx="0" cy="0"/>
         </a:xfrm>
       </p:grpSpPr>
-      <mc:AlternateContent xmlns:mc="http://schemas.openxmlformats.org/markup-compatibility/2006">
-        <mc:Choice xmlns:a14="http://schemas.microsoft.com/office/drawing/2010/main" Requires="a14">
+      <mc:AlternateContent xmlns:mc="http://schemas.openxmlformats.org/markup-compatibility/2006" xmlns:a14="http://schemas.microsoft.com/office/drawing/2010/main">
+        <mc:Choice Requires="a14">
           <p:sp>
             <p:nvSpPr>
               <p:cNvPr id="4" name="Rectangle 3">
@@ -4505,7 +7964,7 @@
             </p:txBody>
           </p:sp>
         </mc:Choice>
-        <mc:Fallback>
+        <mc:Fallback xmlns="">
           <p:sp>
             <p:nvSpPr>
               <p:cNvPr id="4" name="Rectangle 3">
@@ -4825,8 +8284,8 @@
           </a:fontRef>
         </p:style>
       </p:cxnSp>
-      <mc:AlternateContent xmlns:mc="http://schemas.openxmlformats.org/markup-compatibility/2006">
-        <mc:Choice xmlns:a14="http://schemas.microsoft.com/office/drawing/2010/main" Requires="a14">
+      <mc:AlternateContent xmlns:mc="http://schemas.openxmlformats.org/markup-compatibility/2006" xmlns:a14="http://schemas.microsoft.com/office/drawing/2010/main">
+        <mc:Choice Requires="a14">
           <p:sp>
             <p:nvSpPr>
               <p:cNvPr id="18" name="Rectangle 17">
@@ -4934,7 +8393,7 @@
             </p:txBody>
           </p:sp>
         </mc:Choice>
-        <mc:Fallback>
+        <mc:Fallback xmlns="">
           <p:sp>
             <p:nvSpPr>
               <p:cNvPr id="18" name="Rectangle 17">
@@ -5041,8 +8500,8 @@
           </a:p>
         </p:txBody>
       </p:sp>
-      <mc:AlternateContent xmlns:mc="http://schemas.openxmlformats.org/markup-compatibility/2006">
-        <mc:Choice xmlns:a14="http://schemas.microsoft.com/office/drawing/2010/main" Requires="a14">
+      <mc:AlternateContent xmlns:mc="http://schemas.openxmlformats.org/markup-compatibility/2006" xmlns:a14="http://schemas.microsoft.com/office/drawing/2010/main">
+        <mc:Choice Requires="a14">
           <p:sp>
             <p:nvSpPr>
               <p:cNvPr id="27" name="Rectangle 26">
@@ -5145,7 +8604,7 @@
             </p:txBody>
           </p:sp>
         </mc:Choice>
-        <mc:Fallback>
+        <mc:Fallback xmlns="">
           <p:sp>
             <p:nvSpPr>
               <p:cNvPr id="27" name="Rectangle 26">
@@ -5239,8 +8698,8 @@
           </a:fontRef>
         </p:style>
       </p:cxnSp>
-      <mc:AlternateContent xmlns:mc="http://schemas.openxmlformats.org/markup-compatibility/2006">
-        <mc:Choice xmlns:a14="http://schemas.microsoft.com/office/drawing/2010/main" Requires="a14">
+      <mc:AlternateContent xmlns:mc="http://schemas.openxmlformats.org/markup-compatibility/2006" xmlns:a14="http://schemas.microsoft.com/office/drawing/2010/main">
+        <mc:Choice Requires="a14">
           <p:sp>
             <p:nvSpPr>
               <p:cNvPr id="30" name="Rectangle 29">
@@ -5343,7 +8802,7 @@
             </p:txBody>
           </p:sp>
         </mc:Choice>
-        <mc:Fallback>
+        <mc:Fallback xmlns="">
           <p:sp>
             <p:nvSpPr>
               <p:cNvPr id="30" name="Rectangle 29">
@@ -5482,8 +8941,8 @@
           </a:fontRef>
         </p:style>
       </p:cxnSp>
-      <mc:AlternateContent xmlns:mc="http://schemas.openxmlformats.org/markup-compatibility/2006">
-        <mc:Choice xmlns:a14="http://schemas.microsoft.com/office/drawing/2010/main" Requires="a14">
+      <mc:AlternateContent xmlns:mc="http://schemas.openxmlformats.org/markup-compatibility/2006" xmlns:a14="http://schemas.microsoft.com/office/drawing/2010/main">
+        <mc:Choice Requires="a14">
           <p:sp>
             <p:nvSpPr>
               <p:cNvPr id="40" name="Rectangle 39">
@@ -5591,7 +9050,7 @@
             </p:txBody>
           </p:sp>
         </mc:Choice>
-        <mc:Fallback>
+        <mc:Fallback xmlns="">
           <p:sp>
             <p:nvSpPr>
               <p:cNvPr id="40" name="Rectangle 39">
@@ -6011,8 +9470,8 @@
           </a:fontRef>
         </p:style>
       </p:cxnSp>
-      <mc:AlternateContent xmlns:mc="http://schemas.openxmlformats.org/markup-compatibility/2006">
-        <mc:Choice xmlns:a14="http://schemas.microsoft.com/office/drawing/2010/main" Requires="a14">
+      <mc:AlternateContent xmlns:mc="http://schemas.openxmlformats.org/markup-compatibility/2006" xmlns:a14="http://schemas.microsoft.com/office/drawing/2010/main">
+        <mc:Choice Requires="a14">
           <p:sp>
             <p:nvSpPr>
               <p:cNvPr id="61" name="Rectangle 60">
@@ -6123,7 +9582,7 @@
             </p:txBody>
           </p:sp>
         </mc:Choice>
-        <mc:Fallback>
+        <mc:Fallback xmlns="">
           <p:sp>
             <p:nvSpPr>
               <p:cNvPr id="61" name="Rectangle 60">
@@ -6168,8 +9627,8 @@
           </p:sp>
         </mc:Fallback>
       </mc:AlternateContent>
-      <mc:AlternateContent xmlns:mc="http://schemas.openxmlformats.org/markup-compatibility/2006">
-        <mc:Choice xmlns:a14="http://schemas.microsoft.com/office/drawing/2010/main" Requires="a14">
+      <mc:AlternateContent xmlns:mc="http://schemas.openxmlformats.org/markup-compatibility/2006" xmlns:a14="http://schemas.microsoft.com/office/drawing/2010/main">
+        <mc:Choice Requires="a14">
           <p:sp>
             <p:nvSpPr>
               <p:cNvPr id="63" name="Rectangle 62">
@@ -6295,7 +9754,7 @@
             </p:txBody>
           </p:sp>
         </mc:Choice>
-        <mc:Fallback>
+        <mc:Fallback xmlns="">
           <p:sp>
             <p:nvSpPr>
               <p:cNvPr id="63" name="Rectangle 62">
@@ -6340,8 +9799,8 @@
           </p:sp>
         </mc:Fallback>
       </mc:AlternateContent>
-      <mc:AlternateContent xmlns:mc="http://schemas.openxmlformats.org/markup-compatibility/2006">
-        <mc:Choice xmlns:a14="http://schemas.microsoft.com/office/drawing/2010/main" Requires="a14">
+      <mc:AlternateContent xmlns:mc="http://schemas.openxmlformats.org/markup-compatibility/2006" xmlns:a14="http://schemas.microsoft.com/office/drawing/2010/main">
+        <mc:Choice Requires="a14">
           <p:sp>
             <p:nvSpPr>
               <p:cNvPr id="64" name="Rectangle 63">
@@ -6397,7 +9856,7 @@
             </p:txBody>
           </p:sp>
         </mc:Choice>
-        <mc:Fallback>
+        <mc:Fallback xmlns="">
           <p:sp>
             <p:nvSpPr>
               <p:cNvPr id="64" name="Rectangle 63">
@@ -6442,8 +9901,8 @@
           </p:sp>
         </mc:Fallback>
       </mc:AlternateContent>
-      <mc:AlternateContent xmlns:mc="http://schemas.openxmlformats.org/markup-compatibility/2006">
-        <mc:Choice xmlns:a14="http://schemas.microsoft.com/office/drawing/2010/main" Requires="a14">
+      <mc:AlternateContent xmlns:mc="http://schemas.openxmlformats.org/markup-compatibility/2006" xmlns:a14="http://schemas.microsoft.com/office/drawing/2010/main">
+        <mc:Choice Requires="a14">
           <p:sp>
             <p:nvSpPr>
               <p:cNvPr id="65" name="Rectangle 64">
@@ -6499,7 +9958,7 @@
             </p:txBody>
           </p:sp>
         </mc:Choice>
-        <mc:Fallback>
+        <mc:Fallback xmlns="">
           <p:sp>
             <p:nvSpPr>
               <p:cNvPr id="65" name="Rectangle 64">
@@ -6544,8 +10003,8 @@
           </p:sp>
         </mc:Fallback>
       </mc:AlternateContent>
-      <mc:AlternateContent xmlns:mc="http://schemas.openxmlformats.org/markup-compatibility/2006">
-        <mc:Choice xmlns:a14="http://schemas.microsoft.com/office/drawing/2010/main" Requires="a14">
+      <mc:AlternateContent xmlns:mc="http://schemas.openxmlformats.org/markup-compatibility/2006" xmlns:a14="http://schemas.microsoft.com/office/drawing/2010/main">
+        <mc:Choice Requires="a14">
           <p:sp>
             <p:nvSpPr>
               <p:cNvPr id="66" name="Rectangle 65">
@@ -6601,7 +10060,7 @@
             </p:txBody>
           </p:sp>
         </mc:Choice>
-        <mc:Fallback>
+        <mc:Fallback xmlns="">
           <p:sp>
             <p:nvSpPr>
               <p:cNvPr id="66" name="Rectangle 65">
@@ -6646,8 +10105,8 @@
           </p:sp>
         </mc:Fallback>
       </mc:AlternateContent>
-      <mc:AlternateContent xmlns:mc="http://schemas.openxmlformats.org/markup-compatibility/2006">
-        <mc:Choice xmlns:a14="http://schemas.microsoft.com/office/drawing/2010/main" Requires="a14">
+      <mc:AlternateContent xmlns:mc="http://schemas.openxmlformats.org/markup-compatibility/2006" xmlns:a14="http://schemas.microsoft.com/office/drawing/2010/main">
+        <mc:Choice Requires="a14">
           <p:sp>
             <p:nvSpPr>
               <p:cNvPr id="67" name="Rectangle 66">
@@ -6703,7 +10162,7 @@
             </p:txBody>
           </p:sp>
         </mc:Choice>
-        <mc:Fallback>
+        <mc:Fallback xmlns="">
           <p:sp>
             <p:nvSpPr>
               <p:cNvPr id="67" name="Rectangle 66">
@@ -6748,8 +10207,8 @@
           </p:sp>
         </mc:Fallback>
       </mc:AlternateContent>
-      <mc:AlternateContent xmlns:mc="http://schemas.openxmlformats.org/markup-compatibility/2006">
-        <mc:Choice xmlns:a14="http://schemas.microsoft.com/office/drawing/2010/main" Requires="a14">
+      <mc:AlternateContent xmlns:mc="http://schemas.openxmlformats.org/markup-compatibility/2006" xmlns:a14="http://schemas.microsoft.com/office/drawing/2010/main">
+        <mc:Choice Requires="a14">
           <p:sp>
             <p:nvSpPr>
               <p:cNvPr id="68" name="Rectangle 67">
@@ -6805,7 +10264,7 @@
             </p:txBody>
           </p:sp>
         </mc:Choice>
-        <mc:Fallback>
+        <mc:Fallback xmlns="">
           <p:sp>
             <p:nvSpPr>
               <p:cNvPr id="68" name="Rectangle 67">
@@ -6850,8 +10309,8 @@
           </p:sp>
         </mc:Fallback>
       </mc:AlternateContent>
-      <mc:AlternateContent xmlns:mc="http://schemas.openxmlformats.org/markup-compatibility/2006">
-        <mc:Choice xmlns:a14="http://schemas.microsoft.com/office/drawing/2010/main" Requires="a14">
+      <mc:AlternateContent xmlns:mc="http://schemas.openxmlformats.org/markup-compatibility/2006" xmlns:a14="http://schemas.microsoft.com/office/drawing/2010/main">
+        <mc:Choice Requires="a14">
           <p:sp>
             <p:nvSpPr>
               <p:cNvPr id="69" name="Rectangle 68">
@@ -6907,7 +10366,7 @@
             </p:txBody>
           </p:sp>
         </mc:Choice>
-        <mc:Fallback>
+        <mc:Fallback xmlns="">
           <p:sp>
             <p:nvSpPr>
               <p:cNvPr id="69" name="Rectangle 68">
@@ -6952,8 +10411,8 @@
           </p:sp>
         </mc:Fallback>
       </mc:AlternateContent>
-      <mc:AlternateContent xmlns:mc="http://schemas.openxmlformats.org/markup-compatibility/2006">
-        <mc:Choice xmlns:a14="http://schemas.microsoft.com/office/drawing/2010/main" Requires="a14">
+      <mc:AlternateContent xmlns:mc="http://schemas.openxmlformats.org/markup-compatibility/2006" xmlns:a14="http://schemas.microsoft.com/office/drawing/2010/main">
+        <mc:Choice Requires="a14">
           <p:sp>
             <p:nvSpPr>
               <p:cNvPr id="70" name="Rectangle 69">
@@ -7036,7 +10495,7 @@
             </p:txBody>
           </p:sp>
         </mc:Choice>
-        <mc:Fallback>
+        <mc:Fallback xmlns="">
           <p:sp>
             <p:nvSpPr>
               <p:cNvPr id="70" name="Rectangle 69">
@@ -7094,7 +10553,7 @@
 </p:sld>
 </file>
 
-<file path=ppt/slides/slide3.xml><?xml version="1.0" encoding="utf-8"?>
+<file path=ppt/slides/slide5.xml><?xml version="1.0" encoding="utf-8"?>
 <p:sld xmlns:a="http://schemas.openxmlformats.org/drawingml/2006/main" xmlns:r="http://schemas.openxmlformats.org/officeDocument/2006/relationships" xmlns:p="http://schemas.openxmlformats.org/presentationml/2006/main">
   <p:cSld>
     <p:spTree>
@@ -10242,7 +13701,7 @@
 </p:sld>
 </file>
 
-<file path=ppt/slides/slide4.xml><?xml version="1.0" encoding="utf-8"?>
+<file path=ppt/slides/slide6.xml><?xml version="1.0" encoding="utf-8"?>
 <p:sld xmlns:a="http://schemas.openxmlformats.org/drawingml/2006/main" xmlns:r="http://schemas.openxmlformats.org/officeDocument/2006/relationships" xmlns:p="http://schemas.openxmlformats.org/presentationml/2006/main">
   <p:cSld>
     <p:spTree>
@@ -13808,7 +17267,7 @@
 </p:sld>
 </file>
 
-<file path=ppt/slides/slide5.xml><?xml version="1.0" encoding="utf-8"?>
+<file path=ppt/slides/slide7.xml><?xml version="1.0" encoding="utf-8"?>
 <p:sld xmlns:a="http://schemas.openxmlformats.org/drawingml/2006/main" xmlns:r="http://schemas.openxmlformats.org/officeDocument/2006/relationships" xmlns:p="http://schemas.openxmlformats.org/presentationml/2006/main">
   <p:cSld>
     <p:spTree>
@@ -14695,7 +18154,7 @@
 </p:sld>
 </file>
 
-<file path=ppt/slides/slide6.xml><?xml version="1.0" encoding="utf-8"?>
+<file path=ppt/slides/slide8.xml><?xml version="1.0" encoding="utf-8"?>
 <p:sld xmlns:a="http://schemas.openxmlformats.org/drawingml/2006/main" xmlns:r="http://schemas.openxmlformats.org/officeDocument/2006/relationships" xmlns:p="http://schemas.openxmlformats.org/presentationml/2006/main">
   <p:cSld>
     <p:spTree>
